--- a/DataSciencePresentation.pptx
+++ b/DataSciencePresentation.pptx
@@ -5,10 +5,10 @@
     <p:sldMasterId id="2147483648" r:id="rId6"/>
   </p:sldMasterIdLst>
   <p:notesMasterIdLst>
-    <p:notesMasterId r:id="rId43"/>
+    <p:notesMasterId r:id="rId45"/>
   </p:notesMasterIdLst>
   <p:handoutMasterIdLst>
-    <p:handoutMasterId r:id="rId44"/>
+    <p:handoutMasterId r:id="rId46"/>
   </p:handoutMasterIdLst>
   <p:sldIdLst>
     <p:sldId id="516" r:id="rId7"/>
@@ -19,34 +19,36 @@
     <p:sldId id="534" r:id="rId12"/>
     <p:sldId id="533" r:id="rId13"/>
     <p:sldId id="523" r:id="rId14"/>
-    <p:sldId id="524" r:id="rId15"/>
-    <p:sldId id="525" r:id="rId16"/>
-    <p:sldId id="526" r:id="rId17"/>
-    <p:sldId id="527" r:id="rId18"/>
-    <p:sldId id="528" r:id="rId19"/>
-    <p:sldId id="529" r:id="rId20"/>
-    <p:sldId id="530" r:id="rId21"/>
-    <p:sldId id="531" r:id="rId22"/>
-    <p:sldId id="522" r:id="rId23"/>
-    <p:sldId id="521" r:id="rId24"/>
-    <p:sldId id="510" r:id="rId25"/>
-    <p:sldId id="491" r:id="rId26"/>
-    <p:sldId id="519" r:id="rId27"/>
-    <p:sldId id="496" r:id="rId28"/>
-    <p:sldId id="499" r:id="rId29"/>
-    <p:sldId id="497" r:id="rId30"/>
-    <p:sldId id="514" r:id="rId31"/>
-    <p:sldId id="518" r:id="rId32"/>
-    <p:sldId id="513" r:id="rId33"/>
-    <p:sldId id="502" r:id="rId34"/>
-    <p:sldId id="503" r:id="rId35"/>
-    <p:sldId id="504" r:id="rId36"/>
-    <p:sldId id="498" r:id="rId37"/>
-    <p:sldId id="505" r:id="rId38"/>
-    <p:sldId id="494" r:id="rId39"/>
-    <p:sldId id="509" r:id="rId40"/>
-    <p:sldId id="506" r:id="rId41"/>
-    <p:sldId id="493" r:id="rId42"/>
+    <p:sldId id="536" r:id="rId15"/>
+    <p:sldId id="535" r:id="rId16"/>
+    <p:sldId id="524" r:id="rId17"/>
+    <p:sldId id="525" r:id="rId18"/>
+    <p:sldId id="526" r:id="rId19"/>
+    <p:sldId id="527" r:id="rId20"/>
+    <p:sldId id="528" r:id="rId21"/>
+    <p:sldId id="529" r:id="rId22"/>
+    <p:sldId id="530" r:id="rId23"/>
+    <p:sldId id="531" r:id="rId24"/>
+    <p:sldId id="522" r:id="rId25"/>
+    <p:sldId id="521" r:id="rId26"/>
+    <p:sldId id="510" r:id="rId27"/>
+    <p:sldId id="491" r:id="rId28"/>
+    <p:sldId id="519" r:id="rId29"/>
+    <p:sldId id="496" r:id="rId30"/>
+    <p:sldId id="499" r:id="rId31"/>
+    <p:sldId id="497" r:id="rId32"/>
+    <p:sldId id="514" r:id="rId33"/>
+    <p:sldId id="518" r:id="rId34"/>
+    <p:sldId id="513" r:id="rId35"/>
+    <p:sldId id="502" r:id="rId36"/>
+    <p:sldId id="503" r:id="rId37"/>
+    <p:sldId id="504" r:id="rId38"/>
+    <p:sldId id="498" r:id="rId39"/>
+    <p:sldId id="505" r:id="rId40"/>
+    <p:sldId id="494" r:id="rId41"/>
+    <p:sldId id="509" r:id="rId42"/>
+    <p:sldId id="506" r:id="rId43"/>
+    <p:sldId id="493" r:id="rId44"/>
   </p:sldIdLst>
   <p:sldSz cx="9144000" cy="6858000" type="screen4x3"/>
   <p:notesSz cx="6858000" cy="9144000"/>
@@ -158,6 +160,8 @@
             <p14:sldId id="534"/>
             <p14:sldId id="533"/>
             <p14:sldId id="523"/>
+            <p14:sldId id="536"/>
+            <p14:sldId id="535"/>
             <p14:sldId id="524"/>
             <p14:sldId id="525"/>
             <p14:sldId id="526"/>
@@ -194,7 +198,7 @@
       </p14:sectionLst>
     </p:ext>
     <p:ext uri="{EFAFB233-063F-42B5-8137-9DF3F51BA10A}">
-      <p15:sldGuideLst xmlns="" xmlns:p15="http://schemas.microsoft.com/office/powerpoint/2012/main">
+      <p15:sldGuideLst xmlns:p15="http://schemas.microsoft.com/office/powerpoint/2012/main" xmlns="">
         <p15:guide id="1" orient="horz" pos="2160">
           <p15:clr>
             <a:srgbClr val="A4A3A4"/>
@@ -8744,7 +8748,7 @@
               <a:rPr lang="en-US" smtClean="0">
                 <a:latin typeface="Arial" charset="0"/>
               </a:rPr>
-              <a:t>1/16/2018</a:t>
+              <a:t>1/18/2018</a:t>
             </a:fld>
             <a:endParaRPr lang="en-US" dirty="0">
               <a:latin typeface="Arial" charset="0"/>
@@ -8922,7 +8926,7 @@
             <a:fld id="{EA0B0923-116C-49FA-B24A-9794571768C4}" type="datetimeFigureOut">
               <a:rPr lang="en-US" smtClean="0"/>
               <a:pPr/>
-              <a:t>1/16/2018</a:t>
+              <a:t>1/18/2018</a:t>
             </a:fld>
             <a:endParaRPr lang="en-US" dirty="0"/>
           </a:p>
@@ -9341,7 +9345,7 @@
           <a:p>
             <a:fld id="{F23EEDA6-C444-400B-9265-AA145BEA4DAB}" type="datetime8">
               <a:rPr lang="en-US" smtClean="0"/>
-              <a:t>1/16/2018 5:18 PM</a:t>
+              <a:t>1/18/2018 11:57 AM</a:t>
             </a:fld>
             <a:endParaRPr lang="en-US" dirty="0"/>
           </a:p>
@@ -9497,7 +9501,7 @@
           <a:p>
             <a:fld id="{F64C424B-C749-4819-BEAF-C73A3A7C174A}" type="datetime8">
               <a:rPr lang="en-US" smtClean="0"/>
-              <a:t>1/16/2018 5:18 PM</a:t>
+              <a:t>1/18/2018 11:57 AM</a:t>
             </a:fld>
             <a:endParaRPr lang="en-US" dirty="0"/>
           </a:p>
@@ -9665,7 +9669,7 @@
           <a:p>
             <a:fld id="{F64C424B-C749-4819-BEAF-C73A3A7C174A}" type="datetime8">
               <a:rPr lang="en-US" smtClean="0"/>
-              <a:t>1/16/2018 5:18 PM</a:t>
+              <a:t>1/18/2018 11:57 AM</a:t>
             </a:fld>
             <a:endParaRPr lang="en-US" dirty="0"/>
           </a:p>
@@ -9833,7 +9837,7 @@
           <a:p>
             <a:fld id="{F64C424B-C749-4819-BEAF-C73A3A7C174A}" type="datetime8">
               <a:rPr lang="en-US" smtClean="0"/>
-              <a:t>1/16/2018 5:18 PM</a:t>
+              <a:t>1/18/2018 11:57 AM</a:t>
             </a:fld>
             <a:endParaRPr lang="en-US" dirty="0"/>
           </a:p>
@@ -10001,7 +10005,7 @@
           <a:p>
             <a:fld id="{F64C424B-C749-4819-BEAF-C73A3A7C174A}" type="datetime8">
               <a:rPr lang="en-US" smtClean="0"/>
-              <a:t>1/16/2018 5:18 PM</a:t>
+              <a:t>1/18/2018 11:57 AM</a:t>
             </a:fld>
             <a:endParaRPr lang="en-US" dirty="0"/>
           </a:p>
@@ -10169,7 +10173,7 @@
           <a:p>
             <a:fld id="{F64C424B-C749-4819-BEAF-C73A3A7C174A}" type="datetime8">
               <a:rPr lang="en-US" smtClean="0"/>
-              <a:t>1/16/2018 5:18 PM</a:t>
+              <a:t>1/18/2018 11:57 AM</a:t>
             </a:fld>
             <a:endParaRPr lang="en-US" dirty="0"/>
           </a:p>
@@ -10337,7 +10341,7 @@
           <a:p>
             <a:fld id="{F64C424B-C749-4819-BEAF-C73A3A7C174A}" type="datetime8">
               <a:rPr lang="en-US" smtClean="0"/>
-              <a:t>1/16/2018 5:18 PM</a:t>
+              <a:t>1/18/2018 11:57 AM</a:t>
             </a:fld>
             <a:endParaRPr lang="en-US" dirty="0"/>
           </a:p>
@@ -10505,7 +10509,7 @@
           <a:p>
             <a:fld id="{F64C424B-C749-4819-BEAF-C73A3A7C174A}" type="datetime8">
               <a:rPr lang="en-US" smtClean="0"/>
-              <a:t>1/16/2018 5:18 PM</a:t>
+              <a:t>1/18/2018 11:57 AM</a:t>
             </a:fld>
             <a:endParaRPr lang="en-US" dirty="0"/>
           </a:p>
@@ -10673,7 +10677,343 @@
           <a:p>
             <a:fld id="{F64C424B-C749-4819-BEAF-C73A3A7C174A}" type="datetime8">
               <a:rPr lang="en-US" smtClean="0"/>
-              <a:t>1/16/2018 5:18 PM</a:t>
+              <a:t>1/18/2018 11:57 AM</a:t>
+            </a:fld>
+            <a:endParaRPr lang="en-US" dirty="0"/>
+          </a:p>
+        </p:txBody>
+      </p:sp>
+      <p:sp>
+        <p:nvSpPr>
+          <p:cNvPr id="9" name="Footer Placeholder 8"/>
+          <p:cNvSpPr>
+            <a:spLocks noGrp="1"/>
+          </p:cNvSpPr>
+          <p:nvPr>
+            <p:ph type="ftr" sz="quarter" idx="15"/>
+          </p:nvPr>
+        </p:nvSpPr>
+        <p:spPr/>
+        <p:txBody>
+          <a:bodyPr/>
+          <a:lstStyle/>
+          <a:p>
+            <a:pPr defTabSz="932290" eaLnBrk="0" hangingPunct="0"/>
+            <a:r>
+              <a:rPr lang="en-US" sz="500" dirty="0">
+                <a:gradFill>
+                  <a:gsLst>
+                    <a:gs pos="0">
+                      <a:schemeClr val="tx1"/>
+                    </a:gs>
+                    <a:gs pos="100000">
+                      <a:schemeClr val="tx1"/>
+                    </a:gs>
+                  </a:gsLst>
+                  <a:lin ang="5400000" scaled="0"/>
+                </a:gradFill>
+                <a:cs typeface="Arial" panose="020B0604020202020204" pitchFamily="34" charset="0"/>
+              </a:rPr>
+              <a:t>© 2016 Optum, Inc. All rights reserved. </a:t>
+            </a:r>
+          </a:p>
+        </p:txBody>
+      </p:sp>
+    </p:spTree>
+    <p:extLst>
+      <p:ext uri="{BB962C8B-B14F-4D97-AF65-F5344CB8AC3E}">
+        <p14:creationId xmlns:p14="http://schemas.microsoft.com/office/powerpoint/2010/main" val="439873543"/>
+      </p:ext>
+    </p:extLst>
+  </p:cSld>
+  <p:clrMapOvr>
+    <a:masterClrMapping/>
+  </p:clrMapOvr>
+</p:notes>
+</file>
+
+<file path=ppt/notesSlides/notesSlide18.xml><?xml version="1.0" encoding="utf-8"?>
+<p:notes xmlns:a="http://schemas.openxmlformats.org/drawingml/2006/main" xmlns:r="http://schemas.openxmlformats.org/officeDocument/2006/relationships" xmlns:p="http://schemas.openxmlformats.org/presentationml/2006/main">
+  <p:cSld>
+    <p:spTree>
+      <p:nvGrpSpPr>
+        <p:cNvPr id="1" name=""/>
+        <p:cNvGrpSpPr/>
+        <p:nvPr/>
+      </p:nvGrpSpPr>
+      <p:grpSpPr>
+        <a:xfrm>
+          <a:off x="0" y="0"/>
+          <a:ext cx="0" cy="0"/>
+          <a:chOff x="0" y="0"/>
+          <a:chExt cx="0" cy="0"/>
+        </a:xfrm>
+      </p:grpSpPr>
+      <p:sp>
+        <p:nvSpPr>
+          <p:cNvPr id="2" name="Slide Image Placeholder 1"/>
+          <p:cNvSpPr>
+            <a:spLocks noGrp="1" noRot="1" noChangeAspect="1"/>
+          </p:cNvSpPr>
+          <p:nvPr>
+            <p:ph type="sldImg"/>
+          </p:nvPr>
+        </p:nvSpPr>
+        <p:spPr>
+          <a:xfrm>
+            <a:off x="1143000" y="685800"/>
+            <a:ext cx="4572000" cy="3429000"/>
+          </a:xfrm>
+        </p:spPr>
+      </p:sp>
+      <p:sp>
+        <p:nvSpPr>
+          <p:cNvPr id="3" name="Notes Placeholder 2"/>
+          <p:cNvSpPr>
+            <a:spLocks noGrp="1"/>
+          </p:cNvSpPr>
+          <p:nvPr>
+            <p:ph type="body" idx="1"/>
+          </p:nvPr>
+        </p:nvSpPr>
+        <p:spPr/>
+        <p:txBody>
+          <a:bodyPr/>
+          <a:lstStyle/>
+          <a:p>
+            <a:endParaRPr lang="en-US" dirty="0"/>
+          </a:p>
+        </p:txBody>
+      </p:sp>
+      <p:sp>
+        <p:nvSpPr>
+          <p:cNvPr id="4" name="Header Placeholder 3"/>
+          <p:cNvSpPr>
+            <a:spLocks noGrp="1"/>
+          </p:cNvSpPr>
+          <p:nvPr>
+            <p:ph type="hdr" sz="quarter" idx="10"/>
+          </p:nvPr>
+        </p:nvSpPr>
+        <p:spPr/>
+        <p:txBody>
+          <a:bodyPr/>
+          <a:lstStyle/>
+          <a:p>
+            <a:endParaRPr lang="en-US" dirty="0"/>
+          </a:p>
+        </p:txBody>
+      </p:sp>
+      <p:sp>
+        <p:nvSpPr>
+          <p:cNvPr id="7" name="Slide Number Placeholder 6"/>
+          <p:cNvSpPr>
+            <a:spLocks noGrp="1"/>
+          </p:cNvSpPr>
+          <p:nvPr>
+            <p:ph type="sldNum" sz="quarter" idx="13"/>
+          </p:nvPr>
+        </p:nvSpPr>
+        <p:spPr/>
+        <p:txBody>
+          <a:bodyPr/>
+          <a:lstStyle/>
+          <a:p>
+            <a:fld id="{B4008EB6-D09E-4580-8CD6-DDB14511944F}" type="slidenum">
+              <a:rPr lang="en-US" smtClean="0"/>
+              <a:pPr/>
+              <a:t>19</a:t>
+            </a:fld>
+            <a:endParaRPr lang="en-US" dirty="0"/>
+          </a:p>
+        </p:txBody>
+      </p:sp>
+      <p:sp>
+        <p:nvSpPr>
+          <p:cNvPr id="8" name="Date Placeholder 7"/>
+          <p:cNvSpPr>
+            <a:spLocks noGrp="1"/>
+          </p:cNvSpPr>
+          <p:nvPr>
+            <p:ph type="dt" idx="14"/>
+          </p:nvPr>
+        </p:nvSpPr>
+        <p:spPr/>
+        <p:txBody>
+          <a:bodyPr/>
+          <a:lstStyle/>
+          <a:p>
+            <a:fld id="{F64C424B-C749-4819-BEAF-C73A3A7C174A}" type="datetime8">
+              <a:rPr lang="en-US" smtClean="0"/>
+              <a:t>1/18/2018 11:57 AM</a:t>
+            </a:fld>
+            <a:endParaRPr lang="en-US" dirty="0"/>
+          </a:p>
+        </p:txBody>
+      </p:sp>
+      <p:sp>
+        <p:nvSpPr>
+          <p:cNvPr id="9" name="Footer Placeholder 8"/>
+          <p:cNvSpPr>
+            <a:spLocks noGrp="1"/>
+          </p:cNvSpPr>
+          <p:nvPr>
+            <p:ph type="ftr" sz="quarter" idx="15"/>
+          </p:nvPr>
+        </p:nvSpPr>
+        <p:spPr/>
+        <p:txBody>
+          <a:bodyPr/>
+          <a:lstStyle/>
+          <a:p>
+            <a:pPr defTabSz="932290" eaLnBrk="0" hangingPunct="0"/>
+            <a:r>
+              <a:rPr lang="en-US" sz="500" dirty="0">
+                <a:gradFill>
+                  <a:gsLst>
+                    <a:gs pos="0">
+                      <a:schemeClr val="tx1"/>
+                    </a:gs>
+                    <a:gs pos="100000">
+                      <a:schemeClr val="tx1"/>
+                    </a:gs>
+                  </a:gsLst>
+                  <a:lin ang="5400000" scaled="0"/>
+                </a:gradFill>
+                <a:cs typeface="Arial" panose="020B0604020202020204" pitchFamily="34" charset="0"/>
+              </a:rPr>
+              <a:t>© 2016 Optum, Inc. All rights reserved. </a:t>
+            </a:r>
+          </a:p>
+        </p:txBody>
+      </p:sp>
+    </p:spTree>
+    <p:extLst>
+      <p:ext uri="{BB962C8B-B14F-4D97-AF65-F5344CB8AC3E}">
+        <p14:creationId xmlns:p14="http://schemas.microsoft.com/office/powerpoint/2010/main" val="439873543"/>
+      </p:ext>
+    </p:extLst>
+  </p:cSld>
+  <p:clrMapOvr>
+    <a:masterClrMapping/>
+  </p:clrMapOvr>
+</p:notes>
+</file>
+
+<file path=ppt/notesSlides/notesSlide19.xml><?xml version="1.0" encoding="utf-8"?>
+<p:notes xmlns:a="http://schemas.openxmlformats.org/drawingml/2006/main" xmlns:r="http://schemas.openxmlformats.org/officeDocument/2006/relationships" xmlns:p="http://schemas.openxmlformats.org/presentationml/2006/main">
+  <p:cSld>
+    <p:spTree>
+      <p:nvGrpSpPr>
+        <p:cNvPr id="1" name=""/>
+        <p:cNvGrpSpPr/>
+        <p:nvPr/>
+      </p:nvGrpSpPr>
+      <p:grpSpPr>
+        <a:xfrm>
+          <a:off x="0" y="0"/>
+          <a:ext cx="0" cy="0"/>
+          <a:chOff x="0" y="0"/>
+          <a:chExt cx="0" cy="0"/>
+        </a:xfrm>
+      </p:grpSpPr>
+      <p:sp>
+        <p:nvSpPr>
+          <p:cNvPr id="2" name="Slide Image Placeholder 1"/>
+          <p:cNvSpPr>
+            <a:spLocks noGrp="1" noRot="1" noChangeAspect="1"/>
+          </p:cNvSpPr>
+          <p:nvPr>
+            <p:ph type="sldImg"/>
+          </p:nvPr>
+        </p:nvSpPr>
+        <p:spPr>
+          <a:xfrm>
+            <a:off x="1143000" y="685800"/>
+            <a:ext cx="4572000" cy="3429000"/>
+          </a:xfrm>
+        </p:spPr>
+      </p:sp>
+      <p:sp>
+        <p:nvSpPr>
+          <p:cNvPr id="3" name="Notes Placeholder 2"/>
+          <p:cNvSpPr>
+            <a:spLocks noGrp="1"/>
+          </p:cNvSpPr>
+          <p:nvPr>
+            <p:ph type="body" idx="1"/>
+          </p:nvPr>
+        </p:nvSpPr>
+        <p:spPr/>
+        <p:txBody>
+          <a:bodyPr/>
+          <a:lstStyle/>
+          <a:p>
+            <a:endParaRPr lang="en-US" dirty="0"/>
+          </a:p>
+        </p:txBody>
+      </p:sp>
+      <p:sp>
+        <p:nvSpPr>
+          <p:cNvPr id="4" name="Header Placeholder 3"/>
+          <p:cNvSpPr>
+            <a:spLocks noGrp="1"/>
+          </p:cNvSpPr>
+          <p:nvPr>
+            <p:ph type="hdr" sz="quarter" idx="10"/>
+          </p:nvPr>
+        </p:nvSpPr>
+        <p:spPr/>
+        <p:txBody>
+          <a:bodyPr/>
+          <a:lstStyle/>
+          <a:p>
+            <a:endParaRPr lang="en-US" dirty="0"/>
+          </a:p>
+        </p:txBody>
+      </p:sp>
+      <p:sp>
+        <p:nvSpPr>
+          <p:cNvPr id="7" name="Slide Number Placeholder 6"/>
+          <p:cNvSpPr>
+            <a:spLocks noGrp="1"/>
+          </p:cNvSpPr>
+          <p:nvPr>
+            <p:ph type="sldNum" sz="quarter" idx="13"/>
+          </p:nvPr>
+        </p:nvSpPr>
+        <p:spPr/>
+        <p:txBody>
+          <a:bodyPr/>
+          <a:lstStyle/>
+          <a:p>
+            <a:fld id="{B4008EB6-D09E-4580-8CD6-DDB14511944F}" type="slidenum">
+              <a:rPr lang="en-US" smtClean="0"/>
+              <a:pPr/>
+              <a:t>20</a:t>
+            </a:fld>
+            <a:endParaRPr lang="en-US" dirty="0"/>
+          </a:p>
+        </p:txBody>
+      </p:sp>
+      <p:sp>
+        <p:nvSpPr>
+          <p:cNvPr id="8" name="Date Placeholder 7"/>
+          <p:cNvSpPr>
+            <a:spLocks noGrp="1"/>
+          </p:cNvSpPr>
+          <p:nvPr>
+            <p:ph type="dt" idx="14"/>
+          </p:nvPr>
+        </p:nvSpPr>
+        <p:spPr/>
+        <p:txBody>
+          <a:bodyPr/>
+          <a:lstStyle/>
+          <a:p>
+            <a:fld id="{F64C424B-C749-4819-BEAF-C73A3A7C174A}" type="datetime8">
+              <a:rPr lang="en-US" smtClean="0"/>
+              <a:t>1/18/2018 11:57 AM</a:t>
             </a:fld>
             <a:endParaRPr lang="en-US" dirty="0"/>
           </a:p>
@@ -10885,7 +11225,7 @@
           <a:p>
             <a:fld id="{F23EEDA6-C444-400B-9265-AA145BEA4DAB}" type="datetime8">
               <a:rPr lang="en-US" smtClean="0"/>
-              <a:t>1/16/2018 5:18 PM</a:t>
+              <a:t>1/18/2018 11:57 AM</a:t>
             </a:fld>
             <a:endParaRPr lang="en-US" dirty="0"/>
           </a:p>
@@ -11078,7 +11418,7 @@
           <a:p>
             <a:fld id="{F64C424B-C749-4819-BEAF-C73A3A7C174A}" type="datetime8">
               <a:rPr lang="en-US" smtClean="0"/>
-              <a:t>1/16/2018 5:18 PM</a:t>
+              <a:t>1/18/2018 11:57 AM</a:t>
             </a:fld>
             <a:endParaRPr lang="en-US" dirty="0"/>
           </a:p>
@@ -11263,7 +11603,7 @@
           <a:p>
             <a:fld id="{F64C424B-C749-4819-BEAF-C73A3A7C174A}" type="datetime8">
               <a:rPr lang="en-US" smtClean="0"/>
-              <a:t>1/16/2018 5:18 PM</a:t>
+              <a:t>1/18/2018 11:57 AM</a:t>
             </a:fld>
             <a:endParaRPr lang="en-US" dirty="0"/>
           </a:p>
@@ -11451,7 +11791,7 @@
           <a:p>
             <a:fld id="{F64C424B-C749-4819-BEAF-C73A3A7C174A}" type="datetime8">
               <a:rPr lang="en-US" smtClean="0"/>
-              <a:t>1/16/2018 5:18 PM</a:t>
+              <a:t>1/18/2018 11:57 AM</a:t>
             </a:fld>
             <a:endParaRPr lang="en-US" dirty="0"/>
           </a:p>
@@ -11623,7 +11963,7 @@
           <a:p>
             <a:fld id="{F64C424B-C749-4819-BEAF-C73A3A7C174A}" type="datetime8">
               <a:rPr lang="en-US" smtClean="0"/>
-              <a:t>1/16/2018 5:18 PM</a:t>
+              <a:t>1/18/2018 11:57 AM</a:t>
             </a:fld>
             <a:endParaRPr lang="en-US" dirty="0"/>
           </a:p>
@@ -11727,6 +12067,20 @@
           <a:bodyPr/>
           <a:lstStyle/>
           <a:p>
+            <a:r>
+              <a:rPr lang="en-IE" dirty="0" smtClean="0"/>
+              <a:t>2</a:t>
+            </a:r>
+            <a:r>
+              <a:rPr lang="en-IE" baseline="0" dirty="0" smtClean="0"/>
+              <a:t> min</a:t>
+            </a:r>
+          </a:p>
+          <a:p>
+            <a:r>
+              <a:rPr lang="en-IE" baseline="0" dirty="0" smtClean="0"/>
+              <a:t>Difference in focus</a:t>
+            </a:r>
             <a:endParaRPr lang="en-US" dirty="0"/>
           </a:p>
         </p:txBody>
@@ -11791,7 +12145,7 @@
           <a:p>
             <a:fld id="{F64C424B-C749-4819-BEAF-C73A3A7C174A}" type="datetime8">
               <a:rPr lang="en-US" smtClean="0"/>
-              <a:t>1/16/2018 5:18 PM</a:t>
+              <a:t>1/18/2018 1:58 PM</a:t>
             </a:fld>
             <a:endParaRPr lang="en-US" dirty="0"/>
           </a:p>
@@ -11895,6 +12249,82 @@
           <a:bodyPr/>
           <a:lstStyle/>
           <a:p>
+            <a:r>
+              <a:rPr lang="en-IE" baseline="0" dirty="0" smtClean="0"/>
+              <a:t>1 min</a:t>
+            </a:r>
+          </a:p>
+          <a:p>
+            <a:r>
+              <a:rPr lang="en-IE" baseline="0" dirty="0" smtClean="0"/>
+              <a:t>Difference in focus and environments:</a:t>
+            </a:r>
+          </a:p>
+          <a:p>
+            <a:endParaRPr lang="en-IE" baseline="0" dirty="0" smtClean="0"/>
+          </a:p>
+          <a:p>
+            <a:r>
+              <a:rPr lang="en-IE" baseline="0" dirty="0" smtClean="0"/>
+              <a:t>Known knowns: simple/obvious</a:t>
+            </a:r>
+          </a:p>
+          <a:p>
+            <a:r>
+              <a:rPr lang="en-IE" baseline="0" dirty="0" smtClean="0"/>
+              <a:t>Easy to understand, simple cause/effect relationships, repeatable results, just follow the script</a:t>
+            </a:r>
+          </a:p>
+          <a:p>
+            <a:endParaRPr lang="en-IE" baseline="0" dirty="0" smtClean="0"/>
+          </a:p>
+          <a:p>
+            <a:r>
+              <a:rPr lang="en-IE" baseline="0" dirty="0" smtClean="0"/>
+              <a:t>Known Unknowns: Complicated</a:t>
+            </a:r>
+          </a:p>
+          <a:p>
+            <a:r>
+              <a:rPr lang="en-IE" baseline="0" dirty="0" smtClean="0"/>
+              <a:t>Use good practices, get experts, multiple cause/effect relationship, fairly repeatable results, multiple solutions (need to find optimal)</a:t>
+            </a:r>
+          </a:p>
+          <a:p>
+            <a:endParaRPr lang="en-IE" baseline="0" dirty="0" smtClean="0"/>
+          </a:p>
+          <a:p>
+            <a:r>
+              <a:rPr lang="en-IE" baseline="0" dirty="0" smtClean="0"/>
+              <a:t>Unknown Unknowns: Complex</a:t>
+            </a:r>
+          </a:p>
+          <a:p>
+            <a:r>
+              <a:rPr lang="en-IE" baseline="0" dirty="0" smtClean="0"/>
+              <a:t>Emergent practices, open large groups discussions. Cause/effect known only after the fact, not always repeatable (at that point in time), looking for patterns</a:t>
+            </a:r>
+          </a:p>
+          <a:p>
+            <a:endParaRPr lang="en-IE" baseline="0" dirty="0" smtClean="0"/>
+          </a:p>
+          <a:p>
+            <a:endParaRPr lang="en-IE" baseline="0" dirty="0" smtClean="0"/>
+          </a:p>
+          <a:p>
+            <a:endParaRPr lang="en-IE" baseline="0" dirty="0" smtClean="0"/>
+          </a:p>
+          <a:p>
+            <a:r>
+              <a:rPr lang="en-IE" baseline="0" dirty="0" smtClean="0"/>
+              <a:t>DA -&gt; known knowns</a:t>
+            </a:r>
+          </a:p>
+          <a:p>
+            <a:r>
+              <a:rPr lang="en-IE" baseline="0" dirty="0" smtClean="0"/>
+              <a:t>DS reaches out to other quadrants</a:t>
+            </a:r>
             <a:endParaRPr lang="en-US" dirty="0"/>
           </a:p>
         </p:txBody>
@@ -11959,7 +12389,7 @@
           <a:p>
             <a:fld id="{F64C424B-C749-4819-BEAF-C73A3A7C174A}" type="datetime8">
               <a:rPr lang="en-US" smtClean="0"/>
-              <a:t>1/16/2018 5:18 PM</a:t>
+              <a:t>1/18/2018 2:03 PM</a:t>
             </a:fld>
             <a:endParaRPr lang="en-US" dirty="0"/>
           </a:p>
@@ -12063,6 +12493,20 @@
           <a:bodyPr/>
           <a:lstStyle/>
           <a:p>
+            <a:r>
+              <a:rPr lang="en-IE" baseline="0" smtClean="0"/>
+              <a:t>1 </a:t>
+            </a:r>
+            <a:r>
+              <a:rPr lang="en-IE" baseline="0" dirty="0" smtClean="0"/>
+              <a:t>min</a:t>
+            </a:r>
+          </a:p>
+          <a:p>
+            <a:r>
+              <a:rPr lang="en-IE" baseline="0" dirty="0" smtClean="0"/>
+              <a:t>Difference in focus</a:t>
+            </a:r>
             <a:endParaRPr lang="en-US" dirty="0"/>
           </a:p>
         </p:txBody>
@@ -12127,7 +12571,7 @@
           <a:p>
             <a:fld id="{F64C424B-C749-4819-BEAF-C73A3A7C174A}" type="datetime8">
               <a:rPr lang="en-US" smtClean="0"/>
-              <a:t>1/16/2018 5:18 PM</a:t>
+              <a:t>1/18/2018 2:01 PM</a:t>
             </a:fld>
             <a:endParaRPr lang="en-US" dirty="0"/>
           </a:p>
@@ -13392,7 +13836,7 @@
           <a:p>
             <a:fld id="{15E17699-F4AC-4C4E-ACF4-88AE94190658}" type="datetime1">
               <a:rPr lang="en-US" smtClean="0"/>
-              <a:t>1/16/2018</a:t>
+              <a:t>1/18/2018</a:t>
             </a:fld>
             <a:endParaRPr lang="en-US" dirty="0"/>
           </a:p>
@@ -16343,28 +16787,380 @@
             <p:ph type="title"/>
           </p:nvPr>
         </p:nvSpPr>
+        <p:spPr/>
+        <p:txBody>
+          <a:bodyPr/>
+          <a:lstStyle/>
+          <a:p>
+            <a:r>
+              <a:rPr lang="en-US" dirty="0" smtClean="0"/>
+              <a:t>Data Science or Data Analytics?</a:t>
+            </a:r>
+            <a:endParaRPr lang="en-US" dirty="0"/>
+          </a:p>
+        </p:txBody>
+      </p:sp>
+      <p:pic>
+        <p:nvPicPr>
+          <p:cNvPr id="8" name="Picture 7"/>
+          <p:cNvPicPr>
+            <a:picLocks noChangeAspect="1"/>
+          </p:cNvPicPr>
+          <p:nvPr/>
+        </p:nvPicPr>
+        <p:blipFill>
+          <a:blip r:embed="rId3">
+            <a:extLst>
+              <a:ext uri="{28A0092B-C50C-407E-A947-70E740481C1C}">
+                <a14:useLocalDpi xmlns:a14="http://schemas.microsoft.com/office/drawing/2010/main" val="0"/>
+              </a:ext>
+            </a:extLst>
+          </a:blip>
+          <a:stretch>
+            <a:fillRect/>
+          </a:stretch>
+        </p:blipFill>
         <p:spPr>
           <a:xfrm>
-            <a:off x="461387" y="297181"/>
-            <a:ext cx="8396863" cy="620358"/>
+            <a:off x="907514" y="1484745"/>
+            <a:ext cx="7134135" cy="4813469"/>
           </a:xfrm>
+          <a:prstGeom prst="rect">
+            <a:avLst/>
+          </a:prstGeom>
         </p:spPr>
-        <p:txBody>
-          <a:bodyPr/>
-          <a:lstStyle/>
-          <a:p>
-            <a:r>
-              <a:rPr lang="en-US" dirty="0" smtClean="0"/>
-              <a:t>Data Scientists - What</a:t>
-            </a:r>
-            <a:endParaRPr lang="en-US" dirty="0"/>
-          </a:p>
-        </p:txBody>
-      </p:sp>
+      </p:pic>
+      <p:grpSp>
+        <p:nvGrpSpPr>
+          <p:cNvPr id="14" name="Group 13"/>
+          <p:cNvGrpSpPr/>
+          <p:nvPr/>
+        </p:nvGrpSpPr>
+        <p:grpSpPr>
+          <a:xfrm>
+            <a:off x="1100542" y="6298214"/>
+            <a:ext cx="1358964" cy="473278"/>
+            <a:chOff x="1100542" y="6352532"/>
+            <a:chExt cx="1358964" cy="473278"/>
+          </a:xfrm>
+        </p:grpSpPr>
+        <p:sp>
+          <p:nvSpPr>
+            <p:cNvPr id="10" name="Left Brace 9"/>
+            <p:cNvSpPr/>
+            <p:nvPr/>
+          </p:nvSpPr>
+          <p:spPr>
+            <a:xfrm rot="16200000">
+              <a:off x="1648790" y="5804284"/>
+              <a:ext cx="262467" cy="1358964"/>
+            </a:xfrm>
+            <a:prstGeom prst="leftBrace">
+              <a:avLst>
+                <a:gd name="adj1" fmla="val 72580"/>
+                <a:gd name="adj2" fmla="val 50482"/>
+              </a:avLst>
+            </a:prstGeom>
+            <a:ln/>
+          </p:spPr>
+          <p:style>
+            <a:lnRef idx="2">
+              <a:schemeClr val="accent4"/>
+            </a:lnRef>
+            <a:fillRef idx="0">
+              <a:schemeClr val="accent4"/>
+            </a:fillRef>
+            <a:effectRef idx="1">
+              <a:schemeClr val="accent4"/>
+            </a:effectRef>
+            <a:fontRef idx="minor">
+              <a:schemeClr val="tx1"/>
+            </a:fontRef>
+          </p:style>
+          <p:txBody>
+            <a:bodyPr rtlCol="0" anchor="ctr"/>
+            <a:lstStyle/>
+            <a:p>
+              <a:pPr algn="ctr"/>
+              <a:endParaRPr lang="en-US" b="1" dirty="0">
+                <a:ln w="12700">
+                  <a:solidFill>
+                    <a:schemeClr val="tx2">
+                      <a:satMod val="155000"/>
+                    </a:schemeClr>
+                  </a:solidFill>
+                  <a:prstDash val="solid"/>
+                </a:ln>
+                <a:solidFill>
+                  <a:schemeClr val="bg2">
+                    <a:tint val="85000"/>
+                    <a:satMod val="155000"/>
+                  </a:schemeClr>
+                </a:solidFill>
+                <a:effectLst>
+                  <a:outerShdw blurRad="41275" dist="20320" dir="1800000" algn="tl" rotWithShape="0">
+                    <a:srgbClr val="000000">
+                      <a:alpha val="40000"/>
+                    </a:srgbClr>
+                  </a:outerShdw>
+                </a:effectLst>
+              </a:endParaRPr>
+            </a:p>
+          </p:txBody>
+        </p:sp>
+        <p:sp>
+          <p:nvSpPr>
+            <p:cNvPr id="11" name="TextBox 10"/>
+            <p:cNvSpPr txBox="1"/>
+            <p:nvPr/>
+          </p:nvSpPr>
+          <p:spPr>
+            <a:xfrm>
+              <a:off x="1212399" y="6564200"/>
+              <a:ext cx="1135247" cy="261610"/>
+            </a:xfrm>
+            <a:prstGeom prst="rect">
+              <a:avLst/>
+            </a:prstGeom>
+            <a:noFill/>
+          </p:spPr>
+          <p:txBody>
+            <a:bodyPr wrap="none" rtlCol="0">
+              <a:spAutoFit/>
+            </a:bodyPr>
+            <a:lstStyle/>
+            <a:p>
+              <a:r>
+                <a:rPr lang="en-IE" sz="1100" dirty="0" smtClean="0"/>
+                <a:t>Known knowns</a:t>
+              </a:r>
+              <a:endParaRPr lang="en-US" sz="1100" dirty="0" err="1" smtClean="0"/>
+            </a:p>
+          </p:txBody>
+        </p:sp>
+      </p:grpSp>
+      <p:grpSp>
+        <p:nvGrpSpPr>
+          <p:cNvPr id="19" name="Group 18"/>
+          <p:cNvGrpSpPr/>
+          <p:nvPr/>
+        </p:nvGrpSpPr>
+        <p:grpSpPr>
+          <a:xfrm>
+            <a:off x="5176522" y="6299912"/>
+            <a:ext cx="2717017" cy="471580"/>
+            <a:chOff x="5176522" y="6354230"/>
+            <a:chExt cx="2717017" cy="471580"/>
+          </a:xfrm>
+        </p:grpSpPr>
+        <p:sp>
+          <p:nvSpPr>
+            <p:cNvPr id="13" name="Left Brace 12"/>
+            <p:cNvSpPr/>
+            <p:nvPr/>
+          </p:nvSpPr>
+          <p:spPr>
+            <a:xfrm rot="16200000">
+              <a:off x="6403797" y="5126955"/>
+              <a:ext cx="262467" cy="2717017"/>
+            </a:xfrm>
+            <a:prstGeom prst="leftBrace">
+              <a:avLst>
+                <a:gd name="adj1" fmla="val 72580"/>
+                <a:gd name="adj2" fmla="val 50482"/>
+              </a:avLst>
+            </a:prstGeom>
+            <a:ln/>
+          </p:spPr>
+          <p:style>
+            <a:lnRef idx="2">
+              <a:schemeClr val="accent4"/>
+            </a:lnRef>
+            <a:fillRef idx="0">
+              <a:schemeClr val="accent4"/>
+            </a:fillRef>
+            <a:effectRef idx="1">
+              <a:schemeClr val="accent4"/>
+            </a:effectRef>
+            <a:fontRef idx="minor">
+              <a:schemeClr val="tx1"/>
+            </a:fontRef>
+          </p:style>
+          <p:txBody>
+            <a:bodyPr rtlCol="0" anchor="ctr"/>
+            <a:lstStyle/>
+            <a:p>
+              <a:pPr algn="ctr"/>
+              <a:endParaRPr lang="en-US" b="1" dirty="0">
+                <a:ln w="12700">
+                  <a:solidFill>
+                    <a:schemeClr val="tx2">
+                      <a:satMod val="155000"/>
+                    </a:schemeClr>
+                  </a:solidFill>
+                  <a:prstDash val="solid"/>
+                </a:ln>
+                <a:solidFill>
+                  <a:schemeClr val="bg2">
+                    <a:tint val="85000"/>
+                    <a:satMod val="155000"/>
+                  </a:schemeClr>
+                </a:solidFill>
+                <a:effectLst>
+                  <a:outerShdw blurRad="41275" dist="20320" dir="1800000" algn="tl" rotWithShape="0">
+                    <a:srgbClr val="000000">
+                      <a:alpha val="40000"/>
+                    </a:srgbClr>
+                  </a:outerShdw>
+                </a:effectLst>
+              </a:endParaRPr>
+            </a:p>
+          </p:txBody>
+        </p:sp>
+        <p:sp>
+          <p:nvSpPr>
+            <p:cNvPr id="15" name="TextBox 14"/>
+            <p:cNvSpPr txBox="1"/>
+            <p:nvPr/>
+          </p:nvSpPr>
+          <p:spPr>
+            <a:xfrm>
+              <a:off x="5810312" y="6564200"/>
+              <a:ext cx="1449436" cy="261610"/>
+            </a:xfrm>
+            <a:prstGeom prst="rect">
+              <a:avLst/>
+            </a:prstGeom>
+            <a:noFill/>
+          </p:spPr>
+          <p:txBody>
+            <a:bodyPr wrap="none" rtlCol="0">
+              <a:spAutoFit/>
+            </a:bodyPr>
+            <a:lstStyle/>
+            <a:p>
+              <a:r>
+                <a:rPr lang="en-IE" sz="1100" dirty="0" smtClean="0"/>
+                <a:t>Unknown unknowns</a:t>
+              </a:r>
+              <a:endParaRPr lang="en-US" sz="1100" dirty="0" err="1" smtClean="0"/>
+            </a:p>
+          </p:txBody>
+        </p:sp>
+      </p:grpSp>
+      <p:grpSp>
+        <p:nvGrpSpPr>
+          <p:cNvPr id="18" name="Group 17"/>
+          <p:cNvGrpSpPr/>
+          <p:nvPr/>
+        </p:nvGrpSpPr>
+        <p:grpSpPr>
+          <a:xfrm>
+            <a:off x="2459505" y="6299912"/>
+            <a:ext cx="2717017" cy="471580"/>
+            <a:chOff x="2459505" y="6354230"/>
+            <a:chExt cx="2717017" cy="471580"/>
+          </a:xfrm>
+        </p:grpSpPr>
+        <p:sp>
+          <p:nvSpPr>
+            <p:cNvPr id="12" name="Left Brace 11"/>
+            <p:cNvSpPr/>
+            <p:nvPr/>
+          </p:nvSpPr>
+          <p:spPr>
+            <a:xfrm rot="16200000">
+              <a:off x="3686780" y="5126955"/>
+              <a:ext cx="262467" cy="2717017"/>
+            </a:xfrm>
+            <a:prstGeom prst="leftBrace">
+              <a:avLst>
+                <a:gd name="adj1" fmla="val 72580"/>
+                <a:gd name="adj2" fmla="val 50482"/>
+              </a:avLst>
+            </a:prstGeom>
+            <a:ln/>
+          </p:spPr>
+          <p:style>
+            <a:lnRef idx="2">
+              <a:schemeClr val="accent4"/>
+            </a:lnRef>
+            <a:fillRef idx="0">
+              <a:schemeClr val="accent4"/>
+            </a:fillRef>
+            <a:effectRef idx="1">
+              <a:schemeClr val="accent4"/>
+            </a:effectRef>
+            <a:fontRef idx="minor">
+              <a:schemeClr val="tx1"/>
+            </a:fontRef>
+          </p:style>
+          <p:txBody>
+            <a:bodyPr rtlCol="0" anchor="ctr"/>
+            <a:lstStyle/>
+            <a:p>
+              <a:pPr algn="ctr"/>
+              <a:endParaRPr lang="en-US" b="1" dirty="0">
+                <a:ln w="12700">
+                  <a:solidFill>
+                    <a:schemeClr val="tx2">
+                      <a:satMod val="155000"/>
+                    </a:schemeClr>
+                  </a:solidFill>
+                  <a:prstDash val="solid"/>
+                </a:ln>
+                <a:solidFill>
+                  <a:schemeClr val="bg2">
+                    <a:tint val="85000"/>
+                    <a:satMod val="155000"/>
+                  </a:schemeClr>
+                </a:solidFill>
+                <a:effectLst>
+                  <a:outerShdw blurRad="41275" dist="20320" dir="1800000" algn="tl" rotWithShape="0">
+                    <a:srgbClr val="000000">
+                      <a:alpha val="40000"/>
+                    </a:srgbClr>
+                  </a:outerShdw>
+                </a:effectLst>
+              </a:endParaRPr>
+            </a:p>
+          </p:txBody>
+        </p:sp>
+        <p:sp>
+          <p:nvSpPr>
+            <p:cNvPr id="16" name="TextBox 15"/>
+            <p:cNvSpPr txBox="1"/>
+            <p:nvPr/>
+          </p:nvSpPr>
+          <p:spPr>
+            <a:xfrm>
+              <a:off x="3171842" y="6564200"/>
+              <a:ext cx="1292341" cy="261610"/>
+            </a:xfrm>
+            <a:prstGeom prst="rect">
+              <a:avLst/>
+            </a:prstGeom>
+            <a:noFill/>
+          </p:spPr>
+          <p:txBody>
+            <a:bodyPr wrap="none" rtlCol="0">
+              <a:spAutoFit/>
+            </a:bodyPr>
+            <a:lstStyle/>
+            <a:p>
+              <a:r>
+                <a:rPr lang="en-IE" sz="1100" dirty="0" smtClean="0"/>
+                <a:t>Unknown knowns</a:t>
+              </a:r>
+              <a:endParaRPr lang="en-US" sz="1100" dirty="0" err="1" smtClean="0"/>
+            </a:p>
+          </p:txBody>
+        </p:sp>
+      </p:grpSp>
     </p:spTree>
     <p:extLst>
       <p:ext uri="{BB962C8B-B14F-4D97-AF65-F5344CB8AC3E}">
-        <p14:creationId xmlns:p14="http://schemas.microsoft.com/office/powerpoint/2010/main" val="2741091380"/>
+        <p14:creationId xmlns:p14="http://schemas.microsoft.com/office/powerpoint/2010/main" val="1931928364"/>
       </p:ext>
     </p:extLst>
   </p:cSld>
@@ -16386,7 +17182,165 @@
   <p:timing>
     <p:tnLst>
       <p:par>
-        <p:cTn id="1" dur="indefinite" restart="never" nodeType="tmRoot"/>
+        <p:cTn id="1" dur="indefinite" restart="never" nodeType="tmRoot">
+          <p:childTnLst>
+            <p:seq concurrent="1" nextAc="seek">
+              <p:cTn id="2" dur="indefinite" nodeType="mainSeq">
+                <p:childTnLst>
+                  <p:par>
+                    <p:cTn id="3" fill="hold">
+                      <p:stCondLst>
+                        <p:cond delay="indefinite"/>
+                      </p:stCondLst>
+                      <p:childTnLst>
+                        <p:par>
+                          <p:cTn id="4" fill="hold">
+                            <p:stCondLst>
+                              <p:cond delay="0"/>
+                            </p:stCondLst>
+                            <p:childTnLst>
+                              <p:par>
+                                <p:cTn id="5" presetID="1" presetClass="entr" presetSubtype="0" fill="hold" nodeType="clickEffect">
+                                  <p:stCondLst>
+                                    <p:cond delay="0"/>
+                                  </p:stCondLst>
+                                  <p:childTnLst>
+                                    <p:set>
+                                      <p:cBhvr>
+                                        <p:cTn id="6" dur="1" fill="hold">
+                                          <p:stCondLst>
+                                            <p:cond delay="0"/>
+                                          </p:stCondLst>
+                                        </p:cTn>
+                                        <p:tgtEl>
+                                          <p:spTgt spid="14"/>
+                                        </p:tgtEl>
+                                        <p:attrNameLst>
+                                          <p:attrName>style.visibility</p:attrName>
+                                        </p:attrNameLst>
+                                      </p:cBhvr>
+                                      <p:to>
+                                        <p:strVal val="visible"/>
+                                      </p:to>
+                                    </p:set>
+                                  </p:childTnLst>
+                                </p:cTn>
+                              </p:par>
+                            </p:childTnLst>
+                          </p:cTn>
+                        </p:par>
+                      </p:childTnLst>
+                    </p:cTn>
+                  </p:par>
+                  <p:par>
+                    <p:cTn id="7" fill="hold">
+                      <p:stCondLst>
+                        <p:cond delay="indefinite"/>
+                      </p:stCondLst>
+                      <p:childTnLst>
+                        <p:par>
+                          <p:cTn id="8" fill="hold">
+                            <p:stCondLst>
+                              <p:cond delay="0"/>
+                            </p:stCondLst>
+                            <p:childTnLst>
+                              <p:par>
+                                <p:cTn id="9" presetID="1" presetClass="entr" presetSubtype="0" fill="hold" nodeType="clickEffect">
+                                  <p:stCondLst>
+                                    <p:cond delay="0"/>
+                                  </p:stCondLst>
+                                  <p:childTnLst>
+                                    <p:set>
+                                      <p:cBhvr>
+                                        <p:cTn id="10" dur="1" fill="hold">
+                                          <p:stCondLst>
+                                            <p:cond delay="0"/>
+                                          </p:stCondLst>
+                                        </p:cTn>
+                                        <p:tgtEl>
+                                          <p:spTgt spid="18"/>
+                                        </p:tgtEl>
+                                        <p:attrNameLst>
+                                          <p:attrName>style.visibility</p:attrName>
+                                        </p:attrNameLst>
+                                      </p:cBhvr>
+                                      <p:to>
+                                        <p:strVal val="visible"/>
+                                      </p:to>
+                                    </p:set>
+                                  </p:childTnLst>
+                                </p:cTn>
+                              </p:par>
+                            </p:childTnLst>
+                          </p:cTn>
+                        </p:par>
+                      </p:childTnLst>
+                    </p:cTn>
+                  </p:par>
+                  <p:par>
+                    <p:cTn id="11" fill="hold">
+                      <p:stCondLst>
+                        <p:cond delay="indefinite"/>
+                      </p:stCondLst>
+                      <p:childTnLst>
+                        <p:par>
+                          <p:cTn id="12" fill="hold">
+                            <p:stCondLst>
+                              <p:cond delay="0"/>
+                            </p:stCondLst>
+                            <p:childTnLst>
+                              <p:par>
+                                <p:cTn id="13" presetID="1" presetClass="entr" presetSubtype="0" fill="hold" nodeType="clickEffect">
+                                  <p:stCondLst>
+                                    <p:cond delay="0"/>
+                                  </p:stCondLst>
+                                  <p:childTnLst>
+                                    <p:set>
+                                      <p:cBhvr>
+                                        <p:cTn id="14" dur="1" fill="hold">
+                                          <p:stCondLst>
+                                            <p:cond delay="0"/>
+                                          </p:stCondLst>
+                                        </p:cTn>
+                                        <p:tgtEl>
+                                          <p:spTgt spid="19"/>
+                                        </p:tgtEl>
+                                        <p:attrNameLst>
+                                          <p:attrName>style.visibility</p:attrName>
+                                        </p:attrNameLst>
+                                      </p:cBhvr>
+                                      <p:to>
+                                        <p:strVal val="visible"/>
+                                      </p:to>
+                                    </p:set>
+                                  </p:childTnLst>
+                                </p:cTn>
+                              </p:par>
+                            </p:childTnLst>
+                          </p:cTn>
+                        </p:par>
+                      </p:childTnLst>
+                    </p:cTn>
+                  </p:par>
+                </p:childTnLst>
+              </p:cTn>
+              <p:prevCondLst>
+                <p:cond evt="onPrev" delay="0">
+                  <p:tgtEl>
+                    <p:sldTgt/>
+                  </p:tgtEl>
+                </p:cond>
+              </p:prevCondLst>
+              <p:nextCondLst>
+                <p:cond evt="onNext" delay="0">
+                  <p:tgtEl>
+                    <p:sldTgt/>
+                  </p:tgtEl>
+                </p:cond>
+              </p:nextCondLst>
+            </p:seq>
+          </p:childTnLst>
+        </p:cTn>
       </p:par>
     </p:tnLst>
   </p:timing>
@@ -16446,7 +17400,7 @@
           <a:p>
             <a:r>
               <a:rPr lang="en-US" dirty="0" smtClean="0"/>
-              <a:t>Data Scientists - Why</a:t>
+              <a:t>Data Scientists - Who</a:t>
             </a:r>
             <a:endParaRPr lang="en-US" dirty="0"/>
           </a:p>
@@ -16530,14 +17484,19 @@
             <p:ph type="title"/>
           </p:nvPr>
         </p:nvSpPr>
-        <p:spPr/>
+        <p:spPr>
+          <a:xfrm>
+            <a:off x="461387" y="297181"/>
+            <a:ext cx="8396863" cy="620358"/>
+          </a:xfrm>
+        </p:spPr>
         <p:txBody>
           <a:bodyPr/>
           <a:lstStyle/>
           <a:p>
             <a:r>
               <a:rPr lang="en-US" dirty="0" smtClean="0"/>
-              <a:t>What can be achieved</a:t>
+              <a:t>Data Scientists - What</a:t>
             </a:r>
             <a:endParaRPr lang="en-US" dirty="0"/>
           </a:p>
@@ -16546,7 +17505,7 @@
     </p:spTree>
     <p:extLst>
       <p:ext uri="{BB962C8B-B14F-4D97-AF65-F5344CB8AC3E}">
-        <p14:creationId xmlns:p14="http://schemas.microsoft.com/office/powerpoint/2010/main" val="1386234047"/>
+        <p14:creationId xmlns:p14="http://schemas.microsoft.com/office/powerpoint/2010/main" val="2741091380"/>
       </p:ext>
     </p:extLst>
   </p:cSld>
@@ -16628,7 +17587,7 @@
           <a:p>
             <a:r>
               <a:rPr lang="en-US" dirty="0" smtClean="0"/>
-              <a:t>Real world examples</a:t>
+              <a:t>Data Scientists - Why</a:t>
             </a:r>
             <a:endParaRPr lang="en-US" dirty="0"/>
           </a:p>
@@ -16637,7 +17596,7 @@
     </p:spTree>
     <p:extLst>
       <p:ext uri="{BB962C8B-B14F-4D97-AF65-F5344CB8AC3E}">
-        <p14:creationId xmlns:p14="http://schemas.microsoft.com/office/powerpoint/2010/main" val="1386234047"/>
+        <p14:creationId xmlns:p14="http://schemas.microsoft.com/office/powerpoint/2010/main" val="2741091380"/>
       </p:ext>
     </p:extLst>
   </p:cSld>
@@ -16719,7 +17678,7 @@
           <a:p>
             <a:r>
               <a:rPr lang="en-US" dirty="0" smtClean="0"/>
-              <a:t>Conclusions</a:t>
+              <a:t>What can be achieved</a:t>
             </a:r>
             <a:endParaRPr lang="en-US" dirty="0"/>
           </a:p>
@@ -16809,8 +17768,8 @@
           <a:lstStyle/>
           <a:p>
             <a:r>
-              <a:rPr lang="en-IE" dirty="0" smtClean="0"/>
-              <a:t>Q/A</a:t>
+              <a:rPr lang="en-US" dirty="0" smtClean="0"/>
+              <a:t>Real world examples</a:t>
             </a:r>
             <a:endParaRPr lang="en-US" dirty="0"/>
           </a:p>
@@ -16819,7 +17778,7 @@
     </p:spTree>
     <p:extLst>
       <p:ext uri="{BB962C8B-B14F-4D97-AF65-F5344CB8AC3E}">
-        <p14:creationId xmlns:p14="http://schemas.microsoft.com/office/powerpoint/2010/main" val="1002772693"/>
+        <p14:creationId xmlns:p14="http://schemas.microsoft.com/office/powerpoint/2010/main" val="1386234047"/>
       </p:ext>
     </p:extLst>
   </p:cSld>
@@ -16901,7 +17860,98 @@
           <a:p>
             <a:r>
               <a:rPr lang="en-US" dirty="0" smtClean="0"/>
-              <a:t>Thanks</a:t>
+              <a:t>Conclusions</a:t>
+            </a:r>
+            <a:endParaRPr lang="en-US" dirty="0"/>
+          </a:p>
+        </p:txBody>
+      </p:sp>
+    </p:spTree>
+    <p:extLst>
+      <p:ext uri="{BB962C8B-B14F-4D97-AF65-F5344CB8AC3E}">
+        <p14:creationId xmlns:p14="http://schemas.microsoft.com/office/powerpoint/2010/main" val="1386234047"/>
+      </p:ext>
+    </p:extLst>
+  </p:cSld>
+  <p:clrMapOvr>
+    <a:masterClrMapping/>
+  </p:clrMapOvr>
+  <mc:AlternateContent xmlns:mc="http://schemas.openxmlformats.org/markup-compatibility/2006" xmlns:p14="http://schemas.microsoft.com/office/powerpoint/2010/main">
+    <mc:Choice Requires="p14">
+      <p:transition spd="med" p14:dur="700">
+        <p:fade/>
+      </p:transition>
+    </mc:Choice>
+    <mc:Fallback xmlns="">
+      <p:transition spd="med">
+        <p:fade/>
+      </p:transition>
+    </mc:Fallback>
+  </mc:AlternateContent>
+  <p:timing>
+    <p:tnLst>
+      <p:par>
+        <p:cTn id="1" dur="indefinite" restart="never" nodeType="tmRoot"/>
+      </p:par>
+    </p:tnLst>
+  </p:timing>
+</p:sld>
+</file>
+
+<file path=ppt/slides/slide17.xml><?xml version="1.0" encoding="utf-8"?>
+<p:sld xmlns:a="http://schemas.openxmlformats.org/drawingml/2006/main" xmlns:r="http://schemas.openxmlformats.org/officeDocument/2006/relationships" xmlns:p="http://schemas.openxmlformats.org/presentationml/2006/main">
+  <p:cSld>
+    <p:spTree>
+      <p:nvGrpSpPr>
+        <p:cNvPr id="1" name=""/>
+        <p:cNvGrpSpPr/>
+        <p:nvPr/>
+      </p:nvGrpSpPr>
+      <p:grpSpPr>
+        <a:xfrm>
+          <a:off x="0" y="0"/>
+          <a:ext cx="0" cy="0"/>
+          <a:chOff x="0" y="0"/>
+          <a:chExt cx="0" cy="0"/>
+        </a:xfrm>
+      </p:grpSpPr>
+      <p:sp>
+        <p:nvSpPr>
+          <p:cNvPr id="2" name="Text Placeholder 1"/>
+          <p:cNvSpPr>
+            <a:spLocks noGrp="1"/>
+          </p:cNvSpPr>
+          <p:nvPr>
+            <p:ph type="body" sz="quarter" idx="13"/>
+          </p:nvPr>
+        </p:nvSpPr>
+        <p:spPr/>
+        <p:txBody>
+          <a:bodyPr/>
+          <a:lstStyle/>
+          <a:p>
+            <a:endParaRPr lang="en-US" dirty="0"/>
+          </a:p>
+        </p:txBody>
+      </p:sp>
+      <p:sp>
+        <p:nvSpPr>
+          <p:cNvPr id="17" name="Title 16"/>
+          <p:cNvSpPr>
+            <a:spLocks noGrp="1"/>
+          </p:cNvSpPr>
+          <p:nvPr>
+            <p:ph type="title"/>
+          </p:nvPr>
+        </p:nvSpPr>
+        <p:spPr/>
+        <p:txBody>
+          <a:bodyPr/>
+          <a:lstStyle/>
+          <a:p>
+            <a:r>
+              <a:rPr lang="en-IE" dirty="0" smtClean="0"/>
+              <a:t>Q/A</a:t>
             </a:r>
             <a:endParaRPr lang="en-US" dirty="0"/>
           </a:p>
@@ -16939,7 +17989,98 @@
 </p:sld>
 </file>
 
-<file path=ppt/slides/slide17.xml><?xml version="1.0" encoding="utf-8"?>
+<file path=ppt/slides/slide18.xml><?xml version="1.0" encoding="utf-8"?>
+<p:sld xmlns:a="http://schemas.openxmlformats.org/drawingml/2006/main" xmlns:r="http://schemas.openxmlformats.org/officeDocument/2006/relationships" xmlns:p="http://schemas.openxmlformats.org/presentationml/2006/main">
+  <p:cSld>
+    <p:spTree>
+      <p:nvGrpSpPr>
+        <p:cNvPr id="1" name=""/>
+        <p:cNvGrpSpPr/>
+        <p:nvPr/>
+      </p:nvGrpSpPr>
+      <p:grpSpPr>
+        <a:xfrm>
+          <a:off x="0" y="0"/>
+          <a:ext cx="0" cy="0"/>
+          <a:chOff x="0" y="0"/>
+          <a:chExt cx="0" cy="0"/>
+        </a:xfrm>
+      </p:grpSpPr>
+      <p:sp>
+        <p:nvSpPr>
+          <p:cNvPr id="2" name="Text Placeholder 1"/>
+          <p:cNvSpPr>
+            <a:spLocks noGrp="1"/>
+          </p:cNvSpPr>
+          <p:nvPr>
+            <p:ph type="body" sz="quarter" idx="13"/>
+          </p:nvPr>
+        </p:nvSpPr>
+        <p:spPr/>
+        <p:txBody>
+          <a:bodyPr/>
+          <a:lstStyle/>
+          <a:p>
+            <a:endParaRPr lang="en-US" dirty="0"/>
+          </a:p>
+        </p:txBody>
+      </p:sp>
+      <p:sp>
+        <p:nvSpPr>
+          <p:cNvPr id="17" name="Title 16"/>
+          <p:cNvSpPr>
+            <a:spLocks noGrp="1"/>
+          </p:cNvSpPr>
+          <p:nvPr>
+            <p:ph type="title"/>
+          </p:nvPr>
+        </p:nvSpPr>
+        <p:spPr/>
+        <p:txBody>
+          <a:bodyPr/>
+          <a:lstStyle/>
+          <a:p>
+            <a:r>
+              <a:rPr lang="en-US" dirty="0" smtClean="0"/>
+              <a:t>Thanks</a:t>
+            </a:r>
+            <a:endParaRPr lang="en-US" dirty="0"/>
+          </a:p>
+        </p:txBody>
+      </p:sp>
+    </p:spTree>
+    <p:extLst>
+      <p:ext uri="{BB962C8B-B14F-4D97-AF65-F5344CB8AC3E}">
+        <p14:creationId xmlns:p14="http://schemas.microsoft.com/office/powerpoint/2010/main" val="1002772693"/>
+      </p:ext>
+    </p:extLst>
+  </p:cSld>
+  <p:clrMapOvr>
+    <a:masterClrMapping/>
+  </p:clrMapOvr>
+  <mc:AlternateContent xmlns:mc="http://schemas.openxmlformats.org/markup-compatibility/2006" xmlns:p14="http://schemas.microsoft.com/office/powerpoint/2010/main">
+    <mc:Choice Requires="p14">
+      <p:transition spd="med" p14:dur="700">
+        <p:fade/>
+      </p:transition>
+    </mc:Choice>
+    <mc:Fallback xmlns="">
+      <p:transition spd="med">
+        <p:fade/>
+      </p:transition>
+    </mc:Fallback>
+  </mc:AlternateContent>
+  <p:timing>
+    <p:tnLst>
+      <p:par>
+        <p:cTn id="1" dur="indefinite" restart="never" nodeType="tmRoot"/>
+      </p:par>
+    </p:tnLst>
+  </p:timing>
+</p:sld>
+</file>
+
+<file path=ppt/slides/slide19.xml><?xml version="1.0" encoding="utf-8"?>
 <p:sld xmlns:a="http://schemas.openxmlformats.org/drawingml/2006/main" xmlns:r="http://schemas.openxmlformats.org/officeDocument/2006/relationships" xmlns:p="http://schemas.openxmlformats.org/presentationml/2006/main">
   <p:cSld>
     <p:spTree>
@@ -17697,7 +18838,701 @@
 </p:sld>
 </file>
 
-<file path=ppt/slides/slide18.xml><?xml version="1.0" encoding="utf-8"?>
+<file path=ppt/slides/slide2.xml><?xml version="1.0" encoding="utf-8"?>
+<p:sld xmlns:a="http://schemas.openxmlformats.org/drawingml/2006/main" xmlns:r="http://schemas.openxmlformats.org/officeDocument/2006/relationships" xmlns:p="http://schemas.openxmlformats.org/presentationml/2006/main">
+  <p:cSld>
+    <p:spTree>
+      <p:nvGrpSpPr>
+        <p:cNvPr id="1" name=""/>
+        <p:cNvGrpSpPr/>
+        <p:nvPr/>
+      </p:nvGrpSpPr>
+      <p:grpSpPr>
+        <a:xfrm>
+          <a:off x="0" y="0"/>
+          <a:ext cx="0" cy="0"/>
+          <a:chOff x="0" y="0"/>
+          <a:chExt cx="0" cy="0"/>
+        </a:xfrm>
+      </p:grpSpPr>
+      <p:sp>
+        <p:nvSpPr>
+          <p:cNvPr id="2" name="Title 1"/>
+          <p:cNvSpPr>
+            <a:spLocks noGrp="1"/>
+          </p:cNvSpPr>
+          <p:nvPr>
+            <p:ph type="title"/>
+          </p:nvPr>
+        </p:nvSpPr>
+        <p:spPr>
+          <a:xfrm>
+            <a:off x="461387" y="320041"/>
+            <a:ext cx="8396863" cy="620358"/>
+          </a:xfrm>
+        </p:spPr>
+        <p:txBody>
+          <a:bodyPr/>
+          <a:lstStyle/>
+          <a:p>
+            <a:r>
+              <a:rPr lang="en-US" sz="2800" dirty="0" smtClean="0"/>
+              <a:t>About me</a:t>
+            </a:r>
+            <a:endParaRPr lang="en-US" sz="2800" dirty="0"/>
+          </a:p>
+        </p:txBody>
+      </p:sp>
+      <p:cxnSp>
+        <p:nvCxnSpPr>
+          <p:cNvPr id="34" name="Straight Connector 33"/>
+          <p:cNvCxnSpPr/>
+          <p:nvPr/>
+        </p:nvCxnSpPr>
+        <p:spPr>
+          <a:xfrm>
+            <a:off x="457200" y="1184910"/>
+            <a:ext cx="8401050" cy="0"/>
+          </a:xfrm>
+          <a:prstGeom prst="line">
+            <a:avLst/>
+          </a:prstGeom>
+          <a:ln w="12700">
+            <a:solidFill>
+              <a:schemeClr val="accent5"/>
+            </a:solidFill>
+          </a:ln>
+        </p:spPr>
+        <p:style>
+          <a:lnRef idx="1">
+            <a:schemeClr val="accent1"/>
+          </a:lnRef>
+          <a:fillRef idx="0">
+            <a:schemeClr val="accent1"/>
+          </a:fillRef>
+          <a:effectRef idx="0">
+            <a:schemeClr val="accent1"/>
+          </a:effectRef>
+          <a:fontRef idx="minor">
+            <a:schemeClr val="tx1"/>
+          </a:fontRef>
+        </p:style>
+      </p:cxnSp>
+      <p:grpSp>
+        <p:nvGrpSpPr>
+          <p:cNvPr id="5" name="Group 4"/>
+          <p:cNvGrpSpPr/>
+          <p:nvPr/>
+        </p:nvGrpSpPr>
+        <p:grpSpPr>
+          <a:xfrm>
+            <a:off x="5560060" y="1319421"/>
+            <a:ext cx="2978150" cy="4480560"/>
+            <a:chOff x="4958080" y="1779270"/>
+            <a:chExt cx="2978150" cy="4480560"/>
+          </a:xfrm>
+        </p:grpSpPr>
+        <p:pic>
+          <p:nvPicPr>
+            <p:cNvPr id="1026" name="Picture 2"/>
+            <p:cNvPicPr>
+              <a:picLocks noChangeAspect="1" noChangeArrowheads="1"/>
+            </p:cNvPicPr>
+            <p:nvPr/>
+          </p:nvPicPr>
+          <p:blipFill rotWithShape="1">
+            <a:blip r:embed="rId3">
+              <a:extLst>
+                <a:ext uri="{28A0092B-C50C-407E-A947-70E740481C1C}">
+                  <a14:useLocalDpi xmlns:a14="http://schemas.microsoft.com/office/drawing/2010/main" val="0"/>
+                </a:ext>
+              </a:extLst>
+            </a:blip>
+            <a:srcRect b="33360"/>
+            <a:stretch/>
+          </p:blipFill>
+          <p:spPr bwMode="auto">
+            <a:xfrm>
+              <a:off x="4958080" y="1779270"/>
+              <a:ext cx="2978150" cy="3173730"/>
+            </a:xfrm>
+            <a:prstGeom prst="rect">
+              <a:avLst/>
+            </a:prstGeom>
+            <a:noFill/>
+            <a:ln>
+              <a:noFill/>
+            </a:ln>
+            <a:extLst>
+              <a:ext uri="{909E8E84-426E-40DD-AFC4-6F175D3DCCD1}">
+                <a14:hiddenFill xmlns:a14="http://schemas.microsoft.com/office/drawing/2010/main">
+                  <a:solidFill>
+                    <a:schemeClr val="accent1"/>
+                  </a:solidFill>
+                </a14:hiddenFill>
+              </a:ext>
+              <a:ext uri="{91240B29-F687-4F45-9708-019B960494DF}">
+                <a14:hiddenLine xmlns:a14="http://schemas.microsoft.com/office/drawing/2010/main" w="9525">
+                  <a:solidFill>
+                    <a:schemeClr val="tx1"/>
+                  </a:solidFill>
+                  <a:miter lim="800000"/>
+                  <a:headEnd/>
+                  <a:tailEnd/>
+                </a14:hiddenLine>
+              </a:ext>
+            </a:extLst>
+          </p:spPr>
+        </p:pic>
+        <p:pic>
+          <p:nvPicPr>
+            <p:cNvPr id="1027" name="Picture 3"/>
+            <p:cNvPicPr>
+              <a:picLocks noChangeAspect="1" noChangeArrowheads="1"/>
+            </p:cNvPicPr>
+            <p:nvPr/>
+          </p:nvPicPr>
+          <p:blipFill rotWithShape="1">
+            <a:blip r:embed="rId3">
+              <a:extLst>
+                <a:ext uri="{28A0092B-C50C-407E-A947-70E740481C1C}">
+                  <a14:useLocalDpi xmlns:a14="http://schemas.microsoft.com/office/drawing/2010/main" val="0"/>
+                </a:ext>
+              </a:extLst>
+            </a:blip>
+            <a:srcRect t="72560"/>
+            <a:stretch/>
+          </p:blipFill>
+          <p:spPr bwMode="auto">
+            <a:xfrm>
+              <a:off x="4958080" y="4953000"/>
+              <a:ext cx="2978150" cy="1306830"/>
+            </a:xfrm>
+            <a:prstGeom prst="rect">
+              <a:avLst/>
+            </a:prstGeom>
+            <a:noFill/>
+            <a:ln>
+              <a:noFill/>
+            </a:ln>
+            <a:extLst>
+              <a:ext uri="{909E8E84-426E-40DD-AFC4-6F175D3DCCD1}">
+                <a14:hiddenFill xmlns:a14="http://schemas.microsoft.com/office/drawing/2010/main">
+                  <a:solidFill>
+                    <a:schemeClr val="accent1"/>
+                  </a:solidFill>
+                </a14:hiddenFill>
+              </a:ext>
+              <a:ext uri="{91240B29-F687-4F45-9708-019B960494DF}">
+                <a14:hiddenLine xmlns:a14="http://schemas.microsoft.com/office/drawing/2010/main" w="9525">
+                  <a:solidFill>
+                    <a:schemeClr val="tx1"/>
+                  </a:solidFill>
+                  <a:miter lim="800000"/>
+                  <a:headEnd/>
+                  <a:tailEnd/>
+                </a14:hiddenLine>
+              </a:ext>
+            </a:extLst>
+          </p:spPr>
+        </p:pic>
+      </p:grpSp>
+      <p:sp>
+        <p:nvSpPr>
+          <p:cNvPr id="4" name="TextBox 3"/>
+          <p:cNvSpPr txBox="1"/>
+          <p:nvPr/>
+        </p:nvSpPr>
+        <p:spPr>
+          <a:xfrm>
+            <a:off x="457200" y="1319421"/>
+            <a:ext cx="5003800" cy="4739759"/>
+          </a:xfrm>
+          <a:prstGeom prst="rect">
+            <a:avLst/>
+          </a:prstGeom>
+          <a:noFill/>
+        </p:spPr>
+        <p:txBody>
+          <a:bodyPr wrap="square" rtlCol="0">
+            <a:spAutoFit/>
+          </a:bodyPr>
+          <a:lstStyle/>
+          <a:p>
+            <a:r>
+              <a:rPr lang="en-IE" dirty="0" smtClean="0"/>
+              <a:t>Who I am and why I am here…</a:t>
+            </a:r>
+          </a:p>
+          <a:p>
+            <a:endParaRPr lang="en-IE" dirty="0" smtClean="0"/>
+          </a:p>
+          <a:p>
+            <a:r>
+              <a:rPr lang="en-IE" sz="1400" dirty="0" smtClean="0"/>
+              <a:t>Physicist, Data Scientist, Python Enthusiast, </a:t>
+            </a:r>
+            <a:r>
+              <a:rPr lang="en-IE" sz="1400" dirty="0" err="1" smtClean="0"/>
+              <a:t>Kotlin</a:t>
+            </a:r>
+            <a:r>
+              <a:rPr lang="en-IE" sz="1400" dirty="0" smtClean="0"/>
+              <a:t>/Scala practitioner, </a:t>
+            </a:r>
+            <a:r>
+              <a:rPr lang="en-IE" sz="1400" dirty="0" err="1" smtClean="0"/>
+              <a:t>Golang</a:t>
+            </a:r>
+            <a:r>
+              <a:rPr lang="en-IE" sz="1400" dirty="0" smtClean="0"/>
+              <a:t> </a:t>
+            </a:r>
+            <a:r>
+              <a:rPr lang="en-IE" sz="1400" dirty="0" err="1" smtClean="0"/>
+              <a:t>padawan</a:t>
+            </a:r>
+            <a:r>
+              <a:rPr lang="en-IE" sz="1400" dirty="0" smtClean="0"/>
+              <a:t>, Ham Radio Operator, Hiker, Karateka and Amateur Photographer…</a:t>
+            </a:r>
+          </a:p>
+          <a:p>
+            <a:endParaRPr lang="en-IE" sz="1400" dirty="0" smtClean="0"/>
+          </a:p>
+          <a:p>
+            <a:r>
+              <a:rPr lang="en-IE" sz="1400" dirty="0" smtClean="0"/>
+              <a:t>I have been a data professional in a few different places </a:t>
+            </a:r>
+            <a:r>
+              <a:rPr lang="en-IE" sz="1400" dirty="0" smtClean="0">
+                <a:sym typeface="Wingdings" panose="05000000000000000000" pitchFamily="2" charset="2"/>
+              </a:rPr>
+              <a:t></a:t>
+            </a:r>
+          </a:p>
+          <a:p>
+            <a:endParaRPr lang="en-IE" sz="1400" dirty="0">
+              <a:sym typeface="Wingdings" panose="05000000000000000000" pitchFamily="2" charset="2"/>
+            </a:endParaRPr>
+          </a:p>
+          <a:p>
+            <a:endParaRPr lang="en-IE" sz="1400" dirty="0"/>
+          </a:p>
+          <a:p>
+            <a:endParaRPr lang="en-IE" sz="1400" dirty="0" smtClean="0"/>
+          </a:p>
+          <a:p>
+            <a:endParaRPr lang="en-IE" sz="1400" dirty="0" smtClean="0"/>
+          </a:p>
+          <a:p>
+            <a:endParaRPr lang="en-IE" sz="1400" dirty="0"/>
+          </a:p>
+          <a:p>
+            <a:endParaRPr lang="en-IE" sz="1400" dirty="0" smtClean="0"/>
+          </a:p>
+          <a:p>
+            <a:endParaRPr lang="en-IE" sz="1400" dirty="0"/>
+          </a:p>
+          <a:p>
+            <a:endParaRPr lang="en-IE" sz="1400" dirty="0" smtClean="0"/>
+          </a:p>
+          <a:p>
+            <a:endParaRPr lang="en-IE" sz="1400" dirty="0"/>
+          </a:p>
+          <a:p>
+            <a:endParaRPr lang="en-IE" sz="1400" dirty="0" smtClean="0"/>
+          </a:p>
+          <a:p>
+            <a:endParaRPr lang="en-IE" sz="1400" dirty="0" smtClean="0"/>
+          </a:p>
+          <a:p>
+            <a:endParaRPr lang="en-IE" sz="1400" dirty="0" smtClean="0"/>
+          </a:p>
+          <a:p>
+            <a:endParaRPr lang="en-IE" sz="1400" dirty="0"/>
+          </a:p>
+          <a:p>
+            <a:endParaRPr lang="en-IE" sz="1400" dirty="0" smtClean="0"/>
+          </a:p>
+        </p:txBody>
+      </p:sp>
+      <p:sp>
+        <p:nvSpPr>
+          <p:cNvPr id="9" name="TextBox 8"/>
+          <p:cNvSpPr txBox="1"/>
+          <p:nvPr/>
+        </p:nvSpPr>
+        <p:spPr>
+          <a:xfrm>
+            <a:off x="457200" y="6059180"/>
+            <a:ext cx="4884420" cy="461665"/>
+          </a:xfrm>
+          <a:prstGeom prst="rect">
+            <a:avLst/>
+          </a:prstGeom>
+          <a:noFill/>
+        </p:spPr>
+        <p:txBody>
+          <a:bodyPr wrap="square" rtlCol="0">
+            <a:spAutoFit/>
+          </a:bodyPr>
+          <a:lstStyle/>
+          <a:p>
+            <a:r>
+              <a:rPr lang="en-IE" sz="1200" b="1" dirty="0"/>
+              <a:t>I am here to show how you can harness the power of data!</a:t>
+            </a:r>
+            <a:endParaRPr lang="en-US" sz="1200" b="1" dirty="0"/>
+          </a:p>
+          <a:p>
+            <a:endParaRPr lang="en-US" sz="1200" b="1" dirty="0" err="1" smtClean="0"/>
+          </a:p>
+        </p:txBody>
+      </p:sp>
+      <p:grpSp>
+        <p:nvGrpSpPr>
+          <p:cNvPr id="10" name="Group 9"/>
+          <p:cNvGrpSpPr/>
+          <p:nvPr/>
+        </p:nvGrpSpPr>
+        <p:grpSpPr>
+          <a:xfrm>
+            <a:off x="541020" y="3004820"/>
+            <a:ext cx="4556760" cy="2908300"/>
+            <a:chOff x="541020" y="3004820"/>
+            <a:chExt cx="4556760" cy="2908300"/>
+          </a:xfrm>
+        </p:grpSpPr>
+        <p:graphicFrame>
+          <p:nvGraphicFramePr>
+            <p:cNvPr id="7" name="Diagram 6"/>
+            <p:cNvGraphicFramePr/>
+            <p:nvPr>
+              <p:extLst>
+                <p:ext uri="{D42A27DB-BD31-4B8C-83A1-F6EECF244321}">
+                  <p14:modId xmlns:p14="http://schemas.microsoft.com/office/powerpoint/2010/main" val="2655966023"/>
+                </p:ext>
+              </p:extLst>
+            </p:nvPr>
+          </p:nvGraphicFramePr>
+          <p:xfrm>
+            <a:off x="541020" y="3004820"/>
+            <a:ext cx="4556760" cy="2908300"/>
+          </p:xfrm>
+          <a:graphic>
+            <a:graphicData uri="http://schemas.openxmlformats.org/drawingml/2006/diagram">
+              <dgm:relIds xmlns:dgm="http://schemas.openxmlformats.org/drawingml/2006/diagram" xmlns:r="http://schemas.openxmlformats.org/officeDocument/2006/relationships" r:dm="rId4" r:lo="rId5" r:qs="rId6" r:cs="rId7"/>
+            </a:graphicData>
+          </a:graphic>
+        </p:graphicFrame>
+        <p:pic>
+          <p:nvPicPr>
+            <p:cNvPr id="1028" name="Picture 4" descr="C:\Users\pmascolo\Downloads\Logo_B_Positivo_Colore.jpg"/>
+            <p:cNvPicPr>
+              <a:picLocks noChangeAspect="1" noChangeArrowheads="1"/>
+            </p:cNvPicPr>
+            <p:nvPr/>
+          </p:nvPicPr>
+          <p:blipFill rotWithShape="1">
+            <a:blip r:embed="rId9" cstate="print">
+              <a:extLst>
+                <a:ext uri="{28A0092B-C50C-407E-A947-70E740481C1C}">
+                  <a14:useLocalDpi xmlns:a14="http://schemas.microsoft.com/office/drawing/2010/main" val="0"/>
+                </a:ext>
+              </a:extLst>
+            </a:blip>
+            <a:srcRect r="1460" b="18182"/>
+            <a:stretch/>
+          </p:blipFill>
+          <p:spPr bwMode="auto">
+            <a:xfrm>
+              <a:off x="682150" y="3276600"/>
+              <a:ext cx="376179" cy="344120"/>
+            </a:xfrm>
+            <a:prstGeom prst="rect">
+              <a:avLst/>
+            </a:prstGeom>
+            <a:noFill/>
+            <a:extLst>
+              <a:ext uri="{909E8E84-426E-40DD-AFC4-6F175D3DCCD1}">
+                <a14:hiddenFill xmlns:a14="http://schemas.microsoft.com/office/drawing/2010/main">
+                  <a:solidFill>
+                    <a:srgbClr val="FFFFFF"/>
+                  </a:solidFill>
+                </a14:hiddenFill>
+              </a:ext>
+            </a:extLst>
+          </p:spPr>
+        </p:pic>
+        <p:pic>
+          <p:nvPicPr>
+            <p:cNvPr id="1029" name="Picture 5" descr="C:\Users\pmascolo\Downloads\logo_energee3.png"/>
+            <p:cNvPicPr>
+              <a:picLocks noChangeAspect="1" noChangeArrowheads="1"/>
+            </p:cNvPicPr>
+            <p:nvPr/>
+          </p:nvPicPr>
+          <p:blipFill>
+            <a:blip r:embed="rId10" cstate="print">
+              <a:extLst>
+                <a:ext uri="{28A0092B-C50C-407E-A947-70E740481C1C}">
+                  <a14:useLocalDpi xmlns:a14="http://schemas.microsoft.com/office/drawing/2010/main" val="0"/>
+                </a:ext>
+              </a:extLst>
+            </a:blip>
+            <a:srcRect/>
+            <a:stretch>
+              <a:fillRect/>
+            </a:stretch>
+          </p:blipFill>
+          <p:spPr bwMode="auto">
+            <a:xfrm>
+              <a:off x="900719" y="3930650"/>
+              <a:ext cx="471437" cy="393700"/>
+            </a:xfrm>
+            <a:prstGeom prst="rect">
+              <a:avLst/>
+            </a:prstGeom>
+            <a:noFill/>
+            <a:extLst>
+              <a:ext uri="{909E8E84-426E-40DD-AFC4-6F175D3DCCD1}">
+                <a14:hiddenFill xmlns:a14="http://schemas.microsoft.com/office/drawing/2010/main">
+                  <a:solidFill>
+                    <a:srgbClr val="FFFFFF"/>
+                  </a:solidFill>
+                </a14:hiddenFill>
+              </a:ext>
+            </a:extLst>
+          </p:spPr>
+        </p:pic>
+        <p:pic>
+          <p:nvPicPr>
+            <p:cNvPr id="1030" name="Picture 6" descr="C:\Users\pmascolo\Downloads\1492758.png"/>
+            <p:cNvPicPr>
+              <a:picLocks noChangeAspect="1" noChangeArrowheads="1"/>
+            </p:cNvPicPr>
+            <p:nvPr/>
+          </p:nvPicPr>
+          <p:blipFill rotWithShape="1">
+            <a:blip r:embed="rId11" cstate="print">
+              <a:extLst>
+                <a:ext uri="{28A0092B-C50C-407E-A947-70E740481C1C}">
+                  <a14:useLocalDpi xmlns:a14="http://schemas.microsoft.com/office/drawing/2010/main" val="0"/>
+                </a:ext>
+              </a:extLst>
+            </a:blip>
+            <a:srcRect l="7967" t="12400" r="8033" b="29600"/>
+            <a:stretch/>
+          </p:blipFill>
+          <p:spPr bwMode="auto">
+            <a:xfrm>
+              <a:off x="925137" y="4671060"/>
+              <a:ext cx="424159" cy="292872"/>
+            </a:xfrm>
+            <a:prstGeom prst="rect">
+              <a:avLst/>
+            </a:prstGeom>
+            <a:noFill/>
+            <a:extLst>
+              <a:ext uri="{909E8E84-426E-40DD-AFC4-6F175D3DCCD1}">
+                <a14:hiddenFill xmlns:a14="http://schemas.microsoft.com/office/drawing/2010/main">
+                  <a:solidFill>
+                    <a:srgbClr val="FFFFFF"/>
+                  </a:solidFill>
+                </a14:hiddenFill>
+              </a:ext>
+            </a:extLst>
+          </p:spPr>
+        </p:pic>
+        <p:pic>
+          <p:nvPicPr>
+            <p:cNvPr id="1031" name="Picture 7" descr="C:\Users\pmascolo\Downloads\optum_2x.png"/>
+            <p:cNvPicPr>
+              <a:picLocks noChangeAspect="1" noChangeArrowheads="1"/>
+            </p:cNvPicPr>
+            <p:nvPr/>
+          </p:nvPicPr>
+          <p:blipFill>
+            <a:blip r:embed="rId12" cstate="print">
+              <a:extLst>
+                <a:ext uri="{28A0092B-C50C-407E-A947-70E740481C1C}">
+                  <a14:useLocalDpi xmlns:a14="http://schemas.microsoft.com/office/drawing/2010/main" val="0"/>
+                </a:ext>
+              </a:extLst>
+            </a:blip>
+            <a:srcRect/>
+            <a:stretch>
+              <a:fillRect/>
+            </a:stretch>
+          </p:blipFill>
+          <p:spPr bwMode="auto">
+            <a:xfrm>
+              <a:off x="651229" y="5397967"/>
+              <a:ext cx="438019" cy="137629"/>
+            </a:xfrm>
+            <a:prstGeom prst="rect">
+              <a:avLst/>
+            </a:prstGeom>
+            <a:noFill/>
+            <a:extLst>
+              <a:ext uri="{909E8E84-426E-40DD-AFC4-6F175D3DCCD1}">
+                <a14:hiddenFill xmlns:a14="http://schemas.microsoft.com/office/drawing/2010/main">
+                  <a:solidFill>
+                    <a:srgbClr val="FFFFFF"/>
+                  </a:solidFill>
+                </a14:hiddenFill>
+              </a:ext>
+            </a:extLst>
+          </p:spPr>
+        </p:pic>
+      </p:grpSp>
+    </p:spTree>
+    <p:extLst>
+      <p:ext uri="{BB962C8B-B14F-4D97-AF65-F5344CB8AC3E}">
+        <p14:creationId xmlns:p14="http://schemas.microsoft.com/office/powerpoint/2010/main" val="435357314"/>
+      </p:ext>
+    </p:extLst>
+  </p:cSld>
+  <p:clrMapOvr>
+    <a:masterClrMapping/>
+  </p:clrMapOvr>
+  <mc:AlternateContent xmlns:mc="http://schemas.openxmlformats.org/markup-compatibility/2006" xmlns:p14="http://schemas.microsoft.com/office/powerpoint/2010/main">
+    <mc:Choice Requires="p14">
+      <p:transition spd="slow" p14:dur="2000"/>
+    </mc:Choice>
+    <mc:Fallback xmlns="">
+      <p:transition spd="slow"/>
+    </mc:Fallback>
+  </mc:AlternateContent>
+  <p:timing>
+    <p:tnLst>
+      <p:par>
+        <p:cTn id="1" dur="indefinite" restart="never" nodeType="tmRoot">
+          <p:childTnLst>
+            <p:seq concurrent="1" nextAc="seek">
+              <p:cTn id="2" dur="indefinite" nodeType="mainSeq">
+                <p:childTnLst>
+                  <p:par>
+                    <p:cTn id="3" fill="hold">
+                      <p:stCondLst>
+                        <p:cond delay="indefinite"/>
+                      </p:stCondLst>
+                      <p:childTnLst>
+                        <p:par>
+                          <p:cTn id="4" fill="hold">
+                            <p:stCondLst>
+                              <p:cond delay="0"/>
+                            </p:stCondLst>
+                            <p:childTnLst>
+                              <p:par>
+                                <p:cTn id="5" presetID="1" presetClass="entr" presetSubtype="0" fill="hold" nodeType="clickEffect">
+                                  <p:stCondLst>
+                                    <p:cond delay="0"/>
+                                  </p:stCondLst>
+                                  <p:childTnLst>
+                                    <p:set>
+                                      <p:cBhvr>
+                                        <p:cTn id="6" dur="1" fill="hold">
+                                          <p:stCondLst>
+                                            <p:cond delay="0"/>
+                                          </p:stCondLst>
+                                        </p:cTn>
+                                        <p:tgtEl>
+                                          <p:spTgt spid="10"/>
+                                        </p:tgtEl>
+                                        <p:attrNameLst>
+                                          <p:attrName>style.visibility</p:attrName>
+                                        </p:attrNameLst>
+                                      </p:cBhvr>
+                                      <p:to>
+                                        <p:strVal val="visible"/>
+                                      </p:to>
+                                    </p:set>
+                                  </p:childTnLst>
+                                </p:cTn>
+                              </p:par>
+                            </p:childTnLst>
+                          </p:cTn>
+                        </p:par>
+                      </p:childTnLst>
+                    </p:cTn>
+                  </p:par>
+                  <p:par>
+                    <p:cTn id="7" fill="hold">
+                      <p:stCondLst>
+                        <p:cond delay="indefinite"/>
+                      </p:stCondLst>
+                      <p:childTnLst>
+                        <p:par>
+                          <p:cTn id="8" fill="hold">
+                            <p:stCondLst>
+                              <p:cond delay="0"/>
+                            </p:stCondLst>
+                            <p:childTnLst>
+                              <p:par>
+                                <p:cTn id="9" presetID="1" presetClass="entr" presetSubtype="0" fill="hold" grpId="0" nodeType="clickEffect">
+                                  <p:stCondLst>
+                                    <p:cond delay="0"/>
+                                  </p:stCondLst>
+                                  <p:childTnLst>
+                                    <p:set>
+                                      <p:cBhvr>
+                                        <p:cTn id="10" dur="1" fill="hold">
+                                          <p:stCondLst>
+                                            <p:cond delay="0"/>
+                                          </p:stCondLst>
+                                        </p:cTn>
+                                        <p:tgtEl>
+                                          <p:spTgt spid="9"/>
+                                        </p:tgtEl>
+                                        <p:attrNameLst>
+                                          <p:attrName>style.visibility</p:attrName>
+                                        </p:attrNameLst>
+                                      </p:cBhvr>
+                                      <p:to>
+                                        <p:strVal val="visible"/>
+                                      </p:to>
+                                    </p:set>
+                                  </p:childTnLst>
+                                </p:cTn>
+                              </p:par>
+                            </p:childTnLst>
+                          </p:cTn>
+                        </p:par>
+                      </p:childTnLst>
+                    </p:cTn>
+                  </p:par>
+                </p:childTnLst>
+              </p:cTn>
+              <p:prevCondLst>
+                <p:cond evt="onPrev" delay="0">
+                  <p:tgtEl>
+                    <p:sldTgt/>
+                  </p:tgtEl>
+                </p:cond>
+              </p:prevCondLst>
+              <p:nextCondLst>
+                <p:cond evt="onNext" delay="0">
+                  <p:tgtEl>
+                    <p:sldTgt/>
+                  </p:tgtEl>
+                </p:cond>
+              </p:nextCondLst>
+            </p:seq>
+          </p:childTnLst>
+        </p:cTn>
+      </p:par>
+    </p:tnLst>
+    <p:bldLst>
+      <p:bldP spid="9" grpId="0"/>
+    </p:bldLst>
+  </p:timing>
+</p:sld>
+</file>
+
+<file path=ppt/slides/slide20.xml><?xml version="1.0" encoding="utf-8"?>
 <p:sld xmlns:a="http://schemas.openxmlformats.org/drawingml/2006/main" xmlns:r="http://schemas.openxmlformats.org/officeDocument/2006/relationships" xmlns:p="http://schemas.openxmlformats.org/presentationml/2006/main">
   <p:cSld>
     <p:spTree>
@@ -18455,7 +20290,7 @@
 </p:sld>
 </file>
 
-<file path=ppt/slides/slide19.xml><?xml version="1.0" encoding="utf-8"?>
+<file path=ppt/slides/slide21.xml><?xml version="1.0" encoding="utf-8"?>
 <p:sld xmlns:a="http://schemas.openxmlformats.org/drawingml/2006/main" xmlns:r="http://schemas.openxmlformats.org/officeDocument/2006/relationships" xmlns:p="http://schemas.openxmlformats.org/presentationml/2006/main">
   <p:cSld>
     <p:spTree>
@@ -18934,701 +20769,7 @@
 </p:sld>
 </file>
 
-<file path=ppt/slides/slide2.xml><?xml version="1.0" encoding="utf-8"?>
-<p:sld xmlns:a="http://schemas.openxmlformats.org/drawingml/2006/main" xmlns:r="http://schemas.openxmlformats.org/officeDocument/2006/relationships" xmlns:p="http://schemas.openxmlformats.org/presentationml/2006/main">
-  <p:cSld>
-    <p:spTree>
-      <p:nvGrpSpPr>
-        <p:cNvPr id="1" name=""/>
-        <p:cNvGrpSpPr/>
-        <p:nvPr/>
-      </p:nvGrpSpPr>
-      <p:grpSpPr>
-        <a:xfrm>
-          <a:off x="0" y="0"/>
-          <a:ext cx="0" cy="0"/>
-          <a:chOff x="0" y="0"/>
-          <a:chExt cx="0" cy="0"/>
-        </a:xfrm>
-      </p:grpSpPr>
-      <p:sp>
-        <p:nvSpPr>
-          <p:cNvPr id="2" name="Title 1"/>
-          <p:cNvSpPr>
-            <a:spLocks noGrp="1"/>
-          </p:cNvSpPr>
-          <p:nvPr>
-            <p:ph type="title"/>
-          </p:nvPr>
-        </p:nvSpPr>
-        <p:spPr>
-          <a:xfrm>
-            <a:off x="461387" y="320041"/>
-            <a:ext cx="8396863" cy="620358"/>
-          </a:xfrm>
-        </p:spPr>
-        <p:txBody>
-          <a:bodyPr/>
-          <a:lstStyle/>
-          <a:p>
-            <a:r>
-              <a:rPr lang="en-US" sz="2800" dirty="0" smtClean="0"/>
-              <a:t>About me</a:t>
-            </a:r>
-            <a:endParaRPr lang="en-US" sz="2800" dirty="0"/>
-          </a:p>
-        </p:txBody>
-      </p:sp>
-      <p:cxnSp>
-        <p:nvCxnSpPr>
-          <p:cNvPr id="34" name="Straight Connector 33"/>
-          <p:cNvCxnSpPr/>
-          <p:nvPr/>
-        </p:nvCxnSpPr>
-        <p:spPr>
-          <a:xfrm>
-            <a:off x="457200" y="1184910"/>
-            <a:ext cx="8401050" cy="0"/>
-          </a:xfrm>
-          <a:prstGeom prst="line">
-            <a:avLst/>
-          </a:prstGeom>
-          <a:ln w="12700">
-            <a:solidFill>
-              <a:schemeClr val="accent5"/>
-            </a:solidFill>
-          </a:ln>
-        </p:spPr>
-        <p:style>
-          <a:lnRef idx="1">
-            <a:schemeClr val="accent1"/>
-          </a:lnRef>
-          <a:fillRef idx="0">
-            <a:schemeClr val="accent1"/>
-          </a:fillRef>
-          <a:effectRef idx="0">
-            <a:schemeClr val="accent1"/>
-          </a:effectRef>
-          <a:fontRef idx="minor">
-            <a:schemeClr val="tx1"/>
-          </a:fontRef>
-        </p:style>
-      </p:cxnSp>
-      <p:grpSp>
-        <p:nvGrpSpPr>
-          <p:cNvPr id="5" name="Group 4"/>
-          <p:cNvGrpSpPr/>
-          <p:nvPr/>
-        </p:nvGrpSpPr>
-        <p:grpSpPr>
-          <a:xfrm>
-            <a:off x="5560060" y="1319421"/>
-            <a:ext cx="2978150" cy="4480560"/>
-            <a:chOff x="4958080" y="1779270"/>
-            <a:chExt cx="2978150" cy="4480560"/>
-          </a:xfrm>
-        </p:grpSpPr>
-        <p:pic>
-          <p:nvPicPr>
-            <p:cNvPr id="1026" name="Picture 2"/>
-            <p:cNvPicPr>
-              <a:picLocks noChangeAspect="1" noChangeArrowheads="1"/>
-            </p:cNvPicPr>
-            <p:nvPr/>
-          </p:nvPicPr>
-          <p:blipFill rotWithShape="1">
-            <a:blip r:embed="rId3">
-              <a:extLst>
-                <a:ext uri="{28A0092B-C50C-407E-A947-70E740481C1C}">
-                  <a14:useLocalDpi xmlns:a14="http://schemas.microsoft.com/office/drawing/2010/main" val="0"/>
-                </a:ext>
-              </a:extLst>
-            </a:blip>
-            <a:srcRect b="33360"/>
-            <a:stretch/>
-          </p:blipFill>
-          <p:spPr bwMode="auto">
-            <a:xfrm>
-              <a:off x="4958080" y="1779270"/>
-              <a:ext cx="2978150" cy="3173730"/>
-            </a:xfrm>
-            <a:prstGeom prst="rect">
-              <a:avLst/>
-            </a:prstGeom>
-            <a:noFill/>
-            <a:ln>
-              <a:noFill/>
-            </a:ln>
-            <a:extLst>
-              <a:ext uri="{909E8E84-426E-40DD-AFC4-6F175D3DCCD1}">
-                <a14:hiddenFill xmlns:a14="http://schemas.microsoft.com/office/drawing/2010/main">
-                  <a:solidFill>
-                    <a:schemeClr val="accent1"/>
-                  </a:solidFill>
-                </a14:hiddenFill>
-              </a:ext>
-              <a:ext uri="{91240B29-F687-4F45-9708-019B960494DF}">
-                <a14:hiddenLine xmlns:a14="http://schemas.microsoft.com/office/drawing/2010/main" w="9525">
-                  <a:solidFill>
-                    <a:schemeClr val="tx1"/>
-                  </a:solidFill>
-                  <a:miter lim="800000"/>
-                  <a:headEnd/>
-                  <a:tailEnd/>
-                </a14:hiddenLine>
-              </a:ext>
-            </a:extLst>
-          </p:spPr>
-        </p:pic>
-        <p:pic>
-          <p:nvPicPr>
-            <p:cNvPr id="1027" name="Picture 3"/>
-            <p:cNvPicPr>
-              <a:picLocks noChangeAspect="1" noChangeArrowheads="1"/>
-            </p:cNvPicPr>
-            <p:nvPr/>
-          </p:nvPicPr>
-          <p:blipFill rotWithShape="1">
-            <a:blip r:embed="rId3">
-              <a:extLst>
-                <a:ext uri="{28A0092B-C50C-407E-A947-70E740481C1C}">
-                  <a14:useLocalDpi xmlns:a14="http://schemas.microsoft.com/office/drawing/2010/main" val="0"/>
-                </a:ext>
-              </a:extLst>
-            </a:blip>
-            <a:srcRect t="72560"/>
-            <a:stretch/>
-          </p:blipFill>
-          <p:spPr bwMode="auto">
-            <a:xfrm>
-              <a:off x="4958080" y="4953000"/>
-              <a:ext cx="2978150" cy="1306830"/>
-            </a:xfrm>
-            <a:prstGeom prst="rect">
-              <a:avLst/>
-            </a:prstGeom>
-            <a:noFill/>
-            <a:ln>
-              <a:noFill/>
-            </a:ln>
-            <a:extLst>
-              <a:ext uri="{909E8E84-426E-40DD-AFC4-6F175D3DCCD1}">
-                <a14:hiddenFill xmlns:a14="http://schemas.microsoft.com/office/drawing/2010/main">
-                  <a:solidFill>
-                    <a:schemeClr val="accent1"/>
-                  </a:solidFill>
-                </a14:hiddenFill>
-              </a:ext>
-              <a:ext uri="{91240B29-F687-4F45-9708-019B960494DF}">
-                <a14:hiddenLine xmlns:a14="http://schemas.microsoft.com/office/drawing/2010/main" w="9525">
-                  <a:solidFill>
-                    <a:schemeClr val="tx1"/>
-                  </a:solidFill>
-                  <a:miter lim="800000"/>
-                  <a:headEnd/>
-                  <a:tailEnd/>
-                </a14:hiddenLine>
-              </a:ext>
-            </a:extLst>
-          </p:spPr>
-        </p:pic>
-      </p:grpSp>
-      <p:sp>
-        <p:nvSpPr>
-          <p:cNvPr id="4" name="TextBox 3"/>
-          <p:cNvSpPr txBox="1"/>
-          <p:nvPr/>
-        </p:nvSpPr>
-        <p:spPr>
-          <a:xfrm>
-            <a:off x="457200" y="1319421"/>
-            <a:ext cx="5003800" cy="4739759"/>
-          </a:xfrm>
-          <a:prstGeom prst="rect">
-            <a:avLst/>
-          </a:prstGeom>
-          <a:noFill/>
-        </p:spPr>
-        <p:txBody>
-          <a:bodyPr wrap="square" rtlCol="0">
-            <a:spAutoFit/>
-          </a:bodyPr>
-          <a:lstStyle/>
-          <a:p>
-            <a:r>
-              <a:rPr lang="en-IE" dirty="0" smtClean="0"/>
-              <a:t>Who I am and why I am here…</a:t>
-            </a:r>
-          </a:p>
-          <a:p>
-            <a:endParaRPr lang="en-IE" dirty="0" smtClean="0"/>
-          </a:p>
-          <a:p>
-            <a:r>
-              <a:rPr lang="en-IE" sz="1400" dirty="0" smtClean="0"/>
-              <a:t>Physicist, Data Scientist, Python Enthusiast, </a:t>
-            </a:r>
-            <a:r>
-              <a:rPr lang="en-IE" sz="1400" dirty="0" err="1" smtClean="0"/>
-              <a:t>Kotlin</a:t>
-            </a:r>
-            <a:r>
-              <a:rPr lang="en-IE" sz="1400" dirty="0" smtClean="0"/>
-              <a:t>/Scala practitioner, </a:t>
-            </a:r>
-            <a:r>
-              <a:rPr lang="en-IE" sz="1400" dirty="0" err="1" smtClean="0"/>
-              <a:t>Golang</a:t>
-            </a:r>
-            <a:r>
-              <a:rPr lang="en-IE" sz="1400" dirty="0" smtClean="0"/>
-              <a:t> </a:t>
-            </a:r>
-            <a:r>
-              <a:rPr lang="en-IE" sz="1400" dirty="0" err="1" smtClean="0"/>
-              <a:t>padawan</a:t>
-            </a:r>
-            <a:r>
-              <a:rPr lang="en-IE" sz="1400" dirty="0" smtClean="0"/>
-              <a:t>, Ham Radio Operator, Hiker, Karateka and Amateur Photographer…</a:t>
-            </a:r>
-          </a:p>
-          <a:p>
-            <a:endParaRPr lang="en-IE" sz="1400" dirty="0" smtClean="0"/>
-          </a:p>
-          <a:p>
-            <a:r>
-              <a:rPr lang="en-IE" sz="1400" dirty="0" smtClean="0"/>
-              <a:t>I have been a data professional in a few different places </a:t>
-            </a:r>
-            <a:r>
-              <a:rPr lang="en-IE" sz="1400" dirty="0" smtClean="0">
-                <a:sym typeface="Wingdings" panose="05000000000000000000" pitchFamily="2" charset="2"/>
-              </a:rPr>
-              <a:t></a:t>
-            </a:r>
-          </a:p>
-          <a:p>
-            <a:endParaRPr lang="en-IE" sz="1400" dirty="0">
-              <a:sym typeface="Wingdings" panose="05000000000000000000" pitchFamily="2" charset="2"/>
-            </a:endParaRPr>
-          </a:p>
-          <a:p>
-            <a:endParaRPr lang="en-IE" sz="1400" dirty="0"/>
-          </a:p>
-          <a:p>
-            <a:endParaRPr lang="en-IE" sz="1400" dirty="0" smtClean="0"/>
-          </a:p>
-          <a:p>
-            <a:endParaRPr lang="en-IE" sz="1400" dirty="0" smtClean="0"/>
-          </a:p>
-          <a:p>
-            <a:endParaRPr lang="en-IE" sz="1400" dirty="0"/>
-          </a:p>
-          <a:p>
-            <a:endParaRPr lang="en-IE" sz="1400" dirty="0" smtClean="0"/>
-          </a:p>
-          <a:p>
-            <a:endParaRPr lang="en-IE" sz="1400" dirty="0"/>
-          </a:p>
-          <a:p>
-            <a:endParaRPr lang="en-IE" sz="1400" dirty="0" smtClean="0"/>
-          </a:p>
-          <a:p>
-            <a:endParaRPr lang="en-IE" sz="1400" dirty="0"/>
-          </a:p>
-          <a:p>
-            <a:endParaRPr lang="en-IE" sz="1400" dirty="0" smtClean="0"/>
-          </a:p>
-          <a:p>
-            <a:endParaRPr lang="en-IE" sz="1400" dirty="0" smtClean="0"/>
-          </a:p>
-          <a:p>
-            <a:endParaRPr lang="en-IE" sz="1400" dirty="0" smtClean="0"/>
-          </a:p>
-          <a:p>
-            <a:endParaRPr lang="en-IE" sz="1400" dirty="0"/>
-          </a:p>
-          <a:p>
-            <a:endParaRPr lang="en-IE" sz="1400" dirty="0" smtClean="0"/>
-          </a:p>
-        </p:txBody>
-      </p:sp>
-      <p:sp>
-        <p:nvSpPr>
-          <p:cNvPr id="9" name="TextBox 8"/>
-          <p:cNvSpPr txBox="1"/>
-          <p:nvPr/>
-        </p:nvSpPr>
-        <p:spPr>
-          <a:xfrm>
-            <a:off x="457200" y="6059180"/>
-            <a:ext cx="4884420" cy="461665"/>
-          </a:xfrm>
-          <a:prstGeom prst="rect">
-            <a:avLst/>
-          </a:prstGeom>
-          <a:noFill/>
-        </p:spPr>
-        <p:txBody>
-          <a:bodyPr wrap="square" rtlCol="0">
-            <a:spAutoFit/>
-          </a:bodyPr>
-          <a:lstStyle/>
-          <a:p>
-            <a:r>
-              <a:rPr lang="en-IE" sz="1200" b="1" dirty="0"/>
-              <a:t>I am here to show how you can harness the power of data!</a:t>
-            </a:r>
-            <a:endParaRPr lang="en-US" sz="1200" b="1" dirty="0"/>
-          </a:p>
-          <a:p>
-            <a:endParaRPr lang="en-US" sz="1200" b="1" dirty="0" err="1" smtClean="0"/>
-          </a:p>
-        </p:txBody>
-      </p:sp>
-      <p:grpSp>
-        <p:nvGrpSpPr>
-          <p:cNvPr id="10" name="Group 9"/>
-          <p:cNvGrpSpPr/>
-          <p:nvPr/>
-        </p:nvGrpSpPr>
-        <p:grpSpPr>
-          <a:xfrm>
-            <a:off x="541020" y="3004820"/>
-            <a:ext cx="4556760" cy="2908300"/>
-            <a:chOff x="541020" y="3004820"/>
-            <a:chExt cx="4556760" cy="2908300"/>
-          </a:xfrm>
-        </p:grpSpPr>
-        <p:graphicFrame>
-          <p:nvGraphicFramePr>
-            <p:cNvPr id="7" name="Diagram 6"/>
-            <p:cNvGraphicFramePr/>
-            <p:nvPr>
-              <p:extLst>
-                <p:ext uri="{D42A27DB-BD31-4B8C-83A1-F6EECF244321}">
-                  <p14:modId xmlns:p14="http://schemas.microsoft.com/office/powerpoint/2010/main" val="2655966023"/>
-                </p:ext>
-              </p:extLst>
-            </p:nvPr>
-          </p:nvGraphicFramePr>
-          <p:xfrm>
-            <a:off x="541020" y="3004820"/>
-            <a:ext cx="4556760" cy="2908300"/>
-          </p:xfrm>
-          <a:graphic>
-            <a:graphicData uri="http://schemas.openxmlformats.org/drawingml/2006/diagram">
-              <dgm:relIds xmlns:dgm="http://schemas.openxmlformats.org/drawingml/2006/diagram" xmlns:r="http://schemas.openxmlformats.org/officeDocument/2006/relationships" r:dm="rId4" r:lo="rId5" r:qs="rId6" r:cs="rId7"/>
-            </a:graphicData>
-          </a:graphic>
-        </p:graphicFrame>
-        <p:pic>
-          <p:nvPicPr>
-            <p:cNvPr id="1028" name="Picture 4" descr="C:\Users\pmascolo\Downloads\Logo_B_Positivo_Colore.jpg"/>
-            <p:cNvPicPr>
-              <a:picLocks noChangeAspect="1" noChangeArrowheads="1"/>
-            </p:cNvPicPr>
-            <p:nvPr/>
-          </p:nvPicPr>
-          <p:blipFill rotWithShape="1">
-            <a:blip r:embed="rId9" cstate="print">
-              <a:extLst>
-                <a:ext uri="{28A0092B-C50C-407E-A947-70E740481C1C}">
-                  <a14:useLocalDpi xmlns:a14="http://schemas.microsoft.com/office/drawing/2010/main" val="0"/>
-                </a:ext>
-              </a:extLst>
-            </a:blip>
-            <a:srcRect r="1460" b="18182"/>
-            <a:stretch/>
-          </p:blipFill>
-          <p:spPr bwMode="auto">
-            <a:xfrm>
-              <a:off x="682150" y="3276600"/>
-              <a:ext cx="376179" cy="344120"/>
-            </a:xfrm>
-            <a:prstGeom prst="rect">
-              <a:avLst/>
-            </a:prstGeom>
-            <a:noFill/>
-            <a:extLst>
-              <a:ext uri="{909E8E84-426E-40DD-AFC4-6F175D3DCCD1}">
-                <a14:hiddenFill xmlns:a14="http://schemas.microsoft.com/office/drawing/2010/main">
-                  <a:solidFill>
-                    <a:srgbClr val="FFFFFF"/>
-                  </a:solidFill>
-                </a14:hiddenFill>
-              </a:ext>
-            </a:extLst>
-          </p:spPr>
-        </p:pic>
-        <p:pic>
-          <p:nvPicPr>
-            <p:cNvPr id="1029" name="Picture 5" descr="C:\Users\pmascolo\Downloads\logo_energee3.png"/>
-            <p:cNvPicPr>
-              <a:picLocks noChangeAspect="1" noChangeArrowheads="1"/>
-            </p:cNvPicPr>
-            <p:nvPr/>
-          </p:nvPicPr>
-          <p:blipFill>
-            <a:blip r:embed="rId10" cstate="print">
-              <a:extLst>
-                <a:ext uri="{28A0092B-C50C-407E-A947-70E740481C1C}">
-                  <a14:useLocalDpi xmlns:a14="http://schemas.microsoft.com/office/drawing/2010/main" val="0"/>
-                </a:ext>
-              </a:extLst>
-            </a:blip>
-            <a:srcRect/>
-            <a:stretch>
-              <a:fillRect/>
-            </a:stretch>
-          </p:blipFill>
-          <p:spPr bwMode="auto">
-            <a:xfrm>
-              <a:off x="900719" y="3930650"/>
-              <a:ext cx="471437" cy="393700"/>
-            </a:xfrm>
-            <a:prstGeom prst="rect">
-              <a:avLst/>
-            </a:prstGeom>
-            <a:noFill/>
-            <a:extLst>
-              <a:ext uri="{909E8E84-426E-40DD-AFC4-6F175D3DCCD1}">
-                <a14:hiddenFill xmlns:a14="http://schemas.microsoft.com/office/drawing/2010/main">
-                  <a:solidFill>
-                    <a:srgbClr val="FFFFFF"/>
-                  </a:solidFill>
-                </a14:hiddenFill>
-              </a:ext>
-            </a:extLst>
-          </p:spPr>
-        </p:pic>
-        <p:pic>
-          <p:nvPicPr>
-            <p:cNvPr id="1030" name="Picture 6" descr="C:\Users\pmascolo\Downloads\1492758.png"/>
-            <p:cNvPicPr>
-              <a:picLocks noChangeAspect="1" noChangeArrowheads="1"/>
-            </p:cNvPicPr>
-            <p:nvPr/>
-          </p:nvPicPr>
-          <p:blipFill rotWithShape="1">
-            <a:blip r:embed="rId11" cstate="print">
-              <a:extLst>
-                <a:ext uri="{28A0092B-C50C-407E-A947-70E740481C1C}">
-                  <a14:useLocalDpi xmlns:a14="http://schemas.microsoft.com/office/drawing/2010/main" val="0"/>
-                </a:ext>
-              </a:extLst>
-            </a:blip>
-            <a:srcRect l="7967" t="12400" r="8033" b="29600"/>
-            <a:stretch/>
-          </p:blipFill>
-          <p:spPr bwMode="auto">
-            <a:xfrm>
-              <a:off x="925137" y="4671060"/>
-              <a:ext cx="424159" cy="292872"/>
-            </a:xfrm>
-            <a:prstGeom prst="rect">
-              <a:avLst/>
-            </a:prstGeom>
-            <a:noFill/>
-            <a:extLst>
-              <a:ext uri="{909E8E84-426E-40DD-AFC4-6F175D3DCCD1}">
-                <a14:hiddenFill xmlns:a14="http://schemas.microsoft.com/office/drawing/2010/main">
-                  <a:solidFill>
-                    <a:srgbClr val="FFFFFF"/>
-                  </a:solidFill>
-                </a14:hiddenFill>
-              </a:ext>
-            </a:extLst>
-          </p:spPr>
-        </p:pic>
-        <p:pic>
-          <p:nvPicPr>
-            <p:cNvPr id="1031" name="Picture 7" descr="C:\Users\pmascolo\Downloads\optum_2x.png"/>
-            <p:cNvPicPr>
-              <a:picLocks noChangeAspect="1" noChangeArrowheads="1"/>
-            </p:cNvPicPr>
-            <p:nvPr/>
-          </p:nvPicPr>
-          <p:blipFill>
-            <a:blip r:embed="rId12" cstate="print">
-              <a:extLst>
-                <a:ext uri="{28A0092B-C50C-407E-A947-70E740481C1C}">
-                  <a14:useLocalDpi xmlns:a14="http://schemas.microsoft.com/office/drawing/2010/main" val="0"/>
-                </a:ext>
-              </a:extLst>
-            </a:blip>
-            <a:srcRect/>
-            <a:stretch>
-              <a:fillRect/>
-            </a:stretch>
-          </p:blipFill>
-          <p:spPr bwMode="auto">
-            <a:xfrm>
-              <a:off x="651229" y="5397967"/>
-              <a:ext cx="438019" cy="137629"/>
-            </a:xfrm>
-            <a:prstGeom prst="rect">
-              <a:avLst/>
-            </a:prstGeom>
-            <a:noFill/>
-            <a:extLst>
-              <a:ext uri="{909E8E84-426E-40DD-AFC4-6F175D3DCCD1}">
-                <a14:hiddenFill xmlns:a14="http://schemas.microsoft.com/office/drawing/2010/main">
-                  <a:solidFill>
-                    <a:srgbClr val="FFFFFF"/>
-                  </a:solidFill>
-                </a14:hiddenFill>
-              </a:ext>
-            </a:extLst>
-          </p:spPr>
-        </p:pic>
-      </p:grpSp>
-    </p:spTree>
-    <p:extLst>
-      <p:ext uri="{BB962C8B-B14F-4D97-AF65-F5344CB8AC3E}">
-        <p14:creationId xmlns:p14="http://schemas.microsoft.com/office/powerpoint/2010/main" val="435357314"/>
-      </p:ext>
-    </p:extLst>
-  </p:cSld>
-  <p:clrMapOvr>
-    <a:masterClrMapping/>
-  </p:clrMapOvr>
-  <mc:AlternateContent xmlns:mc="http://schemas.openxmlformats.org/markup-compatibility/2006" xmlns:p14="http://schemas.microsoft.com/office/powerpoint/2010/main">
-    <mc:Choice Requires="p14">
-      <p:transition spd="slow" p14:dur="2000"/>
-    </mc:Choice>
-    <mc:Fallback xmlns="">
-      <p:transition spd="slow"/>
-    </mc:Fallback>
-  </mc:AlternateContent>
-  <p:timing>
-    <p:tnLst>
-      <p:par>
-        <p:cTn id="1" dur="indefinite" restart="never" nodeType="tmRoot">
-          <p:childTnLst>
-            <p:seq concurrent="1" nextAc="seek">
-              <p:cTn id="2" dur="indefinite" nodeType="mainSeq">
-                <p:childTnLst>
-                  <p:par>
-                    <p:cTn id="3" fill="hold">
-                      <p:stCondLst>
-                        <p:cond delay="indefinite"/>
-                      </p:stCondLst>
-                      <p:childTnLst>
-                        <p:par>
-                          <p:cTn id="4" fill="hold">
-                            <p:stCondLst>
-                              <p:cond delay="0"/>
-                            </p:stCondLst>
-                            <p:childTnLst>
-                              <p:par>
-                                <p:cTn id="5" presetID="1" presetClass="entr" presetSubtype="0" fill="hold" nodeType="clickEffect">
-                                  <p:stCondLst>
-                                    <p:cond delay="0"/>
-                                  </p:stCondLst>
-                                  <p:childTnLst>
-                                    <p:set>
-                                      <p:cBhvr>
-                                        <p:cTn id="6" dur="1" fill="hold">
-                                          <p:stCondLst>
-                                            <p:cond delay="0"/>
-                                          </p:stCondLst>
-                                        </p:cTn>
-                                        <p:tgtEl>
-                                          <p:spTgt spid="10"/>
-                                        </p:tgtEl>
-                                        <p:attrNameLst>
-                                          <p:attrName>style.visibility</p:attrName>
-                                        </p:attrNameLst>
-                                      </p:cBhvr>
-                                      <p:to>
-                                        <p:strVal val="visible"/>
-                                      </p:to>
-                                    </p:set>
-                                  </p:childTnLst>
-                                </p:cTn>
-                              </p:par>
-                            </p:childTnLst>
-                          </p:cTn>
-                        </p:par>
-                      </p:childTnLst>
-                    </p:cTn>
-                  </p:par>
-                  <p:par>
-                    <p:cTn id="7" fill="hold">
-                      <p:stCondLst>
-                        <p:cond delay="indefinite"/>
-                      </p:stCondLst>
-                      <p:childTnLst>
-                        <p:par>
-                          <p:cTn id="8" fill="hold">
-                            <p:stCondLst>
-                              <p:cond delay="0"/>
-                            </p:stCondLst>
-                            <p:childTnLst>
-                              <p:par>
-                                <p:cTn id="9" presetID="1" presetClass="entr" presetSubtype="0" fill="hold" grpId="0" nodeType="clickEffect">
-                                  <p:stCondLst>
-                                    <p:cond delay="0"/>
-                                  </p:stCondLst>
-                                  <p:childTnLst>
-                                    <p:set>
-                                      <p:cBhvr>
-                                        <p:cTn id="10" dur="1" fill="hold">
-                                          <p:stCondLst>
-                                            <p:cond delay="0"/>
-                                          </p:stCondLst>
-                                        </p:cTn>
-                                        <p:tgtEl>
-                                          <p:spTgt spid="9"/>
-                                        </p:tgtEl>
-                                        <p:attrNameLst>
-                                          <p:attrName>style.visibility</p:attrName>
-                                        </p:attrNameLst>
-                                      </p:cBhvr>
-                                      <p:to>
-                                        <p:strVal val="visible"/>
-                                      </p:to>
-                                    </p:set>
-                                  </p:childTnLst>
-                                </p:cTn>
-                              </p:par>
-                            </p:childTnLst>
-                          </p:cTn>
-                        </p:par>
-                      </p:childTnLst>
-                    </p:cTn>
-                  </p:par>
-                </p:childTnLst>
-              </p:cTn>
-              <p:prevCondLst>
-                <p:cond evt="onPrev" delay="0">
-                  <p:tgtEl>
-                    <p:sldTgt/>
-                  </p:tgtEl>
-                </p:cond>
-              </p:prevCondLst>
-              <p:nextCondLst>
-                <p:cond evt="onNext" delay="0">
-                  <p:tgtEl>
-                    <p:sldTgt/>
-                  </p:tgtEl>
-                </p:cond>
-              </p:nextCondLst>
-            </p:seq>
-          </p:childTnLst>
-        </p:cTn>
-      </p:par>
-    </p:tnLst>
-    <p:bldLst>
-      <p:bldP spid="9" grpId="0"/>
-    </p:bldLst>
-  </p:timing>
-</p:sld>
-</file>
-
-<file path=ppt/slides/slide20.xml><?xml version="1.0" encoding="utf-8"?>
+<file path=ppt/slides/slide22.xml><?xml version="1.0" encoding="utf-8"?>
 <p:sld xmlns:a="http://schemas.openxmlformats.org/drawingml/2006/main" xmlns:r="http://schemas.openxmlformats.org/officeDocument/2006/relationships" xmlns:p="http://schemas.openxmlformats.org/presentationml/2006/main">
   <p:cSld>
     <p:spTree>
@@ -21243,7 +22384,7 @@
 </p:sld>
 </file>
 
-<file path=ppt/slides/slide21.xml><?xml version="1.0" encoding="utf-8"?>
+<file path=ppt/slides/slide23.xml><?xml version="1.0" encoding="utf-8"?>
 <p:sld xmlns:a="http://schemas.openxmlformats.org/drawingml/2006/main" xmlns:r="http://schemas.openxmlformats.org/officeDocument/2006/relationships" xmlns:p="http://schemas.openxmlformats.org/presentationml/2006/main">
   <p:cSld>
     <p:spTree>
@@ -21348,7 +22489,7 @@
 </p:sld>
 </file>
 
-<file path=ppt/slides/slide22.xml><?xml version="1.0" encoding="utf-8"?>
+<file path=ppt/slides/slide24.xml><?xml version="1.0" encoding="utf-8"?>
 <p:sld xmlns:a="http://schemas.openxmlformats.org/drawingml/2006/main" xmlns:r="http://schemas.openxmlformats.org/officeDocument/2006/relationships" xmlns:p="http://schemas.openxmlformats.org/presentationml/2006/main">
   <p:cSld>
     <p:spTree>
@@ -22157,7 +23298,7 @@
 </p:sld>
 </file>
 
-<file path=ppt/slides/slide23.xml><?xml version="1.0" encoding="utf-8"?>
+<file path=ppt/slides/slide25.xml><?xml version="1.0" encoding="utf-8"?>
 <p:sld xmlns:a="http://schemas.openxmlformats.org/drawingml/2006/main" xmlns:r="http://schemas.openxmlformats.org/officeDocument/2006/relationships" xmlns:p="http://schemas.openxmlformats.org/presentationml/2006/main">
   <p:cSld>
     <p:spTree>
@@ -23367,7 +24508,7 @@
 </p:sld>
 </file>
 
-<file path=ppt/slides/slide24.xml><?xml version="1.0" encoding="utf-8"?>
+<file path=ppt/slides/slide26.xml><?xml version="1.0" encoding="utf-8"?>
 <p:sld xmlns:a="http://schemas.openxmlformats.org/drawingml/2006/main" xmlns:r="http://schemas.openxmlformats.org/officeDocument/2006/relationships" xmlns:p="http://schemas.openxmlformats.org/presentationml/2006/main">
   <p:cSld>
     <p:spTree>
@@ -25416,7 +26557,7 @@
 </p:sld>
 </file>
 
-<file path=ppt/slides/slide25.xml><?xml version="1.0" encoding="utf-8"?>
+<file path=ppt/slides/slide27.xml><?xml version="1.0" encoding="utf-8"?>
 <p:sld xmlns:a="http://schemas.openxmlformats.org/drawingml/2006/main" xmlns:r="http://schemas.openxmlformats.org/officeDocument/2006/relationships" xmlns:p="http://schemas.openxmlformats.org/presentationml/2006/main">
   <p:cSld>
     <p:spTree>
@@ -26156,7 +27297,7 @@
 </p:sld>
 </file>
 
-<file path=ppt/slides/slide26.xml><?xml version="1.0" encoding="utf-8"?>
+<file path=ppt/slides/slide28.xml><?xml version="1.0" encoding="utf-8"?>
 <p:sld xmlns:a="http://schemas.openxmlformats.org/drawingml/2006/main" xmlns:r="http://schemas.openxmlformats.org/officeDocument/2006/relationships" xmlns:p="http://schemas.openxmlformats.org/presentationml/2006/main">
   <p:cSld>
     <p:spTree>
@@ -27049,1167 +28190,6 @@
 </p:sld>
 </file>
 
-<file path=ppt/slides/slide27.xml><?xml version="1.0" encoding="utf-8"?>
-<p:sld xmlns:a="http://schemas.openxmlformats.org/drawingml/2006/main" xmlns:r="http://schemas.openxmlformats.org/officeDocument/2006/relationships" xmlns:p="http://schemas.openxmlformats.org/presentationml/2006/main">
-  <p:cSld>
-    <p:spTree>
-      <p:nvGrpSpPr>
-        <p:cNvPr id="1" name=""/>
-        <p:cNvGrpSpPr/>
-        <p:nvPr/>
-      </p:nvGrpSpPr>
-      <p:grpSpPr>
-        <a:xfrm>
-          <a:off x="0" y="0"/>
-          <a:ext cx="0" cy="0"/>
-          <a:chOff x="0" y="0"/>
-          <a:chExt cx="0" cy="0"/>
-        </a:xfrm>
-      </p:grpSpPr>
-      <p:sp>
-        <p:nvSpPr>
-          <p:cNvPr id="2" name="Content Placeholder 1"/>
-          <p:cNvSpPr>
-            <a:spLocks noGrp="1"/>
-          </p:cNvSpPr>
-          <p:nvPr>
-            <p:ph idx="1"/>
-          </p:nvPr>
-        </p:nvSpPr>
-        <p:spPr>
-          <a:xfrm>
-            <a:off x="747635" y="1781175"/>
-            <a:ext cx="7712554" cy="4344988"/>
-          </a:xfrm>
-        </p:spPr>
-        <p:txBody>
-          <a:bodyPr/>
-          <a:lstStyle/>
-          <a:p>
-            <a:endParaRPr lang="en-US" sz="2800" b="0" dirty="0" smtClean="0"/>
-          </a:p>
-          <a:p>
-            <a:r>
-              <a:rPr lang="en-US" sz="2800" b="0" dirty="0" smtClean="0"/>
-              <a:t>Traditional </a:t>
-            </a:r>
-            <a:r>
-              <a:rPr lang="en-US" sz="2800" b="0" dirty="0"/>
-              <a:t>RNNs have short </a:t>
-            </a:r>
-            <a:r>
-              <a:rPr lang="en-US" sz="2800" b="0" dirty="0" smtClean="0"/>
-              <a:t>memories</a:t>
-            </a:r>
-          </a:p>
-          <a:p>
-            <a:endParaRPr lang="en-US" sz="2800" b="0" dirty="0" smtClean="0"/>
-          </a:p>
-          <a:p>
-            <a:r>
-              <a:rPr lang="en-US" smtClean="0"/>
-              <a:t>“</a:t>
-            </a:r>
-            <a:r>
-              <a:rPr lang="en-US" b="0" smtClean="0"/>
-              <a:t>LSTM/GRU </a:t>
-            </a:r>
-            <a:r>
-              <a:rPr lang="en-US" b="0" dirty="0"/>
-              <a:t>is a great solution for relatively short sequences, up to 100-300 items. </a:t>
-            </a:r>
-            <a:r>
-              <a:rPr lang="en-US" b="0" dirty="0" smtClean="0"/>
-              <a:t>On </a:t>
-            </a:r>
-            <a:r>
-              <a:rPr lang="en-US" b="0" dirty="0"/>
-              <a:t>longer sequences LSTM/GRU still works, but can gradually forget information from the oldest items</a:t>
-            </a:r>
-            <a:r>
-              <a:rPr lang="en-US" b="0" dirty="0" smtClean="0"/>
-              <a:t>.”</a:t>
-            </a:r>
-          </a:p>
-          <a:p>
-            <a:r>
-              <a:rPr lang="en-US" b="0" dirty="0" smtClean="0">
-                <a:hlinkClick r:id="rId2" tooltip="Arthur Suilin"/>
-              </a:rPr>
-              <a:t>Arthur Suilin</a:t>
-            </a:r>
-            <a:r>
-              <a:rPr lang="en-US" b="0" dirty="0"/>
-              <a:t> </a:t>
-            </a:r>
-            <a:r>
-              <a:rPr lang="en-US" b="0" dirty="0" smtClean="0"/>
-              <a:t>(1st</a:t>
-            </a:r>
-            <a:r>
-              <a:rPr lang="en-US" b="0" dirty="0"/>
-              <a:t> in </a:t>
-            </a:r>
-            <a:r>
-              <a:rPr lang="en-US" b="0" dirty="0" err="1" smtClean="0"/>
-              <a:t>Kaggle</a:t>
-            </a:r>
-            <a:r>
-              <a:rPr lang="en-US" b="0" dirty="0" smtClean="0"/>
-              <a:t> Wikipedia Forecasting Competition)</a:t>
-            </a:r>
-            <a:r>
-              <a:rPr lang="en-US" dirty="0"/>
-              <a:t/>
-            </a:r>
-            <a:br>
-              <a:rPr lang="en-US" dirty="0"/>
-            </a:br>
-            <a:endParaRPr lang="en-US" dirty="0"/>
-          </a:p>
-        </p:txBody>
-      </p:sp>
-      <p:sp>
-        <p:nvSpPr>
-          <p:cNvPr id="4" name="Text Placeholder 3"/>
-          <p:cNvSpPr>
-            <a:spLocks noGrp="1"/>
-          </p:cNvSpPr>
-          <p:nvPr>
-            <p:ph type="body" sz="quarter" idx="13"/>
-          </p:nvPr>
-        </p:nvSpPr>
-        <p:spPr/>
-        <p:txBody>
-          <a:bodyPr/>
-          <a:lstStyle/>
-          <a:p>
-            <a:endParaRPr lang="en-US"/>
-          </a:p>
-        </p:txBody>
-      </p:sp>
-      <p:sp>
-        <p:nvSpPr>
-          <p:cNvPr id="5" name="Title 4"/>
-          <p:cNvSpPr>
-            <a:spLocks noGrp="1"/>
-          </p:cNvSpPr>
-          <p:nvPr>
-            <p:ph type="title"/>
-          </p:nvPr>
-        </p:nvSpPr>
-        <p:spPr/>
-        <p:txBody>
-          <a:bodyPr/>
-          <a:lstStyle/>
-          <a:p>
-            <a:r>
-              <a:rPr lang="en-US" dirty="0" smtClean="0"/>
-              <a:t>Practical Limitations</a:t>
-            </a:r>
-            <a:endParaRPr lang="en-US" dirty="0"/>
-          </a:p>
-        </p:txBody>
-      </p:sp>
-    </p:spTree>
-    <p:extLst>
-      <p:ext uri="{BB962C8B-B14F-4D97-AF65-F5344CB8AC3E}">
-        <p14:creationId xmlns:p14="http://schemas.microsoft.com/office/powerpoint/2010/main" val="1731992043"/>
-      </p:ext>
-    </p:extLst>
-  </p:cSld>
-  <p:clrMapOvr>
-    <a:masterClrMapping/>
-  </p:clrMapOvr>
-  <p:timing>
-    <p:tnLst>
-      <p:par>
-        <p:cTn id="1" dur="indefinite" restart="never" nodeType="tmRoot"/>
-      </p:par>
-    </p:tnLst>
-  </p:timing>
-</p:sld>
-</file>
-
-<file path=ppt/slides/slide28.xml><?xml version="1.0" encoding="utf-8"?>
-<p:sld xmlns:a="http://schemas.openxmlformats.org/drawingml/2006/main" xmlns:r="http://schemas.openxmlformats.org/officeDocument/2006/relationships" xmlns:p="http://schemas.openxmlformats.org/presentationml/2006/main">
-  <p:cSld>
-    <p:spTree>
-      <p:nvGrpSpPr>
-        <p:cNvPr id="1" name=""/>
-        <p:cNvGrpSpPr/>
-        <p:nvPr/>
-      </p:nvGrpSpPr>
-      <p:grpSpPr>
-        <a:xfrm>
-          <a:off x="0" y="0"/>
-          <a:ext cx="0" cy="0"/>
-          <a:chOff x="0" y="0"/>
-          <a:chExt cx="0" cy="0"/>
-        </a:xfrm>
-      </p:grpSpPr>
-      <p:pic>
-        <p:nvPicPr>
-          <p:cNvPr id="7" name="Picture 6"/>
-          <p:cNvPicPr>
-            <a:picLocks noChangeAspect="1"/>
-          </p:cNvPicPr>
-          <p:nvPr/>
-        </p:nvPicPr>
-        <p:blipFill rotWithShape="1">
-          <a:blip r:embed="rId2" cstate="hqprint">
-            <a:extLst>
-              <a:ext uri="{28A0092B-C50C-407E-A947-70E740481C1C}">
-                <a14:useLocalDpi xmlns:a14="http://schemas.microsoft.com/office/drawing/2010/main"/>
-              </a:ext>
-            </a:extLst>
-          </a:blip>
-          <a:srcRect/>
-          <a:stretch/>
-        </p:blipFill>
-        <p:spPr>
-          <a:xfrm>
-            <a:off x="762503" y="2832944"/>
-            <a:ext cx="6782819" cy="3277431"/>
-          </a:xfrm>
-          <a:prstGeom prst="rect">
-            <a:avLst/>
-          </a:prstGeom>
-        </p:spPr>
-      </p:pic>
-      <p:sp>
-        <p:nvSpPr>
-          <p:cNvPr id="5" name="Title 4"/>
-          <p:cNvSpPr>
-            <a:spLocks noGrp="1"/>
-          </p:cNvSpPr>
-          <p:nvPr>
-            <p:ph type="title"/>
-          </p:nvPr>
-        </p:nvSpPr>
-        <p:spPr/>
-        <p:txBody>
-          <a:bodyPr/>
-          <a:lstStyle/>
-          <a:p>
-            <a:r>
-              <a:rPr lang="en-GB" dirty="0" smtClean="0"/>
-              <a:t>GRU, Gated Recurrent Unit</a:t>
-            </a:r>
-            <a:endParaRPr lang="en-US" dirty="0"/>
-          </a:p>
-        </p:txBody>
-      </p:sp>
-      <p:grpSp>
-        <p:nvGrpSpPr>
-          <p:cNvPr id="6" name="Group 5"/>
-          <p:cNvGrpSpPr/>
-          <p:nvPr/>
-        </p:nvGrpSpPr>
-        <p:grpSpPr>
-          <a:xfrm>
-            <a:off x="7000875" y="1688625"/>
-            <a:ext cx="1637685" cy="2256386"/>
-            <a:chOff x="2407333" y="3420282"/>
-            <a:chExt cx="2041716" cy="2732776"/>
-          </a:xfrm>
-        </p:grpSpPr>
-        <p:sp>
-          <p:nvSpPr>
-            <p:cNvPr id="71" name="Rectangle 70"/>
-            <p:cNvSpPr/>
-            <p:nvPr/>
-          </p:nvSpPr>
-          <p:spPr>
-            <a:xfrm>
-              <a:off x="2609850" y="3506926"/>
-              <a:ext cx="476250" cy="1446073"/>
-            </a:xfrm>
-            <a:prstGeom prst="rect">
-              <a:avLst/>
-            </a:prstGeom>
-            <a:ln>
-              <a:noFill/>
-            </a:ln>
-          </p:spPr>
-          <p:style>
-            <a:lnRef idx="2">
-              <a:schemeClr val="accent1">
-                <a:shade val="50000"/>
-              </a:schemeClr>
-            </a:lnRef>
-            <a:fillRef idx="1">
-              <a:schemeClr val="accent1"/>
-            </a:fillRef>
-            <a:effectRef idx="0">
-              <a:schemeClr val="accent1"/>
-            </a:effectRef>
-            <a:fontRef idx="minor">
-              <a:schemeClr val="lt1"/>
-            </a:fontRef>
-          </p:style>
-          <p:txBody>
-            <a:bodyPr rtlCol="0" anchor="ctr"/>
-            <a:lstStyle/>
-            <a:p>
-              <a:pPr algn="ctr"/>
-              <a:endParaRPr lang="en-US"/>
-            </a:p>
-          </p:txBody>
-        </p:sp>
-        <p:sp>
-          <p:nvSpPr>
-            <p:cNvPr id="72" name="Right Arrow 71"/>
-            <p:cNvSpPr/>
-            <p:nvPr/>
-          </p:nvSpPr>
-          <p:spPr>
-            <a:xfrm>
-              <a:off x="3208965" y="3858487"/>
-              <a:ext cx="334335" cy="649538"/>
-            </a:xfrm>
-            <a:prstGeom prst="rightArrow">
-              <a:avLst/>
-            </a:prstGeom>
-            <a:solidFill>
-              <a:schemeClr val="bg1">
-                <a:lumMod val="75000"/>
-              </a:schemeClr>
-            </a:solidFill>
-            <a:ln>
-              <a:noFill/>
-            </a:ln>
-          </p:spPr>
-          <p:style>
-            <a:lnRef idx="2">
-              <a:schemeClr val="accent1">
-                <a:shade val="50000"/>
-              </a:schemeClr>
-            </a:lnRef>
-            <a:fillRef idx="1">
-              <a:schemeClr val="accent1"/>
-            </a:fillRef>
-            <a:effectRef idx="0">
-              <a:schemeClr val="accent1"/>
-            </a:effectRef>
-            <a:fontRef idx="minor">
-              <a:schemeClr val="lt1"/>
-            </a:fontRef>
-          </p:style>
-          <p:txBody>
-            <a:bodyPr rtlCol="0" anchor="ctr"/>
-            <a:lstStyle/>
-            <a:p>
-              <a:pPr algn="ctr"/>
-              <a:endParaRPr lang="en-US"/>
-            </a:p>
-          </p:txBody>
-        </p:sp>
-        <p:sp>
-          <p:nvSpPr>
-            <p:cNvPr id="73" name="Rectangle 72"/>
-            <p:cNvSpPr/>
-            <p:nvPr/>
-          </p:nvSpPr>
-          <p:spPr>
-            <a:xfrm>
-              <a:off x="3829050" y="3516451"/>
-              <a:ext cx="476250" cy="1446073"/>
-            </a:xfrm>
-            <a:prstGeom prst="rect">
-              <a:avLst/>
-            </a:prstGeom>
-            <a:ln>
-              <a:noFill/>
-            </a:ln>
-          </p:spPr>
-          <p:style>
-            <a:lnRef idx="2">
-              <a:schemeClr val="accent1">
-                <a:shade val="50000"/>
-              </a:schemeClr>
-            </a:lnRef>
-            <a:fillRef idx="1">
-              <a:schemeClr val="accent1"/>
-            </a:fillRef>
-            <a:effectRef idx="0">
-              <a:schemeClr val="accent1"/>
-            </a:effectRef>
-            <a:fontRef idx="minor">
-              <a:schemeClr val="lt1"/>
-            </a:fontRef>
-          </p:style>
-          <p:txBody>
-            <a:bodyPr rtlCol="0" anchor="ctr"/>
-            <a:lstStyle/>
-            <a:p>
-              <a:pPr algn="ctr"/>
-              <a:endParaRPr lang="en-US"/>
-            </a:p>
-          </p:txBody>
-        </p:sp>
-        <p:sp>
-          <p:nvSpPr>
-            <p:cNvPr id="74" name="Rectangle 73"/>
-            <p:cNvSpPr/>
-            <p:nvPr/>
-          </p:nvSpPr>
-          <p:spPr>
-            <a:xfrm>
-              <a:off x="3521125" y="5793251"/>
-              <a:ext cx="925695" cy="335482"/>
-            </a:xfrm>
-            <a:prstGeom prst="rect">
-              <a:avLst/>
-            </a:prstGeom>
-          </p:spPr>
-          <p:txBody>
-            <a:bodyPr wrap="none">
-              <a:spAutoFit/>
-            </a:bodyPr>
-            <a:lstStyle/>
-            <a:p>
-              <a:r>
-                <a:rPr lang="en-GB" sz="1200" dirty="0" smtClean="0">
-                  <a:latin typeface="Courier" pitchFamily="49" charset="0"/>
-                </a:rPr>
-                <a:t>Step 3</a:t>
-              </a:r>
-              <a:endParaRPr lang="en-US" sz="1200" dirty="0"/>
-            </a:p>
-          </p:txBody>
-        </p:sp>
-        <p:sp>
-          <p:nvSpPr>
-            <p:cNvPr id="75" name="Rectangle 74"/>
-            <p:cNvSpPr/>
-            <p:nvPr/>
-          </p:nvSpPr>
-          <p:spPr>
-            <a:xfrm>
-              <a:off x="3640384" y="5244584"/>
-              <a:ext cx="631919" cy="372758"/>
-            </a:xfrm>
-            <a:prstGeom prst="rect">
-              <a:avLst/>
-            </a:prstGeom>
-          </p:spPr>
-          <p:txBody>
-            <a:bodyPr wrap="none">
-              <a:spAutoFit/>
-            </a:bodyPr>
-            <a:lstStyle/>
-            <a:p>
-              <a:r>
-                <a:rPr lang="en-GB" sz="1400" dirty="0" smtClean="0">
-                  <a:latin typeface="Courier" pitchFamily="49" charset="0"/>
-                </a:rPr>
-                <a:t>[6]</a:t>
-              </a:r>
-              <a:endParaRPr lang="en-US" sz="1400" dirty="0"/>
-            </a:p>
-          </p:txBody>
-        </p:sp>
-        <p:cxnSp>
-          <p:nvCxnSpPr>
-            <p:cNvPr id="76" name="Straight Arrow Connector 75"/>
-            <p:cNvCxnSpPr/>
-            <p:nvPr/>
-          </p:nvCxnSpPr>
-          <p:spPr>
-            <a:xfrm flipV="1">
-              <a:off x="4162425" y="5095876"/>
-              <a:ext cx="0" cy="518040"/>
-            </a:xfrm>
-            <a:prstGeom prst="straightConnector1">
-              <a:avLst/>
-            </a:prstGeom>
-            <a:ln>
-              <a:solidFill>
-                <a:schemeClr val="accent4"/>
-              </a:solidFill>
-              <a:tailEnd type="arrow"/>
-            </a:ln>
-          </p:spPr>
-          <p:style>
-            <a:lnRef idx="1">
-              <a:schemeClr val="accent1"/>
-            </a:lnRef>
-            <a:fillRef idx="0">
-              <a:schemeClr val="accent1"/>
-            </a:fillRef>
-            <a:effectRef idx="0">
-              <a:schemeClr val="accent1"/>
-            </a:effectRef>
-            <a:fontRef idx="minor">
-              <a:schemeClr val="tx1"/>
-            </a:fontRef>
-          </p:style>
-        </p:cxnSp>
-        <p:cxnSp>
-          <p:nvCxnSpPr>
-            <p:cNvPr id="77" name="Straight Connector 76"/>
-            <p:cNvCxnSpPr/>
-            <p:nvPr/>
-          </p:nvCxnSpPr>
-          <p:spPr>
-            <a:xfrm>
-              <a:off x="2421184" y="3420282"/>
-              <a:ext cx="2006981" cy="0"/>
-            </a:xfrm>
-            <a:prstGeom prst="line">
-              <a:avLst/>
-            </a:prstGeom>
-            <a:ln w="19050">
-              <a:solidFill>
-                <a:schemeClr val="tx2"/>
-              </a:solidFill>
-              <a:prstDash val="dash"/>
-            </a:ln>
-          </p:spPr>
-          <p:style>
-            <a:lnRef idx="1">
-              <a:schemeClr val="accent1"/>
-            </a:lnRef>
-            <a:fillRef idx="0">
-              <a:schemeClr val="accent1"/>
-            </a:fillRef>
-            <a:effectRef idx="0">
-              <a:schemeClr val="accent1"/>
-            </a:effectRef>
-            <a:fontRef idx="minor">
-              <a:schemeClr val="tx1"/>
-            </a:fontRef>
-          </p:style>
-        </p:cxnSp>
-        <p:cxnSp>
-          <p:nvCxnSpPr>
-            <p:cNvPr id="78" name="Straight Connector 77"/>
-            <p:cNvCxnSpPr/>
-            <p:nvPr/>
-          </p:nvCxnSpPr>
-          <p:spPr>
-            <a:xfrm>
-              <a:off x="3521124" y="6143533"/>
-              <a:ext cx="927925" cy="0"/>
-            </a:xfrm>
-            <a:prstGeom prst="line">
-              <a:avLst/>
-            </a:prstGeom>
-            <a:ln w="19050">
-              <a:solidFill>
-                <a:schemeClr val="tx2"/>
-              </a:solidFill>
-              <a:prstDash val="dash"/>
-            </a:ln>
-          </p:spPr>
-          <p:style>
-            <a:lnRef idx="1">
-              <a:schemeClr val="accent1"/>
-            </a:lnRef>
-            <a:fillRef idx="0">
-              <a:schemeClr val="accent1"/>
-            </a:fillRef>
-            <a:effectRef idx="0">
-              <a:schemeClr val="accent1"/>
-            </a:effectRef>
-            <a:fontRef idx="minor">
-              <a:schemeClr val="tx1"/>
-            </a:fontRef>
-          </p:style>
-        </p:cxnSp>
-        <p:cxnSp>
-          <p:nvCxnSpPr>
-            <p:cNvPr id="79" name="Straight Connector 78"/>
-            <p:cNvCxnSpPr/>
-            <p:nvPr/>
-          </p:nvCxnSpPr>
-          <p:spPr>
-            <a:xfrm flipV="1">
-              <a:off x="3543300" y="5095876"/>
-              <a:ext cx="0" cy="1047657"/>
-            </a:xfrm>
-            <a:prstGeom prst="line">
-              <a:avLst/>
-            </a:prstGeom>
-            <a:ln w="19050">
-              <a:solidFill>
-                <a:schemeClr val="tx2"/>
-              </a:solidFill>
-              <a:prstDash val="dash"/>
-            </a:ln>
-          </p:spPr>
-          <p:style>
-            <a:lnRef idx="1">
-              <a:schemeClr val="accent1"/>
-            </a:lnRef>
-            <a:fillRef idx="0">
-              <a:schemeClr val="accent1"/>
-            </a:fillRef>
-            <a:effectRef idx="0">
-              <a:schemeClr val="accent1"/>
-            </a:effectRef>
-            <a:fontRef idx="minor">
-              <a:schemeClr val="tx1"/>
-            </a:fontRef>
-          </p:style>
-        </p:cxnSp>
-        <p:cxnSp>
-          <p:nvCxnSpPr>
-            <p:cNvPr id="80" name="Straight Connector 79"/>
-            <p:cNvCxnSpPr/>
-            <p:nvPr/>
-          </p:nvCxnSpPr>
-          <p:spPr>
-            <a:xfrm>
-              <a:off x="2421184" y="3506926"/>
-              <a:ext cx="0" cy="1579425"/>
-            </a:xfrm>
-            <a:prstGeom prst="line">
-              <a:avLst/>
-            </a:prstGeom>
-            <a:ln w="19050">
-              <a:solidFill>
-                <a:schemeClr val="tx2"/>
-              </a:solidFill>
-              <a:prstDash val="dash"/>
-            </a:ln>
-          </p:spPr>
-          <p:style>
-            <a:lnRef idx="1">
-              <a:schemeClr val="accent1"/>
-            </a:lnRef>
-            <a:fillRef idx="0">
-              <a:schemeClr val="accent1"/>
-            </a:fillRef>
-            <a:effectRef idx="0">
-              <a:schemeClr val="accent1"/>
-            </a:effectRef>
-            <a:fontRef idx="minor">
-              <a:schemeClr val="tx1"/>
-            </a:fontRef>
-          </p:style>
-        </p:cxnSp>
-        <p:cxnSp>
-          <p:nvCxnSpPr>
-            <p:cNvPr id="81" name="Straight Connector 80"/>
-            <p:cNvCxnSpPr/>
-            <p:nvPr/>
-          </p:nvCxnSpPr>
-          <p:spPr>
-            <a:xfrm>
-              <a:off x="4449049" y="3449774"/>
-              <a:ext cx="0" cy="2703284"/>
-            </a:xfrm>
-            <a:prstGeom prst="line">
-              <a:avLst/>
-            </a:prstGeom>
-            <a:ln w="19050">
-              <a:solidFill>
-                <a:schemeClr val="tx2"/>
-              </a:solidFill>
-              <a:prstDash val="dash"/>
-            </a:ln>
-          </p:spPr>
-          <p:style>
-            <a:lnRef idx="1">
-              <a:schemeClr val="accent1"/>
-            </a:lnRef>
-            <a:fillRef idx="0">
-              <a:schemeClr val="accent1"/>
-            </a:fillRef>
-            <a:effectRef idx="0">
-              <a:schemeClr val="accent1"/>
-            </a:effectRef>
-            <a:fontRef idx="minor">
-              <a:schemeClr val="tx1"/>
-            </a:fontRef>
-          </p:style>
-        </p:cxnSp>
-        <p:cxnSp>
-          <p:nvCxnSpPr>
-            <p:cNvPr id="82" name="Straight Connector 81"/>
-            <p:cNvCxnSpPr/>
-            <p:nvPr/>
-          </p:nvCxnSpPr>
-          <p:spPr>
-            <a:xfrm flipV="1">
-              <a:off x="2407333" y="5086351"/>
-              <a:ext cx="1113792" cy="9525"/>
-            </a:xfrm>
-            <a:prstGeom prst="line">
-              <a:avLst/>
-            </a:prstGeom>
-            <a:ln w="19050">
-              <a:solidFill>
-                <a:schemeClr val="tx2"/>
-              </a:solidFill>
-              <a:prstDash val="dash"/>
-            </a:ln>
-          </p:spPr>
-          <p:style>
-            <a:lnRef idx="1">
-              <a:schemeClr val="accent1"/>
-            </a:lnRef>
-            <a:fillRef idx="0">
-              <a:schemeClr val="accent1"/>
-            </a:fillRef>
-            <a:effectRef idx="0">
-              <a:schemeClr val="accent1"/>
-            </a:effectRef>
-            <a:fontRef idx="minor">
-              <a:schemeClr val="tx1"/>
-            </a:fontRef>
-          </p:style>
-        </p:cxnSp>
-      </p:grpSp>
-      <p:sp>
-        <p:nvSpPr>
-          <p:cNvPr id="8" name="Rectangle 7"/>
-          <p:cNvSpPr/>
-          <p:nvPr/>
-        </p:nvSpPr>
-        <p:spPr>
-          <a:xfrm>
-            <a:off x="428626" y="1512575"/>
-            <a:ext cx="6267450" cy="1323439"/>
-          </a:xfrm>
-          <a:prstGeom prst="rect">
-            <a:avLst/>
-          </a:prstGeom>
-        </p:spPr>
-        <p:txBody>
-          <a:bodyPr wrap="square">
-            <a:spAutoFit/>
-          </a:bodyPr>
-          <a:lstStyle/>
-          <a:p>
-            <a:pPr>
-              <a:spcBef>
-                <a:spcPts val="0"/>
-              </a:spcBef>
-            </a:pPr>
-            <a:r>
-              <a:rPr lang="en-GB" sz="1600" b="1" dirty="0">
-                <a:solidFill>
-                  <a:schemeClr val="tx2"/>
-                </a:solidFill>
-              </a:rPr>
-              <a:t>x</a:t>
-            </a:r>
-            <a:r>
-              <a:rPr lang="en-GB" sz="1600" dirty="0" smtClean="0">
-                <a:solidFill>
-                  <a:schemeClr val="tx2"/>
-                </a:solidFill>
-              </a:rPr>
-              <a:t> is our input, or one hot-event</a:t>
-            </a:r>
-          </a:p>
-          <a:p>
-            <a:pPr>
-              <a:spcBef>
-                <a:spcPts val="0"/>
-              </a:spcBef>
-            </a:pPr>
-            <a:r>
-              <a:rPr lang="en-GB" sz="1600" b="1" dirty="0">
-                <a:solidFill>
-                  <a:schemeClr val="tx2"/>
-                </a:solidFill>
-              </a:rPr>
-              <a:t>h</a:t>
-            </a:r>
-            <a:r>
-              <a:rPr lang="en-GB" sz="1600" dirty="0" smtClean="0">
-                <a:solidFill>
-                  <a:schemeClr val="tx2"/>
-                </a:solidFill>
-              </a:rPr>
-              <a:t> is our memory cell, a single large matrix passed from step to step getting updated at each step</a:t>
-            </a:r>
-          </a:p>
-          <a:p>
-            <a:pPr>
-              <a:spcBef>
-                <a:spcPts val="0"/>
-              </a:spcBef>
-            </a:pPr>
-            <a:endParaRPr lang="en-GB" sz="1600" b="1" dirty="0" smtClean="0"/>
-          </a:p>
-          <a:p>
-            <a:pPr>
-              <a:spcBef>
-                <a:spcPts val="0"/>
-              </a:spcBef>
-            </a:pPr>
-            <a:endParaRPr lang="en-GB" sz="1600" dirty="0"/>
-          </a:p>
-        </p:txBody>
-      </p:sp>
-      <p:sp>
-        <p:nvSpPr>
-          <p:cNvPr id="18" name="Rectangle 17"/>
-          <p:cNvSpPr/>
-          <p:nvPr/>
-        </p:nvSpPr>
-        <p:spPr>
-          <a:xfrm>
-            <a:off x="1084495" y="6124275"/>
-            <a:ext cx="1075343" cy="307777"/>
-          </a:xfrm>
-          <a:prstGeom prst="rect">
-            <a:avLst/>
-          </a:prstGeom>
-        </p:spPr>
-        <p:txBody>
-          <a:bodyPr wrap="square">
-            <a:spAutoFit/>
-          </a:bodyPr>
-          <a:lstStyle/>
-          <a:p>
-            <a:r>
-              <a:rPr lang="en-GB" sz="1400" b="1" dirty="0" smtClean="0">
-                <a:solidFill>
-                  <a:schemeClr val="tx2"/>
-                </a:solidFill>
-                <a:latin typeface="Courier" pitchFamily="49" charset="0"/>
-              </a:rPr>
-              <a:t>@Cough</a:t>
-            </a:r>
-            <a:endParaRPr lang="en-US" sz="1400" b="1" dirty="0">
-              <a:solidFill>
-                <a:schemeClr val="tx2"/>
-              </a:solidFill>
-            </a:endParaRPr>
-          </a:p>
-        </p:txBody>
-      </p:sp>
-      <p:sp>
-        <p:nvSpPr>
-          <p:cNvPr id="19" name="Rectangle 18"/>
-          <p:cNvSpPr/>
-          <p:nvPr/>
-        </p:nvSpPr>
-        <p:spPr>
-          <a:xfrm>
-            <a:off x="2677214" y="6152850"/>
-            <a:ext cx="1075343" cy="307777"/>
-          </a:xfrm>
-          <a:prstGeom prst="rect">
-            <a:avLst/>
-          </a:prstGeom>
-        </p:spPr>
-        <p:txBody>
-          <a:bodyPr wrap="square">
-            <a:spAutoFit/>
-          </a:bodyPr>
-          <a:lstStyle/>
-          <a:p>
-            <a:r>
-              <a:rPr lang="en-GB" sz="1400" b="1" dirty="0" smtClean="0">
-                <a:solidFill>
-                  <a:schemeClr val="tx2"/>
-                </a:solidFill>
-                <a:latin typeface="Courier" pitchFamily="49" charset="0"/>
-              </a:rPr>
-              <a:t>@Fever</a:t>
-            </a:r>
-            <a:endParaRPr lang="en-US" sz="1400" b="1" dirty="0">
-              <a:solidFill>
-                <a:schemeClr val="tx2"/>
-              </a:solidFill>
-            </a:endParaRPr>
-          </a:p>
-        </p:txBody>
-      </p:sp>
-      <p:sp>
-        <p:nvSpPr>
-          <p:cNvPr id="20" name="Rectangle 19"/>
-          <p:cNvSpPr/>
-          <p:nvPr/>
-        </p:nvSpPr>
-        <p:spPr>
-          <a:xfrm>
-            <a:off x="4906064" y="6133800"/>
-            <a:ext cx="1580461" cy="307777"/>
-          </a:xfrm>
-          <a:prstGeom prst="rect">
-            <a:avLst/>
-          </a:prstGeom>
-        </p:spPr>
-        <p:txBody>
-          <a:bodyPr wrap="square">
-            <a:spAutoFit/>
-          </a:bodyPr>
-          <a:lstStyle/>
-          <a:p>
-            <a:r>
-              <a:rPr lang="en-GB" sz="1400" b="1" dirty="0" smtClean="0">
-                <a:solidFill>
-                  <a:schemeClr val="tx2"/>
-                </a:solidFill>
-                <a:latin typeface="Courier" pitchFamily="49" charset="0"/>
-              </a:rPr>
-              <a:t>@</a:t>
-            </a:r>
-            <a:r>
-              <a:rPr lang="en-GB" sz="1400" b="1" dirty="0" err="1" smtClean="0">
-                <a:solidFill>
-                  <a:schemeClr val="tx2"/>
-                </a:solidFill>
-                <a:latin typeface="Courier" pitchFamily="49" charset="0"/>
-              </a:rPr>
-              <a:t>Lorezapam</a:t>
-            </a:r>
-            <a:endParaRPr lang="en-US" sz="1400" b="1" dirty="0">
-              <a:solidFill>
-                <a:schemeClr val="tx2"/>
-              </a:solidFill>
-            </a:endParaRPr>
-          </a:p>
-        </p:txBody>
-      </p:sp>
-      <p:sp>
-        <p:nvSpPr>
-          <p:cNvPr id="21" name="Text Placeholder 3"/>
-          <p:cNvSpPr>
-            <a:spLocks noGrp="1"/>
-          </p:cNvSpPr>
-          <p:nvPr>
-            <p:ph type="body" sz="quarter" idx="13"/>
-          </p:nvPr>
-        </p:nvSpPr>
-        <p:spPr>
-          <a:xfrm>
-            <a:off x="457201" y="914400"/>
-            <a:ext cx="8401049" cy="403225"/>
-          </a:xfrm>
-        </p:spPr>
-        <p:txBody>
-          <a:bodyPr/>
-          <a:lstStyle/>
-          <a:p>
-            <a:r>
-              <a:rPr lang="en-GB" dirty="0" smtClean="0"/>
-              <a:t>How does a GRU come together</a:t>
-            </a:r>
-            <a:endParaRPr lang="en-US" dirty="0"/>
-          </a:p>
-        </p:txBody>
-      </p:sp>
-      <p:sp>
-        <p:nvSpPr>
-          <p:cNvPr id="2" name="Rectangle 1"/>
-          <p:cNvSpPr/>
-          <p:nvPr/>
-        </p:nvSpPr>
-        <p:spPr>
-          <a:xfrm>
-            <a:off x="1181100" y="3194906"/>
-            <a:ext cx="590550" cy="591520"/>
-          </a:xfrm>
-          <a:prstGeom prst="rect">
-            <a:avLst/>
-          </a:prstGeom>
-          <a:solidFill>
-            <a:schemeClr val="accent1">
-              <a:alpha val="24000"/>
-            </a:schemeClr>
-          </a:solidFill>
-          <a:ln>
-            <a:noFill/>
-          </a:ln>
-        </p:spPr>
-        <p:style>
-          <a:lnRef idx="2">
-            <a:schemeClr val="accent1">
-              <a:shade val="50000"/>
-            </a:schemeClr>
-          </a:lnRef>
-          <a:fillRef idx="1">
-            <a:schemeClr val="accent1"/>
-          </a:fillRef>
-          <a:effectRef idx="0">
-            <a:schemeClr val="accent1"/>
-          </a:effectRef>
-          <a:fontRef idx="minor">
-            <a:schemeClr val="lt1"/>
-          </a:fontRef>
-        </p:style>
-        <p:txBody>
-          <a:bodyPr rtlCol="0" anchor="ctr"/>
-          <a:lstStyle/>
-          <a:p>
-            <a:pPr algn="ctr"/>
-            <a:endParaRPr lang="en-US"/>
-          </a:p>
-        </p:txBody>
-      </p:sp>
-      <p:sp>
-        <p:nvSpPr>
-          <p:cNvPr id="23" name="Rectangle 22"/>
-          <p:cNvSpPr/>
-          <p:nvPr/>
-        </p:nvSpPr>
-        <p:spPr>
-          <a:xfrm>
-            <a:off x="2828925" y="3194906"/>
-            <a:ext cx="590550" cy="591520"/>
-          </a:xfrm>
-          <a:prstGeom prst="rect">
-            <a:avLst/>
-          </a:prstGeom>
-          <a:solidFill>
-            <a:schemeClr val="accent1">
-              <a:alpha val="24000"/>
-            </a:schemeClr>
-          </a:solidFill>
-          <a:ln>
-            <a:noFill/>
-          </a:ln>
-        </p:spPr>
-        <p:style>
-          <a:lnRef idx="2">
-            <a:schemeClr val="accent1">
-              <a:shade val="50000"/>
-            </a:schemeClr>
-          </a:lnRef>
-          <a:fillRef idx="1">
-            <a:schemeClr val="accent1"/>
-          </a:fillRef>
-          <a:effectRef idx="0">
-            <a:schemeClr val="accent1"/>
-          </a:effectRef>
-          <a:fontRef idx="minor">
-            <a:schemeClr val="lt1"/>
-          </a:fontRef>
-        </p:style>
-        <p:txBody>
-          <a:bodyPr rtlCol="0" anchor="ctr"/>
-          <a:lstStyle/>
-          <a:p>
-            <a:pPr algn="ctr"/>
-            <a:endParaRPr lang="en-US"/>
-          </a:p>
-        </p:txBody>
-      </p:sp>
-      <p:sp>
-        <p:nvSpPr>
-          <p:cNvPr id="24" name="Rectangle 23"/>
-          <p:cNvSpPr/>
-          <p:nvPr/>
-        </p:nvSpPr>
-        <p:spPr>
-          <a:xfrm>
-            <a:off x="5029200" y="3194906"/>
-            <a:ext cx="590550" cy="591520"/>
-          </a:xfrm>
-          <a:prstGeom prst="rect">
-            <a:avLst/>
-          </a:prstGeom>
-          <a:solidFill>
-            <a:schemeClr val="accent1">
-              <a:alpha val="24000"/>
-            </a:schemeClr>
-          </a:solidFill>
-          <a:ln>
-            <a:noFill/>
-          </a:ln>
-        </p:spPr>
-        <p:style>
-          <a:lnRef idx="2">
-            <a:schemeClr val="accent1">
-              <a:shade val="50000"/>
-            </a:schemeClr>
-          </a:lnRef>
-          <a:fillRef idx="1">
-            <a:schemeClr val="accent1"/>
-          </a:fillRef>
-          <a:effectRef idx="0">
-            <a:schemeClr val="accent1"/>
-          </a:effectRef>
-          <a:fontRef idx="minor">
-            <a:schemeClr val="lt1"/>
-          </a:fontRef>
-        </p:style>
-        <p:txBody>
-          <a:bodyPr rtlCol="0" anchor="ctr"/>
-          <a:lstStyle/>
-          <a:p>
-            <a:pPr algn="ctr"/>
-            <a:endParaRPr lang="en-US"/>
-          </a:p>
-        </p:txBody>
-      </p:sp>
-      <p:sp>
-        <p:nvSpPr>
-          <p:cNvPr id="25" name="Rectangle 24"/>
-          <p:cNvSpPr/>
-          <p:nvPr/>
-        </p:nvSpPr>
-        <p:spPr>
-          <a:xfrm>
-            <a:off x="2828925" y="4966556"/>
-            <a:ext cx="590550" cy="591520"/>
-          </a:xfrm>
-          <a:prstGeom prst="rect">
-            <a:avLst/>
-          </a:prstGeom>
-          <a:solidFill>
-            <a:schemeClr val="accent1">
-              <a:alpha val="24000"/>
-            </a:schemeClr>
-          </a:solidFill>
-          <a:ln>
-            <a:noFill/>
-          </a:ln>
-        </p:spPr>
-        <p:style>
-          <a:lnRef idx="2">
-            <a:schemeClr val="accent1">
-              <a:shade val="50000"/>
-            </a:schemeClr>
-          </a:lnRef>
-          <a:fillRef idx="1">
-            <a:schemeClr val="accent1"/>
-          </a:fillRef>
-          <a:effectRef idx="0">
-            <a:schemeClr val="accent1"/>
-          </a:effectRef>
-          <a:fontRef idx="minor">
-            <a:schemeClr val="lt1"/>
-          </a:fontRef>
-        </p:style>
-        <p:txBody>
-          <a:bodyPr rtlCol="0" anchor="ctr"/>
-          <a:lstStyle/>
-          <a:p>
-            <a:pPr algn="ctr"/>
-            <a:endParaRPr lang="en-US"/>
-          </a:p>
-        </p:txBody>
-      </p:sp>
-    </p:spTree>
-    <p:extLst>
-      <p:ext uri="{BB962C8B-B14F-4D97-AF65-F5344CB8AC3E}">
-        <p14:creationId xmlns:p14="http://schemas.microsoft.com/office/powerpoint/2010/main" val="1955641167"/>
-      </p:ext>
-    </p:extLst>
-  </p:cSld>
-  <p:clrMapOvr>
-    <a:masterClrMapping/>
-  </p:clrMapOvr>
-  <p:timing>
-    <p:tnLst>
-      <p:par>
-        <p:cTn id="1" dur="indefinite" restart="never" nodeType="tmRoot"/>
-      </p:par>
-    </p:tnLst>
-  </p:timing>
-</p:sld>
-</file>
-
 <file path=ppt/slides/slide29.xml><?xml version="1.0" encoding="utf-8"?>
 <p:sld xmlns:a="http://schemas.openxmlformats.org/drawingml/2006/main" xmlns:r="http://schemas.openxmlformats.org/officeDocument/2006/relationships" xmlns:p="http://schemas.openxmlformats.org/presentationml/2006/main">
   <p:cSld>
@@ -28227,35 +28207,128 @@
           <a:chExt cx="0" cy="0"/>
         </a:xfrm>
       </p:grpSpPr>
-      <p:pic>
-        <p:nvPicPr>
-          <p:cNvPr id="7" name="Picture 6"/>
-          <p:cNvPicPr>
-            <a:picLocks noChangeAspect="1"/>
-          </p:cNvPicPr>
-          <p:nvPr/>
-        </p:nvPicPr>
-        <p:blipFill rotWithShape="1">
-          <a:blip r:embed="rId2" cstate="hqprint">
-            <a:extLst>
-              <a:ext uri="{28A0092B-C50C-407E-A947-70E740481C1C}">
-                <a14:useLocalDpi xmlns:a14="http://schemas.microsoft.com/office/drawing/2010/main"/>
-              </a:ext>
-            </a:extLst>
-          </a:blip>
-          <a:srcRect/>
-          <a:stretch/>
-        </p:blipFill>
+      <p:sp>
+        <p:nvSpPr>
+          <p:cNvPr id="2" name="Content Placeholder 1"/>
+          <p:cNvSpPr>
+            <a:spLocks noGrp="1"/>
+          </p:cNvSpPr>
+          <p:nvPr>
+            <p:ph idx="1"/>
+          </p:nvPr>
+        </p:nvSpPr>
         <p:spPr>
           <a:xfrm>
-            <a:off x="762503" y="2832944"/>
-            <a:ext cx="6782819" cy="3277431"/>
+            <a:off x="747635" y="1781175"/>
+            <a:ext cx="7712554" cy="4344988"/>
           </a:xfrm>
-          <a:prstGeom prst="rect">
-            <a:avLst/>
-          </a:prstGeom>
         </p:spPr>
-      </p:pic>
+        <p:txBody>
+          <a:bodyPr/>
+          <a:lstStyle/>
+          <a:p>
+            <a:endParaRPr lang="en-US" sz="2800" b="0" dirty="0" smtClean="0"/>
+          </a:p>
+          <a:p>
+            <a:r>
+              <a:rPr lang="en-US" sz="2800" b="0" dirty="0" smtClean="0"/>
+              <a:t>Traditional </a:t>
+            </a:r>
+            <a:r>
+              <a:rPr lang="en-US" sz="2800" b="0" dirty="0"/>
+              <a:t>RNNs have short </a:t>
+            </a:r>
+            <a:r>
+              <a:rPr lang="en-US" sz="2800" b="0" dirty="0" smtClean="0"/>
+              <a:t>memories</a:t>
+            </a:r>
+          </a:p>
+          <a:p>
+            <a:endParaRPr lang="en-US" sz="2800" b="0" dirty="0" smtClean="0"/>
+          </a:p>
+          <a:p>
+            <a:r>
+              <a:rPr lang="en-US" smtClean="0"/>
+              <a:t>“</a:t>
+            </a:r>
+            <a:r>
+              <a:rPr lang="en-US" b="0" smtClean="0"/>
+              <a:t>LSTM/GRU </a:t>
+            </a:r>
+            <a:r>
+              <a:rPr lang="en-US" b="0" dirty="0"/>
+              <a:t>is a great solution for relatively short sequences, up to 100-300 items. </a:t>
+            </a:r>
+            <a:r>
+              <a:rPr lang="en-US" b="0" dirty="0" smtClean="0"/>
+              <a:t>On </a:t>
+            </a:r>
+            <a:r>
+              <a:rPr lang="en-US" b="0" dirty="0"/>
+              <a:t>longer sequences LSTM/GRU still works, but can gradually forget information from the oldest items</a:t>
+            </a:r>
+            <a:r>
+              <a:rPr lang="en-US" b="0" dirty="0" smtClean="0"/>
+              <a:t>.”</a:t>
+            </a:r>
+          </a:p>
+          <a:p>
+            <a:r>
+              <a:rPr lang="en-US" b="0" dirty="0" smtClean="0">
+                <a:hlinkClick r:id="rId2" tooltip="Arthur Suilin"/>
+              </a:rPr>
+              <a:t>Arthur Suilin</a:t>
+            </a:r>
+            <a:r>
+              <a:rPr lang="en-US" b="0" dirty="0"/>
+              <a:t> </a:t>
+            </a:r>
+            <a:r>
+              <a:rPr lang="en-US" b="0" dirty="0" smtClean="0"/>
+              <a:t>(1st</a:t>
+            </a:r>
+            <a:r>
+              <a:rPr lang="en-US" b="0" dirty="0"/>
+              <a:t> in </a:t>
+            </a:r>
+            <a:r>
+              <a:rPr lang="en-US" b="0" dirty="0" err="1" smtClean="0"/>
+              <a:t>Kaggle</a:t>
+            </a:r>
+            <a:r>
+              <a:rPr lang="en-US" b="0" dirty="0" smtClean="0"/>
+              <a:t> Wikipedia Forecasting Competition)</a:t>
+            </a:r>
+            <a:r>
+              <a:rPr lang="en-US" dirty="0"/>
+              <a:t/>
+            </a:r>
+            <a:br>
+              <a:rPr lang="en-US" dirty="0"/>
+            </a:br>
+            <a:endParaRPr lang="en-US" dirty="0"/>
+          </a:p>
+        </p:txBody>
+      </p:sp>
+      <p:sp>
+        <p:nvSpPr>
+          <p:cNvPr id="4" name="Text Placeholder 3"/>
+          <p:cNvSpPr>
+            <a:spLocks noGrp="1"/>
+          </p:cNvSpPr>
+          <p:nvPr>
+            <p:ph type="body" sz="quarter" idx="13"/>
+          </p:nvPr>
+        </p:nvSpPr>
+        <p:spPr/>
+        <p:txBody>
+          <a:bodyPr/>
+          <a:lstStyle/>
+          <a:p>
+            <a:endParaRPr lang="en-US"/>
+          </a:p>
+        </p:txBody>
+      </p:sp>
       <p:sp>
         <p:nvSpPr>
           <p:cNvPr id="5" name="Title 4"/>
@@ -28272,894 +28345,17 @@
           <a:lstStyle/>
           <a:p>
             <a:r>
-              <a:rPr lang="en-GB" dirty="0" smtClean="0"/>
-              <a:t>GRU, Gated Recurrent Unit</a:t>
+              <a:rPr lang="en-US" dirty="0" smtClean="0"/>
+              <a:t>Practical Limitations</a:t>
             </a:r>
             <a:endParaRPr lang="en-US" dirty="0"/>
-          </a:p>
-        </p:txBody>
-      </p:sp>
-      <p:grpSp>
-        <p:nvGrpSpPr>
-          <p:cNvPr id="6" name="Group 5"/>
-          <p:cNvGrpSpPr/>
-          <p:nvPr/>
-        </p:nvGrpSpPr>
-        <p:grpSpPr>
-          <a:xfrm>
-            <a:off x="7000875" y="1688625"/>
-            <a:ext cx="1637685" cy="2256386"/>
-            <a:chOff x="2407333" y="3420282"/>
-            <a:chExt cx="2041716" cy="2732776"/>
-          </a:xfrm>
-        </p:grpSpPr>
-        <p:sp>
-          <p:nvSpPr>
-            <p:cNvPr id="71" name="Rectangle 70"/>
-            <p:cNvSpPr/>
-            <p:nvPr/>
-          </p:nvSpPr>
-          <p:spPr>
-            <a:xfrm>
-              <a:off x="2609850" y="3506926"/>
-              <a:ext cx="476250" cy="1446073"/>
-            </a:xfrm>
-            <a:prstGeom prst="rect">
-              <a:avLst/>
-            </a:prstGeom>
-            <a:ln>
-              <a:noFill/>
-            </a:ln>
-          </p:spPr>
-          <p:style>
-            <a:lnRef idx="2">
-              <a:schemeClr val="accent1">
-                <a:shade val="50000"/>
-              </a:schemeClr>
-            </a:lnRef>
-            <a:fillRef idx="1">
-              <a:schemeClr val="accent1"/>
-            </a:fillRef>
-            <a:effectRef idx="0">
-              <a:schemeClr val="accent1"/>
-            </a:effectRef>
-            <a:fontRef idx="minor">
-              <a:schemeClr val="lt1"/>
-            </a:fontRef>
-          </p:style>
-          <p:txBody>
-            <a:bodyPr rtlCol="0" anchor="ctr"/>
-            <a:lstStyle/>
-            <a:p>
-              <a:pPr algn="ctr"/>
-              <a:endParaRPr lang="en-US"/>
-            </a:p>
-          </p:txBody>
-        </p:sp>
-        <p:sp>
-          <p:nvSpPr>
-            <p:cNvPr id="72" name="Right Arrow 71"/>
-            <p:cNvSpPr/>
-            <p:nvPr/>
-          </p:nvSpPr>
-          <p:spPr>
-            <a:xfrm>
-              <a:off x="3208965" y="3858487"/>
-              <a:ext cx="334335" cy="649538"/>
-            </a:xfrm>
-            <a:prstGeom prst="rightArrow">
-              <a:avLst/>
-            </a:prstGeom>
-            <a:solidFill>
-              <a:schemeClr val="bg1">
-                <a:lumMod val="75000"/>
-              </a:schemeClr>
-            </a:solidFill>
-            <a:ln>
-              <a:noFill/>
-            </a:ln>
-          </p:spPr>
-          <p:style>
-            <a:lnRef idx="2">
-              <a:schemeClr val="accent1">
-                <a:shade val="50000"/>
-              </a:schemeClr>
-            </a:lnRef>
-            <a:fillRef idx="1">
-              <a:schemeClr val="accent1"/>
-            </a:fillRef>
-            <a:effectRef idx="0">
-              <a:schemeClr val="accent1"/>
-            </a:effectRef>
-            <a:fontRef idx="minor">
-              <a:schemeClr val="lt1"/>
-            </a:fontRef>
-          </p:style>
-          <p:txBody>
-            <a:bodyPr rtlCol="0" anchor="ctr"/>
-            <a:lstStyle/>
-            <a:p>
-              <a:pPr algn="ctr"/>
-              <a:endParaRPr lang="en-US"/>
-            </a:p>
-          </p:txBody>
-        </p:sp>
-        <p:sp>
-          <p:nvSpPr>
-            <p:cNvPr id="73" name="Rectangle 72"/>
-            <p:cNvSpPr/>
-            <p:nvPr/>
-          </p:nvSpPr>
-          <p:spPr>
-            <a:xfrm>
-              <a:off x="3829050" y="3516451"/>
-              <a:ext cx="476250" cy="1446073"/>
-            </a:xfrm>
-            <a:prstGeom prst="rect">
-              <a:avLst/>
-            </a:prstGeom>
-            <a:ln>
-              <a:noFill/>
-            </a:ln>
-          </p:spPr>
-          <p:style>
-            <a:lnRef idx="2">
-              <a:schemeClr val="accent1">
-                <a:shade val="50000"/>
-              </a:schemeClr>
-            </a:lnRef>
-            <a:fillRef idx="1">
-              <a:schemeClr val="accent1"/>
-            </a:fillRef>
-            <a:effectRef idx="0">
-              <a:schemeClr val="accent1"/>
-            </a:effectRef>
-            <a:fontRef idx="minor">
-              <a:schemeClr val="lt1"/>
-            </a:fontRef>
-          </p:style>
-          <p:txBody>
-            <a:bodyPr rtlCol="0" anchor="ctr"/>
-            <a:lstStyle/>
-            <a:p>
-              <a:pPr algn="ctr"/>
-              <a:endParaRPr lang="en-US"/>
-            </a:p>
-          </p:txBody>
-        </p:sp>
-        <p:sp>
-          <p:nvSpPr>
-            <p:cNvPr id="74" name="Rectangle 73"/>
-            <p:cNvSpPr/>
-            <p:nvPr/>
-          </p:nvSpPr>
-          <p:spPr>
-            <a:xfrm>
-              <a:off x="3521125" y="5793251"/>
-              <a:ext cx="925695" cy="335482"/>
-            </a:xfrm>
-            <a:prstGeom prst="rect">
-              <a:avLst/>
-            </a:prstGeom>
-          </p:spPr>
-          <p:txBody>
-            <a:bodyPr wrap="none">
-              <a:spAutoFit/>
-            </a:bodyPr>
-            <a:lstStyle/>
-            <a:p>
-              <a:r>
-                <a:rPr lang="en-GB" sz="1200" dirty="0" smtClean="0">
-                  <a:latin typeface="Courier" pitchFamily="49" charset="0"/>
-                </a:rPr>
-                <a:t>Step 3</a:t>
-              </a:r>
-              <a:endParaRPr lang="en-US" sz="1200" dirty="0"/>
-            </a:p>
-          </p:txBody>
-        </p:sp>
-        <p:sp>
-          <p:nvSpPr>
-            <p:cNvPr id="75" name="Rectangle 74"/>
-            <p:cNvSpPr/>
-            <p:nvPr/>
-          </p:nvSpPr>
-          <p:spPr>
-            <a:xfrm>
-              <a:off x="3640384" y="5244584"/>
-              <a:ext cx="631919" cy="372758"/>
-            </a:xfrm>
-            <a:prstGeom prst="rect">
-              <a:avLst/>
-            </a:prstGeom>
-          </p:spPr>
-          <p:txBody>
-            <a:bodyPr wrap="none">
-              <a:spAutoFit/>
-            </a:bodyPr>
-            <a:lstStyle/>
-            <a:p>
-              <a:r>
-                <a:rPr lang="en-GB" sz="1400" dirty="0" smtClean="0">
-                  <a:latin typeface="Courier" pitchFamily="49" charset="0"/>
-                </a:rPr>
-                <a:t>[6]</a:t>
-              </a:r>
-              <a:endParaRPr lang="en-US" sz="1400" dirty="0"/>
-            </a:p>
-          </p:txBody>
-        </p:sp>
-        <p:cxnSp>
-          <p:nvCxnSpPr>
-            <p:cNvPr id="76" name="Straight Arrow Connector 75"/>
-            <p:cNvCxnSpPr/>
-            <p:nvPr/>
-          </p:nvCxnSpPr>
-          <p:spPr>
-            <a:xfrm flipV="1">
-              <a:off x="4162425" y="5095876"/>
-              <a:ext cx="0" cy="518040"/>
-            </a:xfrm>
-            <a:prstGeom prst="straightConnector1">
-              <a:avLst/>
-            </a:prstGeom>
-            <a:ln>
-              <a:solidFill>
-                <a:schemeClr val="accent4"/>
-              </a:solidFill>
-              <a:tailEnd type="arrow"/>
-            </a:ln>
-          </p:spPr>
-          <p:style>
-            <a:lnRef idx="1">
-              <a:schemeClr val="accent1"/>
-            </a:lnRef>
-            <a:fillRef idx="0">
-              <a:schemeClr val="accent1"/>
-            </a:fillRef>
-            <a:effectRef idx="0">
-              <a:schemeClr val="accent1"/>
-            </a:effectRef>
-            <a:fontRef idx="minor">
-              <a:schemeClr val="tx1"/>
-            </a:fontRef>
-          </p:style>
-        </p:cxnSp>
-        <p:cxnSp>
-          <p:nvCxnSpPr>
-            <p:cNvPr id="77" name="Straight Connector 76"/>
-            <p:cNvCxnSpPr/>
-            <p:nvPr/>
-          </p:nvCxnSpPr>
-          <p:spPr>
-            <a:xfrm>
-              <a:off x="2421184" y="3420282"/>
-              <a:ext cx="2006981" cy="0"/>
-            </a:xfrm>
-            <a:prstGeom prst="line">
-              <a:avLst/>
-            </a:prstGeom>
-            <a:ln w="19050">
-              <a:solidFill>
-                <a:schemeClr val="tx2"/>
-              </a:solidFill>
-              <a:prstDash val="dash"/>
-            </a:ln>
-          </p:spPr>
-          <p:style>
-            <a:lnRef idx="1">
-              <a:schemeClr val="accent1"/>
-            </a:lnRef>
-            <a:fillRef idx="0">
-              <a:schemeClr val="accent1"/>
-            </a:fillRef>
-            <a:effectRef idx="0">
-              <a:schemeClr val="accent1"/>
-            </a:effectRef>
-            <a:fontRef idx="minor">
-              <a:schemeClr val="tx1"/>
-            </a:fontRef>
-          </p:style>
-        </p:cxnSp>
-        <p:cxnSp>
-          <p:nvCxnSpPr>
-            <p:cNvPr id="78" name="Straight Connector 77"/>
-            <p:cNvCxnSpPr/>
-            <p:nvPr/>
-          </p:nvCxnSpPr>
-          <p:spPr>
-            <a:xfrm>
-              <a:off x="3521124" y="6143533"/>
-              <a:ext cx="927925" cy="0"/>
-            </a:xfrm>
-            <a:prstGeom prst="line">
-              <a:avLst/>
-            </a:prstGeom>
-            <a:ln w="19050">
-              <a:solidFill>
-                <a:schemeClr val="tx2"/>
-              </a:solidFill>
-              <a:prstDash val="dash"/>
-            </a:ln>
-          </p:spPr>
-          <p:style>
-            <a:lnRef idx="1">
-              <a:schemeClr val="accent1"/>
-            </a:lnRef>
-            <a:fillRef idx="0">
-              <a:schemeClr val="accent1"/>
-            </a:fillRef>
-            <a:effectRef idx="0">
-              <a:schemeClr val="accent1"/>
-            </a:effectRef>
-            <a:fontRef idx="minor">
-              <a:schemeClr val="tx1"/>
-            </a:fontRef>
-          </p:style>
-        </p:cxnSp>
-        <p:cxnSp>
-          <p:nvCxnSpPr>
-            <p:cNvPr id="79" name="Straight Connector 78"/>
-            <p:cNvCxnSpPr/>
-            <p:nvPr/>
-          </p:nvCxnSpPr>
-          <p:spPr>
-            <a:xfrm flipV="1">
-              <a:off x="3543300" y="5095876"/>
-              <a:ext cx="0" cy="1047657"/>
-            </a:xfrm>
-            <a:prstGeom prst="line">
-              <a:avLst/>
-            </a:prstGeom>
-            <a:ln w="19050">
-              <a:solidFill>
-                <a:schemeClr val="tx2"/>
-              </a:solidFill>
-              <a:prstDash val="dash"/>
-            </a:ln>
-          </p:spPr>
-          <p:style>
-            <a:lnRef idx="1">
-              <a:schemeClr val="accent1"/>
-            </a:lnRef>
-            <a:fillRef idx="0">
-              <a:schemeClr val="accent1"/>
-            </a:fillRef>
-            <a:effectRef idx="0">
-              <a:schemeClr val="accent1"/>
-            </a:effectRef>
-            <a:fontRef idx="minor">
-              <a:schemeClr val="tx1"/>
-            </a:fontRef>
-          </p:style>
-        </p:cxnSp>
-        <p:cxnSp>
-          <p:nvCxnSpPr>
-            <p:cNvPr id="80" name="Straight Connector 79"/>
-            <p:cNvCxnSpPr/>
-            <p:nvPr/>
-          </p:nvCxnSpPr>
-          <p:spPr>
-            <a:xfrm>
-              <a:off x="2421184" y="3506926"/>
-              <a:ext cx="0" cy="1579425"/>
-            </a:xfrm>
-            <a:prstGeom prst="line">
-              <a:avLst/>
-            </a:prstGeom>
-            <a:ln w="19050">
-              <a:solidFill>
-                <a:schemeClr val="tx2"/>
-              </a:solidFill>
-              <a:prstDash val="dash"/>
-            </a:ln>
-          </p:spPr>
-          <p:style>
-            <a:lnRef idx="1">
-              <a:schemeClr val="accent1"/>
-            </a:lnRef>
-            <a:fillRef idx="0">
-              <a:schemeClr val="accent1"/>
-            </a:fillRef>
-            <a:effectRef idx="0">
-              <a:schemeClr val="accent1"/>
-            </a:effectRef>
-            <a:fontRef idx="minor">
-              <a:schemeClr val="tx1"/>
-            </a:fontRef>
-          </p:style>
-        </p:cxnSp>
-        <p:cxnSp>
-          <p:nvCxnSpPr>
-            <p:cNvPr id="81" name="Straight Connector 80"/>
-            <p:cNvCxnSpPr/>
-            <p:nvPr/>
-          </p:nvCxnSpPr>
-          <p:spPr>
-            <a:xfrm>
-              <a:off x="4449049" y="3449774"/>
-              <a:ext cx="0" cy="2703284"/>
-            </a:xfrm>
-            <a:prstGeom prst="line">
-              <a:avLst/>
-            </a:prstGeom>
-            <a:ln w="19050">
-              <a:solidFill>
-                <a:schemeClr val="tx2"/>
-              </a:solidFill>
-              <a:prstDash val="dash"/>
-            </a:ln>
-          </p:spPr>
-          <p:style>
-            <a:lnRef idx="1">
-              <a:schemeClr val="accent1"/>
-            </a:lnRef>
-            <a:fillRef idx="0">
-              <a:schemeClr val="accent1"/>
-            </a:fillRef>
-            <a:effectRef idx="0">
-              <a:schemeClr val="accent1"/>
-            </a:effectRef>
-            <a:fontRef idx="minor">
-              <a:schemeClr val="tx1"/>
-            </a:fontRef>
-          </p:style>
-        </p:cxnSp>
-        <p:cxnSp>
-          <p:nvCxnSpPr>
-            <p:cNvPr id="82" name="Straight Connector 81"/>
-            <p:cNvCxnSpPr/>
-            <p:nvPr/>
-          </p:nvCxnSpPr>
-          <p:spPr>
-            <a:xfrm flipV="1">
-              <a:off x="2407333" y="5086351"/>
-              <a:ext cx="1113792" cy="9525"/>
-            </a:xfrm>
-            <a:prstGeom prst="line">
-              <a:avLst/>
-            </a:prstGeom>
-            <a:ln w="19050">
-              <a:solidFill>
-                <a:schemeClr val="tx2"/>
-              </a:solidFill>
-              <a:prstDash val="dash"/>
-            </a:ln>
-          </p:spPr>
-          <p:style>
-            <a:lnRef idx="1">
-              <a:schemeClr val="accent1"/>
-            </a:lnRef>
-            <a:fillRef idx="0">
-              <a:schemeClr val="accent1"/>
-            </a:fillRef>
-            <a:effectRef idx="0">
-              <a:schemeClr val="accent1"/>
-            </a:effectRef>
-            <a:fontRef idx="minor">
-              <a:schemeClr val="tx1"/>
-            </a:fontRef>
-          </p:style>
-        </p:cxnSp>
-      </p:grpSp>
-      <p:sp>
-        <p:nvSpPr>
-          <p:cNvPr id="8" name="Rectangle 7"/>
-          <p:cNvSpPr/>
-          <p:nvPr/>
-        </p:nvSpPr>
-        <p:spPr>
-          <a:xfrm>
-            <a:off x="428626" y="1512575"/>
-            <a:ext cx="6267450" cy="1569660"/>
-          </a:xfrm>
-          <a:prstGeom prst="rect">
-            <a:avLst/>
-          </a:prstGeom>
-        </p:spPr>
-        <p:txBody>
-          <a:bodyPr wrap="square">
-            <a:spAutoFit/>
-          </a:bodyPr>
-          <a:lstStyle/>
-          <a:p>
-            <a:pPr>
-              <a:spcBef>
-                <a:spcPts val="0"/>
-              </a:spcBef>
-            </a:pPr>
-            <a:r>
-              <a:rPr lang="en-GB" sz="1600" b="1" dirty="0"/>
-              <a:t>x</a:t>
-            </a:r>
-            <a:r>
-              <a:rPr lang="en-GB" sz="1600" dirty="0" smtClean="0"/>
-              <a:t> is our input, or one hot-event</a:t>
-            </a:r>
-          </a:p>
-          <a:p>
-            <a:pPr>
-              <a:spcBef>
-                <a:spcPts val="0"/>
-              </a:spcBef>
-            </a:pPr>
-            <a:r>
-              <a:rPr lang="en-GB" sz="1600" b="1" dirty="0"/>
-              <a:t>h</a:t>
-            </a:r>
-            <a:r>
-              <a:rPr lang="en-GB" sz="1600" dirty="0" smtClean="0"/>
-              <a:t> is our memory cell, a single large matrix passed from step to step</a:t>
-            </a:r>
-          </a:p>
-          <a:p>
-            <a:r>
-              <a:rPr lang="en-GB" sz="1600" b="1" dirty="0">
-                <a:solidFill>
-                  <a:schemeClr val="tx2"/>
-                </a:solidFill>
-              </a:rPr>
-              <a:t>r </a:t>
-            </a:r>
-            <a:r>
-              <a:rPr lang="en-GB" sz="1600" dirty="0">
-                <a:solidFill>
-                  <a:schemeClr val="tx2"/>
-                </a:solidFill>
-              </a:rPr>
-              <a:t>is a </a:t>
-            </a:r>
-            <a:r>
-              <a:rPr lang="en-GB" sz="1600" dirty="0" smtClean="0">
-                <a:solidFill>
-                  <a:schemeClr val="tx2"/>
-                </a:solidFill>
-              </a:rPr>
-              <a:t>forget gate – how much to forget all previous </a:t>
-            </a:r>
-            <a:r>
-              <a:rPr lang="en-GB" sz="1600" b="1" dirty="0" smtClean="0">
-                <a:solidFill>
-                  <a:schemeClr val="tx2"/>
-                </a:solidFill>
-              </a:rPr>
-              <a:t>h</a:t>
-            </a:r>
-            <a:r>
-              <a:rPr lang="en-GB" sz="1600" dirty="0" smtClean="0">
-                <a:solidFill>
-                  <a:schemeClr val="tx2"/>
-                </a:solidFill>
-              </a:rPr>
-              <a:t> updates </a:t>
-            </a:r>
-            <a:endParaRPr lang="en-GB" sz="1600" b="1" dirty="0" smtClean="0">
-              <a:solidFill>
-                <a:schemeClr val="tx2"/>
-              </a:solidFill>
-            </a:endParaRPr>
-          </a:p>
-          <a:p>
-            <a:pPr>
-              <a:spcBef>
-                <a:spcPts val="0"/>
-              </a:spcBef>
-            </a:pPr>
-            <a:r>
-              <a:rPr lang="en-GB" sz="1600" b="1" dirty="0" smtClean="0">
-                <a:solidFill>
-                  <a:schemeClr val="tx2"/>
-                </a:solidFill>
-              </a:rPr>
-              <a:t>Z </a:t>
-            </a:r>
-            <a:r>
-              <a:rPr lang="en-GB" sz="1600" dirty="0">
-                <a:solidFill>
-                  <a:schemeClr val="tx2"/>
-                </a:solidFill>
-              </a:rPr>
-              <a:t>is a </a:t>
-            </a:r>
-            <a:r>
-              <a:rPr lang="en-GB" sz="1600" dirty="0" smtClean="0">
-                <a:solidFill>
-                  <a:schemeClr val="tx2"/>
-                </a:solidFill>
-              </a:rPr>
-              <a:t>forget gate – how much to forget this current </a:t>
-            </a:r>
-            <a:r>
-              <a:rPr lang="en-GB" sz="1600" b="1" dirty="0" smtClean="0">
-                <a:solidFill>
-                  <a:schemeClr val="tx2"/>
-                </a:solidFill>
-              </a:rPr>
-              <a:t>h</a:t>
-            </a:r>
-            <a:r>
-              <a:rPr lang="en-GB" sz="1600" dirty="0" smtClean="0">
-                <a:solidFill>
-                  <a:schemeClr val="tx2"/>
-                </a:solidFill>
-              </a:rPr>
-              <a:t> update</a:t>
-            </a:r>
-            <a:endParaRPr lang="en-GB" sz="1600" dirty="0">
-              <a:solidFill>
-                <a:schemeClr val="tx2"/>
-              </a:solidFill>
-            </a:endParaRPr>
-          </a:p>
-          <a:p>
-            <a:pPr>
-              <a:spcBef>
-                <a:spcPts val="0"/>
-              </a:spcBef>
-            </a:pPr>
-            <a:endParaRPr lang="en-GB" sz="1600" b="1" dirty="0" smtClean="0"/>
-          </a:p>
-          <a:p>
-            <a:pPr>
-              <a:spcBef>
-                <a:spcPts val="0"/>
-              </a:spcBef>
-            </a:pPr>
-            <a:endParaRPr lang="en-GB" sz="1600" dirty="0"/>
-          </a:p>
-        </p:txBody>
-      </p:sp>
-      <p:sp>
-        <p:nvSpPr>
-          <p:cNvPr id="18" name="Rectangle 17"/>
-          <p:cNvSpPr/>
-          <p:nvPr/>
-        </p:nvSpPr>
-        <p:spPr>
-          <a:xfrm>
-            <a:off x="1084495" y="6124275"/>
-            <a:ext cx="1075343" cy="307777"/>
-          </a:xfrm>
-          <a:prstGeom prst="rect">
-            <a:avLst/>
-          </a:prstGeom>
-        </p:spPr>
-        <p:txBody>
-          <a:bodyPr wrap="square">
-            <a:spAutoFit/>
-          </a:bodyPr>
-          <a:lstStyle/>
-          <a:p>
-            <a:r>
-              <a:rPr lang="en-GB" sz="1400" b="1" dirty="0" smtClean="0">
-                <a:solidFill>
-                  <a:schemeClr val="tx2"/>
-                </a:solidFill>
-                <a:latin typeface="Courier" pitchFamily="49" charset="0"/>
-              </a:rPr>
-              <a:t>@Cough</a:t>
-            </a:r>
-            <a:endParaRPr lang="en-US" sz="1400" b="1" dirty="0">
-              <a:solidFill>
-                <a:schemeClr val="tx2"/>
-              </a:solidFill>
-            </a:endParaRPr>
-          </a:p>
-        </p:txBody>
-      </p:sp>
-      <p:sp>
-        <p:nvSpPr>
-          <p:cNvPr id="19" name="Rectangle 18"/>
-          <p:cNvSpPr/>
-          <p:nvPr/>
-        </p:nvSpPr>
-        <p:spPr>
-          <a:xfrm>
-            <a:off x="2677214" y="6152850"/>
-            <a:ext cx="1075343" cy="307777"/>
-          </a:xfrm>
-          <a:prstGeom prst="rect">
-            <a:avLst/>
-          </a:prstGeom>
-        </p:spPr>
-        <p:txBody>
-          <a:bodyPr wrap="square">
-            <a:spAutoFit/>
-          </a:bodyPr>
-          <a:lstStyle/>
-          <a:p>
-            <a:r>
-              <a:rPr lang="en-GB" sz="1400" b="1" dirty="0" smtClean="0">
-                <a:solidFill>
-                  <a:schemeClr val="tx2"/>
-                </a:solidFill>
-                <a:latin typeface="Courier" pitchFamily="49" charset="0"/>
-              </a:rPr>
-              <a:t>@Fever</a:t>
-            </a:r>
-            <a:endParaRPr lang="en-US" sz="1400" b="1" dirty="0">
-              <a:solidFill>
-                <a:schemeClr val="tx2"/>
-              </a:solidFill>
-            </a:endParaRPr>
-          </a:p>
-        </p:txBody>
-      </p:sp>
-      <p:sp>
-        <p:nvSpPr>
-          <p:cNvPr id="20" name="Rectangle 19"/>
-          <p:cNvSpPr/>
-          <p:nvPr/>
-        </p:nvSpPr>
-        <p:spPr>
-          <a:xfrm>
-            <a:off x="4906064" y="6133800"/>
-            <a:ext cx="1580461" cy="307777"/>
-          </a:xfrm>
-          <a:prstGeom prst="rect">
-            <a:avLst/>
-          </a:prstGeom>
-        </p:spPr>
-        <p:txBody>
-          <a:bodyPr wrap="square">
-            <a:spAutoFit/>
-          </a:bodyPr>
-          <a:lstStyle/>
-          <a:p>
-            <a:r>
-              <a:rPr lang="en-GB" sz="1400" b="1" dirty="0" smtClean="0">
-                <a:solidFill>
-                  <a:schemeClr val="tx2"/>
-                </a:solidFill>
-                <a:latin typeface="Courier" pitchFamily="49" charset="0"/>
-              </a:rPr>
-              <a:t>@</a:t>
-            </a:r>
-            <a:r>
-              <a:rPr lang="en-GB" sz="1400" b="1" dirty="0" err="1" smtClean="0">
-                <a:solidFill>
-                  <a:schemeClr val="tx2"/>
-                </a:solidFill>
-                <a:latin typeface="Courier" pitchFamily="49" charset="0"/>
-              </a:rPr>
-              <a:t>Lorezapam</a:t>
-            </a:r>
-            <a:endParaRPr lang="en-US" sz="1400" b="1" dirty="0">
-              <a:solidFill>
-                <a:schemeClr val="tx2"/>
-              </a:solidFill>
-            </a:endParaRPr>
-          </a:p>
-        </p:txBody>
-      </p:sp>
-      <p:sp>
-        <p:nvSpPr>
-          <p:cNvPr id="21" name="Text Placeholder 3"/>
-          <p:cNvSpPr>
-            <a:spLocks noGrp="1"/>
-          </p:cNvSpPr>
-          <p:nvPr>
-            <p:ph type="body" sz="quarter" idx="13"/>
-          </p:nvPr>
-        </p:nvSpPr>
-        <p:spPr>
-          <a:xfrm>
-            <a:off x="457201" y="914400"/>
-            <a:ext cx="8401049" cy="403225"/>
-          </a:xfrm>
-        </p:spPr>
-        <p:txBody>
-          <a:bodyPr/>
-          <a:lstStyle/>
-          <a:p>
-            <a:r>
-              <a:rPr lang="en-GB" dirty="0" smtClean="0"/>
-              <a:t>How does a GRU come together</a:t>
-            </a:r>
-            <a:endParaRPr lang="en-US" dirty="0"/>
-          </a:p>
-        </p:txBody>
-      </p:sp>
-      <p:sp>
-        <p:nvSpPr>
-          <p:cNvPr id="22" name="Rectangle 21"/>
-          <p:cNvSpPr/>
-          <p:nvPr/>
-        </p:nvSpPr>
-        <p:spPr>
-          <a:xfrm>
-            <a:off x="2009775" y="4033106"/>
-            <a:ext cx="590550" cy="591520"/>
-          </a:xfrm>
-          <a:prstGeom prst="rect">
-            <a:avLst/>
-          </a:prstGeom>
-          <a:solidFill>
-            <a:schemeClr val="accent1">
-              <a:alpha val="24000"/>
-            </a:schemeClr>
-          </a:solidFill>
-          <a:ln>
-            <a:noFill/>
-          </a:ln>
-        </p:spPr>
-        <p:style>
-          <a:lnRef idx="2">
-            <a:schemeClr val="accent1">
-              <a:shade val="50000"/>
-            </a:schemeClr>
-          </a:lnRef>
-          <a:fillRef idx="1">
-            <a:schemeClr val="accent1"/>
-          </a:fillRef>
-          <a:effectRef idx="0">
-            <a:schemeClr val="accent1"/>
-          </a:effectRef>
-          <a:fontRef idx="minor">
-            <a:schemeClr val="lt1"/>
-          </a:fontRef>
-        </p:style>
-        <p:txBody>
-          <a:bodyPr rtlCol="0" anchor="ctr"/>
-          <a:lstStyle/>
-          <a:p>
-            <a:pPr algn="ctr"/>
-            <a:endParaRPr lang="en-US"/>
-          </a:p>
-        </p:txBody>
-      </p:sp>
-      <p:sp>
-        <p:nvSpPr>
-          <p:cNvPr id="23" name="Rectangle 22"/>
-          <p:cNvSpPr/>
-          <p:nvPr/>
-        </p:nvSpPr>
-        <p:spPr>
-          <a:xfrm>
-            <a:off x="3591937" y="4023581"/>
-            <a:ext cx="590550" cy="591520"/>
-          </a:xfrm>
-          <a:prstGeom prst="rect">
-            <a:avLst/>
-          </a:prstGeom>
-          <a:solidFill>
-            <a:schemeClr val="accent1">
-              <a:alpha val="24000"/>
-            </a:schemeClr>
-          </a:solidFill>
-          <a:ln>
-            <a:noFill/>
-          </a:ln>
-        </p:spPr>
-        <p:style>
-          <a:lnRef idx="2">
-            <a:schemeClr val="accent1">
-              <a:shade val="50000"/>
-            </a:schemeClr>
-          </a:lnRef>
-          <a:fillRef idx="1">
-            <a:schemeClr val="accent1"/>
-          </a:fillRef>
-          <a:effectRef idx="0">
-            <a:schemeClr val="accent1"/>
-          </a:effectRef>
-          <a:fontRef idx="minor">
-            <a:schemeClr val="lt1"/>
-          </a:fontRef>
-        </p:style>
-        <p:txBody>
-          <a:bodyPr rtlCol="0" anchor="ctr"/>
-          <a:lstStyle/>
-          <a:p>
-            <a:pPr algn="ctr"/>
-            <a:endParaRPr lang="en-US"/>
           </a:p>
         </p:txBody>
       </p:sp>
     </p:spTree>
     <p:extLst>
       <p:ext uri="{BB962C8B-B14F-4D97-AF65-F5344CB8AC3E}">
-        <p14:creationId xmlns:p14="http://schemas.microsoft.com/office/powerpoint/2010/main" val="4285544757"/>
+        <p14:creationId xmlns:p14="http://schemas.microsoft.com/office/powerpoint/2010/main" val="1731992043"/>
       </p:ext>
     </p:extLst>
   </p:cSld>
@@ -31251,6 +30447,1951 @@
         <p:spPr>
           <a:xfrm>
             <a:off x="428626" y="1512575"/>
+            <a:ext cx="6267450" cy="1323439"/>
+          </a:xfrm>
+          <a:prstGeom prst="rect">
+            <a:avLst/>
+          </a:prstGeom>
+        </p:spPr>
+        <p:txBody>
+          <a:bodyPr wrap="square">
+            <a:spAutoFit/>
+          </a:bodyPr>
+          <a:lstStyle/>
+          <a:p>
+            <a:pPr>
+              <a:spcBef>
+                <a:spcPts val="0"/>
+              </a:spcBef>
+            </a:pPr>
+            <a:r>
+              <a:rPr lang="en-GB" sz="1600" b="1" dirty="0">
+                <a:solidFill>
+                  <a:schemeClr val="tx2"/>
+                </a:solidFill>
+              </a:rPr>
+              <a:t>x</a:t>
+            </a:r>
+            <a:r>
+              <a:rPr lang="en-GB" sz="1600" dirty="0" smtClean="0">
+                <a:solidFill>
+                  <a:schemeClr val="tx2"/>
+                </a:solidFill>
+              </a:rPr>
+              <a:t> is our input, or one hot-event</a:t>
+            </a:r>
+          </a:p>
+          <a:p>
+            <a:pPr>
+              <a:spcBef>
+                <a:spcPts val="0"/>
+              </a:spcBef>
+            </a:pPr>
+            <a:r>
+              <a:rPr lang="en-GB" sz="1600" b="1" dirty="0">
+                <a:solidFill>
+                  <a:schemeClr val="tx2"/>
+                </a:solidFill>
+              </a:rPr>
+              <a:t>h</a:t>
+            </a:r>
+            <a:r>
+              <a:rPr lang="en-GB" sz="1600" dirty="0" smtClean="0">
+                <a:solidFill>
+                  <a:schemeClr val="tx2"/>
+                </a:solidFill>
+              </a:rPr>
+              <a:t> is our memory cell, a single large matrix passed from step to step getting updated at each step</a:t>
+            </a:r>
+          </a:p>
+          <a:p>
+            <a:pPr>
+              <a:spcBef>
+                <a:spcPts val="0"/>
+              </a:spcBef>
+            </a:pPr>
+            <a:endParaRPr lang="en-GB" sz="1600" b="1" dirty="0" smtClean="0"/>
+          </a:p>
+          <a:p>
+            <a:pPr>
+              <a:spcBef>
+                <a:spcPts val="0"/>
+              </a:spcBef>
+            </a:pPr>
+            <a:endParaRPr lang="en-GB" sz="1600" dirty="0"/>
+          </a:p>
+        </p:txBody>
+      </p:sp>
+      <p:sp>
+        <p:nvSpPr>
+          <p:cNvPr id="18" name="Rectangle 17"/>
+          <p:cNvSpPr/>
+          <p:nvPr/>
+        </p:nvSpPr>
+        <p:spPr>
+          <a:xfrm>
+            <a:off x="1084495" y="6124275"/>
+            <a:ext cx="1075343" cy="307777"/>
+          </a:xfrm>
+          <a:prstGeom prst="rect">
+            <a:avLst/>
+          </a:prstGeom>
+        </p:spPr>
+        <p:txBody>
+          <a:bodyPr wrap="square">
+            <a:spAutoFit/>
+          </a:bodyPr>
+          <a:lstStyle/>
+          <a:p>
+            <a:r>
+              <a:rPr lang="en-GB" sz="1400" b="1" dirty="0" smtClean="0">
+                <a:solidFill>
+                  <a:schemeClr val="tx2"/>
+                </a:solidFill>
+                <a:latin typeface="Courier" pitchFamily="49" charset="0"/>
+              </a:rPr>
+              <a:t>@Cough</a:t>
+            </a:r>
+            <a:endParaRPr lang="en-US" sz="1400" b="1" dirty="0">
+              <a:solidFill>
+                <a:schemeClr val="tx2"/>
+              </a:solidFill>
+            </a:endParaRPr>
+          </a:p>
+        </p:txBody>
+      </p:sp>
+      <p:sp>
+        <p:nvSpPr>
+          <p:cNvPr id="19" name="Rectangle 18"/>
+          <p:cNvSpPr/>
+          <p:nvPr/>
+        </p:nvSpPr>
+        <p:spPr>
+          <a:xfrm>
+            <a:off x="2677214" y="6152850"/>
+            <a:ext cx="1075343" cy="307777"/>
+          </a:xfrm>
+          <a:prstGeom prst="rect">
+            <a:avLst/>
+          </a:prstGeom>
+        </p:spPr>
+        <p:txBody>
+          <a:bodyPr wrap="square">
+            <a:spAutoFit/>
+          </a:bodyPr>
+          <a:lstStyle/>
+          <a:p>
+            <a:r>
+              <a:rPr lang="en-GB" sz="1400" b="1" dirty="0" smtClean="0">
+                <a:solidFill>
+                  <a:schemeClr val="tx2"/>
+                </a:solidFill>
+                <a:latin typeface="Courier" pitchFamily="49" charset="0"/>
+              </a:rPr>
+              <a:t>@Fever</a:t>
+            </a:r>
+            <a:endParaRPr lang="en-US" sz="1400" b="1" dirty="0">
+              <a:solidFill>
+                <a:schemeClr val="tx2"/>
+              </a:solidFill>
+            </a:endParaRPr>
+          </a:p>
+        </p:txBody>
+      </p:sp>
+      <p:sp>
+        <p:nvSpPr>
+          <p:cNvPr id="20" name="Rectangle 19"/>
+          <p:cNvSpPr/>
+          <p:nvPr/>
+        </p:nvSpPr>
+        <p:spPr>
+          <a:xfrm>
+            <a:off x="4906064" y="6133800"/>
+            <a:ext cx="1580461" cy="307777"/>
+          </a:xfrm>
+          <a:prstGeom prst="rect">
+            <a:avLst/>
+          </a:prstGeom>
+        </p:spPr>
+        <p:txBody>
+          <a:bodyPr wrap="square">
+            <a:spAutoFit/>
+          </a:bodyPr>
+          <a:lstStyle/>
+          <a:p>
+            <a:r>
+              <a:rPr lang="en-GB" sz="1400" b="1" dirty="0" smtClean="0">
+                <a:solidFill>
+                  <a:schemeClr val="tx2"/>
+                </a:solidFill>
+                <a:latin typeface="Courier" pitchFamily="49" charset="0"/>
+              </a:rPr>
+              <a:t>@</a:t>
+            </a:r>
+            <a:r>
+              <a:rPr lang="en-GB" sz="1400" b="1" dirty="0" err="1" smtClean="0">
+                <a:solidFill>
+                  <a:schemeClr val="tx2"/>
+                </a:solidFill>
+                <a:latin typeface="Courier" pitchFamily="49" charset="0"/>
+              </a:rPr>
+              <a:t>Lorezapam</a:t>
+            </a:r>
+            <a:endParaRPr lang="en-US" sz="1400" b="1" dirty="0">
+              <a:solidFill>
+                <a:schemeClr val="tx2"/>
+              </a:solidFill>
+            </a:endParaRPr>
+          </a:p>
+        </p:txBody>
+      </p:sp>
+      <p:sp>
+        <p:nvSpPr>
+          <p:cNvPr id="21" name="Text Placeholder 3"/>
+          <p:cNvSpPr>
+            <a:spLocks noGrp="1"/>
+          </p:cNvSpPr>
+          <p:nvPr>
+            <p:ph type="body" sz="quarter" idx="13"/>
+          </p:nvPr>
+        </p:nvSpPr>
+        <p:spPr>
+          <a:xfrm>
+            <a:off x="457201" y="914400"/>
+            <a:ext cx="8401049" cy="403225"/>
+          </a:xfrm>
+        </p:spPr>
+        <p:txBody>
+          <a:bodyPr/>
+          <a:lstStyle/>
+          <a:p>
+            <a:r>
+              <a:rPr lang="en-GB" dirty="0" smtClean="0"/>
+              <a:t>How does a GRU come together</a:t>
+            </a:r>
+            <a:endParaRPr lang="en-US" dirty="0"/>
+          </a:p>
+        </p:txBody>
+      </p:sp>
+      <p:sp>
+        <p:nvSpPr>
+          <p:cNvPr id="2" name="Rectangle 1"/>
+          <p:cNvSpPr/>
+          <p:nvPr/>
+        </p:nvSpPr>
+        <p:spPr>
+          <a:xfrm>
+            <a:off x="1181100" y="3194906"/>
+            <a:ext cx="590550" cy="591520"/>
+          </a:xfrm>
+          <a:prstGeom prst="rect">
+            <a:avLst/>
+          </a:prstGeom>
+          <a:solidFill>
+            <a:schemeClr val="accent1">
+              <a:alpha val="24000"/>
+            </a:schemeClr>
+          </a:solidFill>
+          <a:ln>
+            <a:noFill/>
+          </a:ln>
+        </p:spPr>
+        <p:style>
+          <a:lnRef idx="2">
+            <a:schemeClr val="accent1">
+              <a:shade val="50000"/>
+            </a:schemeClr>
+          </a:lnRef>
+          <a:fillRef idx="1">
+            <a:schemeClr val="accent1"/>
+          </a:fillRef>
+          <a:effectRef idx="0">
+            <a:schemeClr val="accent1"/>
+          </a:effectRef>
+          <a:fontRef idx="minor">
+            <a:schemeClr val="lt1"/>
+          </a:fontRef>
+        </p:style>
+        <p:txBody>
+          <a:bodyPr rtlCol="0" anchor="ctr"/>
+          <a:lstStyle/>
+          <a:p>
+            <a:pPr algn="ctr"/>
+            <a:endParaRPr lang="en-US"/>
+          </a:p>
+        </p:txBody>
+      </p:sp>
+      <p:sp>
+        <p:nvSpPr>
+          <p:cNvPr id="23" name="Rectangle 22"/>
+          <p:cNvSpPr/>
+          <p:nvPr/>
+        </p:nvSpPr>
+        <p:spPr>
+          <a:xfrm>
+            <a:off x="2828925" y="3194906"/>
+            <a:ext cx="590550" cy="591520"/>
+          </a:xfrm>
+          <a:prstGeom prst="rect">
+            <a:avLst/>
+          </a:prstGeom>
+          <a:solidFill>
+            <a:schemeClr val="accent1">
+              <a:alpha val="24000"/>
+            </a:schemeClr>
+          </a:solidFill>
+          <a:ln>
+            <a:noFill/>
+          </a:ln>
+        </p:spPr>
+        <p:style>
+          <a:lnRef idx="2">
+            <a:schemeClr val="accent1">
+              <a:shade val="50000"/>
+            </a:schemeClr>
+          </a:lnRef>
+          <a:fillRef idx="1">
+            <a:schemeClr val="accent1"/>
+          </a:fillRef>
+          <a:effectRef idx="0">
+            <a:schemeClr val="accent1"/>
+          </a:effectRef>
+          <a:fontRef idx="minor">
+            <a:schemeClr val="lt1"/>
+          </a:fontRef>
+        </p:style>
+        <p:txBody>
+          <a:bodyPr rtlCol="0" anchor="ctr"/>
+          <a:lstStyle/>
+          <a:p>
+            <a:pPr algn="ctr"/>
+            <a:endParaRPr lang="en-US"/>
+          </a:p>
+        </p:txBody>
+      </p:sp>
+      <p:sp>
+        <p:nvSpPr>
+          <p:cNvPr id="24" name="Rectangle 23"/>
+          <p:cNvSpPr/>
+          <p:nvPr/>
+        </p:nvSpPr>
+        <p:spPr>
+          <a:xfrm>
+            <a:off x="5029200" y="3194906"/>
+            <a:ext cx="590550" cy="591520"/>
+          </a:xfrm>
+          <a:prstGeom prst="rect">
+            <a:avLst/>
+          </a:prstGeom>
+          <a:solidFill>
+            <a:schemeClr val="accent1">
+              <a:alpha val="24000"/>
+            </a:schemeClr>
+          </a:solidFill>
+          <a:ln>
+            <a:noFill/>
+          </a:ln>
+        </p:spPr>
+        <p:style>
+          <a:lnRef idx="2">
+            <a:schemeClr val="accent1">
+              <a:shade val="50000"/>
+            </a:schemeClr>
+          </a:lnRef>
+          <a:fillRef idx="1">
+            <a:schemeClr val="accent1"/>
+          </a:fillRef>
+          <a:effectRef idx="0">
+            <a:schemeClr val="accent1"/>
+          </a:effectRef>
+          <a:fontRef idx="minor">
+            <a:schemeClr val="lt1"/>
+          </a:fontRef>
+        </p:style>
+        <p:txBody>
+          <a:bodyPr rtlCol="0" anchor="ctr"/>
+          <a:lstStyle/>
+          <a:p>
+            <a:pPr algn="ctr"/>
+            <a:endParaRPr lang="en-US"/>
+          </a:p>
+        </p:txBody>
+      </p:sp>
+      <p:sp>
+        <p:nvSpPr>
+          <p:cNvPr id="25" name="Rectangle 24"/>
+          <p:cNvSpPr/>
+          <p:nvPr/>
+        </p:nvSpPr>
+        <p:spPr>
+          <a:xfrm>
+            <a:off x="2828925" y="4966556"/>
+            <a:ext cx="590550" cy="591520"/>
+          </a:xfrm>
+          <a:prstGeom prst="rect">
+            <a:avLst/>
+          </a:prstGeom>
+          <a:solidFill>
+            <a:schemeClr val="accent1">
+              <a:alpha val="24000"/>
+            </a:schemeClr>
+          </a:solidFill>
+          <a:ln>
+            <a:noFill/>
+          </a:ln>
+        </p:spPr>
+        <p:style>
+          <a:lnRef idx="2">
+            <a:schemeClr val="accent1">
+              <a:shade val="50000"/>
+            </a:schemeClr>
+          </a:lnRef>
+          <a:fillRef idx="1">
+            <a:schemeClr val="accent1"/>
+          </a:fillRef>
+          <a:effectRef idx="0">
+            <a:schemeClr val="accent1"/>
+          </a:effectRef>
+          <a:fontRef idx="minor">
+            <a:schemeClr val="lt1"/>
+          </a:fontRef>
+        </p:style>
+        <p:txBody>
+          <a:bodyPr rtlCol="0" anchor="ctr"/>
+          <a:lstStyle/>
+          <a:p>
+            <a:pPr algn="ctr"/>
+            <a:endParaRPr lang="en-US"/>
+          </a:p>
+        </p:txBody>
+      </p:sp>
+    </p:spTree>
+    <p:extLst>
+      <p:ext uri="{BB962C8B-B14F-4D97-AF65-F5344CB8AC3E}">
+        <p14:creationId xmlns:p14="http://schemas.microsoft.com/office/powerpoint/2010/main" val="1955641167"/>
+      </p:ext>
+    </p:extLst>
+  </p:cSld>
+  <p:clrMapOvr>
+    <a:masterClrMapping/>
+  </p:clrMapOvr>
+  <p:timing>
+    <p:tnLst>
+      <p:par>
+        <p:cTn id="1" dur="indefinite" restart="never" nodeType="tmRoot"/>
+      </p:par>
+    </p:tnLst>
+  </p:timing>
+</p:sld>
+</file>
+
+<file path=ppt/slides/slide31.xml><?xml version="1.0" encoding="utf-8"?>
+<p:sld xmlns:a="http://schemas.openxmlformats.org/drawingml/2006/main" xmlns:r="http://schemas.openxmlformats.org/officeDocument/2006/relationships" xmlns:p="http://schemas.openxmlformats.org/presentationml/2006/main">
+  <p:cSld>
+    <p:spTree>
+      <p:nvGrpSpPr>
+        <p:cNvPr id="1" name=""/>
+        <p:cNvGrpSpPr/>
+        <p:nvPr/>
+      </p:nvGrpSpPr>
+      <p:grpSpPr>
+        <a:xfrm>
+          <a:off x="0" y="0"/>
+          <a:ext cx="0" cy="0"/>
+          <a:chOff x="0" y="0"/>
+          <a:chExt cx="0" cy="0"/>
+        </a:xfrm>
+      </p:grpSpPr>
+      <p:pic>
+        <p:nvPicPr>
+          <p:cNvPr id="7" name="Picture 6"/>
+          <p:cNvPicPr>
+            <a:picLocks noChangeAspect="1"/>
+          </p:cNvPicPr>
+          <p:nvPr/>
+        </p:nvPicPr>
+        <p:blipFill rotWithShape="1">
+          <a:blip r:embed="rId2" cstate="hqprint">
+            <a:extLst>
+              <a:ext uri="{28A0092B-C50C-407E-A947-70E740481C1C}">
+                <a14:useLocalDpi xmlns:a14="http://schemas.microsoft.com/office/drawing/2010/main"/>
+              </a:ext>
+            </a:extLst>
+          </a:blip>
+          <a:srcRect/>
+          <a:stretch/>
+        </p:blipFill>
+        <p:spPr>
+          <a:xfrm>
+            <a:off x="762503" y="2832944"/>
+            <a:ext cx="6782819" cy="3277431"/>
+          </a:xfrm>
+          <a:prstGeom prst="rect">
+            <a:avLst/>
+          </a:prstGeom>
+        </p:spPr>
+      </p:pic>
+      <p:sp>
+        <p:nvSpPr>
+          <p:cNvPr id="5" name="Title 4"/>
+          <p:cNvSpPr>
+            <a:spLocks noGrp="1"/>
+          </p:cNvSpPr>
+          <p:nvPr>
+            <p:ph type="title"/>
+          </p:nvPr>
+        </p:nvSpPr>
+        <p:spPr/>
+        <p:txBody>
+          <a:bodyPr/>
+          <a:lstStyle/>
+          <a:p>
+            <a:r>
+              <a:rPr lang="en-GB" dirty="0" smtClean="0"/>
+              <a:t>GRU, Gated Recurrent Unit</a:t>
+            </a:r>
+            <a:endParaRPr lang="en-US" dirty="0"/>
+          </a:p>
+        </p:txBody>
+      </p:sp>
+      <p:grpSp>
+        <p:nvGrpSpPr>
+          <p:cNvPr id="6" name="Group 5"/>
+          <p:cNvGrpSpPr/>
+          <p:nvPr/>
+        </p:nvGrpSpPr>
+        <p:grpSpPr>
+          <a:xfrm>
+            <a:off x="7000875" y="1688625"/>
+            <a:ext cx="1637685" cy="2256386"/>
+            <a:chOff x="2407333" y="3420282"/>
+            <a:chExt cx="2041716" cy="2732776"/>
+          </a:xfrm>
+        </p:grpSpPr>
+        <p:sp>
+          <p:nvSpPr>
+            <p:cNvPr id="71" name="Rectangle 70"/>
+            <p:cNvSpPr/>
+            <p:nvPr/>
+          </p:nvSpPr>
+          <p:spPr>
+            <a:xfrm>
+              <a:off x="2609850" y="3506926"/>
+              <a:ext cx="476250" cy="1446073"/>
+            </a:xfrm>
+            <a:prstGeom prst="rect">
+              <a:avLst/>
+            </a:prstGeom>
+            <a:ln>
+              <a:noFill/>
+            </a:ln>
+          </p:spPr>
+          <p:style>
+            <a:lnRef idx="2">
+              <a:schemeClr val="accent1">
+                <a:shade val="50000"/>
+              </a:schemeClr>
+            </a:lnRef>
+            <a:fillRef idx="1">
+              <a:schemeClr val="accent1"/>
+            </a:fillRef>
+            <a:effectRef idx="0">
+              <a:schemeClr val="accent1"/>
+            </a:effectRef>
+            <a:fontRef idx="minor">
+              <a:schemeClr val="lt1"/>
+            </a:fontRef>
+          </p:style>
+          <p:txBody>
+            <a:bodyPr rtlCol="0" anchor="ctr"/>
+            <a:lstStyle/>
+            <a:p>
+              <a:pPr algn="ctr"/>
+              <a:endParaRPr lang="en-US"/>
+            </a:p>
+          </p:txBody>
+        </p:sp>
+        <p:sp>
+          <p:nvSpPr>
+            <p:cNvPr id="72" name="Right Arrow 71"/>
+            <p:cNvSpPr/>
+            <p:nvPr/>
+          </p:nvSpPr>
+          <p:spPr>
+            <a:xfrm>
+              <a:off x="3208965" y="3858487"/>
+              <a:ext cx="334335" cy="649538"/>
+            </a:xfrm>
+            <a:prstGeom prst="rightArrow">
+              <a:avLst/>
+            </a:prstGeom>
+            <a:solidFill>
+              <a:schemeClr val="bg1">
+                <a:lumMod val="75000"/>
+              </a:schemeClr>
+            </a:solidFill>
+            <a:ln>
+              <a:noFill/>
+            </a:ln>
+          </p:spPr>
+          <p:style>
+            <a:lnRef idx="2">
+              <a:schemeClr val="accent1">
+                <a:shade val="50000"/>
+              </a:schemeClr>
+            </a:lnRef>
+            <a:fillRef idx="1">
+              <a:schemeClr val="accent1"/>
+            </a:fillRef>
+            <a:effectRef idx="0">
+              <a:schemeClr val="accent1"/>
+            </a:effectRef>
+            <a:fontRef idx="minor">
+              <a:schemeClr val="lt1"/>
+            </a:fontRef>
+          </p:style>
+          <p:txBody>
+            <a:bodyPr rtlCol="0" anchor="ctr"/>
+            <a:lstStyle/>
+            <a:p>
+              <a:pPr algn="ctr"/>
+              <a:endParaRPr lang="en-US"/>
+            </a:p>
+          </p:txBody>
+        </p:sp>
+        <p:sp>
+          <p:nvSpPr>
+            <p:cNvPr id="73" name="Rectangle 72"/>
+            <p:cNvSpPr/>
+            <p:nvPr/>
+          </p:nvSpPr>
+          <p:spPr>
+            <a:xfrm>
+              <a:off x="3829050" y="3516451"/>
+              <a:ext cx="476250" cy="1446073"/>
+            </a:xfrm>
+            <a:prstGeom prst="rect">
+              <a:avLst/>
+            </a:prstGeom>
+            <a:ln>
+              <a:noFill/>
+            </a:ln>
+          </p:spPr>
+          <p:style>
+            <a:lnRef idx="2">
+              <a:schemeClr val="accent1">
+                <a:shade val="50000"/>
+              </a:schemeClr>
+            </a:lnRef>
+            <a:fillRef idx="1">
+              <a:schemeClr val="accent1"/>
+            </a:fillRef>
+            <a:effectRef idx="0">
+              <a:schemeClr val="accent1"/>
+            </a:effectRef>
+            <a:fontRef idx="minor">
+              <a:schemeClr val="lt1"/>
+            </a:fontRef>
+          </p:style>
+          <p:txBody>
+            <a:bodyPr rtlCol="0" anchor="ctr"/>
+            <a:lstStyle/>
+            <a:p>
+              <a:pPr algn="ctr"/>
+              <a:endParaRPr lang="en-US"/>
+            </a:p>
+          </p:txBody>
+        </p:sp>
+        <p:sp>
+          <p:nvSpPr>
+            <p:cNvPr id="74" name="Rectangle 73"/>
+            <p:cNvSpPr/>
+            <p:nvPr/>
+          </p:nvSpPr>
+          <p:spPr>
+            <a:xfrm>
+              <a:off x="3521125" y="5793251"/>
+              <a:ext cx="925695" cy="335482"/>
+            </a:xfrm>
+            <a:prstGeom prst="rect">
+              <a:avLst/>
+            </a:prstGeom>
+          </p:spPr>
+          <p:txBody>
+            <a:bodyPr wrap="none">
+              <a:spAutoFit/>
+            </a:bodyPr>
+            <a:lstStyle/>
+            <a:p>
+              <a:r>
+                <a:rPr lang="en-GB" sz="1200" dirty="0" smtClean="0">
+                  <a:latin typeface="Courier" pitchFamily="49" charset="0"/>
+                </a:rPr>
+                <a:t>Step 3</a:t>
+              </a:r>
+              <a:endParaRPr lang="en-US" sz="1200" dirty="0"/>
+            </a:p>
+          </p:txBody>
+        </p:sp>
+        <p:sp>
+          <p:nvSpPr>
+            <p:cNvPr id="75" name="Rectangle 74"/>
+            <p:cNvSpPr/>
+            <p:nvPr/>
+          </p:nvSpPr>
+          <p:spPr>
+            <a:xfrm>
+              <a:off x="3640384" y="5244584"/>
+              <a:ext cx="631919" cy="372758"/>
+            </a:xfrm>
+            <a:prstGeom prst="rect">
+              <a:avLst/>
+            </a:prstGeom>
+          </p:spPr>
+          <p:txBody>
+            <a:bodyPr wrap="none">
+              <a:spAutoFit/>
+            </a:bodyPr>
+            <a:lstStyle/>
+            <a:p>
+              <a:r>
+                <a:rPr lang="en-GB" sz="1400" dirty="0" smtClean="0">
+                  <a:latin typeface="Courier" pitchFamily="49" charset="0"/>
+                </a:rPr>
+                <a:t>[6]</a:t>
+              </a:r>
+              <a:endParaRPr lang="en-US" sz="1400" dirty="0"/>
+            </a:p>
+          </p:txBody>
+        </p:sp>
+        <p:cxnSp>
+          <p:nvCxnSpPr>
+            <p:cNvPr id="76" name="Straight Arrow Connector 75"/>
+            <p:cNvCxnSpPr/>
+            <p:nvPr/>
+          </p:nvCxnSpPr>
+          <p:spPr>
+            <a:xfrm flipV="1">
+              <a:off x="4162425" y="5095876"/>
+              <a:ext cx="0" cy="518040"/>
+            </a:xfrm>
+            <a:prstGeom prst="straightConnector1">
+              <a:avLst/>
+            </a:prstGeom>
+            <a:ln>
+              <a:solidFill>
+                <a:schemeClr val="accent4"/>
+              </a:solidFill>
+              <a:tailEnd type="arrow"/>
+            </a:ln>
+          </p:spPr>
+          <p:style>
+            <a:lnRef idx="1">
+              <a:schemeClr val="accent1"/>
+            </a:lnRef>
+            <a:fillRef idx="0">
+              <a:schemeClr val="accent1"/>
+            </a:fillRef>
+            <a:effectRef idx="0">
+              <a:schemeClr val="accent1"/>
+            </a:effectRef>
+            <a:fontRef idx="minor">
+              <a:schemeClr val="tx1"/>
+            </a:fontRef>
+          </p:style>
+        </p:cxnSp>
+        <p:cxnSp>
+          <p:nvCxnSpPr>
+            <p:cNvPr id="77" name="Straight Connector 76"/>
+            <p:cNvCxnSpPr/>
+            <p:nvPr/>
+          </p:nvCxnSpPr>
+          <p:spPr>
+            <a:xfrm>
+              <a:off x="2421184" y="3420282"/>
+              <a:ext cx="2006981" cy="0"/>
+            </a:xfrm>
+            <a:prstGeom prst="line">
+              <a:avLst/>
+            </a:prstGeom>
+            <a:ln w="19050">
+              <a:solidFill>
+                <a:schemeClr val="tx2"/>
+              </a:solidFill>
+              <a:prstDash val="dash"/>
+            </a:ln>
+          </p:spPr>
+          <p:style>
+            <a:lnRef idx="1">
+              <a:schemeClr val="accent1"/>
+            </a:lnRef>
+            <a:fillRef idx="0">
+              <a:schemeClr val="accent1"/>
+            </a:fillRef>
+            <a:effectRef idx="0">
+              <a:schemeClr val="accent1"/>
+            </a:effectRef>
+            <a:fontRef idx="minor">
+              <a:schemeClr val="tx1"/>
+            </a:fontRef>
+          </p:style>
+        </p:cxnSp>
+        <p:cxnSp>
+          <p:nvCxnSpPr>
+            <p:cNvPr id="78" name="Straight Connector 77"/>
+            <p:cNvCxnSpPr/>
+            <p:nvPr/>
+          </p:nvCxnSpPr>
+          <p:spPr>
+            <a:xfrm>
+              <a:off x="3521124" y="6143533"/>
+              <a:ext cx="927925" cy="0"/>
+            </a:xfrm>
+            <a:prstGeom prst="line">
+              <a:avLst/>
+            </a:prstGeom>
+            <a:ln w="19050">
+              <a:solidFill>
+                <a:schemeClr val="tx2"/>
+              </a:solidFill>
+              <a:prstDash val="dash"/>
+            </a:ln>
+          </p:spPr>
+          <p:style>
+            <a:lnRef idx="1">
+              <a:schemeClr val="accent1"/>
+            </a:lnRef>
+            <a:fillRef idx="0">
+              <a:schemeClr val="accent1"/>
+            </a:fillRef>
+            <a:effectRef idx="0">
+              <a:schemeClr val="accent1"/>
+            </a:effectRef>
+            <a:fontRef idx="minor">
+              <a:schemeClr val="tx1"/>
+            </a:fontRef>
+          </p:style>
+        </p:cxnSp>
+        <p:cxnSp>
+          <p:nvCxnSpPr>
+            <p:cNvPr id="79" name="Straight Connector 78"/>
+            <p:cNvCxnSpPr/>
+            <p:nvPr/>
+          </p:nvCxnSpPr>
+          <p:spPr>
+            <a:xfrm flipV="1">
+              <a:off x="3543300" y="5095876"/>
+              <a:ext cx="0" cy="1047657"/>
+            </a:xfrm>
+            <a:prstGeom prst="line">
+              <a:avLst/>
+            </a:prstGeom>
+            <a:ln w="19050">
+              <a:solidFill>
+                <a:schemeClr val="tx2"/>
+              </a:solidFill>
+              <a:prstDash val="dash"/>
+            </a:ln>
+          </p:spPr>
+          <p:style>
+            <a:lnRef idx="1">
+              <a:schemeClr val="accent1"/>
+            </a:lnRef>
+            <a:fillRef idx="0">
+              <a:schemeClr val="accent1"/>
+            </a:fillRef>
+            <a:effectRef idx="0">
+              <a:schemeClr val="accent1"/>
+            </a:effectRef>
+            <a:fontRef idx="minor">
+              <a:schemeClr val="tx1"/>
+            </a:fontRef>
+          </p:style>
+        </p:cxnSp>
+        <p:cxnSp>
+          <p:nvCxnSpPr>
+            <p:cNvPr id="80" name="Straight Connector 79"/>
+            <p:cNvCxnSpPr/>
+            <p:nvPr/>
+          </p:nvCxnSpPr>
+          <p:spPr>
+            <a:xfrm>
+              <a:off x="2421184" y="3506926"/>
+              <a:ext cx="0" cy="1579425"/>
+            </a:xfrm>
+            <a:prstGeom prst="line">
+              <a:avLst/>
+            </a:prstGeom>
+            <a:ln w="19050">
+              <a:solidFill>
+                <a:schemeClr val="tx2"/>
+              </a:solidFill>
+              <a:prstDash val="dash"/>
+            </a:ln>
+          </p:spPr>
+          <p:style>
+            <a:lnRef idx="1">
+              <a:schemeClr val="accent1"/>
+            </a:lnRef>
+            <a:fillRef idx="0">
+              <a:schemeClr val="accent1"/>
+            </a:fillRef>
+            <a:effectRef idx="0">
+              <a:schemeClr val="accent1"/>
+            </a:effectRef>
+            <a:fontRef idx="minor">
+              <a:schemeClr val="tx1"/>
+            </a:fontRef>
+          </p:style>
+        </p:cxnSp>
+        <p:cxnSp>
+          <p:nvCxnSpPr>
+            <p:cNvPr id="81" name="Straight Connector 80"/>
+            <p:cNvCxnSpPr/>
+            <p:nvPr/>
+          </p:nvCxnSpPr>
+          <p:spPr>
+            <a:xfrm>
+              <a:off x="4449049" y="3449774"/>
+              <a:ext cx="0" cy="2703284"/>
+            </a:xfrm>
+            <a:prstGeom prst="line">
+              <a:avLst/>
+            </a:prstGeom>
+            <a:ln w="19050">
+              <a:solidFill>
+                <a:schemeClr val="tx2"/>
+              </a:solidFill>
+              <a:prstDash val="dash"/>
+            </a:ln>
+          </p:spPr>
+          <p:style>
+            <a:lnRef idx="1">
+              <a:schemeClr val="accent1"/>
+            </a:lnRef>
+            <a:fillRef idx="0">
+              <a:schemeClr val="accent1"/>
+            </a:fillRef>
+            <a:effectRef idx="0">
+              <a:schemeClr val="accent1"/>
+            </a:effectRef>
+            <a:fontRef idx="minor">
+              <a:schemeClr val="tx1"/>
+            </a:fontRef>
+          </p:style>
+        </p:cxnSp>
+        <p:cxnSp>
+          <p:nvCxnSpPr>
+            <p:cNvPr id="82" name="Straight Connector 81"/>
+            <p:cNvCxnSpPr/>
+            <p:nvPr/>
+          </p:nvCxnSpPr>
+          <p:spPr>
+            <a:xfrm flipV="1">
+              <a:off x="2407333" y="5086351"/>
+              <a:ext cx="1113792" cy="9525"/>
+            </a:xfrm>
+            <a:prstGeom prst="line">
+              <a:avLst/>
+            </a:prstGeom>
+            <a:ln w="19050">
+              <a:solidFill>
+                <a:schemeClr val="tx2"/>
+              </a:solidFill>
+              <a:prstDash val="dash"/>
+            </a:ln>
+          </p:spPr>
+          <p:style>
+            <a:lnRef idx="1">
+              <a:schemeClr val="accent1"/>
+            </a:lnRef>
+            <a:fillRef idx="0">
+              <a:schemeClr val="accent1"/>
+            </a:fillRef>
+            <a:effectRef idx="0">
+              <a:schemeClr val="accent1"/>
+            </a:effectRef>
+            <a:fontRef idx="minor">
+              <a:schemeClr val="tx1"/>
+            </a:fontRef>
+          </p:style>
+        </p:cxnSp>
+      </p:grpSp>
+      <p:sp>
+        <p:nvSpPr>
+          <p:cNvPr id="8" name="Rectangle 7"/>
+          <p:cNvSpPr/>
+          <p:nvPr/>
+        </p:nvSpPr>
+        <p:spPr>
+          <a:xfrm>
+            <a:off x="428626" y="1512575"/>
+            <a:ext cx="6267450" cy="1569660"/>
+          </a:xfrm>
+          <a:prstGeom prst="rect">
+            <a:avLst/>
+          </a:prstGeom>
+        </p:spPr>
+        <p:txBody>
+          <a:bodyPr wrap="square">
+            <a:spAutoFit/>
+          </a:bodyPr>
+          <a:lstStyle/>
+          <a:p>
+            <a:pPr>
+              <a:spcBef>
+                <a:spcPts val="0"/>
+              </a:spcBef>
+            </a:pPr>
+            <a:r>
+              <a:rPr lang="en-GB" sz="1600" b="1" dirty="0"/>
+              <a:t>x</a:t>
+            </a:r>
+            <a:r>
+              <a:rPr lang="en-GB" sz="1600" dirty="0" smtClean="0"/>
+              <a:t> is our input, or one hot-event</a:t>
+            </a:r>
+          </a:p>
+          <a:p>
+            <a:pPr>
+              <a:spcBef>
+                <a:spcPts val="0"/>
+              </a:spcBef>
+            </a:pPr>
+            <a:r>
+              <a:rPr lang="en-GB" sz="1600" b="1" dirty="0"/>
+              <a:t>h</a:t>
+            </a:r>
+            <a:r>
+              <a:rPr lang="en-GB" sz="1600" dirty="0" smtClean="0"/>
+              <a:t> is our memory cell, a single large matrix passed from step to step</a:t>
+            </a:r>
+          </a:p>
+          <a:p>
+            <a:r>
+              <a:rPr lang="en-GB" sz="1600" b="1" dirty="0">
+                <a:solidFill>
+                  <a:schemeClr val="tx2"/>
+                </a:solidFill>
+              </a:rPr>
+              <a:t>r </a:t>
+            </a:r>
+            <a:r>
+              <a:rPr lang="en-GB" sz="1600" dirty="0">
+                <a:solidFill>
+                  <a:schemeClr val="tx2"/>
+                </a:solidFill>
+              </a:rPr>
+              <a:t>is a </a:t>
+            </a:r>
+            <a:r>
+              <a:rPr lang="en-GB" sz="1600" dirty="0" smtClean="0">
+                <a:solidFill>
+                  <a:schemeClr val="tx2"/>
+                </a:solidFill>
+              </a:rPr>
+              <a:t>forget gate – how much to forget all previous </a:t>
+            </a:r>
+            <a:r>
+              <a:rPr lang="en-GB" sz="1600" b="1" dirty="0" smtClean="0">
+                <a:solidFill>
+                  <a:schemeClr val="tx2"/>
+                </a:solidFill>
+              </a:rPr>
+              <a:t>h</a:t>
+            </a:r>
+            <a:r>
+              <a:rPr lang="en-GB" sz="1600" dirty="0" smtClean="0">
+                <a:solidFill>
+                  <a:schemeClr val="tx2"/>
+                </a:solidFill>
+              </a:rPr>
+              <a:t> updates </a:t>
+            </a:r>
+            <a:endParaRPr lang="en-GB" sz="1600" b="1" dirty="0" smtClean="0">
+              <a:solidFill>
+                <a:schemeClr val="tx2"/>
+              </a:solidFill>
+            </a:endParaRPr>
+          </a:p>
+          <a:p>
+            <a:pPr>
+              <a:spcBef>
+                <a:spcPts val="0"/>
+              </a:spcBef>
+            </a:pPr>
+            <a:r>
+              <a:rPr lang="en-GB" sz="1600" b="1" dirty="0" smtClean="0">
+                <a:solidFill>
+                  <a:schemeClr val="tx2"/>
+                </a:solidFill>
+              </a:rPr>
+              <a:t>Z </a:t>
+            </a:r>
+            <a:r>
+              <a:rPr lang="en-GB" sz="1600" dirty="0">
+                <a:solidFill>
+                  <a:schemeClr val="tx2"/>
+                </a:solidFill>
+              </a:rPr>
+              <a:t>is a </a:t>
+            </a:r>
+            <a:r>
+              <a:rPr lang="en-GB" sz="1600" dirty="0" smtClean="0">
+                <a:solidFill>
+                  <a:schemeClr val="tx2"/>
+                </a:solidFill>
+              </a:rPr>
+              <a:t>forget gate – how much to forget this current </a:t>
+            </a:r>
+            <a:r>
+              <a:rPr lang="en-GB" sz="1600" b="1" dirty="0" smtClean="0">
+                <a:solidFill>
+                  <a:schemeClr val="tx2"/>
+                </a:solidFill>
+              </a:rPr>
+              <a:t>h</a:t>
+            </a:r>
+            <a:r>
+              <a:rPr lang="en-GB" sz="1600" dirty="0" smtClean="0">
+                <a:solidFill>
+                  <a:schemeClr val="tx2"/>
+                </a:solidFill>
+              </a:rPr>
+              <a:t> update</a:t>
+            </a:r>
+            <a:endParaRPr lang="en-GB" sz="1600" dirty="0">
+              <a:solidFill>
+                <a:schemeClr val="tx2"/>
+              </a:solidFill>
+            </a:endParaRPr>
+          </a:p>
+          <a:p>
+            <a:pPr>
+              <a:spcBef>
+                <a:spcPts val="0"/>
+              </a:spcBef>
+            </a:pPr>
+            <a:endParaRPr lang="en-GB" sz="1600" b="1" dirty="0" smtClean="0"/>
+          </a:p>
+          <a:p>
+            <a:pPr>
+              <a:spcBef>
+                <a:spcPts val="0"/>
+              </a:spcBef>
+            </a:pPr>
+            <a:endParaRPr lang="en-GB" sz="1600" dirty="0"/>
+          </a:p>
+        </p:txBody>
+      </p:sp>
+      <p:sp>
+        <p:nvSpPr>
+          <p:cNvPr id="18" name="Rectangle 17"/>
+          <p:cNvSpPr/>
+          <p:nvPr/>
+        </p:nvSpPr>
+        <p:spPr>
+          <a:xfrm>
+            <a:off x="1084495" y="6124275"/>
+            <a:ext cx="1075343" cy="307777"/>
+          </a:xfrm>
+          <a:prstGeom prst="rect">
+            <a:avLst/>
+          </a:prstGeom>
+        </p:spPr>
+        <p:txBody>
+          <a:bodyPr wrap="square">
+            <a:spAutoFit/>
+          </a:bodyPr>
+          <a:lstStyle/>
+          <a:p>
+            <a:r>
+              <a:rPr lang="en-GB" sz="1400" b="1" dirty="0" smtClean="0">
+                <a:solidFill>
+                  <a:schemeClr val="tx2"/>
+                </a:solidFill>
+                <a:latin typeface="Courier" pitchFamily="49" charset="0"/>
+              </a:rPr>
+              <a:t>@Cough</a:t>
+            </a:r>
+            <a:endParaRPr lang="en-US" sz="1400" b="1" dirty="0">
+              <a:solidFill>
+                <a:schemeClr val="tx2"/>
+              </a:solidFill>
+            </a:endParaRPr>
+          </a:p>
+        </p:txBody>
+      </p:sp>
+      <p:sp>
+        <p:nvSpPr>
+          <p:cNvPr id="19" name="Rectangle 18"/>
+          <p:cNvSpPr/>
+          <p:nvPr/>
+        </p:nvSpPr>
+        <p:spPr>
+          <a:xfrm>
+            <a:off x="2677214" y="6152850"/>
+            <a:ext cx="1075343" cy="307777"/>
+          </a:xfrm>
+          <a:prstGeom prst="rect">
+            <a:avLst/>
+          </a:prstGeom>
+        </p:spPr>
+        <p:txBody>
+          <a:bodyPr wrap="square">
+            <a:spAutoFit/>
+          </a:bodyPr>
+          <a:lstStyle/>
+          <a:p>
+            <a:r>
+              <a:rPr lang="en-GB" sz="1400" b="1" dirty="0" smtClean="0">
+                <a:solidFill>
+                  <a:schemeClr val="tx2"/>
+                </a:solidFill>
+                <a:latin typeface="Courier" pitchFamily="49" charset="0"/>
+              </a:rPr>
+              <a:t>@Fever</a:t>
+            </a:r>
+            <a:endParaRPr lang="en-US" sz="1400" b="1" dirty="0">
+              <a:solidFill>
+                <a:schemeClr val="tx2"/>
+              </a:solidFill>
+            </a:endParaRPr>
+          </a:p>
+        </p:txBody>
+      </p:sp>
+      <p:sp>
+        <p:nvSpPr>
+          <p:cNvPr id="20" name="Rectangle 19"/>
+          <p:cNvSpPr/>
+          <p:nvPr/>
+        </p:nvSpPr>
+        <p:spPr>
+          <a:xfrm>
+            <a:off x="4906064" y="6133800"/>
+            <a:ext cx="1580461" cy="307777"/>
+          </a:xfrm>
+          <a:prstGeom prst="rect">
+            <a:avLst/>
+          </a:prstGeom>
+        </p:spPr>
+        <p:txBody>
+          <a:bodyPr wrap="square">
+            <a:spAutoFit/>
+          </a:bodyPr>
+          <a:lstStyle/>
+          <a:p>
+            <a:r>
+              <a:rPr lang="en-GB" sz="1400" b="1" dirty="0" smtClean="0">
+                <a:solidFill>
+                  <a:schemeClr val="tx2"/>
+                </a:solidFill>
+                <a:latin typeface="Courier" pitchFamily="49" charset="0"/>
+              </a:rPr>
+              <a:t>@</a:t>
+            </a:r>
+            <a:r>
+              <a:rPr lang="en-GB" sz="1400" b="1" dirty="0" err="1" smtClean="0">
+                <a:solidFill>
+                  <a:schemeClr val="tx2"/>
+                </a:solidFill>
+                <a:latin typeface="Courier" pitchFamily="49" charset="0"/>
+              </a:rPr>
+              <a:t>Lorezapam</a:t>
+            </a:r>
+            <a:endParaRPr lang="en-US" sz="1400" b="1" dirty="0">
+              <a:solidFill>
+                <a:schemeClr val="tx2"/>
+              </a:solidFill>
+            </a:endParaRPr>
+          </a:p>
+        </p:txBody>
+      </p:sp>
+      <p:sp>
+        <p:nvSpPr>
+          <p:cNvPr id="21" name="Text Placeholder 3"/>
+          <p:cNvSpPr>
+            <a:spLocks noGrp="1"/>
+          </p:cNvSpPr>
+          <p:nvPr>
+            <p:ph type="body" sz="quarter" idx="13"/>
+          </p:nvPr>
+        </p:nvSpPr>
+        <p:spPr>
+          <a:xfrm>
+            <a:off x="457201" y="914400"/>
+            <a:ext cx="8401049" cy="403225"/>
+          </a:xfrm>
+        </p:spPr>
+        <p:txBody>
+          <a:bodyPr/>
+          <a:lstStyle/>
+          <a:p>
+            <a:r>
+              <a:rPr lang="en-GB" dirty="0" smtClean="0"/>
+              <a:t>How does a GRU come together</a:t>
+            </a:r>
+            <a:endParaRPr lang="en-US" dirty="0"/>
+          </a:p>
+        </p:txBody>
+      </p:sp>
+      <p:sp>
+        <p:nvSpPr>
+          <p:cNvPr id="22" name="Rectangle 21"/>
+          <p:cNvSpPr/>
+          <p:nvPr/>
+        </p:nvSpPr>
+        <p:spPr>
+          <a:xfrm>
+            <a:off x="2009775" y="4033106"/>
+            <a:ext cx="590550" cy="591520"/>
+          </a:xfrm>
+          <a:prstGeom prst="rect">
+            <a:avLst/>
+          </a:prstGeom>
+          <a:solidFill>
+            <a:schemeClr val="accent1">
+              <a:alpha val="24000"/>
+            </a:schemeClr>
+          </a:solidFill>
+          <a:ln>
+            <a:noFill/>
+          </a:ln>
+        </p:spPr>
+        <p:style>
+          <a:lnRef idx="2">
+            <a:schemeClr val="accent1">
+              <a:shade val="50000"/>
+            </a:schemeClr>
+          </a:lnRef>
+          <a:fillRef idx="1">
+            <a:schemeClr val="accent1"/>
+          </a:fillRef>
+          <a:effectRef idx="0">
+            <a:schemeClr val="accent1"/>
+          </a:effectRef>
+          <a:fontRef idx="minor">
+            <a:schemeClr val="lt1"/>
+          </a:fontRef>
+        </p:style>
+        <p:txBody>
+          <a:bodyPr rtlCol="0" anchor="ctr"/>
+          <a:lstStyle/>
+          <a:p>
+            <a:pPr algn="ctr"/>
+            <a:endParaRPr lang="en-US"/>
+          </a:p>
+        </p:txBody>
+      </p:sp>
+      <p:sp>
+        <p:nvSpPr>
+          <p:cNvPr id="23" name="Rectangle 22"/>
+          <p:cNvSpPr/>
+          <p:nvPr/>
+        </p:nvSpPr>
+        <p:spPr>
+          <a:xfrm>
+            <a:off x="3591937" y="4023581"/>
+            <a:ext cx="590550" cy="591520"/>
+          </a:xfrm>
+          <a:prstGeom prst="rect">
+            <a:avLst/>
+          </a:prstGeom>
+          <a:solidFill>
+            <a:schemeClr val="accent1">
+              <a:alpha val="24000"/>
+            </a:schemeClr>
+          </a:solidFill>
+          <a:ln>
+            <a:noFill/>
+          </a:ln>
+        </p:spPr>
+        <p:style>
+          <a:lnRef idx="2">
+            <a:schemeClr val="accent1">
+              <a:shade val="50000"/>
+            </a:schemeClr>
+          </a:lnRef>
+          <a:fillRef idx="1">
+            <a:schemeClr val="accent1"/>
+          </a:fillRef>
+          <a:effectRef idx="0">
+            <a:schemeClr val="accent1"/>
+          </a:effectRef>
+          <a:fontRef idx="minor">
+            <a:schemeClr val="lt1"/>
+          </a:fontRef>
+        </p:style>
+        <p:txBody>
+          <a:bodyPr rtlCol="0" anchor="ctr"/>
+          <a:lstStyle/>
+          <a:p>
+            <a:pPr algn="ctr"/>
+            <a:endParaRPr lang="en-US"/>
+          </a:p>
+        </p:txBody>
+      </p:sp>
+    </p:spTree>
+    <p:extLst>
+      <p:ext uri="{BB962C8B-B14F-4D97-AF65-F5344CB8AC3E}">
+        <p14:creationId xmlns:p14="http://schemas.microsoft.com/office/powerpoint/2010/main" val="4285544757"/>
+      </p:ext>
+    </p:extLst>
+  </p:cSld>
+  <p:clrMapOvr>
+    <a:masterClrMapping/>
+  </p:clrMapOvr>
+  <p:timing>
+    <p:tnLst>
+      <p:par>
+        <p:cTn id="1" dur="indefinite" restart="never" nodeType="tmRoot"/>
+      </p:par>
+    </p:tnLst>
+  </p:timing>
+</p:sld>
+</file>
+
+<file path=ppt/slides/slide32.xml><?xml version="1.0" encoding="utf-8"?>
+<p:sld xmlns:a="http://schemas.openxmlformats.org/drawingml/2006/main" xmlns:r="http://schemas.openxmlformats.org/officeDocument/2006/relationships" xmlns:p="http://schemas.openxmlformats.org/presentationml/2006/main">
+  <p:cSld>
+    <p:spTree>
+      <p:nvGrpSpPr>
+        <p:cNvPr id="1" name=""/>
+        <p:cNvGrpSpPr/>
+        <p:nvPr/>
+      </p:nvGrpSpPr>
+      <p:grpSpPr>
+        <a:xfrm>
+          <a:off x="0" y="0"/>
+          <a:ext cx="0" cy="0"/>
+          <a:chOff x="0" y="0"/>
+          <a:chExt cx="0" cy="0"/>
+        </a:xfrm>
+      </p:grpSpPr>
+      <p:pic>
+        <p:nvPicPr>
+          <p:cNvPr id="7" name="Picture 6"/>
+          <p:cNvPicPr>
+            <a:picLocks noChangeAspect="1"/>
+          </p:cNvPicPr>
+          <p:nvPr/>
+        </p:nvPicPr>
+        <p:blipFill rotWithShape="1">
+          <a:blip r:embed="rId2" cstate="hqprint">
+            <a:extLst>
+              <a:ext uri="{28A0092B-C50C-407E-A947-70E740481C1C}">
+                <a14:useLocalDpi xmlns:a14="http://schemas.microsoft.com/office/drawing/2010/main"/>
+              </a:ext>
+            </a:extLst>
+          </a:blip>
+          <a:srcRect/>
+          <a:stretch/>
+        </p:blipFill>
+        <p:spPr>
+          <a:xfrm>
+            <a:off x="762503" y="2832944"/>
+            <a:ext cx="6782819" cy="3277431"/>
+          </a:xfrm>
+          <a:prstGeom prst="rect">
+            <a:avLst/>
+          </a:prstGeom>
+        </p:spPr>
+      </p:pic>
+      <p:sp>
+        <p:nvSpPr>
+          <p:cNvPr id="5" name="Title 4"/>
+          <p:cNvSpPr>
+            <a:spLocks noGrp="1"/>
+          </p:cNvSpPr>
+          <p:nvPr>
+            <p:ph type="title"/>
+          </p:nvPr>
+        </p:nvSpPr>
+        <p:spPr/>
+        <p:txBody>
+          <a:bodyPr/>
+          <a:lstStyle/>
+          <a:p>
+            <a:r>
+              <a:rPr lang="en-GB" dirty="0" smtClean="0"/>
+              <a:t>GRU, Gated Recurrent Unit</a:t>
+            </a:r>
+            <a:endParaRPr lang="en-US" dirty="0"/>
+          </a:p>
+        </p:txBody>
+      </p:sp>
+      <p:grpSp>
+        <p:nvGrpSpPr>
+          <p:cNvPr id="6" name="Group 5"/>
+          <p:cNvGrpSpPr/>
+          <p:nvPr/>
+        </p:nvGrpSpPr>
+        <p:grpSpPr>
+          <a:xfrm>
+            <a:off x="7000875" y="1688625"/>
+            <a:ext cx="1637685" cy="2256386"/>
+            <a:chOff x="2407333" y="3420282"/>
+            <a:chExt cx="2041716" cy="2732776"/>
+          </a:xfrm>
+        </p:grpSpPr>
+        <p:sp>
+          <p:nvSpPr>
+            <p:cNvPr id="71" name="Rectangle 70"/>
+            <p:cNvSpPr/>
+            <p:nvPr/>
+          </p:nvSpPr>
+          <p:spPr>
+            <a:xfrm>
+              <a:off x="2609850" y="3506926"/>
+              <a:ext cx="476250" cy="1446073"/>
+            </a:xfrm>
+            <a:prstGeom prst="rect">
+              <a:avLst/>
+            </a:prstGeom>
+            <a:ln>
+              <a:noFill/>
+            </a:ln>
+          </p:spPr>
+          <p:style>
+            <a:lnRef idx="2">
+              <a:schemeClr val="accent1">
+                <a:shade val="50000"/>
+              </a:schemeClr>
+            </a:lnRef>
+            <a:fillRef idx="1">
+              <a:schemeClr val="accent1"/>
+            </a:fillRef>
+            <a:effectRef idx="0">
+              <a:schemeClr val="accent1"/>
+            </a:effectRef>
+            <a:fontRef idx="minor">
+              <a:schemeClr val="lt1"/>
+            </a:fontRef>
+          </p:style>
+          <p:txBody>
+            <a:bodyPr rtlCol="0" anchor="ctr"/>
+            <a:lstStyle/>
+            <a:p>
+              <a:pPr algn="ctr"/>
+              <a:endParaRPr lang="en-US"/>
+            </a:p>
+          </p:txBody>
+        </p:sp>
+        <p:sp>
+          <p:nvSpPr>
+            <p:cNvPr id="72" name="Right Arrow 71"/>
+            <p:cNvSpPr/>
+            <p:nvPr/>
+          </p:nvSpPr>
+          <p:spPr>
+            <a:xfrm>
+              <a:off x="3208965" y="3858487"/>
+              <a:ext cx="334335" cy="649538"/>
+            </a:xfrm>
+            <a:prstGeom prst="rightArrow">
+              <a:avLst/>
+            </a:prstGeom>
+            <a:solidFill>
+              <a:schemeClr val="bg1">
+                <a:lumMod val="75000"/>
+              </a:schemeClr>
+            </a:solidFill>
+            <a:ln>
+              <a:noFill/>
+            </a:ln>
+          </p:spPr>
+          <p:style>
+            <a:lnRef idx="2">
+              <a:schemeClr val="accent1">
+                <a:shade val="50000"/>
+              </a:schemeClr>
+            </a:lnRef>
+            <a:fillRef idx="1">
+              <a:schemeClr val="accent1"/>
+            </a:fillRef>
+            <a:effectRef idx="0">
+              <a:schemeClr val="accent1"/>
+            </a:effectRef>
+            <a:fontRef idx="minor">
+              <a:schemeClr val="lt1"/>
+            </a:fontRef>
+          </p:style>
+          <p:txBody>
+            <a:bodyPr rtlCol="0" anchor="ctr"/>
+            <a:lstStyle/>
+            <a:p>
+              <a:pPr algn="ctr"/>
+              <a:endParaRPr lang="en-US"/>
+            </a:p>
+          </p:txBody>
+        </p:sp>
+        <p:sp>
+          <p:nvSpPr>
+            <p:cNvPr id="73" name="Rectangle 72"/>
+            <p:cNvSpPr/>
+            <p:nvPr/>
+          </p:nvSpPr>
+          <p:spPr>
+            <a:xfrm>
+              <a:off x="3829050" y="3516451"/>
+              <a:ext cx="476250" cy="1446073"/>
+            </a:xfrm>
+            <a:prstGeom prst="rect">
+              <a:avLst/>
+            </a:prstGeom>
+            <a:ln>
+              <a:noFill/>
+            </a:ln>
+          </p:spPr>
+          <p:style>
+            <a:lnRef idx="2">
+              <a:schemeClr val="accent1">
+                <a:shade val="50000"/>
+              </a:schemeClr>
+            </a:lnRef>
+            <a:fillRef idx="1">
+              <a:schemeClr val="accent1"/>
+            </a:fillRef>
+            <a:effectRef idx="0">
+              <a:schemeClr val="accent1"/>
+            </a:effectRef>
+            <a:fontRef idx="minor">
+              <a:schemeClr val="lt1"/>
+            </a:fontRef>
+          </p:style>
+          <p:txBody>
+            <a:bodyPr rtlCol="0" anchor="ctr"/>
+            <a:lstStyle/>
+            <a:p>
+              <a:pPr algn="ctr"/>
+              <a:endParaRPr lang="en-US"/>
+            </a:p>
+          </p:txBody>
+        </p:sp>
+        <p:sp>
+          <p:nvSpPr>
+            <p:cNvPr id="74" name="Rectangle 73"/>
+            <p:cNvSpPr/>
+            <p:nvPr/>
+          </p:nvSpPr>
+          <p:spPr>
+            <a:xfrm>
+              <a:off x="3521125" y="5793251"/>
+              <a:ext cx="925695" cy="335482"/>
+            </a:xfrm>
+            <a:prstGeom prst="rect">
+              <a:avLst/>
+            </a:prstGeom>
+          </p:spPr>
+          <p:txBody>
+            <a:bodyPr wrap="none">
+              <a:spAutoFit/>
+            </a:bodyPr>
+            <a:lstStyle/>
+            <a:p>
+              <a:r>
+                <a:rPr lang="en-GB" sz="1200" dirty="0" smtClean="0">
+                  <a:latin typeface="Courier" pitchFamily="49" charset="0"/>
+                </a:rPr>
+                <a:t>Step 3</a:t>
+              </a:r>
+              <a:endParaRPr lang="en-US" sz="1200" dirty="0"/>
+            </a:p>
+          </p:txBody>
+        </p:sp>
+        <p:sp>
+          <p:nvSpPr>
+            <p:cNvPr id="75" name="Rectangle 74"/>
+            <p:cNvSpPr/>
+            <p:nvPr/>
+          </p:nvSpPr>
+          <p:spPr>
+            <a:xfrm>
+              <a:off x="3640384" y="5244584"/>
+              <a:ext cx="631919" cy="372758"/>
+            </a:xfrm>
+            <a:prstGeom prst="rect">
+              <a:avLst/>
+            </a:prstGeom>
+          </p:spPr>
+          <p:txBody>
+            <a:bodyPr wrap="none">
+              <a:spAutoFit/>
+            </a:bodyPr>
+            <a:lstStyle/>
+            <a:p>
+              <a:r>
+                <a:rPr lang="en-GB" sz="1400" dirty="0" smtClean="0">
+                  <a:latin typeface="Courier" pitchFamily="49" charset="0"/>
+                </a:rPr>
+                <a:t>[6]</a:t>
+              </a:r>
+              <a:endParaRPr lang="en-US" sz="1400" dirty="0"/>
+            </a:p>
+          </p:txBody>
+        </p:sp>
+        <p:cxnSp>
+          <p:nvCxnSpPr>
+            <p:cNvPr id="76" name="Straight Arrow Connector 75"/>
+            <p:cNvCxnSpPr/>
+            <p:nvPr/>
+          </p:nvCxnSpPr>
+          <p:spPr>
+            <a:xfrm flipV="1">
+              <a:off x="4162425" y="5095876"/>
+              <a:ext cx="0" cy="518040"/>
+            </a:xfrm>
+            <a:prstGeom prst="straightConnector1">
+              <a:avLst/>
+            </a:prstGeom>
+            <a:ln>
+              <a:solidFill>
+                <a:schemeClr val="accent4"/>
+              </a:solidFill>
+              <a:tailEnd type="arrow"/>
+            </a:ln>
+          </p:spPr>
+          <p:style>
+            <a:lnRef idx="1">
+              <a:schemeClr val="accent1"/>
+            </a:lnRef>
+            <a:fillRef idx="0">
+              <a:schemeClr val="accent1"/>
+            </a:fillRef>
+            <a:effectRef idx="0">
+              <a:schemeClr val="accent1"/>
+            </a:effectRef>
+            <a:fontRef idx="minor">
+              <a:schemeClr val="tx1"/>
+            </a:fontRef>
+          </p:style>
+        </p:cxnSp>
+        <p:cxnSp>
+          <p:nvCxnSpPr>
+            <p:cNvPr id="77" name="Straight Connector 76"/>
+            <p:cNvCxnSpPr/>
+            <p:nvPr/>
+          </p:nvCxnSpPr>
+          <p:spPr>
+            <a:xfrm>
+              <a:off x="2421184" y="3420282"/>
+              <a:ext cx="2006981" cy="0"/>
+            </a:xfrm>
+            <a:prstGeom prst="line">
+              <a:avLst/>
+            </a:prstGeom>
+            <a:ln w="19050">
+              <a:solidFill>
+                <a:schemeClr val="tx2"/>
+              </a:solidFill>
+              <a:prstDash val="dash"/>
+            </a:ln>
+          </p:spPr>
+          <p:style>
+            <a:lnRef idx="1">
+              <a:schemeClr val="accent1"/>
+            </a:lnRef>
+            <a:fillRef idx="0">
+              <a:schemeClr val="accent1"/>
+            </a:fillRef>
+            <a:effectRef idx="0">
+              <a:schemeClr val="accent1"/>
+            </a:effectRef>
+            <a:fontRef idx="minor">
+              <a:schemeClr val="tx1"/>
+            </a:fontRef>
+          </p:style>
+        </p:cxnSp>
+        <p:cxnSp>
+          <p:nvCxnSpPr>
+            <p:cNvPr id="78" name="Straight Connector 77"/>
+            <p:cNvCxnSpPr/>
+            <p:nvPr/>
+          </p:nvCxnSpPr>
+          <p:spPr>
+            <a:xfrm>
+              <a:off x="3521124" y="6143533"/>
+              <a:ext cx="927925" cy="0"/>
+            </a:xfrm>
+            <a:prstGeom prst="line">
+              <a:avLst/>
+            </a:prstGeom>
+            <a:ln w="19050">
+              <a:solidFill>
+                <a:schemeClr val="tx2"/>
+              </a:solidFill>
+              <a:prstDash val="dash"/>
+            </a:ln>
+          </p:spPr>
+          <p:style>
+            <a:lnRef idx="1">
+              <a:schemeClr val="accent1"/>
+            </a:lnRef>
+            <a:fillRef idx="0">
+              <a:schemeClr val="accent1"/>
+            </a:fillRef>
+            <a:effectRef idx="0">
+              <a:schemeClr val="accent1"/>
+            </a:effectRef>
+            <a:fontRef idx="minor">
+              <a:schemeClr val="tx1"/>
+            </a:fontRef>
+          </p:style>
+        </p:cxnSp>
+        <p:cxnSp>
+          <p:nvCxnSpPr>
+            <p:cNvPr id="79" name="Straight Connector 78"/>
+            <p:cNvCxnSpPr/>
+            <p:nvPr/>
+          </p:nvCxnSpPr>
+          <p:spPr>
+            <a:xfrm flipV="1">
+              <a:off x="3543300" y="5095876"/>
+              <a:ext cx="0" cy="1047657"/>
+            </a:xfrm>
+            <a:prstGeom prst="line">
+              <a:avLst/>
+            </a:prstGeom>
+            <a:ln w="19050">
+              <a:solidFill>
+                <a:schemeClr val="tx2"/>
+              </a:solidFill>
+              <a:prstDash val="dash"/>
+            </a:ln>
+          </p:spPr>
+          <p:style>
+            <a:lnRef idx="1">
+              <a:schemeClr val="accent1"/>
+            </a:lnRef>
+            <a:fillRef idx="0">
+              <a:schemeClr val="accent1"/>
+            </a:fillRef>
+            <a:effectRef idx="0">
+              <a:schemeClr val="accent1"/>
+            </a:effectRef>
+            <a:fontRef idx="minor">
+              <a:schemeClr val="tx1"/>
+            </a:fontRef>
+          </p:style>
+        </p:cxnSp>
+        <p:cxnSp>
+          <p:nvCxnSpPr>
+            <p:cNvPr id="80" name="Straight Connector 79"/>
+            <p:cNvCxnSpPr/>
+            <p:nvPr/>
+          </p:nvCxnSpPr>
+          <p:spPr>
+            <a:xfrm>
+              <a:off x="2421184" y="3506926"/>
+              <a:ext cx="0" cy="1579425"/>
+            </a:xfrm>
+            <a:prstGeom prst="line">
+              <a:avLst/>
+            </a:prstGeom>
+            <a:ln w="19050">
+              <a:solidFill>
+                <a:schemeClr val="tx2"/>
+              </a:solidFill>
+              <a:prstDash val="dash"/>
+            </a:ln>
+          </p:spPr>
+          <p:style>
+            <a:lnRef idx="1">
+              <a:schemeClr val="accent1"/>
+            </a:lnRef>
+            <a:fillRef idx="0">
+              <a:schemeClr val="accent1"/>
+            </a:fillRef>
+            <a:effectRef idx="0">
+              <a:schemeClr val="accent1"/>
+            </a:effectRef>
+            <a:fontRef idx="minor">
+              <a:schemeClr val="tx1"/>
+            </a:fontRef>
+          </p:style>
+        </p:cxnSp>
+        <p:cxnSp>
+          <p:nvCxnSpPr>
+            <p:cNvPr id="81" name="Straight Connector 80"/>
+            <p:cNvCxnSpPr/>
+            <p:nvPr/>
+          </p:nvCxnSpPr>
+          <p:spPr>
+            <a:xfrm>
+              <a:off x="4449049" y="3449774"/>
+              <a:ext cx="0" cy="2703284"/>
+            </a:xfrm>
+            <a:prstGeom prst="line">
+              <a:avLst/>
+            </a:prstGeom>
+            <a:ln w="19050">
+              <a:solidFill>
+                <a:schemeClr val="tx2"/>
+              </a:solidFill>
+              <a:prstDash val="dash"/>
+            </a:ln>
+          </p:spPr>
+          <p:style>
+            <a:lnRef idx="1">
+              <a:schemeClr val="accent1"/>
+            </a:lnRef>
+            <a:fillRef idx="0">
+              <a:schemeClr val="accent1"/>
+            </a:fillRef>
+            <a:effectRef idx="0">
+              <a:schemeClr val="accent1"/>
+            </a:effectRef>
+            <a:fontRef idx="minor">
+              <a:schemeClr val="tx1"/>
+            </a:fontRef>
+          </p:style>
+        </p:cxnSp>
+        <p:cxnSp>
+          <p:nvCxnSpPr>
+            <p:cNvPr id="82" name="Straight Connector 81"/>
+            <p:cNvCxnSpPr/>
+            <p:nvPr/>
+          </p:nvCxnSpPr>
+          <p:spPr>
+            <a:xfrm flipV="1">
+              <a:off x="2407333" y="5086351"/>
+              <a:ext cx="1113792" cy="9525"/>
+            </a:xfrm>
+            <a:prstGeom prst="line">
+              <a:avLst/>
+            </a:prstGeom>
+            <a:ln w="19050">
+              <a:solidFill>
+                <a:schemeClr val="tx2"/>
+              </a:solidFill>
+              <a:prstDash val="dash"/>
+            </a:ln>
+          </p:spPr>
+          <p:style>
+            <a:lnRef idx="1">
+              <a:schemeClr val="accent1"/>
+            </a:lnRef>
+            <a:fillRef idx="0">
+              <a:schemeClr val="accent1"/>
+            </a:fillRef>
+            <a:effectRef idx="0">
+              <a:schemeClr val="accent1"/>
+            </a:effectRef>
+            <a:fontRef idx="minor">
+              <a:schemeClr val="tx1"/>
+            </a:fontRef>
+          </p:style>
+        </p:cxnSp>
+      </p:grpSp>
+      <p:sp>
+        <p:nvSpPr>
+          <p:cNvPr id="8" name="Rectangle 7"/>
+          <p:cNvSpPr/>
+          <p:nvPr/>
+        </p:nvSpPr>
+        <p:spPr>
+          <a:xfrm>
+            <a:off x="428626" y="1512575"/>
             <a:ext cx="6267450" cy="1815882"/>
           </a:xfrm>
           <a:prstGeom prst="rect">
@@ -31871,7 +33012,7 @@
 </p:sld>
 </file>
 
-<file path=ppt/slides/slide31.xml><?xml version="1.0" encoding="utf-8"?>
+<file path=ppt/slides/slide33.xml><?xml version="1.0" encoding="utf-8"?>
 <p:sld xmlns:a="http://schemas.openxmlformats.org/drawingml/2006/main" xmlns:r="http://schemas.openxmlformats.org/officeDocument/2006/relationships" xmlns:p="http://schemas.openxmlformats.org/presentationml/2006/main">
   <p:cSld>
     <p:spTree>
@@ -32107,7 +33248,7 @@
 </p:sld>
 </file>
 
-<file path=ppt/slides/slide32.xml><?xml version="1.0" encoding="utf-8"?>
+<file path=ppt/slides/slide34.xml><?xml version="1.0" encoding="utf-8"?>
 <p:sld xmlns:a="http://schemas.openxmlformats.org/drawingml/2006/main" xmlns:r="http://schemas.openxmlformats.org/officeDocument/2006/relationships" xmlns:p="http://schemas.openxmlformats.org/presentationml/2006/main">
   <p:cSld>
     <p:spTree>
@@ -32308,7 +33449,7 @@
 </p:sld>
 </file>
 
-<file path=ppt/slides/slide33.xml><?xml version="1.0" encoding="utf-8"?>
+<file path=ppt/slides/slide35.xml><?xml version="1.0" encoding="utf-8"?>
 <p:sld xmlns:a="http://schemas.openxmlformats.org/drawingml/2006/main" xmlns:r="http://schemas.openxmlformats.org/officeDocument/2006/relationships" xmlns:p="http://schemas.openxmlformats.org/presentationml/2006/main">
   <p:cSld>
     <p:spTree>
@@ -32680,7 +33821,7 @@
 </p:sld>
 </file>
 
-<file path=ppt/slides/slide34.xml><?xml version="1.0" encoding="utf-8"?>
+<file path=ppt/slides/slide36.xml><?xml version="1.0" encoding="utf-8"?>
 <p:sld xmlns:a="http://schemas.openxmlformats.org/drawingml/2006/main" xmlns:r="http://schemas.openxmlformats.org/officeDocument/2006/relationships" xmlns:p="http://schemas.openxmlformats.org/presentationml/2006/main">
   <p:cSld>
     <p:spTree>
@@ -33878,7 +35019,7 @@
 </p:sld>
 </file>
 
-<file path=ppt/slides/slide35.xml><?xml version="1.0" encoding="utf-8"?>
+<file path=ppt/slides/slide37.xml><?xml version="1.0" encoding="utf-8"?>
 <p:sld xmlns:a="http://schemas.openxmlformats.org/drawingml/2006/main" xmlns:r="http://schemas.openxmlformats.org/officeDocument/2006/relationships" xmlns:p="http://schemas.openxmlformats.org/presentationml/2006/main">
   <p:cSld>
     <p:spTree>
@@ -33953,7 +35094,7 @@
 </p:sld>
 </file>
 
-<file path=ppt/slides/slide36.xml><?xml version="1.0" encoding="utf-8"?>
+<file path=ppt/slides/slide38.xml><?xml version="1.0" encoding="utf-8"?>
 <p:sld xmlns:a="http://schemas.openxmlformats.org/drawingml/2006/main" xmlns:r="http://schemas.openxmlformats.org/officeDocument/2006/relationships" xmlns:p="http://schemas.openxmlformats.org/presentationml/2006/main">
   <p:cSld>
     <p:spTree>
@@ -37530,7 +38671,7 @@
         </p:blipFill>
         <p:spPr>
           <a:xfrm>
-            <a:off x="5404999" y="1939762"/>
+            <a:off x="5388065" y="1846625"/>
             <a:ext cx="2511330" cy="1661245"/>
           </a:xfrm>
           <a:prstGeom prst="rect">
@@ -37559,7 +38700,7 @@
         </p:blipFill>
         <p:spPr>
           <a:xfrm>
-            <a:off x="1230932" y="1939761"/>
+            <a:off x="1213998" y="1846624"/>
             <a:ext cx="2511330" cy="1661245"/>
           </a:xfrm>
           <a:prstGeom prst="rect">
@@ -37567,6 +38708,298 @@
           </a:prstGeom>
         </p:spPr>
       </p:pic>
+      <p:sp>
+        <p:nvSpPr>
+          <p:cNvPr id="5" name="TextBox 4"/>
+          <p:cNvSpPr txBox="1"/>
+          <p:nvPr/>
+        </p:nvSpPr>
+        <p:spPr>
+          <a:xfrm>
+            <a:off x="1735667" y="1473197"/>
+            <a:ext cx="1467068" cy="369332"/>
+          </a:xfrm>
+          <a:prstGeom prst="rect">
+            <a:avLst/>
+          </a:prstGeom>
+          <a:noFill/>
+        </p:spPr>
+        <p:txBody>
+          <a:bodyPr wrap="none" rtlCol="0">
+            <a:spAutoFit/>
+          </a:bodyPr>
+          <a:lstStyle/>
+          <a:p>
+            <a:r>
+              <a:rPr lang="en-IE" dirty="0" smtClean="0"/>
+              <a:t>Data analyst</a:t>
+            </a:r>
+            <a:endParaRPr lang="en-US" dirty="0" err="1" smtClean="0"/>
+          </a:p>
+        </p:txBody>
+      </p:sp>
+      <p:sp>
+        <p:nvSpPr>
+          <p:cNvPr id="7" name="TextBox 6"/>
+          <p:cNvSpPr txBox="1"/>
+          <p:nvPr/>
+        </p:nvSpPr>
+        <p:spPr>
+          <a:xfrm>
+            <a:off x="5858900" y="1473197"/>
+            <a:ext cx="1569660" cy="369332"/>
+          </a:xfrm>
+          <a:prstGeom prst="rect">
+            <a:avLst/>
+          </a:prstGeom>
+          <a:noFill/>
+        </p:spPr>
+        <p:txBody>
+          <a:bodyPr wrap="none" rtlCol="0">
+            <a:spAutoFit/>
+          </a:bodyPr>
+          <a:lstStyle/>
+          <a:p>
+            <a:r>
+              <a:rPr lang="en-IE" dirty="0" smtClean="0"/>
+              <a:t>Data scientist</a:t>
+            </a:r>
+            <a:endParaRPr lang="en-US" dirty="0" err="1" smtClean="0"/>
+          </a:p>
+        </p:txBody>
+      </p:sp>
+      <p:sp>
+        <p:nvSpPr>
+          <p:cNvPr id="6" name="TextBox 5"/>
+          <p:cNvSpPr txBox="1"/>
+          <p:nvPr/>
+        </p:nvSpPr>
+        <p:spPr>
+          <a:xfrm>
+            <a:off x="1213998" y="3852333"/>
+            <a:ext cx="2511330" cy="2031325"/>
+          </a:xfrm>
+          <a:prstGeom prst="rect">
+            <a:avLst/>
+          </a:prstGeom>
+          <a:noFill/>
+        </p:spPr>
+        <p:txBody>
+          <a:bodyPr wrap="square" rtlCol="0">
+            <a:spAutoFit/>
+          </a:bodyPr>
+          <a:lstStyle/>
+          <a:p>
+            <a:r>
+              <a:rPr lang="en-IE" dirty="0" smtClean="0"/>
+              <a:t>Skills:</a:t>
+            </a:r>
+          </a:p>
+          <a:p>
+            <a:r>
+              <a:rPr lang="en-IE" sz="1200" dirty="0" smtClean="0">
+                <a:solidFill>
+                  <a:schemeClr val="tx2"/>
+                </a:solidFill>
+              </a:rPr>
+              <a:t>Descriptive </a:t>
+            </a:r>
+            <a:r>
+              <a:rPr lang="en-IE" sz="1200" dirty="0" err="1" smtClean="0">
+                <a:solidFill>
+                  <a:schemeClr val="tx2"/>
+                </a:solidFill>
+              </a:rPr>
+              <a:t>Modeling</a:t>
+            </a:r>
+            <a:r>
+              <a:rPr lang="en-IE" sz="1200" dirty="0" smtClean="0"/>
+              <a:t>, Business Analysis,</a:t>
+            </a:r>
+          </a:p>
+          <a:p>
+            <a:r>
+              <a:rPr lang="en-IE" sz="1200" dirty="0" smtClean="0"/>
+              <a:t>Data </a:t>
+            </a:r>
+            <a:r>
+              <a:rPr lang="en-IE" sz="1200" dirty="0" smtClean="0"/>
+              <a:t>Manipulation, Statistics</a:t>
+            </a:r>
+          </a:p>
+          <a:p>
+            <a:endParaRPr lang="en-IE" dirty="0" smtClean="0"/>
+          </a:p>
+          <a:p>
+            <a:r>
+              <a:rPr lang="en-IE" dirty="0" smtClean="0"/>
+              <a:t>Focus:</a:t>
+            </a:r>
+          </a:p>
+          <a:p>
+            <a:r>
+              <a:rPr lang="en-IE" sz="1200" dirty="0" smtClean="0">
+                <a:solidFill>
+                  <a:schemeClr val="tx2"/>
+                </a:solidFill>
+              </a:rPr>
+              <a:t>Business </a:t>
+            </a:r>
+            <a:r>
+              <a:rPr lang="en-IE" sz="1200" dirty="0" smtClean="0">
+                <a:solidFill>
+                  <a:schemeClr val="tx2"/>
+                </a:solidFill>
+              </a:rPr>
+              <a:t>Rules</a:t>
+            </a:r>
+            <a:r>
+              <a:rPr lang="en-IE" sz="1200" dirty="0" smtClean="0"/>
+              <a:t>, </a:t>
+            </a:r>
+            <a:r>
+              <a:rPr lang="en-IE" sz="1200" dirty="0" smtClean="0">
+                <a:solidFill>
+                  <a:schemeClr val="tx2"/>
+                </a:solidFill>
+              </a:rPr>
+              <a:t>Data </a:t>
+            </a:r>
+            <a:r>
+              <a:rPr lang="en-IE" sz="1200" dirty="0" smtClean="0">
+                <a:solidFill>
+                  <a:schemeClr val="tx2"/>
+                </a:solidFill>
+              </a:rPr>
+              <a:t>Relationships</a:t>
+            </a:r>
+            <a:r>
+              <a:rPr lang="en-IE" sz="1200" dirty="0" smtClean="0"/>
+              <a:t>, Data Attributes, Sources and Targets, Data quality</a:t>
+            </a:r>
+            <a:endParaRPr lang="en-US" sz="1200" dirty="0" err="1" smtClean="0"/>
+          </a:p>
+        </p:txBody>
+      </p:sp>
+      <p:sp>
+        <p:nvSpPr>
+          <p:cNvPr id="9" name="TextBox 8"/>
+          <p:cNvSpPr txBox="1"/>
+          <p:nvPr/>
+        </p:nvSpPr>
+        <p:spPr>
+          <a:xfrm>
+            <a:off x="5388065" y="3852332"/>
+            <a:ext cx="2511330" cy="2308324"/>
+          </a:xfrm>
+          <a:prstGeom prst="rect">
+            <a:avLst/>
+          </a:prstGeom>
+          <a:noFill/>
+        </p:spPr>
+        <p:txBody>
+          <a:bodyPr wrap="square" rtlCol="0">
+            <a:spAutoFit/>
+          </a:bodyPr>
+          <a:lstStyle/>
+          <a:p>
+            <a:r>
+              <a:rPr lang="en-IE" dirty="0" smtClean="0"/>
+              <a:t>Skills:</a:t>
+            </a:r>
+          </a:p>
+          <a:p>
+            <a:r>
+              <a:rPr lang="en-IE" sz="1200" dirty="0" smtClean="0">
+                <a:solidFill>
+                  <a:schemeClr val="tx2"/>
+                </a:solidFill>
+              </a:rPr>
+              <a:t>Advanced Statistics</a:t>
+            </a:r>
+            <a:r>
+              <a:rPr lang="en-IE" sz="1200" dirty="0" smtClean="0"/>
+              <a:t>, Programming, Data Management, Big Data, </a:t>
+            </a:r>
+            <a:r>
+              <a:rPr lang="en-IE" sz="1200" dirty="0" smtClean="0">
+                <a:solidFill>
+                  <a:schemeClr val="tx2"/>
+                </a:solidFill>
+              </a:rPr>
+              <a:t>Machine Learning</a:t>
+            </a:r>
+          </a:p>
+          <a:p>
+            <a:endParaRPr lang="en-IE" sz="1200" dirty="0" smtClean="0"/>
+          </a:p>
+          <a:p>
+            <a:r>
+              <a:rPr lang="en-IE" dirty="0" smtClean="0"/>
+              <a:t>Focus:</a:t>
+            </a:r>
+          </a:p>
+          <a:p>
+            <a:r>
+              <a:rPr lang="en-IE" sz="1200" dirty="0" smtClean="0">
+                <a:solidFill>
+                  <a:schemeClr val="tx2"/>
+                </a:solidFill>
+              </a:rPr>
+              <a:t>Predictive </a:t>
+            </a:r>
+            <a:r>
+              <a:rPr lang="en-IE" sz="1200" dirty="0" err="1" smtClean="0">
+                <a:solidFill>
+                  <a:schemeClr val="tx2"/>
+                </a:solidFill>
+              </a:rPr>
+              <a:t>Modeling</a:t>
+            </a:r>
+            <a:r>
+              <a:rPr lang="en-IE" sz="1200" dirty="0" smtClean="0"/>
+              <a:t>, Data Mining, </a:t>
+            </a:r>
+            <a:r>
+              <a:rPr lang="en-IE" sz="1200" dirty="0" smtClean="0">
+                <a:solidFill>
+                  <a:schemeClr val="tx2"/>
+                </a:solidFill>
+              </a:rPr>
+              <a:t>Unstructured Data</a:t>
+            </a:r>
+            <a:r>
+              <a:rPr lang="en-IE" sz="1200" dirty="0" smtClean="0"/>
+              <a:t>, Big Data, Research, </a:t>
+            </a:r>
+            <a:r>
+              <a:rPr lang="en-IE" sz="1200" dirty="0" smtClean="0">
+                <a:solidFill>
+                  <a:schemeClr val="tx2"/>
+                </a:solidFill>
+              </a:rPr>
+              <a:t>Solving Business Problems</a:t>
+            </a:r>
+            <a:r>
+              <a:rPr lang="en-IE" sz="1200" dirty="0" smtClean="0"/>
+              <a:t>, </a:t>
+            </a:r>
+            <a:r>
+              <a:rPr lang="en-IE" sz="1200" dirty="0" smtClean="0">
+                <a:solidFill>
+                  <a:schemeClr val="tx2"/>
+                </a:solidFill>
+              </a:rPr>
+              <a:t>Identifying Business Opportunities</a:t>
+            </a:r>
+            <a:endParaRPr lang="en-US" sz="1200" dirty="0" err="1" smtClean="0">
+              <a:solidFill>
+                <a:schemeClr val="tx2"/>
+              </a:solidFill>
+            </a:endParaRPr>
+          </a:p>
+        </p:txBody>
+      </p:sp>
     </p:spTree>
     <p:extLst>
       <p:ext uri="{BB962C8B-B14F-4D97-AF65-F5344CB8AC3E}">
@@ -37652,16 +39085,45 @@
           <a:p>
             <a:r>
               <a:rPr lang="en-US" dirty="0" smtClean="0"/>
-              <a:t>Data Scientists - Who</a:t>
+              <a:t>Data Science or Data Analytics?</a:t>
             </a:r>
             <a:endParaRPr lang="en-US" dirty="0"/>
           </a:p>
         </p:txBody>
       </p:sp>
+      <p:pic>
+        <p:nvPicPr>
+          <p:cNvPr id="3" name="Picture 2"/>
+          <p:cNvPicPr>
+            <a:picLocks noChangeAspect="1"/>
+          </p:cNvPicPr>
+          <p:nvPr/>
+        </p:nvPicPr>
+        <p:blipFill rotWithShape="1">
+          <a:blip r:embed="rId3">
+            <a:extLst>
+              <a:ext uri="{28A0092B-C50C-407E-A947-70E740481C1C}">
+                <a14:useLocalDpi xmlns:a14="http://schemas.microsoft.com/office/drawing/2010/main" val="0"/>
+              </a:ext>
+            </a:extLst>
+          </a:blip>
+          <a:srcRect l="12981" t="6862" r="9494" b="4676"/>
+          <a:stretch/>
+        </p:blipFill>
+        <p:spPr>
+          <a:xfrm>
+            <a:off x="236082" y="1702051"/>
+            <a:ext cx="8536387" cy="4599161"/>
+          </a:xfrm>
+          <a:prstGeom prst="rect">
+            <a:avLst/>
+          </a:prstGeom>
+        </p:spPr>
+      </p:pic>
     </p:spTree>
     <p:extLst>
       <p:ext uri="{BB962C8B-B14F-4D97-AF65-F5344CB8AC3E}">
-        <p14:creationId xmlns:p14="http://schemas.microsoft.com/office/powerpoint/2010/main" val="2741091380"/>
+        <p14:creationId xmlns:p14="http://schemas.microsoft.com/office/powerpoint/2010/main" val="372503823"/>
       </p:ext>
     </p:extLst>
   </p:cSld>

--- a/DataSciencePresentation.pptx
+++ b/DataSciencePresentation.pptx
@@ -5,10 +5,10 @@
     <p:sldMasterId id="2147483648" r:id="rId6"/>
   </p:sldMasterIdLst>
   <p:notesMasterIdLst>
-    <p:notesMasterId r:id="rId27"/>
+    <p:notesMasterId r:id="rId31"/>
   </p:notesMasterIdLst>
   <p:handoutMasterIdLst>
-    <p:handoutMasterId r:id="rId28"/>
+    <p:handoutMasterId r:id="rId32"/>
   </p:handoutMasterIdLst>
   <p:sldIdLst>
     <p:sldId id="516" r:id="rId7"/>
@@ -22,15 +22,19 @@
     <p:sldId id="523" r:id="rId15"/>
     <p:sldId id="536" r:id="rId16"/>
     <p:sldId id="535" r:id="rId17"/>
-    <p:sldId id="524" r:id="rId18"/>
-    <p:sldId id="525" r:id="rId19"/>
-    <p:sldId id="537" r:id="rId20"/>
-    <p:sldId id="538" r:id="rId21"/>
-    <p:sldId id="539" r:id="rId22"/>
-    <p:sldId id="528" r:id="rId23"/>
-    <p:sldId id="529" r:id="rId24"/>
-    <p:sldId id="530" r:id="rId25"/>
-    <p:sldId id="531" r:id="rId26"/>
+    <p:sldId id="525" r:id="rId18"/>
+    <p:sldId id="537" r:id="rId19"/>
+    <p:sldId id="538" r:id="rId20"/>
+    <p:sldId id="539" r:id="rId21"/>
+    <p:sldId id="528" r:id="rId22"/>
+    <p:sldId id="541" r:id="rId23"/>
+    <p:sldId id="542" r:id="rId24"/>
+    <p:sldId id="544" r:id="rId25"/>
+    <p:sldId id="543" r:id="rId26"/>
+    <p:sldId id="545" r:id="rId27"/>
+    <p:sldId id="529" r:id="rId28"/>
+    <p:sldId id="530" r:id="rId29"/>
+    <p:sldId id="531" r:id="rId30"/>
   </p:sldIdLst>
   <p:sldSz cx="9144000" cy="6858000" type="screen4x3"/>
   <p:notesSz cx="6858000" cy="9144000"/>
@@ -145,12 +149,16 @@
             <p14:sldId id="523"/>
             <p14:sldId id="536"/>
             <p14:sldId id="535"/>
-            <p14:sldId id="524"/>
             <p14:sldId id="525"/>
             <p14:sldId id="537"/>
             <p14:sldId id="538"/>
             <p14:sldId id="539"/>
             <p14:sldId id="528"/>
+            <p14:sldId id="541"/>
+            <p14:sldId id="542"/>
+            <p14:sldId id="544"/>
+            <p14:sldId id="543"/>
+            <p14:sldId id="545"/>
             <p14:sldId id="529"/>
             <p14:sldId id="530"/>
             <p14:sldId id="531"/>
@@ -162,7 +170,7 @@
       </p14:sectionLst>
     </p:ext>
     <p:ext uri="{EFAFB233-063F-42B5-8137-9DF3F51BA10A}">
-      <p15:sldGuideLst xmlns="" xmlns:p15="http://schemas.microsoft.com/office/powerpoint/2012/main">
+      <p15:sldGuideLst xmlns:p15="http://schemas.microsoft.com/office/powerpoint/2012/main" xmlns="">
         <p15:guide id="1" orient="horz" pos="2160">
           <p15:clr>
             <a:srgbClr val="A4A3A4"/>
@@ -8712,7 +8720,7 @@
               <a:rPr lang="en-US" smtClean="0">
                 <a:latin typeface="Arial" charset="0"/>
               </a:rPr>
-              <a:t>1/22/2018</a:t>
+              <a:t>1/29/2018</a:t>
             </a:fld>
             <a:endParaRPr lang="en-US" dirty="0">
               <a:latin typeface="Arial" charset="0"/>
@@ -8890,7 +8898,7 @@
             <a:fld id="{EA0B0923-116C-49FA-B24A-9794571768C4}" type="datetimeFigureOut">
               <a:rPr lang="en-US" smtClean="0"/>
               <a:pPr/>
-              <a:t>1/22/2018</a:t>
+              <a:t>1/29/2018</a:t>
             </a:fld>
             <a:endParaRPr lang="en-US" dirty="0"/>
           </a:p>
@@ -9309,7 +9317,7 @@
           <a:p>
             <a:fld id="{F23EEDA6-C444-400B-9265-AA145BEA4DAB}" type="datetime8">
               <a:rPr lang="en-US" smtClean="0"/>
-              <a:t>1/22/2018 2:50 PM</a:t>
+              <a:t>1/29/2018 11:47 AM</a:t>
             </a:fld>
             <a:endParaRPr lang="en-US" dirty="0"/>
           </a:p>
@@ -9475,7 +9483,7 @@
           <a:p>
             <a:fld id="{F64C424B-C749-4819-BEAF-C73A3A7C174A}" type="datetime8">
               <a:rPr lang="en-US" smtClean="0"/>
-              <a:t>1/22/2018 2:50 PM</a:t>
+              <a:t>1/29/2018 11:47 AM</a:t>
             </a:fld>
             <a:endParaRPr lang="en-US" dirty="0"/>
           </a:p>
@@ -9579,16 +9587,6 @@
           <a:bodyPr/>
           <a:lstStyle/>
           <a:p>
-            <a:r>
-              <a:rPr lang="en-IE" dirty="0" smtClean="0"/>
-              <a:t>Skills needed by data scientists:</a:t>
-            </a:r>
-          </a:p>
-          <a:p>
-            <a:r>
-              <a:rPr lang="en-IE" dirty="0" smtClean="0"/>
-              <a:t>LOTS of different skills. One cannot hope to know them all: TEAMS!!!</a:t>
-            </a:r>
             <a:endParaRPr lang="en-US" dirty="0"/>
           </a:p>
         </p:txBody>
@@ -9653,7 +9651,7 @@
           <a:p>
             <a:fld id="{F64C424B-C749-4819-BEAF-C73A3A7C174A}" type="datetime8">
               <a:rPr lang="en-US" smtClean="0"/>
-              <a:t>1/22/2018 2:50 PM</a:t>
+              <a:t>1/29/2018 11:47 AM</a:t>
             </a:fld>
             <a:endParaRPr lang="en-US" dirty="0"/>
           </a:p>
@@ -9821,7 +9819,7 @@
           <a:p>
             <a:fld id="{F64C424B-C749-4819-BEAF-C73A3A7C174A}" type="datetime8">
               <a:rPr lang="en-US" smtClean="0"/>
-              <a:t>1/26/2018 10:41 AM</a:t>
+              <a:t>1/29/2018 2:07 PM</a:t>
             </a:fld>
             <a:endParaRPr lang="en-US" dirty="0"/>
           </a:p>
@@ -9925,6 +9923,14 @@
           <a:bodyPr/>
           <a:lstStyle/>
           <a:p>
+            <a:r>
+              <a:rPr lang="en-IE" dirty="0" smtClean="0"/>
+              <a:t>Ronald Coase: Nobel for Science</a:t>
+            </a:r>
+            <a:r>
+              <a:rPr lang="en-IE" baseline="0" dirty="0" smtClean="0"/>
+              <a:t> of Economy in 1991. Known for eponymous theorem on property rights.</a:t>
+            </a:r>
             <a:endParaRPr lang="en-US" dirty="0"/>
           </a:p>
         </p:txBody>
@@ -9989,7 +9995,7 @@
           <a:p>
             <a:fld id="{F64C424B-C749-4819-BEAF-C73A3A7C174A}" type="datetime8">
               <a:rPr lang="en-US" smtClean="0"/>
-              <a:t>1/26/2018 10:53 AM</a:t>
+              <a:t>1/29/2018 11:47 AM</a:t>
             </a:fld>
             <a:endParaRPr lang="en-US" dirty="0"/>
           </a:p>
@@ -10095,13 +10101,153 @@
           <a:p>
             <a:r>
               <a:rPr lang="en-IE" dirty="0" smtClean="0"/>
-              <a:t>Ronald Coase: Nobel for Science</a:t>
+              <a:t>False positive paradox</a:t>
+            </a:r>
+          </a:p>
+          <a:p>
+            <a:r>
+              <a:rPr lang="en-IE" dirty="0" smtClean="0"/>
+              <a:t>Simpson’s paradox</a:t>
+            </a:r>
+          </a:p>
+          <a:p>
+            <a:r>
+              <a:rPr lang="en-IE" dirty="0" smtClean="0"/>
+              <a:t>Meaningful metrics (accuracy and error types)</a:t>
+            </a:r>
+          </a:p>
+          <a:p>
+            <a:r>
+              <a:rPr lang="en-IE" dirty="0" smtClean="0"/>
+              <a:t>Accuracy vs. predictive power</a:t>
+            </a:r>
+          </a:p>
+          <a:p>
+            <a:r>
+              <a:rPr lang="en-IE" dirty="0" smtClean="0"/>
+              <a:t>Correlation vs. Causality</a:t>
+            </a:r>
+            <a:endParaRPr lang="en-US" dirty="0" smtClean="0"/>
+          </a:p>
+          <a:p>
+            <a:endParaRPr lang="en-IE" dirty="0" smtClean="0"/>
+          </a:p>
+          <a:p>
+            <a:endParaRPr lang="en-IE" dirty="0" smtClean="0"/>
+          </a:p>
+          <a:p>
+            <a:r>
+              <a:rPr lang="en-IE" dirty="0" smtClean="0"/>
+              <a:t>False positive paradox:</a:t>
+            </a:r>
+          </a:p>
+          <a:p>
+            <a:r>
+              <a:rPr lang="en-IE" dirty="0" smtClean="0"/>
+              <a:t>HIV probability IF tested positive (low incidence</a:t>
             </a:r>
             <a:r>
               <a:rPr lang="en-IE" baseline="0" dirty="0" smtClean="0"/>
-              <a:t> of Economy in 1991. Known for eponymous theorem on property rights.</a:t>
-            </a:r>
-            <a:endParaRPr lang="en-US" dirty="0"/>
+              <a:t> population</a:t>
+            </a:r>
+            <a:r>
+              <a:rPr lang="en-IE" dirty="0" smtClean="0"/>
+              <a:t>):</a:t>
+            </a:r>
+          </a:p>
+          <a:p>
+            <a:r>
+              <a:rPr lang="en-IE" dirty="0" smtClean="0"/>
+              <a:t>1000 tests,</a:t>
+            </a:r>
+            <a:r>
+              <a:rPr lang="en-IE" baseline="0" dirty="0" smtClean="0"/>
+              <a:t> 2% infected, FPR 5% (95% accuracy) </a:t>
+            </a:r>
+            <a:r>
+              <a:rPr lang="en-IE" baseline="0" dirty="0" smtClean="0">
+                <a:sym typeface="Wingdings" panose="05000000000000000000" pitchFamily="2" charset="2"/>
+              </a:rPr>
+              <a:t> 1000 * 0.02 = 20 TP, 1000 * (100 - 2) / 100 * 0.05 = 49 FP</a:t>
+            </a:r>
+          </a:p>
+          <a:p>
+            <a:pPr marL="171450" indent="-171450">
+              <a:buFont typeface="Wingdings"/>
+              <a:buChar char="à"/>
+            </a:pPr>
+            <a:r>
+              <a:rPr lang="en-IE" baseline="0" dirty="0" err="1" smtClean="0">
+                <a:sym typeface="Wingdings" panose="05000000000000000000" pitchFamily="2" charset="2"/>
+              </a:rPr>
+              <a:t>Prob</a:t>
+            </a:r>
+            <a:r>
+              <a:rPr lang="en-IE" baseline="0" dirty="0" smtClean="0">
+                <a:sym typeface="Wingdings" panose="05000000000000000000" pitchFamily="2" charset="2"/>
+              </a:rPr>
+              <a:t> of positive if tested positive = 20 / (20 + 49) = 29%</a:t>
+            </a:r>
+          </a:p>
+          <a:p>
+            <a:pPr marL="0" indent="0">
+              <a:buFont typeface="Wingdings"/>
+              <a:buNone/>
+            </a:pPr>
+            <a:endParaRPr lang="en-IE" baseline="0" dirty="0">
+              <a:sym typeface="Wingdings" panose="05000000000000000000" pitchFamily="2" charset="2"/>
+            </a:endParaRPr>
+          </a:p>
+          <a:p>
+            <a:pPr marL="0" indent="0">
+              <a:buFont typeface="Wingdings"/>
+              <a:buNone/>
+            </a:pPr>
+            <a:r>
+              <a:rPr lang="en-IE" baseline="0" dirty="0" smtClean="0">
+                <a:sym typeface="Wingdings" panose="05000000000000000000" pitchFamily="2" charset="2"/>
+              </a:rPr>
+              <a:t>Simpson’s paradox: a trend appearing in different groups might change when groups are combined.</a:t>
+            </a:r>
+          </a:p>
+          <a:p>
+            <a:pPr marL="0" indent="0">
+              <a:buFont typeface="Wingdings"/>
+              <a:buNone/>
+            </a:pPr>
+            <a:endParaRPr lang="en-IE" baseline="0" dirty="0" smtClean="0">
+              <a:sym typeface="Wingdings" panose="05000000000000000000" pitchFamily="2" charset="2"/>
+            </a:endParaRPr>
+          </a:p>
+          <a:p>
+            <a:pPr marL="0" indent="0">
+              <a:buFont typeface="Wingdings"/>
+              <a:buNone/>
+            </a:pPr>
+            <a:r>
+              <a:rPr lang="en-IE" baseline="0" dirty="0" smtClean="0">
+                <a:sym typeface="Wingdings" panose="05000000000000000000" pitchFamily="2" charset="2"/>
+              </a:rPr>
+              <a:t>99% results on 95% requirements: Naïve model.</a:t>
+            </a:r>
+          </a:p>
+          <a:p>
+            <a:pPr marL="0" indent="0">
+              <a:buFont typeface="Wingdings"/>
+              <a:buNone/>
+            </a:pPr>
+            <a:endParaRPr lang="en-IE" baseline="0" dirty="0" smtClean="0">
+              <a:sym typeface="Wingdings" panose="05000000000000000000" pitchFamily="2" charset="2"/>
+            </a:endParaRPr>
+          </a:p>
+          <a:p>
+            <a:pPr marL="0" indent="0">
+              <a:buFont typeface="Wingdings"/>
+              <a:buNone/>
+            </a:pPr>
+            <a:endParaRPr lang="en-IE" baseline="0" dirty="0" smtClean="0">
+              <a:sym typeface="Wingdings" panose="05000000000000000000" pitchFamily="2" charset="2"/>
+            </a:endParaRPr>
           </a:p>
         </p:txBody>
       </p:sp>
@@ -10165,7 +10311,7 @@
           <a:p>
             <a:fld id="{F64C424B-C749-4819-BEAF-C73A3A7C174A}" type="datetime8">
               <a:rPr lang="en-US" smtClean="0"/>
-              <a:t>1/26/2018 11:45 AM</a:t>
+              <a:t>1/29/2018 11:47 AM</a:t>
             </a:fld>
             <a:endParaRPr lang="en-US" dirty="0"/>
           </a:p>
@@ -10271,153 +10417,61 @@
           <a:p>
             <a:r>
               <a:rPr lang="en-IE" dirty="0" smtClean="0"/>
-              <a:t>False positive paradox</a:t>
-            </a:r>
+              <a:t>MAIN FOCUS HERE!!!</a:t>
+            </a:r>
+          </a:p>
+          <a:p>
+            <a:endParaRPr lang="en-IE" dirty="0" smtClean="0"/>
           </a:p>
           <a:p>
             <a:r>
               <a:rPr lang="en-IE" dirty="0" smtClean="0"/>
-              <a:t>Simpson’s paradox</a:t>
+              <a:t>Energy load forecasting</a:t>
             </a:r>
           </a:p>
           <a:p>
             <a:r>
               <a:rPr lang="en-IE" dirty="0" smtClean="0"/>
-              <a:t>Meaningful metrics (accuracy and error types)</a:t>
+              <a:t>Workload interaction assessment in data centres</a:t>
             </a:r>
           </a:p>
           <a:p>
             <a:r>
               <a:rPr lang="en-IE" dirty="0" smtClean="0"/>
-              <a:t>Accuracy vs. predictive power</a:t>
+              <a:t>Anomaly detection in server behaviour</a:t>
             </a:r>
           </a:p>
           <a:p>
             <a:r>
               <a:rPr lang="en-IE" dirty="0" smtClean="0"/>
-              <a:t>Correlation vs. Causality</a:t>
-            </a:r>
+              <a:t>Intelligent agents in data centres (preventive maintenance, near-real-time corrective actions)</a:t>
+            </a:r>
+          </a:p>
+          <a:p>
+            <a:r>
+              <a:rPr lang="en-IE" dirty="0" smtClean="0"/>
+              <a:t>Call centre optimization (optimizer engine and feature extraction, repeat callers, </a:t>
+            </a:r>
+            <a:r>
+              <a:rPr lang="en-IE" dirty="0" err="1" smtClean="0"/>
+              <a:t>auth</a:t>
+            </a:r>
+            <a:r>
+              <a:rPr lang="en-IE" dirty="0" smtClean="0"/>
+              <a:t> rate, IVR optimization, Population segmentation)</a:t>
+            </a:r>
+          </a:p>
+          <a:p>
+            <a:r>
+              <a:rPr lang="en-IE" dirty="0" smtClean="0"/>
+              <a:t>Early diagnosis suggestions</a:t>
+            </a:r>
+          </a:p>
+          <a:p>
             <a:endParaRPr lang="en-US" dirty="0" smtClean="0"/>
           </a:p>
           <a:p>
-            <a:endParaRPr lang="en-IE" dirty="0" smtClean="0"/>
-          </a:p>
-          <a:p>
-            <a:endParaRPr lang="en-IE" dirty="0" smtClean="0"/>
-          </a:p>
-          <a:p>
-            <a:r>
-              <a:rPr lang="en-IE" dirty="0" smtClean="0"/>
-              <a:t>False positive paradox:</a:t>
-            </a:r>
-          </a:p>
-          <a:p>
-            <a:r>
-              <a:rPr lang="en-IE" dirty="0" smtClean="0"/>
-              <a:t>HIV probability IF tested positive (low incidence</a:t>
-            </a:r>
-            <a:r>
-              <a:rPr lang="en-IE" baseline="0" dirty="0" smtClean="0"/>
-              <a:t> population</a:t>
-            </a:r>
-            <a:r>
-              <a:rPr lang="en-IE" dirty="0" smtClean="0"/>
-              <a:t>):</a:t>
-            </a:r>
-          </a:p>
-          <a:p>
-            <a:r>
-              <a:rPr lang="en-IE" dirty="0" smtClean="0"/>
-              <a:t>1000 tests,</a:t>
-            </a:r>
-            <a:r>
-              <a:rPr lang="en-IE" baseline="0" dirty="0" smtClean="0"/>
-              <a:t> 2% infected, FPR 5% (95% accuracy) </a:t>
-            </a:r>
-            <a:r>
-              <a:rPr lang="en-IE" baseline="0" dirty="0" smtClean="0">
-                <a:sym typeface="Wingdings" panose="05000000000000000000" pitchFamily="2" charset="2"/>
-              </a:rPr>
-              <a:t> 1000 * 0.02 = 20 TP, 1000 * (100 - 2) / 100 * 0.05 = 49 FP</a:t>
-            </a:r>
-          </a:p>
-          <a:p>
-            <a:pPr marL="171450" indent="-171450">
-              <a:buFont typeface="Wingdings"/>
-              <a:buChar char="à"/>
-            </a:pPr>
-            <a:r>
-              <a:rPr lang="en-IE" baseline="0" dirty="0" err="1" smtClean="0">
-                <a:sym typeface="Wingdings" panose="05000000000000000000" pitchFamily="2" charset="2"/>
-              </a:rPr>
-              <a:t>Prob</a:t>
-            </a:r>
-            <a:r>
-              <a:rPr lang="en-IE" baseline="0" dirty="0" smtClean="0">
-                <a:sym typeface="Wingdings" panose="05000000000000000000" pitchFamily="2" charset="2"/>
-              </a:rPr>
-              <a:t> of positive if tested positive = 20 / (20 + 49) = 29%</a:t>
-            </a:r>
-          </a:p>
-          <a:p>
-            <a:pPr marL="0" indent="0">
-              <a:buFont typeface="Wingdings"/>
-              <a:buNone/>
-            </a:pPr>
-            <a:endParaRPr lang="en-IE" baseline="0" dirty="0">
-              <a:sym typeface="Wingdings" panose="05000000000000000000" pitchFamily="2" charset="2"/>
-            </a:endParaRPr>
-          </a:p>
-          <a:p>
-            <a:pPr marL="0" indent="0">
-              <a:buFont typeface="Wingdings"/>
-              <a:buNone/>
-            </a:pPr>
-            <a:r>
-              <a:rPr lang="en-IE" baseline="0" dirty="0" smtClean="0">
-                <a:sym typeface="Wingdings" panose="05000000000000000000" pitchFamily="2" charset="2"/>
-              </a:rPr>
-              <a:t>Simpson’s paradox: a trend appearing in different groups might change when groups are combined.</a:t>
-            </a:r>
-          </a:p>
-          <a:p>
-            <a:pPr marL="0" indent="0">
-              <a:buFont typeface="Wingdings"/>
-              <a:buNone/>
-            </a:pPr>
-            <a:endParaRPr lang="en-IE" baseline="0" dirty="0" smtClean="0">
-              <a:sym typeface="Wingdings" panose="05000000000000000000" pitchFamily="2" charset="2"/>
-            </a:endParaRPr>
-          </a:p>
-          <a:p>
-            <a:pPr marL="0" indent="0">
-              <a:buFont typeface="Wingdings"/>
-              <a:buNone/>
-            </a:pPr>
-            <a:r>
-              <a:rPr lang="en-IE" baseline="0" dirty="0" smtClean="0">
-                <a:sym typeface="Wingdings" panose="05000000000000000000" pitchFamily="2" charset="2"/>
-              </a:rPr>
-              <a:t>99% results on 95% requirements: Naïve model.</a:t>
-            </a:r>
-          </a:p>
-          <a:p>
-            <a:pPr marL="0" indent="0">
-              <a:buFont typeface="Wingdings"/>
-              <a:buNone/>
-            </a:pPr>
-            <a:endParaRPr lang="en-IE" baseline="0" dirty="0" smtClean="0">
-              <a:sym typeface="Wingdings" panose="05000000000000000000" pitchFamily="2" charset="2"/>
-            </a:endParaRPr>
-          </a:p>
-          <a:p>
-            <a:pPr marL="0" indent="0">
-              <a:buFont typeface="Wingdings"/>
-              <a:buNone/>
-            </a:pPr>
-            <a:endParaRPr lang="en-IE" baseline="0" dirty="0" smtClean="0">
-              <a:sym typeface="Wingdings" panose="05000000000000000000" pitchFamily="2" charset="2"/>
-            </a:endParaRPr>
+            <a:endParaRPr lang="en-US" dirty="0"/>
           </a:p>
         </p:txBody>
       </p:sp>
@@ -10481,7 +10535,7 @@
           <a:p>
             <a:fld id="{F64C424B-C749-4819-BEAF-C73A3A7C174A}" type="datetime8">
               <a:rPr lang="en-US" smtClean="0"/>
-              <a:t>1/26/2018 3:09 PM</a:t>
+              <a:t>1/29/2018 11:47 AM</a:t>
             </a:fld>
             <a:endParaRPr lang="en-US" dirty="0"/>
           </a:p>
@@ -10589,6 +10643,58 @@
               <a:rPr lang="en-IE" dirty="0" smtClean="0"/>
               <a:t>MAIN FOCUS HERE!!!</a:t>
             </a:r>
+          </a:p>
+          <a:p>
+            <a:endParaRPr lang="en-IE" dirty="0" smtClean="0"/>
+          </a:p>
+          <a:p>
+            <a:r>
+              <a:rPr lang="en-IE" dirty="0" smtClean="0"/>
+              <a:t>Energy load forecasting</a:t>
+            </a:r>
+          </a:p>
+          <a:p>
+            <a:r>
+              <a:rPr lang="en-IE" dirty="0" smtClean="0"/>
+              <a:t>Workload interaction assessment in data centres</a:t>
+            </a:r>
+          </a:p>
+          <a:p>
+            <a:r>
+              <a:rPr lang="en-IE" dirty="0" smtClean="0"/>
+              <a:t>Anomaly detection in server behaviour</a:t>
+            </a:r>
+          </a:p>
+          <a:p>
+            <a:r>
+              <a:rPr lang="en-IE" dirty="0" smtClean="0"/>
+              <a:t>Intelligent agents in data centres (preventive maintenance, near-real-time corrective actions)</a:t>
+            </a:r>
+          </a:p>
+          <a:p>
+            <a:r>
+              <a:rPr lang="en-IE" dirty="0" smtClean="0"/>
+              <a:t>Call centre optimization (optimizer engine and feature extraction, repeat callers, </a:t>
+            </a:r>
+            <a:r>
+              <a:rPr lang="en-IE" dirty="0" err="1" smtClean="0"/>
+              <a:t>auth</a:t>
+            </a:r>
+            <a:r>
+              <a:rPr lang="en-IE" dirty="0" smtClean="0"/>
+              <a:t> rate, IVR optimization, Population segmentation)</a:t>
+            </a:r>
+          </a:p>
+          <a:p>
+            <a:r>
+              <a:rPr lang="en-IE" dirty="0" smtClean="0"/>
+              <a:t>Early diagnosis suggestions</a:t>
+            </a:r>
+          </a:p>
+          <a:p>
+            <a:endParaRPr lang="en-US" dirty="0" smtClean="0"/>
+          </a:p>
+          <a:p>
             <a:endParaRPr lang="en-US" dirty="0"/>
           </a:p>
         </p:txBody>
@@ -10653,7 +10759,7 @@
           <a:p>
             <a:fld id="{F64C424B-C749-4819-BEAF-C73A3A7C174A}" type="datetime8">
               <a:rPr lang="en-US" smtClean="0"/>
-              <a:t>1/26/2018 11:44 AM</a:t>
+              <a:t>1/29/2018 11:47 AM</a:t>
             </a:fld>
             <a:endParaRPr lang="en-US" dirty="0"/>
           </a:p>
@@ -10757,6 +10863,62 @@
           <a:bodyPr/>
           <a:lstStyle/>
           <a:p>
+            <a:r>
+              <a:rPr lang="en-IE" dirty="0" smtClean="0"/>
+              <a:t>MAIN FOCUS HERE!!!</a:t>
+            </a:r>
+          </a:p>
+          <a:p>
+            <a:endParaRPr lang="en-IE" dirty="0" smtClean="0"/>
+          </a:p>
+          <a:p>
+            <a:r>
+              <a:rPr lang="en-IE" dirty="0" smtClean="0"/>
+              <a:t>Energy load forecasting</a:t>
+            </a:r>
+          </a:p>
+          <a:p>
+            <a:r>
+              <a:rPr lang="en-IE" dirty="0" smtClean="0"/>
+              <a:t>Workload interaction assessment in data centres</a:t>
+            </a:r>
+          </a:p>
+          <a:p>
+            <a:r>
+              <a:rPr lang="en-IE" dirty="0" smtClean="0"/>
+              <a:t>Anomaly detection in server behaviour</a:t>
+            </a:r>
+          </a:p>
+          <a:p>
+            <a:r>
+              <a:rPr lang="en-IE" dirty="0" smtClean="0"/>
+              <a:t>Intelligent agents in data centres (preventive maintenance, near-real-time corrective actions)</a:t>
+            </a:r>
+          </a:p>
+          <a:p>
+            <a:r>
+              <a:rPr lang="en-IE" dirty="0" smtClean="0"/>
+              <a:t>Call centre optimization (optimizer engine and feature extraction, repeat callers, </a:t>
+            </a:r>
+            <a:r>
+              <a:rPr lang="en-IE" dirty="0" err="1" smtClean="0"/>
+              <a:t>auth</a:t>
+            </a:r>
+            <a:r>
+              <a:rPr lang="en-IE" dirty="0" smtClean="0"/>
+              <a:t> rate, IVR optimization, Population segmentation)</a:t>
+            </a:r>
+          </a:p>
+          <a:p>
+            <a:r>
+              <a:rPr lang="en-IE" dirty="0" smtClean="0"/>
+              <a:t>Early diagnosis suggestions</a:t>
+            </a:r>
+          </a:p>
+          <a:p>
+            <a:endParaRPr lang="en-US" dirty="0" smtClean="0"/>
+          </a:p>
+          <a:p>
             <a:endParaRPr lang="en-US" dirty="0"/>
           </a:p>
         </p:txBody>
@@ -10821,7 +10983,7 @@
           <a:p>
             <a:fld id="{F64C424B-C749-4819-BEAF-C73A3A7C174A}" type="datetime8">
               <a:rPr lang="en-US" smtClean="0"/>
-              <a:t>1/22/2018 2:50 PM</a:t>
+              <a:t>1/29/2018 11:47 AM</a:t>
             </a:fld>
             <a:endParaRPr lang="en-US" dirty="0"/>
           </a:p>
@@ -10925,6 +11087,62 @@
           <a:bodyPr/>
           <a:lstStyle/>
           <a:p>
+            <a:r>
+              <a:rPr lang="en-IE" dirty="0" smtClean="0"/>
+              <a:t>MAIN FOCUS HERE!!!</a:t>
+            </a:r>
+          </a:p>
+          <a:p>
+            <a:endParaRPr lang="en-IE" dirty="0" smtClean="0"/>
+          </a:p>
+          <a:p>
+            <a:r>
+              <a:rPr lang="en-IE" dirty="0" smtClean="0"/>
+              <a:t>Energy load forecasting</a:t>
+            </a:r>
+          </a:p>
+          <a:p>
+            <a:r>
+              <a:rPr lang="en-IE" dirty="0" smtClean="0"/>
+              <a:t>Workload interaction assessment in data centres</a:t>
+            </a:r>
+          </a:p>
+          <a:p>
+            <a:r>
+              <a:rPr lang="en-IE" dirty="0" smtClean="0"/>
+              <a:t>Anomaly detection in server behaviour</a:t>
+            </a:r>
+          </a:p>
+          <a:p>
+            <a:r>
+              <a:rPr lang="en-IE" dirty="0" smtClean="0"/>
+              <a:t>Intelligent agents in data centres (preventive maintenance, near-real-time corrective actions)</a:t>
+            </a:r>
+          </a:p>
+          <a:p>
+            <a:r>
+              <a:rPr lang="en-IE" dirty="0" smtClean="0"/>
+              <a:t>Call centre optimization (optimizer engine and feature extraction, repeat callers, </a:t>
+            </a:r>
+            <a:r>
+              <a:rPr lang="en-IE" dirty="0" err="1" smtClean="0"/>
+              <a:t>auth</a:t>
+            </a:r>
+            <a:r>
+              <a:rPr lang="en-IE" dirty="0" smtClean="0"/>
+              <a:t> rate, IVR optimization, Population segmentation)</a:t>
+            </a:r>
+          </a:p>
+          <a:p>
+            <a:r>
+              <a:rPr lang="en-IE" dirty="0" smtClean="0"/>
+              <a:t>Early diagnosis suggestions</a:t>
+            </a:r>
+          </a:p>
+          <a:p>
+            <a:endParaRPr lang="en-US" dirty="0" smtClean="0"/>
+          </a:p>
+          <a:p>
             <a:endParaRPr lang="en-US" dirty="0"/>
           </a:p>
         </p:txBody>
@@ -10989,7 +11207,7 @@
           <a:p>
             <a:fld id="{F64C424B-C749-4819-BEAF-C73A3A7C174A}" type="datetime8">
               <a:rPr lang="en-US" smtClean="0"/>
-              <a:t>1/22/2018 2:50 PM</a:t>
+              <a:t>1/29/2018 11:47 AM</a:t>
             </a:fld>
             <a:endParaRPr lang="en-US" dirty="0"/>
           </a:p>
@@ -11093,6 +11311,62 @@
           <a:bodyPr/>
           <a:lstStyle/>
           <a:p>
+            <a:r>
+              <a:rPr lang="en-IE" dirty="0" smtClean="0"/>
+              <a:t>MAIN FOCUS HERE!!!</a:t>
+            </a:r>
+          </a:p>
+          <a:p>
+            <a:endParaRPr lang="en-IE" dirty="0" smtClean="0"/>
+          </a:p>
+          <a:p>
+            <a:r>
+              <a:rPr lang="en-IE" dirty="0" smtClean="0"/>
+              <a:t>Energy load forecasting</a:t>
+            </a:r>
+          </a:p>
+          <a:p>
+            <a:r>
+              <a:rPr lang="en-IE" dirty="0" smtClean="0"/>
+              <a:t>Workload interaction assessment in data centres</a:t>
+            </a:r>
+          </a:p>
+          <a:p>
+            <a:r>
+              <a:rPr lang="en-IE" dirty="0" smtClean="0"/>
+              <a:t>Anomaly detection in server behaviour</a:t>
+            </a:r>
+          </a:p>
+          <a:p>
+            <a:r>
+              <a:rPr lang="en-IE" dirty="0" smtClean="0"/>
+              <a:t>Intelligent agents in data centres (preventive maintenance, near-real-time corrective actions)</a:t>
+            </a:r>
+          </a:p>
+          <a:p>
+            <a:r>
+              <a:rPr lang="en-IE" dirty="0" smtClean="0"/>
+              <a:t>Call centre optimization (optimizer engine and feature extraction, repeat callers, </a:t>
+            </a:r>
+            <a:r>
+              <a:rPr lang="en-IE" dirty="0" err="1" smtClean="0"/>
+              <a:t>auth</a:t>
+            </a:r>
+            <a:r>
+              <a:rPr lang="en-IE" dirty="0" smtClean="0"/>
+              <a:t> rate, IVR optimization, Population segmentation)</a:t>
+            </a:r>
+          </a:p>
+          <a:p>
+            <a:r>
+              <a:rPr lang="en-IE" dirty="0" smtClean="0"/>
+              <a:t>Early diagnosis suggestions</a:t>
+            </a:r>
+          </a:p>
+          <a:p>
+            <a:endParaRPr lang="en-US" dirty="0" smtClean="0"/>
+          </a:p>
+          <a:p>
             <a:endParaRPr lang="en-US" dirty="0"/>
           </a:p>
         </p:txBody>
@@ -11157,7 +11431,7 @@
           <a:p>
             <a:fld id="{F64C424B-C749-4819-BEAF-C73A3A7C174A}" type="datetime8">
               <a:rPr lang="en-US" smtClean="0"/>
-              <a:t>1/22/2018 2:50 PM</a:t>
+              <a:t>1/29/2018 1:38 PM</a:t>
             </a:fld>
             <a:endParaRPr lang="en-US" dirty="0"/>
           </a:p>
@@ -11358,7 +11632,7 @@
           <a:p>
             <a:fld id="{F23EEDA6-C444-400B-9265-AA145BEA4DAB}" type="datetime8">
               <a:rPr lang="en-US" smtClean="0"/>
-              <a:t>1/26/2018 1:26 PM</a:t>
+              <a:t>1/29/2018 11:47 AM</a:t>
             </a:fld>
             <a:endParaRPr lang="en-US" dirty="0"/>
           </a:p>
@@ -11392,6 +11666,510 @@
     <p:extLst>
       <p:ext uri="{BB962C8B-B14F-4D97-AF65-F5344CB8AC3E}">
         <p14:creationId xmlns:p14="http://schemas.microsoft.com/office/powerpoint/2010/main" val="573591069"/>
+      </p:ext>
+    </p:extLst>
+  </p:cSld>
+  <p:clrMapOvr>
+    <a:masterClrMapping/>
+  </p:clrMapOvr>
+</p:notes>
+</file>
+
+<file path=ppt/notesSlides/notesSlide20.xml><?xml version="1.0" encoding="utf-8"?>
+<p:notes xmlns:a="http://schemas.openxmlformats.org/drawingml/2006/main" xmlns:r="http://schemas.openxmlformats.org/officeDocument/2006/relationships" xmlns:p="http://schemas.openxmlformats.org/presentationml/2006/main">
+  <p:cSld>
+    <p:spTree>
+      <p:nvGrpSpPr>
+        <p:cNvPr id="1" name=""/>
+        <p:cNvGrpSpPr/>
+        <p:nvPr/>
+      </p:nvGrpSpPr>
+      <p:grpSpPr>
+        <a:xfrm>
+          <a:off x="0" y="0"/>
+          <a:ext cx="0" cy="0"/>
+          <a:chOff x="0" y="0"/>
+          <a:chExt cx="0" cy="0"/>
+        </a:xfrm>
+      </p:grpSpPr>
+      <p:sp>
+        <p:nvSpPr>
+          <p:cNvPr id="2" name="Slide Image Placeholder 1"/>
+          <p:cNvSpPr>
+            <a:spLocks noGrp="1" noRot="1" noChangeAspect="1"/>
+          </p:cNvSpPr>
+          <p:nvPr>
+            <p:ph type="sldImg"/>
+          </p:nvPr>
+        </p:nvSpPr>
+        <p:spPr>
+          <a:xfrm>
+            <a:off x="1143000" y="685800"/>
+            <a:ext cx="4572000" cy="3429000"/>
+          </a:xfrm>
+        </p:spPr>
+      </p:sp>
+      <p:sp>
+        <p:nvSpPr>
+          <p:cNvPr id="3" name="Notes Placeholder 2"/>
+          <p:cNvSpPr>
+            <a:spLocks noGrp="1"/>
+          </p:cNvSpPr>
+          <p:nvPr>
+            <p:ph type="body" idx="1"/>
+          </p:nvPr>
+        </p:nvSpPr>
+        <p:spPr/>
+        <p:txBody>
+          <a:bodyPr/>
+          <a:lstStyle/>
+          <a:p>
+            <a:endParaRPr lang="en-US" dirty="0"/>
+          </a:p>
+        </p:txBody>
+      </p:sp>
+      <p:sp>
+        <p:nvSpPr>
+          <p:cNvPr id="4" name="Header Placeholder 3"/>
+          <p:cNvSpPr>
+            <a:spLocks noGrp="1"/>
+          </p:cNvSpPr>
+          <p:nvPr>
+            <p:ph type="hdr" sz="quarter" idx="10"/>
+          </p:nvPr>
+        </p:nvSpPr>
+        <p:spPr/>
+        <p:txBody>
+          <a:bodyPr/>
+          <a:lstStyle/>
+          <a:p>
+            <a:endParaRPr lang="en-US" dirty="0"/>
+          </a:p>
+        </p:txBody>
+      </p:sp>
+      <p:sp>
+        <p:nvSpPr>
+          <p:cNvPr id="7" name="Slide Number Placeholder 6"/>
+          <p:cNvSpPr>
+            <a:spLocks noGrp="1"/>
+          </p:cNvSpPr>
+          <p:nvPr>
+            <p:ph type="sldNum" sz="quarter" idx="13"/>
+          </p:nvPr>
+        </p:nvSpPr>
+        <p:spPr/>
+        <p:txBody>
+          <a:bodyPr/>
+          <a:lstStyle/>
+          <a:p>
+            <a:fld id="{B4008EB6-D09E-4580-8CD6-DDB14511944F}" type="slidenum">
+              <a:rPr lang="en-US" smtClean="0"/>
+              <a:pPr/>
+              <a:t>22</a:t>
+            </a:fld>
+            <a:endParaRPr lang="en-US" dirty="0"/>
+          </a:p>
+        </p:txBody>
+      </p:sp>
+      <p:sp>
+        <p:nvSpPr>
+          <p:cNvPr id="8" name="Date Placeholder 7"/>
+          <p:cNvSpPr>
+            <a:spLocks noGrp="1"/>
+          </p:cNvSpPr>
+          <p:nvPr>
+            <p:ph type="dt" idx="14"/>
+          </p:nvPr>
+        </p:nvSpPr>
+        <p:spPr/>
+        <p:txBody>
+          <a:bodyPr/>
+          <a:lstStyle/>
+          <a:p>
+            <a:fld id="{F64C424B-C749-4819-BEAF-C73A3A7C174A}" type="datetime8">
+              <a:rPr lang="en-US" smtClean="0"/>
+              <a:t>1/29/2018 11:47 AM</a:t>
+            </a:fld>
+            <a:endParaRPr lang="en-US" dirty="0"/>
+          </a:p>
+        </p:txBody>
+      </p:sp>
+      <p:sp>
+        <p:nvSpPr>
+          <p:cNvPr id="9" name="Footer Placeholder 8"/>
+          <p:cNvSpPr>
+            <a:spLocks noGrp="1"/>
+          </p:cNvSpPr>
+          <p:nvPr>
+            <p:ph type="ftr" sz="quarter" idx="15"/>
+          </p:nvPr>
+        </p:nvSpPr>
+        <p:spPr/>
+        <p:txBody>
+          <a:bodyPr/>
+          <a:lstStyle/>
+          <a:p>
+            <a:pPr defTabSz="932290" eaLnBrk="0" hangingPunct="0"/>
+            <a:r>
+              <a:rPr lang="en-US" sz="500" dirty="0">
+                <a:gradFill>
+                  <a:gsLst>
+                    <a:gs pos="0">
+                      <a:schemeClr val="tx1"/>
+                    </a:gs>
+                    <a:gs pos="100000">
+                      <a:schemeClr val="tx1"/>
+                    </a:gs>
+                  </a:gsLst>
+                  <a:lin ang="5400000" scaled="0"/>
+                </a:gradFill>
+                <a:cs typeface="Arial" panose="020B0604020202020204" pitchFamily="34" charset="0"/>
+              </a:rPr>
+              <a:t>© 2016 Optum, Inc. All rights reserved. </a:t>
+            </a:r>
+          </a:p>
+        </p:txBody>
+      </p:sp>
+    </p:spTree>
+    <p:extLst>
+      <p:ext uri="{BB962C8B-B14F-4D97-AF65-F5344CB8AC3E}">
+        <p14:creationId xmlns:p14="http://schemas.microsoft.com/office/powerpoint/2010/main" val="439873543"/>
+      </p:ext>
+    </p:extLst>
+  </p:cSld>
+  <p:clrMapOvr>
+    <a:masterClrMapping/>
+  </p:clrMapOvr>
+</p:notes>
+</file>
+
+<file path=ppt/notesSlides/notesSlide21.xml><?xml version="1.0" encoding="utf-8"?>
+<p:notes xmlns:a="http://schemas.openxmlformats.org/drawingml/2006/main" xmlns:r="http://schemas.openxmlformats.org/officeDocument/2006/relationships" xmlns:p="http://schemas.openxmlformats.org/presentationml/2006/main">
+  <p:cSld>
+    <p:spTree>
+      <p:nvGrpSpPr>
+        <p:cNvPr id="1" name=""/>
+        <p:cNvGrpSpPr/>
+        <p:nvPr/>
+      </p:nvGrpSpPr>
+      <p:grpSpPr>
+        <a:xfrm>
+          <a:off x="0" y="0"/>
+          <a:ext cx="0" cy="0"/>
+          <a:chOff x="0" y="0"/>
+          <a:chExt cx="0" cy="0"/>
+        </a:xfrm>
+      </p:grpSpPr>
+      <p:sp>
+        <p:nvSpPr>
+          <p:cNvPr id="2" name="Slide Image Placeholder 1"/>
+          <p:cNvSpPr>
+            <a:spLocks noGrp="1" noRot="1" noChangeAspect="1"/>
+          </p:cNvSpPr>
+          <p:nvPr>
+            <p:ph type="sldImg"/>
+          </p:nvPr>
+        </p:nvSpPr>
+        <p:spPr>
+          <a:xfrm>
+            <a:off x="1143000" y="685800"/>
+            <a:ext cx="4572000" cy="3429000"/>
+          </a:xfrm>
+        </p:spPr>
+      </p:sp>
+      <p:sp>
+        <p:nvSpPr>
+          <p:cNvPr id="3" name="Notes Placeholder 2"/>
+          <p:cNvSpPr>
+            <a:spLocks noGrp="1"/>
+          </p:cNvSpPr>
+          <p:nvPr>
+            <p:ph type="body" idx="1"/>
+          </p:nvPr>
+        </p:nvSpPr>
+        <p:spPr/>
+        <p:txBody>
+          <a:bodyPr/>
+          <a:lstStyle/>
+          <a:p>
+            <a:endParaRPr lang="en-US" dirty="0"/>
+          </a:p>
+        </p:txBody>
+      </p:sp>
+      <p:sp>
+        <p:nvSpPr>
+          <p:cNvPr id="4" name="Header Placeholder 3"/>
+          <p:cNvSpPr>
+            <a:spLocks noGrp="1"/>
+          </p:cNvSpPr>
+          <p:nvPr>
+            <p:ph type="hdr" sz="quarter" idx="10"/>
+          </p:nvPr>
+        </p:nvSpPr>
+        <p:spPr/>
+        <p:txBody>
+          <a:bodyPr/>
+          <a:lstStyle/>
+          <a:p>
+            <a:endParaRPr lang="en-US" dirty="0"/>
+          </a:p>
+        </p:txBody>
+      </p:sp>
+      <p:sp>
+        <p:nvSpPr>
+          <p:cNvPr id="7" name="Slide Number Placeholder 6"/>
+          <p:cNvSpPr>
+            <a:spLocks noGrp="1"/>
+          </p:cNvSpPr>
+          <p:nvPr>
+            <p:ph type="sldNum" sz="quarter" idx="13"/>
+          </p:nvPr>
+        </p:nvSpPr>
+        <p:spPr/>
+        <p:txBody>
+          <a:bodyPr/>
+          <a:lstStyle/>
+          <a:p>
+            <a:fld id="{B4008EB6-D09E-4580-8CD6-DDB14511944F}" type="slidenum">
+              <a:rPr lang="en-US" smtClean="0"/>
+              <a:pPr/>
+              <a:t>23</a:t>
+            </a:fld>
+            <a:endParaRPr lang="en-US" dirty="0"/>
+          </a:p>
+        </p:txBody>
+      </p:sp>
+      <p:sp>
+        <p:nvSpPr>
+          <p:cNvPr id="8" name="Date Placeholder 7"/>
+          <p:cNvSpPr>
+            <a:spLocks noGrp="1"/>
+          </p:cNvSpPr>
+          <p:nvPr>
+            <p:ph type="dt" idx="14"/>
+          </p:nvPr>
+        </p:nvSpPr>
+        <p:spPr/>
+        <p:txBody>
+          <a:bodyPr/>
+          <a:lstStyle/>
+          <a:p>
+            <a:fld id="{F64C424B-C749-4819-BEAF-C73A3A7C174A}" type="datetime8">
+              <a:rPr lang="en-US" smtClean="0"/>
+              <a:t>1/29/2018 11:47 AM</a:t>
+            </a:fld>
+            <a:endParaRPr lang="en-US" dirty="0"/>
+          </a:p>
+        </p:txBody>
+      </p:sp>
+      <p:sp>
+        <p:nvSpPr>
+          <p:cNvPr id="9" name="Footer Placeholder 8"/>
+          <p:cNvSpPr>
+            <a:spLocks noGrp="1"/>
+          </p:cNvSpPr>
+          <p:nvPr>
+            <p:ph type="ftr" sz="quarter" idx="15"/>
+          </p:nvPr>
+        </p:nvSpPr>
+        <p:spPr/>
+        <p:txBody>
+          <a:bodyPr/>
+          <a:lstStyle/>
+          <a:p>
+            <a:pPr defTabSz="932290" eaLnBrk="0" hangingPunct="0"/>
+            <a:r>
+              <a:rPr lang="en-US" sz="500" dirty="0">
+                <a:gradFill>
+                  <a:gsLst>
+                    <a:gs pos="0">
+                      <a:schemeClr val="tx1"/>
+                    </a:gs>
+                    <a:gs pos="100000">
+                      <a:schemeClr val="tx1"/>
+                    </a:gs>
+                  </a:gsLst>
+                  <a:lin ang="5400000" scaled="0"/>
+                </a:gradFill>
+                <a:cs typeface="Arial" panose="020B0604020202020204" pitchFamily="34" charset="0"/>
+              </a:rPr>
+              <a:t>© 2016 Optum, Inc. All rights reserved. </a:t>
+            </a:r>
+          </a:p>
+        </p:txBody>
+      </p:sp>
+    </p:spTree>
+    <p:extLst>
+      <p:ext uri="{BB962C8B-B14F-4D97-AF65-F5344CB8AC3E}">
+        <p14:creationId xmlns:p14="http://schemas.microsoft.com/office/powerpoint/2010/main" val="439873543"/>
+      </p:ext>
+    </p:extLst>
+  </p:cSld>
+  <p:clrMapOvr>
+    <a:masterClrMapping/>
+  </p:clrMapOvr>
+</p:notes>
+</file>
+
+<file path=ppt/notesSlides/notesSlide22.xml><?xml version="1.0" encoding="utf-8"?>
+<p:notes xmlns:a="http://schemas.openxmlformats.org/drawingml/2006/main" xmlns:r="http://schemas.openxmlformats.org/officeDocument/2006/relationships" xmlns:p="http://schemas.openxmlformats.org/presentationml/2006/main">
+  <p:cSld>
+    <p:spTree>
+      <p:nvGrpSpPr>
+        <p:cNvPr id="1" name=""/>
+        <p:cNvGrpSpPr/>
+        <p:nvPr/>
+      </p:nvGrpSpPr>
+      <p:grpSpPr>
+        <a:xfrm>
+          <a:off x="0" y="0"/>
+          <a:ext cx="0" cy="0"/>
+          <a:chOff x="0" y="0"/>
+          <a:chExt cx="0" cy="0"/>
+        </a:xfrm>
+      </p:grpSpPr>
+      <p:sp>
+        <p:nvSpPr>
+          <p:cNvPr id="2" name="Slide Image Placeholder 1"/>
+          <p:cNvSpPr>
+            <a:spLocks noGrp="1" noRot="1" noChangeAspect="1"/>
+          </p:cNvSpPr>
+          <p:nvPr>
+            <p:ph type="sldImg"/>
+          </p:nvPr>
+        </p:nvSpPr>
+        <p:spPr>
+          <a:xfrm>
+            <a:off x="1143000" y="685800"/>
+            <a:ext cx="4572000" cy="3429000"/>
+          </a:xfrm>
+        </p:spPr>
+      </p:sp>
+      <p:sp>
+        <p:nvSpPr>
+          <p:cNvPr id="3" name="Notes Placeholder 2"/>
+          <p:cNvSpPr>
+            <a:spLocks noGrp="1"/>
+          </p:cNvSpPr>
+          <p:nvPr>
+            <p:ph type="body" idx="1"/>
+          </p:nvPr>
+        </p:nvSpPr>
+        <p:spPr/>
+        <p:txBody>
+          <a:bodyPr/>
+          <a:lstStyle/>
+          <a:p>
+            <a:endParaRPr lang="en-US" dirty="0"/>
+          </a:p>
+        </p:txBody>
+      </p:sp>
+      <p:sp>
+        <p:nvSpPr>
+          <p:cNvPr id="4" name="Header Placeholder 3"/>
+          <p:cNvSpPr>
+            <a:spLocks noGrp="1"/>
+          </p:cNvSpPr>
+          <p:nvPr>
+            <p:ph type="hdr" sz="quarter" idx="10"/>
+          </p:nvPr>
+        </p:nvSpPr>
+        <p:spPr/>
+        <p:txBody>
+          <a:bodyPr/>
+          <a:lstStyle/>
+          <a:p>
+            <a:endParaRPr lang="en-US" dirty="0"/>
+          </a:p>
+        </p:txBody>
+      </p:sp>
+      <p:sp>
+        <p:nvSpPr>
+          <p:cNvPr id="7" name="Slide Number Placeholder 6"/>
+          <p:cNvSpPr>
+            <a:spLocks noGrp="1"/>
+          </p:cNvSpPr>
+          <p:nvPr>
+            <p:ph type="sldNum" sz="quarter" idx="13"/>
+          </p:nvPr>
+        </p:nvSpPr>
+        <p:spPr/>
+        <p:txBody>
+          <a:bodyPr/>
+          <a:lstStyle/>
+          <a:p>
+            <a:fld id="{B4008EB6-D09E-4580-8CD6-DDB14511944F}" type="slidenum">
+              <a:rPr lang="en-US" smtClean="0"/>
+              <a:pPr/>
+              <a:t>24</a:t>
+            </a:fld>
+            <a:endParaRPr lang="en-US" dirty="0"/>
+          </a:p>
+        </p:txBody>
+      </p:sp>
+      <p:sp>
+        <p:nvSpPr>
+          <p:cNvPr id="8" name="Date Placeholder 7"/>
+          <p:cNvSpPr>
+            <a:spLocks noGrp="1"/>
+          </p:cNvSpPr>
+          <p:nvPr>
+            <p:ph type="dt" idx="14"/>
+          </p:nvPr>
+        </p:nvSpPr>
+        <p:spPr/>
+        <p:txBody>
+          <a:bodyPr/>
+          <a:lstStyle/>
+          <a:p>
+            <a:fld id="{F64C424B-C749-4819-BEAF-C73A3A7C174A}" type="datetime8">
+              <a:rPr lang="en-US" smtClean="0"/>
+              <a:t>1/29/2018 11:47 AM</a:t>
+            </a:fld>
+            <a:endParaRPr lang="en-US" dirty="0"/>
+          </a:p>
+        </p:txBody>
+      </p:sp>
+      <p:sp>
+        <p:nvSpPr>
+          <p:cNvPr id="9" name="Footer Placeholder 8"/>
+          <p:cNvSpPr>
+            <a:spLocks noGrp="1"/>
+          </p:cNvSpPr>
+          <p:nvPr>
+            <p:ph type="ftr" sz="quarter" idx="15"/>
+          </p:nvPr>
+        </p:nvSpPr>
+        <p:spPr/>
+        <p:txBody>
+          <a:bodyPr/>
+          <a:lstStyle/>
+          <a:p>
+            <a:pPr defTabSz="932290" eaLnBrk="0" hangingPunct="0"/>
+            <a:r>
+              <a:rPr lang="en-US" sz="500" dirty="0">
+                <a:gradFill>
+                  <a:gsLst>
+                    <a:gs pos="0">
+                      <a:schemeClr val="tx1"/>
+                    </a:gs>
+                    <a:gs pos="100000">
+                      <a:schemeClr val="tx1"/>
+                    </a:gs>
+                  </a:gsLst>
+                  <a:lin ang="5400000" scaled="0"/>
+                </a:gradFill>
+                <a:cs typeface="Arial" panose="020B0604020202020204" pitchFamily="34" charset="0"/>
+              </a:rPr>
+              <a:t>© 2016 Optum, Inc. All rights reserved. </a:t>
+            </a:r>
+          </a:p>
+        </p:txBody>
+      </p:sp>
+    </p:spTree>
+    <p:extLst>
+      <p:ext uri="{BB962C8B-B14F-4D97-AF65-F5344CB8AC3E}">
+        <p14:creationId xmlns:p14="http://schemas.microsoft.com/office/powerpoint/2010/main" val="439873543"/>
       </p:ext>
     </p:extLst>
   </p:cSld>
@@ -11558,7 +12336,7 @@
           <a:p>
             <a:fld id="{F23EEDA6-C444-400B-9265-AA145BEA4DAB}" type="datetime8">
               <a:rPr lang="en-US" smtClean="0"/>
-              <a:t>1/22/2018 2:50 PM</a:t>
+              <a:t>1/29/2018 11:47 AM</a:t>
             </a:fld>
             <a:endParaRPr lang="en-US" dirty="0"/>
           </a:p>
@@ -11751,7 +12529,7 @@
           <a:p>
             <a:fld id="{F64C424B-C749-4819-BEAF-C73A3A7C174A}" type="datetime8">
               <a:rPr lang="en-US" smtClean="0"/>
-              <a:t>1/22/2018 2:50 PM</a:t>
+              <a:t>1/29/2018 11:47 AM</a:t>
             </a:fld>
             <a:endParaRPr lang="en-US" dirty="0"/>
           </a:p>
@@ -11936,7 +12714,7 @@
           <a:p>
             <a:fld id="{F64C424B-C749-4819-BEAF-C73A3A7C174A}" type="datetime8">
               <a:rPr lang="en-US" smtClean="0"/>
-              <a:t>1/22/2018 2:50 PM</a:t>
+              <a:t>1/29/2018 11:47 AM</a:t>
             </a:fld>
             <a:endParaRPr lang="en-US" dirty="0"/>
           </a:p>
@@ -12124,7 +12902,7 @@
           <a:p>
             <a:fld id="{F64C424B-C749-4819-BEAF-C73A3A7C174A}" type="datetime8">
               <a:rPr lang="en-US" smtClean="0"/>
-              <a:t>1/22/2018 2:50 PM</a:t>
+              <a:t>1/29/2018 11:47 AM</a:t>
             </a:fld>
             <a:endParaRPr lang="en-US" dirty="0"/>
           </a:p>
@@ -12238,7 +13016,77 @@
             </a:r>
             <a:r>
               <a:rPr lang="en-IE" dirty="0" smtClean="0"/>
-              <a:t>Data science is multidisciplinary.</a:t>
+              <a:t>Data science is </a:t>
+            </a:r>
+            <a:r>
+              <a:rPr lang="en-IE" dirty="0" err="1" smtClean="0"/>
+              <a:t>multidiscip</a:t>
+            </a:r>
+            <a:endParaRPr lang="en-IE" dirty="0" smtClean="0"/>
+          </a:p>
+          <a:p>
+            <a:r>
+              <a:rPr lang="en-IE" dirty="0" smtClean="0"/>
+              <a:t>Skills needed by data scientists:</a:t>
+            </a:r>
+          </a:p>
+          <a:p>
+            <a:r>
+              <a:rPr lang="en-IE" dirty="0" smtClean="0"/>
+              <a:t>LOTS of different skills. One cannot hope to know them all: TEAMS!!!</a:t>
+            </a:r>
+          </a:p>
+          <a:p>
+            <a:endParaRPr lang="en-IE" dirty="0" smtClean="0"/>
+          </a:p>
+          <a:p>
+            <a:r>
+              <a:rPr lang="en-IE" dirty="0" smtClean="0"/>
+              <a:t>Maths, statistics,</a:t>
+            </a:r>
+            <a:r>
+              <a:rPr lang="en-IE" baseline="0" dirty="0" smtClean="0"/>
+              <a:t> </a:t>
+            </a:r>
+            <a:r>
+              <a:rPr lang="en-IE" baseline="0" dirty="0" err="1" smtClean="0"/>
+              <a:t>modeling</a:t>
+            </a:r>
+            <a:r>
+              <a:rPr lang="en-IE" baseline="0" dirty="0" smtClean="0"/>
+              <a:t>, experimental design, Bayesian analysis, ML, Optimization, Software development, CS,</a:t>
+            </a:r>
+          </a:p>
+          <a:p>
+            <a:r>
+              <a:rPr lang="en-IE" baseline="0" dirty="0" smtClean="0"/>
+              <a:t>Scripting, databases (SQL + NoSQL), Linear Algebra, M/R, Big Data tools, AWS, Business acumen, strategy, product management, </a:t>
+            </a:r>
+          </a:p>
+          <a:p>
+            <a:r>
+              <a:rPr lang="en-IE" baseline="0" dirty="0" smtClean="0"/>
+              <a:t>Problem solving, communication with stakeholders, senior management interface, Visualization, Story telling</a:t>
+            </a:r>
+            <a:endParaRPr lang="en-US" dirty="0" smtClean="0"/>
+          </a:p>
+          <a:p>
+            <a:endParaRPr lang="en-IE" dirty="0" smtClean="0"/>
+          </a:p>
+          <a:p>
+            <a:endParaRPr lang="en-IE" dirty="0" smtClean="0"/>
+          </a:p>
+          <a:p>
+            <a:endParaRPr lang="en-US" dirty="0" smtClean="0"/>
+          </a:p>
+          <a:p>
+            <a:r>
+              <a:rPr lang="en-IE" dirty="0" err="1" smtClean="0"/>
+              <a:t>linary</a:t>
+            </a:r>
+            <a:r>
+              <a:rPr lang="en-IE" dirty="0" smtClean="0"/>
+              <a:t>.</a:t>
             </a:r>
             <a:endParaRPr lang="en-US" dirty="0"/>
           </a:p>
@@ -12304,7 +13152,7 @@
           <a:p>
             <a:fld id="{F64C424B-C749-4819-BEAF-C73A3A7C174A}" type="datetime8">
               <a:rPr lang="en-US" smtClean="0"/>
-              <a:t>1/22/2018 2:50 PM</a:t>
+              <a:t>1/29/2018 2:06 PM</a:t>
             </a:fld>
             <a:endParaRPr lang="en-US" dirty="0"/>
           </a:p>
@@ -12486,7 +13334,7 @@
           <a:p>
             <a:fld id="{F64C424B-C749-4819-BEAF-C73A3A7C174A}" type="datetime8">
               <a:rPr lang="en-US" smtClean="0"/>
-              <a:t>1/22/2018 2:50 PM</a:t>
+              <a:t>1/29/2018 11:47 AM</a:t>
             </a:fld>
             <a:endParaRPr lang="en-US" dirty="0"/>
           </a:p>
@@ -12730,7 +13578,7 @@
           <a:p>
             <a:fld id="{F64C424B-C749-4819-BEAF-C73A3A7C174A}" type="datetime8">
               <a:rPr lang="en-US" smtClean="0"/>
-              <a:t>1/22/2018 2:50 PM</a:t>
+              <a:t>1/29/2018 11:47 AM</a:t>
             </a:fld>
             <a:endParaRPr lang="en-US" dirty="0"/>
           </a:p>
@@ -16611,7 +17459,15 @@
           <a:p>
             <a:r>
               <a:rPr lang="en-US" sz="1400" dirty="0" smtClean="0"/>
-              <a:t>Pietro Mascolo | 13.02.2018</a:t>
+              <a:t>Pietro </a:t>
+            </a:r>
+            <a:r>
+              <a:rPr lang="en-US" sz="1400" dirty="0" smtClean="0"/>
+              <a:t>Mascolo </a:t>
+            </a:r>
+            <a:r>
+              <a:rPr lang="en-US" sz="1400" dirty="0" smtClean="0"/>
+              <a:t>| 13.02.2018</a:t>
             </a:r>
           </a:p>
         </p:txBody>
@@ -17493,130 +18349,6 @@
             <p:ph type="title"/>
           </p:nvPr>
         </p:nvSpPr>
-        <p:spPr/>
-        <p:txBody>
-          <a:bodyPr/>
-          <a:lstStyle/>
-          <a:p>
-            <a:r>
-              <a:rPr lang="en-US" dirty="0" smtClean="0"/>
-              <a:t>Data Scientists </a:t>
-            </a:r>
-            <a:r>
-              <a:rPr lang="en-US" dirty="0" smtClean="0"/>
-              <a:t>– Who / Skills</a:t>
-            </a:r>
-            <a:endParaRPr lang="en-US" dirty="0"/>
-          </a:p>
-        </p:txBody>
-      </p:sp>
-      <p:pic>
-        <p:nvPicPr>
-          <p:cNvPr id="3" name="Picture 2"/>
-          <p:cNvPicPr>
-            <a:picLocks noChangeAspect="1"/>
-          </p:cNvPicPr>
-          <p:nvPr/>
-        </p:nvPicPr>
-        <p:blipFill rotWithShape="1">
-          <a:blip r:embed="rId3">
-            <a:extLst>
-              <a:ext uri="{28A0092B-C50C-407E-A947-70E740481C1C}">
-                <a14:useLocalDpi xmlns:a14="http://schemas.microsoft.com/office/drawing/2010/main" val="0"/>
-              </a:ext>
-            </a:extLst>
-          </a:blip>
-          <a:srcRect t="23688" b="3972"/>
-          <a:stretch/>
-        </p:blipFill>
-        <p:spPr>
-          <a:xfrm>
-            <a:off x="1841533" y="1521382"/>
-            <a:ext cx="5483393" cy="5282637"/>
-          </a:xfrm>
-          <a:prstGeom prst="rect">
-            <a:avLst/>
-          </a:prstGeom>
-        </p:spPr>
-      </p:pic>
-    </p:spTree>
-    <p:extLst>
-      <p:ext uri="{BB962C8B-B14F-4D97-AF65-F5344CB8AC3E}">
-        <p14:creationId xmlns:p14="http://schemas.microsoft.com/office/powerpoint/2010/main" val="2741091380"/>
-      </p:ext>
-    </p:extLst>
-  </p:cSld>
-  <p:clrMapOvr>
-    <a:masterClrMapping/>
-  </p:clrMapOvr>
-  <mc:AlternateContent xmlns:mc="http://schemas.openxmlformats.org/markup-compatibility/2006" xmlns:p14="http://schemas.microsoft.com/office/powerpoint/2010/main">
-    <mc:Choice Requires="p14">
-      <p:transition spd="med" p14:dur="700">
-        <p:fade/>
-      </p:transition>
-    </mc:Choice>
-    <mc:Fallback xmlns="">
-      <p:transition spd="med">
-        <p:fade/>
-      </p:transition>
-    </mc:Fallback>
-  </mc:AlternateContent>
-  <p:timing>
-    <p:tnLst>
-      <p:par>
-        <p:cTn id="1" dur="indefinite" restart="never" nodeType="tmRoot"/>
-      </p:par>
-    </p:tnLst>
-  </p:timing>
-</p:sld>
-</file>
-
-<file path=ppt/slides/slide13.xml><?xml version="1.0" encoding="utf-8"?>
-<p:sld xmlns:a="http://schemas.openxmlformats.org/drawingml/2006/main" xmlns:r="http://schemas.openxmlformats.org/officeDocument/2006/relationships" xmlns:p="http://schemas.openxmlformats.org/presentationml/2006/main">
-  <p:cSld>
-    <p:spTree>
-      <p:nvGrpSpPr>
-        <p:cNvPr id="1" name=""/>
-        <p:cNvGrpSpPr/>
-        <p:nvPr/>
-      </p:nvGrpSpPr>
-      <p:grpSpPr>
-        <a:xfrm>
-          <a:off x="0" y="0"/>
-          <a:ext cx="0" cy="0"/>
-          <a:chOff x="0" y="0"/>
-          <a:chExt cx="0" cy="0"/>
-        </a:xfrm>
-      </p:grpSpPr>
-      <p:sp>
-        <p:nvSpPr>
-          <p:cNvPr id="2" name="Text Placeholder 1"/>
-          <p:cNvSpPr>
-            <a:spLocks noGrp="1"/>
-          </p:cNvSpPr>
-          <p:nvPr>
-            <p:ph type="body" sz="quarter" idx="13"/>
-          </p:nvPr>
-        </p:nvSpPr>
-        <p:spPr/>
-        <p:txBody>
-          <a:bodyPr/>
-          <a:lstStyle/>
-          <a:p>
-            <a:endParaRPr lang="en-US" dirty="0"/>
-          </a:p>
-        </p:txBody>
-      </p:sp>
-      <p:sp>
-        <p:nvSpPr>
-          <p:cNvPr id="17" name="Title 16"/>
-          <p:cNvSpPr>
-            <a:spLocks noGrp="1"/>
-          </p:cNvSpPr>
-          <p:nvPr>
-            <p:ph type="title"/>
-          </p:nvPr>
-        </p:nvSpPr>
         <p:spPr>
           <a:xfrm>
             <a:off x="461387" y="297181"/>
@@ -17743,7 +18475,7 @@
 </p:sld>
 </file>
 
-<file path=ppt/slides/slide14.xml><?xml version="1.0" encoding="utf-8"?>
+<file path=ppt/slides/slide13.xml><?xml version="1.0" encoding="utf-8"?>
 <p:sld xmlns:a="http://schemas.openxmlformats.org/drawingml/2006/main" xmlns:r="http://schemas.openxmlformats.org/officeDocument/2006/relationships" xmlns:p="http://schemas.openxmlformats.org/presentationml/2006/main">
   <p:cSld>
     <p:spTree>
@@ -17816,14 +18548,14 @@
           <p:nvPr>
             <p:extLst>
               <p:ext uri="{D42A27DB-BD31-4B8C-83A1-F6EECF244321}">
-                <p14:modId xmlns:p14="http://schemas.microsoft.com/office/powerpoint/2010/main" val="3538681330"/>
+                <p14:modId xmlns:p14="http://schemas.microsoft.com/office/powerpoint/2010/main" val="1519082556"/>
               </p:ext>
             </p:extLst>
           </p:nvPr>
         </p:nvGraphicFramePr>
         <p:xfrm>
-          <a:off x="515567" y="1488331"/>
-          <a:ext cx="8365785" cy="4589770"/>
+          <a:off x="515567" y="1462804"/>
+          <a:ext cx="8365785" cy="4331605"/>
         </p:xfrm>
         <a:graphic>
           <a:graphicData uri="http://schemas.openxmlformats.org/drawingml/2006/table">
@@ -17880,21 +18612,21 @@
                   <a:tcPr/>
                 </a:tc>
               </a:tr>
-              <a:tr h="733407">
+              <a:tr h="590257">
                 <a:tc>
                   <a:txBody>
                     <a:bodyPr/>
                     <a:lstStyle/>
                     <a:p>
                       <a:r>
-                        <a:rPr lang="en-IE" dirty="0" smtClean="0"/>
+                        <a:rPr lang="en-IE" sz="1600" dirty="0" smtClean="0"/>
                         <a:t>Entertainment</a:t>
                       </a:r>
                       <a:r>
-                        <a:rPr lang="en-IE" baseline="0" dirty="0" smtClean="0"/>
+                        <a:rPr lang="en-IE" sz="1600" baseline="0" dirty="0" smtClean="0"/>
                         <a:t> / Social</a:t>
                       </a:r>
-                      <a:endParaRPr lang="en-US" dirty="0"/>
+                      <a:endParaRPr lang="en-US" sz="1600" dirty="0"/>
                     </a:p>
                   </a:txBody>
                   <a:tcPr/>
@@ -17905,14 +18637,14 @@
                     <a:lstStyle/>
                     <a:p>
                       <a:r>
-                        <a:rPr lang="en-IE" dirty="0" smtClean="0"/>
+                        <a:rPr lang="en-IE" sz="1600" dirty="0" smtClean="0"/>
                         <a:t>Recommend products</a:t>
                       </a:r>
                       <a:r>
-                        <a:rPr lang="en-IE" baseline="0" dirty="0" smtClean="0"/>
+                        <a:rPr lang="en-IE" sz="1600" baseline="0" dirty="0" smtClean="0"/>
                         <a:t> / contacts</a:t>
                       </a:r>
-                      <a:endParaRPr lang="en-US" dirty="0"/>
+                      <a:endParaRPr lang="en-US" sz="1600" dirty="0"/>
                     </a:p>
                   </a:txBody>
                   <a:tcPr/>
@@ -17923,30 +18655,30 @@
                     <a:lstStyle/>
                     <a:p>
                       <a:r>
-                        <a:rPr lang="en-IE" dirty="0" smtClean="0"/>
+                        <a:rPr lang="en-IE" sz="1600" dirty="0" smtClean="0"/>
                         <a:t>Amazon, Netflix, Facebook, </a:t>
                       </a:r>
                       <a:r>
-                        <a:rPr lang="en-IE" dirty="0" err="1" smtClean="0"/>
+                        <a:rPr lang="en-IE" sz="1600" dirty="0" err="1" smtClean="0"/>
                         <a:t>Linkedin</a:t>
                       </a:r>
-                      <a:endParaRPr lang="en-US" dirty="0"/>
+                      <a:endParaRPr lang="en-US" sz="1600" dirty="0"/>
                     </a:p>
                   </a:txBody>
                   <a:tcPr/>
                 </a:tc>
               </a:tr>
-              <a:tr h="513656">
+              <a:tr h="365760">
                 <a:tc>
                   <a:txBody>
                     <a:bodyPr/>
                     <a:lstStyle/>
                     <a:p>
                       <a:r>
-                        <a:rPr lang="en-IE" dirty="0" smtClean="0"/>
+                        <a:rPr lang="en-IE" sz="1600" dirty="0" smtClean="0"/>
                         <a:t>Search Engine Ranking</a:t>
                       </a:r>
-                      <a:endParaRPr lang="en-US" dirty="0"/>
+                      <a:endParaRPr lang="en-US" sz="1600" dirty="0"/>
                     </a:p>
                   </a:txBody>
                   <a:tcPr/>
@@ -17957,10 +18689,10 @@
                     <a:lstStyle/>
                     <a:p>
                       <a:r>
-                        <a:rPr lang="en-IE" dirty="0" smtClean="0"/>
+                        <a:rPr lang="en-IE" sz="1600" dirty="0" smtClean="0"/>
                         <a:t>Rank elements</a:t>
                       </a:r>
-                      <a:endParaRPr lang="en-US" dirty="0"/>
+                      <a:endParaRPr lang="en-US" sz="1600" dirty="0"/>
                     </a:p>
                   </a:txBody>
                   <a:tcPr/>
@@ -17971,34 +18703,34 @@
                     <a:lstStyle/>
                     <a:p>
                       <a:r>
-                        <a:rPr lang="en-IE" dirty="0" smtClean="0"/>
+                        <a:rPr lang="en-IE" sz="1600" dirty="0" smtClean="0"/>
                         <a:t>Google </a:t>
                       </a:r>
                       <a:r>
-                        <a:rPr lang="en-IE" dirty="0" err="1" smtClean="0"/>
+                        <a:rPr lang="en-IE" sz="1600" dirty="0" err="1" smtClean="0"/>
                         <a:t>Pagerank</a:t>
                       </a:r>
-                      <a:endParaRPr lang="en-US" dirty="0"/>
+                      <a:endParaRPr lang="en-US" sz="1600" dirty="0"/>
                     </a:p>
                   </a:txBody>
                   <a:tcPr/>
                 </a:tc>
               </a:tr>
-              <a:tr h="496017">
+              <a:tr h="413886">
                 <a:tc>
                   <a:txBody>
                     <a:bodyPr/>
                     <a:lstStyle/>
                     <a:p>
                       <a:r>
-                        <a:rPr lang="en-IE" dirty="0" smtClean="0"/>
+                        <a:rPr lang="en-IE" sz="1600" dirty="0" smtClean="0"/>
                         <a:t>Banking</a:t>
                       </a:r>
                       <a:r>
-                        <a:rPr lang="en-IE" baseline="0" dirty="0" smtClean="0"/>
+                        <a:rPr lang="en-IE" sz="1600" baseline="0" dirty="0" smtClean="0"/>
                         <a:t> / insurance</a:t>
                       </a:r>
-                      <a:endParaRPr lang="en-US" dirty="0"/>
+                      <a:endParaRPr lang="en-US" sz="1600" dirty="0"/>
                     </a:p>
                   </a:txBody>
                   <a:tcPr/>
@@ -18009,10 +18741,10 @@
                     <a:lstStyle/>
                     <a:p>
                       <a:r>
-                        <a:rPr lang="en-IE" dirty="0" smtClean="0"/>
+                        <a:rPr lang="en-IE" sz="1600" dirty="0" smtClean="0"/>
                         <a:t>Fraud detection</a:t>
                       </a:r>
-                      <a:endParaRPr lang="en-US" dirty="0"/>
+                      <a:endParaRPr lang="en-US" sz="1600" dirty="0"/>
                     </a:p>
                   </a:txBody>
                   <a:tcPr/>
@@ -18023,38 +18755,38 @@
                     <a:lstStyle/>
                     <a:p>
                       <a:r>
-                        <a:rPr lang="en-IE" dirty="0" smtClean="0"/>
+                        <a:rPr lang="en-IE" sz="1600" dirty="0" smtClean="0"/>
                         <a:t>UHG </a:t>
                       </a:r>
                       <a:r>
-                        <a:rPr lang="en-IE" dirty="0" smtClean="0">
+                        <a:rPr lang="en-IE" sz="1600" dirty="0" smtClean="0">
                           <a:sym typeface="Wingdings" panose="05000000000000000000" pitchFamily="2" charset="2"/>
                         </a:rPr>
                         <a:t>, any</a:t>
                       </a:r>
                       <a:r>
-                        <a:rPr lang="en-IE" baseline="0" dirty="0" smtClean="0">
+                        <a:rPr lang="en-IE" sz="1600" baseline="0" dirty="0" smtClean="0">
                           <a:sym typeface="Wingdings" panose="05000000000000000000" pitchFamily="2" charset="2"/>
                         </a:rPr>
                         <a:t> bank…</a:t>
                       </a:r>
-                      <a:endParaRPr lang="en-US" dirty="0"/>
+                      <a:endParaRPr lang="en-US" sz="1600" dirty="0"/>
                     </a:p>
                   </a:txBody>
                   <a:tcPr/>
                 </a:tc>
               </a:tr>
-              <a:tr h="496017">
+              <a:tr h="558265">
                 <a:tc>
                   <a:txBody>
                     <a:bodyPr/>
                     <a:lstStyle/>
                     <a:p>
                       <a:r>
-                        <a:rPr lang="en-IE" dirty="0" smtClean="0"/>
+                        <a:rPr lang="en-IE" sz="1600" dirty="0" smtClean="0"/>
                         <a:t>Banking</a:t>
                       </a:r>
-                      <a:endParaRPr lang="en-US" dirty="0"/>
+                      <a:endParaRPr lang="en-US" sz="1600" dirty="0"/>
                     </a:p>
                   </a:txBody>
                   <a:tcPr/>
@@ -18065,10 +18797,10 @@
                     <a:lstStyle/>
                     <a:p>
                       <a:r>
-                        <a:rPr lang="en-IE" dirty="0" smtClean="0"/>
+                        <a:rPr lang="en-IE" sz="1600" dirty="0" smtClean="0"/>
                         <a:t>Loan application adjudication</a:t>
                       </a:r>
-                      <a:endParaRPr lang="en-US" dirty="0"/>
+                      <a:endParaRPr lang="en-US" sz="1600" dirty="0"/>
                     </a:p>
                   </a:txBody>
                   <a:tcPr/>
@@ -18079,10 +18811,10 @@
                     <a:lstStyle/>
                     <a:p>
                       <a:r>
-                        <a:rPr lang="en-IE" dirty="0" smtClean="0"/>
+                        <a:rPr lang="en-IE" sz="1600" dirty="0" smtClean="0"/>
                         <a:t>Most banks</a:t>
                       </a:r>
-                      <a:endParaRPr lang="en-US" dirty="0"/>
+                      <a:endParaRPr lang="en-US" sz="1600" dirty="0"/>
                     </a:p>
                   </a:txBody>
                   <a:tcPr/>
@@ -18095,10 +18827,10 @@
                     <a:lstStyle/>
                     <a:p>
                       <a:r>
-                        <a:rPr lang="en-IE" dirty="0" smtClean="0"/>
+                        <a:rPr lang="en-IE" sz="1600" dirty="0" smtClean="0"/>
                         <a:t>Insurance</a:t>
                       </a:r>
-                      <a:endParaRPr lang="en-US" dirty="0"/>
+                      <a:endParaRPr lang="en-US" sz="1600" dirty="0"/>
                     </a:p>
                   </a:txBody>
                   <a:tcPr/>
@@ -18109,10 +18841,10 @@
                     <a:lstStyle/>
                     <a:p>
                       <a:r>
-                        <a:rPr lang="en-IE" dirty="0" smtClean="0"/>
+                        <a:rPr lang="en-IE" sz="1600" dirty="0" smtClean="0"/>
                         <a:t>Auto-adjudication</a:t>
                       </a:r>
-                      <a:endParaRPr lang="en-US" dirty="0"/>
+                      <a:endParaRPr lang="en-US" sz="1600" dirty="0"/>
                     </a:p>
                   </a:txBody>
                   <a:tcPr/>
@@ -18123,25 +18855,32 @@
                     <a:lstStyle/>
                     <a:p>
                       <a:r>
-                        <a:rPr lang="en-IE" dirty="0" smtClean="0"/>
-                        <a:t>UHG</a:t>
+                        <a:rPr lang="en-IE" sz="1600" dirty="0" smtClean="0"/>
+                        <a:t>UHG </a:t>
                       </a:r>
+                      <a:r>
+                        <a:rPr lang="en-IE" sz="1600" dirty="0" smtClean="0">
+                          <a:sym typeface="Wingdings" panose="05000000000000000000" pitchFamily="2" charset="2"/>
+                        </a:rPr>
+                        <a:t></a:t>
+                      </a:r>
+                      <a:endParaRPr lang="en-IE" sz="1600" dirty="0" smtClean="0"/>
                     </a:p>
                   </a:txBody>
                   <a:tcPr/>
                 </a:tc>
               </a:tr>
-              <a:tr h="698575">
+              <a:tr h="556192">
                 <a:tc>
                   <a:txBody>
                     <a:bodyPr/>
                     <a:lstStyle/>
                     <a:p>
                       <a:r>
-                        <a:rPr lang="en-IE" dirty="0" smtClean="0"/>
+                        <a:rPr lang="en-IE" sz="1600" dirty="0" smtClean="0"/>
                         <a:t>Media companies / data centres</a:t>
                       </a:r>
-                      <a:endParaRPr lang="en-US" dirty="0"/>
+                      <a:endParaRPr lang="en-US" sz="1600" dirty="0"/>
                     </a:p>
                   </a:txBody>
                   <a:tcPr/>
@@ -18152,10 +18891,10 @@
                     <a:lstStyle/>
                     <a:p>
                       <a:r>
-                        <a:rPr lang="en-IE" dirty="0" smtClean="0"/>
+                        <a:rPr lang="en-IE" sz="1600" dirty="0" smtClean="0"/>
                         <a:t>Machine translation</a:t>
                       </a:r>
-                      <a:endParaRPr lang="en-US" dirty="0"/>
+                      <a:endParaRPr lang="en-US" sz="1600" dirty="0"/>
                     </a:p>
                   </a:txBody>
                   <a:tcPr/>
@@ -18166,7 +18905,7 @@
                     <a:lstStyle/>
                     <a:p>
                       <a:r>
-                        <a:rPr lang="en-IE" dirty="0" smtClean="0"/>
+                        <a:rPr lang="en-IE" sz="1600" dirty="0" smtClean="0"/>
                         <a:t>Facebook, Google</a:t>
                       </a:r>
                     </a:p>
@@ -18174,17 +18913,17 @@
                   <a:tcPr/>
                 </a:tc>
               </a:tr>
-              <a:tr h="698575">
+              <a:tr h="414882">
                 <a:tc>
                   <a:txBody>
                     <a:bodyPr/>
                     <a:lstStyle/>
                     <a:p>
                       <a:r>
-                        <a:rPr lang="en-IE" dirty="0" smtClean="0"/>
-                        <a:t>ANY company</a:t>
+                        <a:rPr lang="en-IE" sz="1600" dirty="0" smtClean="0"/>
+                        <a:t>Sport teams</a:t>
                       </a:r>
-                      <a:endParaRPr lang="en-US" dirty="0"/>
+                      <a:endParaRPr lang="en-US" sz="1600" dirty="0"/>
                     </a:p>
                   </a:txBody>
                   <a:tcPr/>
@@ -18195,10 +18934,10 @@
                     <a:lstStyle/>
                     <a:p>
                       <a:r>
-                        <a:rPr lang="en-IE" dirty="0" smtClean="0"/>
-                        <a:t>Data driven decision-making</a:t>
+                        <a:rPr lang="en-IE" sz="1600" dirty="0" smtClean="0"/>
+                        <a:t>Reduce risk of injuries</a:t>
                       </a:r>
-                      <a:endParaRPr lang="en-US" dirty="0"/>
+                      <a:endParaRPr lang="en-US" sz="1600" dirty="0"/>
                     </a:p>
                   </a:txBody>
                   <a:tcPr/>
@@ -18209,14 +18948,58 @@
                     <a:lstStyle/>
                     <a:p>
                       <a:r>
-                        <a:rPr lang="en-IE" dirty="0" smtClean="0"/>
+                        <a:rPr lang="en-IE" sz="1600" dirty="0" smtClean="0"/>
+                        <a:t>NHL!!!</a:t>
+                      </a:r>
+                      <a:endParaRPr lang="en-IE" sz="1600" dirty="0" smtClean="0"/>
+                    </a:p>
+                  </a:txBody>
+                  <a:tcPr/>
+                </a:tc>
+              </a:tr>
+              <a:tr h="553592">
+                <a:tc>
+                  <a:txBody>
+                    <a:bodyPr/>
+                    <a:lstStyle/>
+                    <a:p>
+                      <a:r>
+                        <a:rPr lang="en-IE" sz="1600" dirty="0" smtClean="0"/>
+                        <a:t>ANY company</a:t>
+                      </a:r>
+                      <a:endParaRPr lang="en-US" sz="1600" dirty="0"/>
+                    </a:p>
+                  </a:txBody>
+                  <a:tcPr/>
+                </a:tc>
+                <a:tc>
+                  <a:txBody>
+                    <a:bodyPr/>
+                    <a:lstStyle/>
+                    <a:p>
+                      <a:r>
+                        <a:rPr lang="en-IE" sz="1600" dirty="0" smtClean="0"/>
+                        <a:t>Data driven decision-making</a:t>
+                      </a:r>
+                      <a:endParaRPr lang="en-US" sz="1600" dirty="0"/>
+                    </a:p>
+                  </a:txBody>
+                  <a:tcPr/>
+                </a:tc>
+                <a:tc>
+                  <a:txBody>
+                    <a:bodyPr/>
+                    <a:lstStyle/>
+                    <a:p>
+                      <a:r>
+                        <a:rPr lang="en-IE" sz="1600" dirty="0" smtClean="0"/>
                         <a:t>Google, Amazon, Facebook, Tesla,</a:t>
                       </a:r>
                       <a:r>
-                        <a:rPr lang="en-IE" baseline="0" dirty="0" smtClean="0"/>
+                        <a:rPr lang="en-IE" sz="1600" baseline="0" dirty="0" smtClean="0"/>
                         <a:t> Apple</a:t>
                       </a:r>
-                      <a:endParaRPr lang="en-IE" dirty="0" smtClean="0"/>
+                      <a:endParaRPr lang="en-IE" sz="1600" dirty="0" smtClean="0"/>
                     </a:p>
                   </a:txBody>
                   <a:tcPr/>
@@ -18226,6 +19009,36 @@
           </a:graphicData>
         </a:graphic>
       </p:graphicFrame>
+      <p:sp>
+        <p:nvSpPr>
+          <p:cNvPr id="9" name="TextBox 8"/>
+          <p:cNvSpPr txBox="1"/>
+          <p:nvPr/>
+        </p:nvSpPr>
+        <p:spPr>
+          <a:xfrm>
+            <a:off x="3490332" y="6312383"/>
+            <a:ext cx="2031325" cy="369332"/>
+          </a:xfrm>
+          <a:prstGeom prst="rect">
+            <a:avLst/>
+          </a:prstGeom>
+          <a:noFill/>
+        </p:spPr>
+        <p:txBody>
+          <a:bodyPr wrap="none" rtlCol="0">
+            <a:spAutoFit/>
+          </a:bodyPr>
+          <a:lstStyle/>
+          <a:p>
+            <a:r>
+              <a:rPr lang="en-IE" b="1" dirty="0" smtClean="0"/>
+              <a:t>Sky is the limit…</a:t>
+            </a:r>
+            <a:endParaRPr lang="en-US" b="1" dirty="0" err="1" smtClean="0"/>
+          </a:p>
+        </p:txBody>
+      </p:sp>
     </p:spTree>
     <p:extLst>
       <p:ext uri="{BB962C8B-B14F-4D97-AF65-F5344CB8AC3E}">
@@ -18258,7 +19071,7 @@
 </p:sld>
 </file>
 
-<file path=ppt/slides/slide15.xml><?xml version="1.0" encoding="utf-8"?>
+<file path=ppt/slides/slide14.xml><?xml version="1.0" encoding="utf-8"?>
 <p:sld xmlns:a="http://schemas.openxmlformats.org/drawingml/2006/main" xmlns:r="http://schemas.openxmlformats.org/officeDocument/2006/relationships" xmlns:p="http://schemas.openxmlformats.org/presentationml/2006/main">
   <p:cSld>
     <p:spTree>
@@ -18316,11 +19129,7 @@
           <a:p>
             <a:r>
               <a:rPr lang="en-US" dirty="0" smtClean="0"/>
-              <a:t>Data Scientists - </a:t>
-            </a:r>
-            <a:r>
-              <a:rPr lang="en-US" dirty="0" smtClean="0"/>
-              <a:t>Why</a:t>
+              <a:t>Data Scientists - Why</a:t>
             </a:r>
             <a:endParaRPr lang="en-US" dirty="0"/>
           </a:p>
@@ -18388,6 +19197,177 @@
 </p:sld>
 </file>
 
+<file path=ppt/slides/slide15.xml><?xml version="1.0" encoding="utf-8"?>
+<p:sld xmlns:a="http://schemas.openxmlformats.org/drawingml/2006/main" xmlns:r="http://schemas.openxmlformats.org/officeDocument/2006/relationships" xmlns:p="http://schemas.openxmlformats.org/presentationml/2006/main">
+  <p:cSld>
+    <p:spTree>
+      <p:nvGrpSpPr>
+        <p:cNvPr id="1" name=""/>
+        <p:cNvGrpSpPr/>
+        <p:nvPr/>
+      </p:nvGrpSpPr>
+      <p:grpSpPr>
+        <a:xfrm>
+          <a:off x="0" y="0"/>
+          <a:ext cx="0" cy="0"/>
+          <a:chOff x="0" y="0"/>
+          <a:chExt cx="0" cy="0"/>
+        </a:xfrm>
+      </p:grpSpPr>
+      <p:sp>
+        <p:nvSpPr>
+          <p:cNvPr id="2" name="Text Placeholder 1"/>
+          <p:cNvSpPr>
+            <a:spLocks noGrp="1"/>
+          </p:cNvSpPr>
+          <p:nvPr>
+            <p:ph type="body" sz="quarter" idx="13"/>
+          </p:nvPr>
+        </p:nvSpPr>
+        <p:spPr/>
+        <p:txBody>
+          <a:bodyPr/>
+          <a:lstStyle/>
+          <a:p>
+            <a:endParaRPr lang="en-US" dirty="0"/>
+          </a:p>
+        </p:txBody>
+      </p:sp>
+      <p:sp>
+        <p:nvSpPr>
+          <p:cNvPr id="17" name="Title 16"/>
+          <p:cNvSpPr>
+            <a:spLocks noGrp="1"/>
+          </p:cNvSpPr>
+          <p:nvPr>
+            <p:ph type="title"/>
+          </p:nvPr>
+        </p:nvSpPr>
+        <p:spPr>
+          <a:xfrm>
+            <a:off x="461387" y="297181"/>
+            <a:ext cx="8396863" cy="620358"/>
+          </a:xfrm>
+        </p:spPr>
+        <p:txBody>
+          <a:bodyPr/>
+          <a:lstStyle/>
+          <a:p>
+            <a:r>
+              <a:rPr lang="en-US" dirty="0" smtClean="0"/>
+              <a:t>Data Scientists - Why</a:t>
+            </a:r>
+            <a:endParaRPr lang="en-US" dirty="0"/>
+          </a:p>
+        </p:txBody>
+      </p:sp>
+      <p:grpSp>
+        <p:nvGrpSpPr>
+          <p:cNvPr id="3" name="Group 2"/>
+          <p:cNvGrpSpPr/>
+          <p:nvPr/>
+        </p:nvGrpSpPr>
+        <p:grpSpPr>
+          <a:xfrm>
+            <a:off x="1404220" y="1659228"/>
+            <a:ext cx="6417141" cy="4456285"/>
+            <a:chOff x="1423470" y="1524478"/>
+            <a:chExt cx="6417141" cy="4456285"/>
+          </a:xfrm>
+        </p:grpSpPr>
+        <p:pic>
+          <p:nvPicPr>
+            <p:cNvPr id="5" name="Picture 4"/>
+            <p:cNvPicPr>
+              <a:picLocks noChangeAspect="1"/>
+            </p:cNvPicPr>
+            <p:nvPr/>
+          </p:nvPicPr>
+          <p:blipFill rotWithShape="1">
+            <a:blip r:embed="rId3">
+              <a:extLst>
+                <a:ext uri="{28A0092B-C50C-407E-A947-70E740481C1C}">
+                  <a14:useLocalDpi xmlns:a14="http://schemas.microsoft.com/office/drawing/2010/main" val="0"/>
+                </a:ext>
+              </a:extLst>
+            </a:blip>
+            <a:srcRect b="4134"/>
+            <a:stretch/>
+          </p:blipFill>
+          <p:spPr>
+            <a:xfrm>
+              <a:off x="1765430" y="1524478"/>
+              <a:ext cx="5733223" cy="3917317"/>
+            </a:xfrm>
+            <a:prstGeom prst="rect">
+              <a:avLst/>
+            </a:prstGeom>
+          </p:spPr>
+        </p:pic>
+        <p:sp>
+          <p:nvSpPr>
+            <p:cNvPr id="6" name="TextBox 5"/>
+            <p:cNvSpPr txBox="1"/>
+            <p:nvPr/>
+          </p:nvSpPr>
+          <p:spPr>
+            <a:xfrm>
+              <a:off x="1423470" y="5611431"/>
+              <a:ext cx="6417141" cy="369332"/>
+            </a:xfrm>
+            <a:prstGeom prst="rect">
+              <a:avLst/>
+            </a:prstGeom>
+            <a:noFill/>
+          </p:spPr>
+          <p:txBody>
+            <a:bodyPr wrap="none" rtlCol="0">
+              <a:spAutoFit/>
+            </a:bodyPr>
+            <a:lstStyle/>
+            <a:p>
+              <a:pPr algn="ctr"/>
+              <a:r>
+                <a:rPr lang="en-IE" dirty="0" smtClean="0"/>
+                <a:t>If you don’t have solid basics, causing damage is really easy!</a:t>
+              </a:r>
+              <a:endParaRPr lang="en-US" dirty="0" err="1" smtClean="0"/>
+            </a:p>
+          </p:txBody>
+        </p:sp>
+      </p:grpSp>
+    </p:spTree>
+    <p:extLst>
+      <p:ext uri="{BB962C8B-B14F-4D97-AF65-F5344CB8AC3E}">
+        <p14:creationId xmlns:p14="http://schemas.microsoft.com/office/powerpoint/2010/main" val="856738667"/>
+      </p:ext>
+    </p:extLst>
+  </p:cSld>
+  <p:clrMapOvr>
+    <a:masterClrMapping/>
+  </p:clrMapOvr>
+  <mc:AlternateContent xmlns:mc="http://schemas.openxmlformats.org/markup-compatibility/2006" xmlns:p14="http://schemas.microsoft.com/office/powerpoint/2010/main">
+    <mc:Choice Requires="p14">
+      <p:transition spd="med" p14:dur="700">
+        <p:fade/>
+      </p:transition>
+    </mc:Choice>
+    <mc:Fallback xmlns="">
+      <p:transition spd="med">
+        <p:fade/>
+      </p:transition>
+    </mc:Fallback>
+  </mc:AlternateContent>
+  <p:timing>
+    <p:tnLst>
+      <p:par>
+        <p:cTn id="1" dur="indefinite" restart="never" nodeType="tmRoot"/>
+      </p:par>
+    </p:tnLst>
+  </p:timing>
+</p:sld>
+</file>
+
 <file path=ppt/slides/slide16.xml><?xml version="1.0" encoding="utf-8"?>
 <p:sld xmlns:a="http://schemas.openxmlformats.org/drawingml/2006/main" xmlns:r="http://schemas.openxmlformats.org/officeDocument/2006/relationships" xmlns:p="http://schemas.openxmlformats.org/presentationml/2006/main">
   <p:cSld>
@@ -18420,6 +19400,16 @@
           <a:bodyPr/>
           <a:lstStyle/>
           <a:p>
+            <a:r>
+              <a:rPr lang="en-IE" dirty="0" smtClean="0"/>
+              <a:t>The ones I can tell you, anyway </a:t>
+            </a:r>
+            <a:r>
+              <a:rPr lang="en-IE" dirty="0" smtClean="0">
+                <a:sym typeface="Wingdings" panose="05000000000000000000" pitchFamily="2" charset="2"/>
+              </a:rPr>
+              <a:t></a:t>
+            </a:r>
             <a:endParaRPr lang="en-US" dirty="0"/>
           </a:p>
         </p:txBody>
@@ -18434,23 +19424,18 @@
             <p:ph type="title"/>
           </p:nvPr>
         </p:nvSpPr>
-        <p:spPr>
-          <a:xfrm>
-            <a:off x="461387" y="297181"/>
-            <a:ext cx="8396863" cy="620358"/>
-          </a:xfrm>
-        </p:spPr>
+        <p:spPr/>
         <p:txBody>
           <a:bodyPr/>
           <a:lstStyle/>
           <a:p>
             <a:r>
               <a:rPr lang="en-US" dirty="0" smtClean="0"/>
-              <a:t>Data Scientists - </a:t>
+              <a:t>Some real world examples I worked </a:t>
             </a:r>
             <a:r>
               <a:rPr lang="en-US" dirty="0" smtClean="0"/>
-              <a:t>Why</a:t>
+              <a:t>on - Energy</a:t>
             </a:r>
             <a:endParaRPr lang="en-US" dirty="0"/>
           </a:p>
@@ -18458,14 +19443,14 @@
       </p:sp>
       <p:sp>
         <p:nvSpPr>
-          <p:cNvPr id="4" name="TextBox 3"/>
+          <p:cNvPr id="3" name="TextBox 2"/>
           <p:cNvSpPr txBox="1"/>
           <p:nvPr/>
         </p:nvSpPr>
         <p:spPr>
           <a:xfrm>
-            <a:off x="496956" y="2647411"/>
-            <a:ext cx="4878259" cy="1477328"/>
+            <a:off x="-4546164" y="3264649"/>
+            <a:ext cx="8485098" cy="2585323"/>
           </a:xfrm>
           <a:prstGeom prst="rect">
             <a:avLst/>
@@ -18473,117 +19458,200 @@
           <a:noFill/>
         </p:spPr>
         <p:txBody>
-          <a:bodyPr wrap="none" rtlCol="0">
+          <a:bodyPr wrap="square" rtlCol="0">
             <a:spAutoFit/>
           </a:bodyPr>
           <a:lstStyle/>
           <a:p>
             <a:r>
               <a:rPr lang="en-IE" dirty="0" smtClean="0"/>
-              <a:t>False positive paradox</a:t>
+              <a:t>Energy load forecasting</a:t>
             </a:r>
           </a:p>
           <a:p>
             <a:r>
               <a:rPr lang="en-IE" dirty="0" smtClean="0"/>
-              <a:t>Simpson’s paradox</a:t>
+              <a:t>Workload interaction assessment in data centres</a:t>
             </a:r>
           </a:p>
           <a:p>
             <a:r>
               <a:rPr lang="en-IE" dirty="0" smtClean="0"/>
-              <a:t>Meaningful metrics (accuracy and error types)</a:t>
+              <a:t>Anomaly detection in server behaviour</a:t>
             </a:r>
           </a:p>
           <a:p>
             <a:r>
               <a:rPr lang="en-IE" dirty="0" smtClean="0"/>
-              <a:t>Accuracy vs. predictive power</a:t>
-            </a:r>
-            <a:endParaRPr lang="en-IE" dirty="0" smtClean="0"/>
+              <a:t>Intelligent agents in data centres (preventive maintenance, near-real-time corrective actions)</a:t>
+            </a:r>
           </a:p>
           <a:p>
             <a:r>
               <a:rPr lang="en-IE" dirty="0" smtClean="0"/>
-              <a:t>Correlation vs. </a:t>
+              <a:t>Call centre optimization (optimizer engine and feature extraction, repeat callers, </a:t>
+            </a:r>
+            <a:r>
+              <a:rPr lang="en-IE" dirty="0" err="1" smtClean="0"/>
+              <a:t>auth</a:t>
             </a:r>
             <a:r>
               <a:rPr lang="en-IE" dirty="0" smtClean="0"/>
-              <a:t>Causality</a:t>
-            </a:r>
+              <a:t> rate, IVR optimization, </a:t>
+            </a:r>
+            <a:r>
+              <a:rPr lang="en-IE" dirty="0"/>
+              <a:t>Population segmentation</a:t>
+            </a:r>
+            <a:r>
+              <a:rPr lang="en-IE" dirty="0" smtClean="0"/>
+              <a:t>)</a:t>
+            </a:r>
+          </a:p>
+          <a:p>
+            <a:r>
+              <a:rPr lang="en-IE" dirty="0" smtClean="0"/>
+              <a:t>Early diagnosis suggestions</a:t>
+            </a:r>
+          </a:p>
+          <a:p>
             <a:endParaRPr lang="en-US" dirty="0" err="1" smtClean="0"/>
           </a:p>
         </p:txBody>
       </p:sp>
-      <p:pic>
-        <p:nvPicPr>
-          <p:cNvPr id="5" name="Picture 4"/>
-          <p:cNvPicPr>
-            <a:picLocks noChangeAspect="1"/>
-          </p:cNvPicPr>
+      <p:grpSp>
+        <p:nvGrpSpPr>
+          <p:cNvPr id="8" name="Group 7"/>
+          <p:cNvGrpSpPr/>
           <p:nvPr/>
-        </p:nvPicPr>
-        <p:blipFill>
-          <a:blip r:embed="rId3">
-            <a:extLst>
-              <a:ext uri="{28A0092B-C50C-407E-A947-70E740481C1C}">
-                <a14:useLocalDpi xmlns:a14="http://schemas.microsoft.com/office/drawing/2010/main" val="0"/>
-              </a:ext>
-            </a:extLst>
-          </a:blip>
-          <a:stretch>
-            <a:fillRect/>
-          </a:stretch>
-        </p:blipFill>
-        <p:spPr>
+        </p:nvGrpSpPr>
+        <p:grpSpPr>
           <a:xfrm>
-            <a:off x="1765430" y="1524478"/>
-            <a:ext cx="5733223" cy="4086225"/>
+            <a:off x="657542" y="1541114"/>
+            <a:ext cx="7957668" cy="5162111"/>
+            <a:chOff x="713297" y="1541114"/>
+            <a:chExt cx="7957668" cy="5162111"/>
           </a:xfrm>
-          <a:prstGeom prst="rect">
-            <a:avLst/>
-          </a:prstGeom>
-        </p:spPr>
-      </p:pic>
-      <p:sp>
-        <p:nvSpPr>
-          <p:cNvPr id="6" name="TextBox 5"/>
-          <p:cNvSpPr txBox="1"/>
-          <p:nvPr/>
-        </p:nvSpPr>
-        <p:spPr>
-          <a:xfrm>
-            <a:off x="1423470" y="5611431"/>
-            <a:ext cx="6417141" cy="369332"/>
-          </a:xfrm>
-          <a:prstGeom prst="rect">
-            <a:avLst/>
-          </a:prstGeom>
-          <a:noFill/>
-        </p:spPr>
-        <p:txBody>
-          <a:bodyPr wrap="none" rtlCol="0">
-            <a:spAutoFit/>
-          </a:bodyPr>
-          <a:lstStyle/>
-          <a:p>
-            <a:pPr algn="ctr"/>
-            <a:r>
-              <a:rPr lang="en-IE" dirty="0" smtClean="0"/>
-              <a:t>If you don’t have solid basics, </a:t>
-            </a:r>
-            <a:r>
-              <a:rPr lang="en-IE" dirty="0" smtClean="0"/>
-              <a:t>causing damage is really easy!</a:t>
-            </a:r>
-            <a:endParaRPr lang="en-US" dirty="0" err="1" smtClean="0"/>
-          </a:p>
-        </p:txBody>
-      </p:sp>
+        </p:grpSpPr>
+        <p:grpSp>
+          <p:nvGrpSpPr>
+            <p:cNvPr id="6" name="Group 5"/>
+            <p:cNvGrpSpPr/>
+            <p:nvPr/>
+          </p:nvGrpSpPr>
+          <p:grpSpPr>
+            <a:xfrm>
+              <a:off x="713297" y="1962615"/>
+              <a:ext cx="7957668" cy="4740610"/>
+              <a:chOff x="449582" y="1506765"/>
+              <a:chExt cx="8485098" cy="5196460"/>
+            </a:xfrm>
+          </p:grpSpPr>
+          <p:pic>
+            <p:nvPicPr>
+              <p:cNvPr id="4" name="Picture 3"/>
+              <p:cNvPicPr>
+                <a:picLocks noChangeAspect="1"/>
+              </p:cNvPicPr>
+              <p:nvPr/>
+            </p:nvPicPr>
+            <p:blipFill rotWithShape="1">
+              <a:blip r:embed="rId3">
+                <a:extLst>
+                  <a:ext uri="{28A0092B-C50C-407E-A947-70E740481C1C}">
+                    <a14:useLocalDpi xmlns:a14="http://schemas.microsoft.com/office/drawing/2010/main" val="0"/>
+                  </a:ext>
+                </a:extLst>
+              </a:blip>
+              <a:srcRect l="9501" t="22764" b="3739"/>
+              <a:stretch/>
+            </p:blipFill>
+            <p:spPr>
+              <a:xfrm>
+                <a:off x="449582" y="1506765"/>
+                <a:ext cx="8485098" cy="4827128"/>
+              </a:xfrm>
+              <a:prstGeom prst="rect">
+                <a:avLst/>
+              </a:prstGeom>
+            </p:spPr>
+          </p:pic>
+          <p:sp>
+            <p:nvSpPr>
+              <p:cNvPr id="5" name="TextBox 4"/>
+              <p:cNvSpPr txBox="1"/>
+              <p:nvPr/>
+            </p:nvSpPr>
+            <p:spPr>
+              <a:xfrm>
+                <a:off x="977011" y="6333893"/>
+                <a:ext cx="7430239" cy="369332"/>
+              </a:xfrm>
+              <a:prstGeom prst="rect">
+                <a:avLst/>
+              </a:prstGeom>
+              <a:noFill/>
+            </p:spPr>
+            <p:txBody>
+              <a:bodyPr wrap="none" rtlCol="0">
+                <a:spAutoFit/>
+              </a:bodyPr>
+              <a:lstStyle/>
+              <a:p>
+                <a:pPr algn="ctr"/>
+                <a:r>
+                  <a:rPr lang="en-IE" dirty="0" smtClean="0">
+                    <a:solidFill>
+                      <a:schemeClr val="accent4"/>
+                    </a:solidFill>
+                  </a:rPr>
+                  <a:t>Forecasted and observed values (sorry I had to hide the axes labels…)</a:t>
+                </a:r>
+                <a:endParaRPr lang="en-US" dirty="0" err="1" smtClean="0">
+                  <a:solidFill>
+                    <a:schemeClr val="accent4"/>
+                  </a:solidFill>
+                </a:endParaRPr>
+              </a:p>
+            </p:txBody>
+          </p:sp>
+        </p:grpSp>
+        <p:sp>
+          <p:nvSpPr>
+            <p:cNvPr id="7" name="TextBox 6"/>
+            <p:cNvSpPr txBox="1"/>
+            <p:nvPr/>
+          </p:nvSpPr>
+          <p:spPr>
+            <a:xfrm>
+              <a:off x="2118348" y="1541114"/>
+              <a:ext cx="5147563" cy="369332"/>
+            </a:xfrm>
+            <a:prstGeom prst="rect">
+              <a:avLst/>
+            </a:prstGeom>
+            <a:noFill/>
+          </p:spPr>
+          <p:txBody>
+            <a:bodyPr wrap="none" rtlCol="0">
+              <a:spAutoFit/>
+            </a:bodyPr>
+            <a:lstStyle/>
+            <a:p>
+              <a:pPr algn="ctr"/>
+              <a:r>
+                <a:rPr lang="en-IE" b="1" dirty="0" smtClean="0"/>
+                <a:t>Energy load forecasting for Energy Suppliers</a:t>
+              </a:r>
+              <a:endParaRPr lang="en-US" b="1" dirty="0" err="1" smtClean="0"/>
+            </a:p>
+          </p:txBody>
+        </p:sp>
+      </p:grpSp>
     </p:spTree>
     <p:extLst>
       <p:ext uri="{BB962C8B-B14F-4D97-AF65-F5344CB8AC3E}">
-        <p14:creationId xmlns:p14="http://schemas.microsoft.com/office/powerpoint/2010/main" val="856738667"/>
+        <p14:creationId xmlns:p14="http://schemas.microsoft.com/office/powerpoint/2010/main" val="1386234047"/>
       </p:ext>
     </p:extLst>
   </p:cSld>
@@ -18605,7 +19673,75 @@
   <p:timing>
     <p:tnLst>
       <p:par>
-        <p:cTn id="1" dur="indefinite" restart="never" nodeType="tmRoot"/>
+        <p:cTn id="1" dur="indefinite" restart="never" nodeType="tmRoot">
+          <p:childTnLst>
+            <p:seq concurrent="1" nextAc="seek">
+              <p:cTn id="2" dur="indefinite" nodeType="mainSeq">
+                <p:childTnLst>
+                  <p:par>
+                    <p:cTn id="3" fill="hold">
+                      <p:stCondLst>
+                        <p:cond delay="indefinite"/>
+                      </p:stCondLst>
+                      <p:childTnLst>
+                        <p:par>
+                          <p:cTn id="4" fill="hold">
+                            <p:stCondLst>
+                              <p:cond delay="0"/>
+                            </p:stCondLst>
+                            <p:childTnLst>
+                              <p:par>
+                                <p:cTn id="5" presetID="1" presetClass="entr" presetSubtype="0" fill="hold" nodeType="clickEffect">
+                                  <p:stCondLst>
+                                    <p:cond delay="0"/>
+                                  </p:stCondLst>
+                                  <p:childTnLst>
+                                    <p:set>
+                                      <p:cBhvr>
+                                        <p:cTn id="6" dur="1" fill="hold">
+                                          <p:stCondLst>
+                                            <p:cond delay="0"/>
+                                          </p:stCondLst>
+                                        </p:cTn>
+                                        <p:tgtEl>
+                                          <p:spTgt spid="8"/>
+                                        </p:tgtEl>
+                                        <p:attrNameLst>
+                                          <p:attrName>style.visibility</p:attrName>
+                                        </p:attrNameLst>
+                                      </p:cBhvr>
+                                      <p:to>
+                                        <p:strVal val="visible"/>
+                                      </p:to>
+                                    </p:set>
+                                  </p:childTnLst>
+                                </p:cTn>
+                              </p:par>
+                            </p:childTnLst>
+                          </p:cTn>
+                        </p:par>
+                      </p:childTnLst>
+                    </p:cTn>
+                  </p:par>
+                </p:childTnLst>
+              </p:cTn>
+              <p:prevCondLst>
+                <p:cond evt="onPrev" delay="0">
+                  <p:tgtEl>
+                    <p:sldTgt/>
+                  </p:tgtEl>
+                </p:cond>
+              </p:prevCondLst>
+              <p:nextCondLst>
+                <p:cond evt="onNext" delay="0">
+                  <p:tgtEl>
+                    <p:sldTgt/>
+                  </p:tgtEl>
+                </p:cond>
+              </p:nextCondLst>
+            </p:seq>
+          </p:childTnLst>
+        </p:cTn>
       </p:par>
     </p:tnLst>
   </p:timing>
@@ -18675,102 +19811,139 @@
           <a:p>
             <a:r>
               <a:rPr lang="en-US" dirty="0" smtClean="0"/>
-              <a:t>Some real </a:t>
+              <a:t>Some real world examples I worked </a:t>
             </a:r>
             <a:r>
               <a:rPr lang="en-US" dirty="0" smtClean="0"/>
-              <a:t>world </a:t>
-            </a:r>
-            <a:r>
-              <a:rPr lang="en-US" dirty="0" smtClean="0"/>
-              <a:t>examples I worked on</a:t>
+              <a:t>on – DC WL</a:t>
             </a:r>
             <a:endParaRPr lang="en-US" dirty="0"/>
           </a:p>
         </p:txBody>
       </p:sp>
-      <p:sp>
-        <p:nvSpPr>
-          <p:cNvPr id="3" name="TextBox 2"/>
-          <p:cNvSpPr txBox="1"/>
+      <p:grpSp>
+        <p:nvGrpSpPr>
+          <p:cNvPr id="12" name="Group 11"/>
+          <p:cNvGrpSpPr/>
           <p:nvPr/>
-        </p:nvSpPr>
-        <p:spPr>
+        </p:nvGrpSpPr>
+        <p:grpSpPr>
           <a:xfrm>
-            <a:off x="449582" y="1725780"/>
-            <a:ext cx="8485098" cy="2585323"/>
+            <a:off x="1747809" y="1587426"/>
+            <a:ext cx="5566426" cy="5225970"/>
+            <a:chOff x="7686855" y="959152"/>
+            <a:chExt cx="5989449" cy="5499178"/>
           </a:xfrm>
-          <a:prstGeom prst="rect">
-            <a:avLst/>
-          </a:prstGeom>
-          <a:noFill/>
-        </p:spPr>
-        <p:txBody>
-          <a:bodyPr wrap="square" rtlCol="0">
-            <a:spAutoFit/>
-          </a:bodyPr>
-          <a:lstStyle/>
-          <a:p>
-            <a:r>
-              <a:rPr lang="en-IE" dirty="0" smtClean="0"/>
-              <a:t>Energy load forecasting</a:t>
-            </a:r>
-          </a:p>
-          <a:p>
-            <a:r>
-              <a:rPr lang="en-IE" dirty="0" smtClean="0"/>
-              <a:t>Workload interaction assessment in data centres</a:t>
-            </a:r>
-          </a:p>
-          <a:p>
-            <a:r>
-              <a:rPr lang="en-IE" dirty="0" smtClean="0"/>
-              <a:t>Anomaly detection in server behaviour</a:t>
-            </a:r>
-          </a:p>
-          <a:p>
-            <a:r>
-              <a:rPr lang="en-IE" dirty="0" smtClean="0"/>
-              <a:t>Intelligent agents in data centres (preventive maintenance, near-real-time corrective actions)</a:t>
-            </a:r>
-          </a:p>
-          <a:p>
-            <a:r>
-              <a:rPr lang="en-IE" dirty="0" smtClean="0"/>
-              <a:t>Call centre optimization (optimizer engine and feature extraction, repeat callers, </a:t>
-            </a:r>
-            <a:r>
-              <a:rPr lang="en-IE" dirty="0" err="1" smtClean="0"/>
-              <a:t>auth</a:t>
-            </a:r>
-            <a:r>
-              <a:rPr lang="en-IE" dirty="0" smtClean="0"/>
-              <a:t> rate, IVR optimization, </a:t>
-            </a:r>
-            <a:r>
-              <a:rPr lang="en-IE" dirty="0"/>
-              <a:t>Population segmentation</a:t>
-            </a:r>
-            <a:r>
-              <a:rPr lang="en-IE" dirty="0" smtClean="0"/>
-              <a:t>)</a:t>
-            </a:r>
-          </a:p>
-          <a:p>
-            <a:r>
-              <a:rPr lang="en-IE" dirty="0" smtClean="0"/>
-              <a:t>Early diagnosis suggestions</a:t>
-            </a:r>
-          </a:p>
-          <a:p>
-            <a:endParaRPr lang="en-US" dirty="0" err="1" smtClean="0"/>
-          </a:p>
-        </p:txBody>
-      </p:sp>
+        </p:grpSpPr>
+        <p:pic>
+          <p:nvPicPr>
+            <p:cNvPr id="10" name="Picture 9"/>
+            <p:cNvPicPr>
+              <a:picLocks noChangeAspect="1"/>
+            </p:cNvPicPr>
+            <p:nvPr/>
+          </p:nvPicPr>
+          <p:blipFill>
+            <a:blip r:embed="rId3">
+              <a:extLst>
+                <a:ext uri="{28A0092B-C50C-407E-A947-70E740481C1C}">
+                  <a14:useLocalDpi xmlns:a14="http://schemas.microsoft.com/office/drawing/2010/main" val="0"/>
+                </a:ext>
+              </a:extLst>
+            </a:blip>
+            <a:stretch>
+              <a:fillRect/>
+            </a:stretch>
+          </p:blipFill>
+          <p:spPr>
+            <a:xfrm>
+              <a:off x="7686855" y="1328484"/>
+              <a:ext cx="5989449" cy="4725574"/>
+            </a:xfrm>
+            <a:prstGeom prst="rect">
+              <a:avLst/>
+            </a:prstGeom>
+          </p:spPr>
+        </p:pic>
+        <p:sp>
+          <p:nvSpPr>
+            <p:cNvPr id="11" name="TextBox 10"/>
+            <p:cNvSpPr txBox="1"/>
+            <p:nvPr/>
+          </p:nvSpPr>
+          <p:spPr>
+            <a:xfrm>
+              <a:off x="7896201" y="6088998"/>
+              <a:ext cx="5570756" cy="369332"/>
+            </a:xfrm>
+            <a:prstGeom prst="rect">
+              <a:avLst/>
+            </a:prstGeom>
+            <a:noFill/>
+          </p:spPr>
+          <p:txBody>
+            <a:bodyPr wrap="none" rtlCol="0">
+              <a:spAutoFit/>
+            </a:bodyPr>
+            <a:lstStyle/>
+            <a:p>
+              <a:pPr algn="ctr"/>
+              <a:r>
+                <a:rPr lang="en-IE" dirty="0">
+                  <a:solidFill>
+                    <a:schemeClr val="accent4"/>
+                  </a:solidFill>
+                </a:rPr>
+                <a:t>Components interaction in a Server cluster (schema)</a:t>
+              </a:r>
+              <a:endParaRPr lang="en-US" dirty="0" err="1">
+                <a:solidFill>
+                  <a:schemeClr val="accent4"/>
+                </a:solidFill>
+              </a:endParaRPr>
+            </a:p>
+          </p:txBody>
+        </p:sp>
+        <p:sp>
+          <p:nvSpPr>
+            <p:cNvPr id="13" name="TextBox 12"/>
+            <p:cNvSpPr txBox="1"/>
+            <p:nvPr/>
+          </p:nvSpPr>
+          <p:spPr>
+            <a:xfrm>
+              <a:off x="8109885" y="959152"/>
+              <a:ext cx="5143396" cy="369332"/>
+            </a:xfrm>
+            <a:prstGeom prst="rect">
+              <a:avLst/>
+            </a:prstGeom>
+            <a:noFill/>
+          </p:spPr>
+          <p:txBody>
+            <a:bodyPr wrap="none" rtlCol="0">
+              <a:spAutoFit/>
+            </a:bodyPr>
+            <a:lstStyle/>
+            <a:p>
+              <a:pPr algn="ctr"/>
+              <a:r>
+                <a:rPr lang="en-IE" b="1" dirty="0" smtClean="0"/>
+                <a:t>Workload interaction analysis in data </a:t>
+              </a:r>
+              <a:r>
+                <a:rPr lang="en-IE" b="1" dirty="0" err="1" smtClean="0"/>
+                <a:t>centers</a:t>
+              </a:r>
+              <a:endParaRPr lang="en-US" b="1" dirty="0" err="1" smtClean="0"/>
+            </a:p>
+          </p:txBody>
+        </p:sp>
+      </p:grpSp>
     </p:spTree>
     <p:extLst>
       <p:ext uri="{BB962C8B-B14F-4D97-AF65-F5344CB8AC3E}">
-        <p14:creationId xmlns:p14="http://schemas.microsoft.com/office/powerpoint/2010/main" val="1386234047"/>
+        <p14:creationId xmlns:p14="http://schemas.microsoft.com/office/powerpoint/2010/main" val="200317280"/>
       </p:ext>
     </p:extLst>
   </p:cSld>
@@ -18831,6 +20004,16 @@
           <a:bodyPr/>
           <a:lstStyle/>
           <a:p>
+            <a:r>
+              <a:rPr lang="en-IE" dirty="0" smtClean="0"/>
+              <a:t>The ones I can tell you, anyway </a:t>
+            </a:r>
+            <a:r>
+              <a:rPr lang="en-IE" dirty="0" smtClean="0">
+                <a:sym typeface="Wingdings" panose="05000000000000000000" pitchFamily="2" charset="2"/>
+              </a:rPr>
+              <a:t></a:t>
+            </a:r>
             <a:endParaRPr lang="en-US" dirty="0"/>
           </a:p>
         </p:txBody>
@@ -18845,23 +20028,167 @@
             <p:ph type="title"/>
           </p:nvPr>
         </p:nvSpPr>
-        <p:spPr/>
+        <p:spPr>
+          <a:xfrm>
+            <a:off x="282643" y="304801"/>
+            <a:ext cx="8727541" cy="620358"/>
+          </a:xfrm>
+        </p:spPr>
         <p:txBody>
           <a:bodyPr/>
           <a:lstStyle/>
           <a:p>
             <a:r>
               <a:rPr lang="en-US" dirty="0" smtClean="0"/>
-              <a:t>Conclusions</a:t>
+              <a:t>Some real world examples I worked </a:t>
+            </a:r>
+            <a:r>
+              <a:rPr lang="en-US" dirty="0" smtClean="0"/>
+              <a:t>on - Anomalies</a:t>
             </a:r>
             <a:endParaRPr lang="en-US" dirty="0"/>
+          </a:p>
+        </p:txBody>
+      </p:sp>
+      <p:pic>
+        <p:nvPicPr>
+          <p:cNvPr id="3074" name="Picture 2"/>
+          <p:cNvPicPr>
+            <a:picLocks noChangeAspect="1" noChangeArrowheads="1"/>
+          </p:cNvPicPr>
+          <p:nvPr/>
+        </p:nvPicPr>
+        <p:blipFill>
+          <a:blip r:embed="rId3">
+            <a:extLst>
+              <a:ext uri="{28A0092B-C50C-407E-A947-70E740481C1C}">
+                <a14:useLocalDpi xmlns:a14="http://schemas.microsoft.com/office/drawing/2010/main" val="0"/>
+              </a:ext>
+            </a:extLst>
+          </a:blip>
+          <a:srcRect/>
+          <a:stretch>
+            <a:fillRect/>
+          </a:stretch>
+        </p:blipFill>
+        <p:spPr bwMode="auto">
+          <a:xfrm>
+            <a:off x="238039" y="2284063"/>
+            <a:ext cx="8530883" cy="3135418"/>
+          </a:xfrm>
+          <a:prstGeom prst="rect">
+            <a:avLst/>
+          </a:prstGeom>
+          <a:noFill/>
+          <a:ln>
+            <a:noFill/>
+          </a:ln>
+          <a:extLst>
+            <a:ext uri="{909E8E84-426E-40DD-AFC4-6F175D3DCCD1}">
+              <a14:hiddenFill xmlns:a14="http://schemas.microsoft.com/office/drawing/2010/main">
+                <a:solidFill>
+                  <a:schemeClr val="accent1"/>
+                </a:solidFill>
+              </a14:hiddenFill>
+            </a:ext>
+            <a:ext uri="{91240B29-F687-4F45-9708-019B960494DF}">
+              <a14:hiddenLine xmlns:a14="http://schemas.microsoft.com/office/drawing/2010/main" w="9525">
+                <a:solidFill>
+                  <a:schemeClr val="tx1"/>
+                </a:solidFill>
+                <a:miter lim="800000"/>
+                <a:headEnd/>
+                <a:tailEnd/>
+              </a14:hiddenLine>
+            </a:ext>
+          </a:extLst>
+        </p:spPr>
+      </p:pic>
+      <p:sp>
+        <p:nvSpPr>
+          <p:cNvPr id="3" name="TextBox 2"/>
+          <p:cNvSpPr txBox="1"/>
+          <p:nvPr/>
+        </p:nvSpPr>
+        <p:spPr>
+          <a:xfrm>
+            <a:off x="2282357" y="1895397"/>
+            <a:ext cx="4442243" cy="369332"/>
+          </a:xfrm>
+          <a:prstGeom prst="rect">
+            <a:avLst/>
+          </a:prstGeom>
+          <a:noFill/>
+        </p:spPr>
+        <p:txBody>
+          <a:bodyPr wrap="none" rtlCol="0">
+            <a:spAutoFit/>
+          </a:bodyPr>
+          <a:lstStyle/>
+          <a:p>
+            <a:pPr algn="ctr"/>
+            <a:r>
+              <a:rPr lang="en-IE" b="1" dirty="0"/>
+              <a:t>Anomaly detection in server behaviour</a:t>
+            </a:r>
+            <a:endParaRPr lang="en-US" b="1" dirty="0" err="1"/>
+          </a:p>
+        </p:txBody>
+      </p:sp>
+      <p:sp>
+        <p:nvSpPr>
+          <p:cNvPr id="14" name="TextBox 13"/>
+          <p:cNvSpPr txBox="1"/>
+          <p:nvPr/>
+        </p:nvSpPr>
+        <p:spPr>
+          <a:xfrm>
+            <a:off x="1500108" y="5516698"/>
+            <a:ext cx="6006773" cy="646331"/>
+          </a:xfrm>
+          <a:prstGeom prst="rect">
+            <a:avLst/>
+          </a:prstGeom>
+          <a:noFill/>
+        </p:spPr>
+        <p:txBody>
+          <a:bodyPr wrap="none" rtlCol="0">
+            <a:spAutoFit/>
+          </a:bodyPr>
+          <a:lstStyle/>
+          <a:p>
+            <a:pPr algn="ctr"/>
+            <a:r>
+              <a:rPr lang="en-IE" dirty="0" smtClean="0">
+                <a:solidFill>
+                  <a:schemeClr val="accent4"/>
+                </a:solidFill>
+              </a:rPr>
+              <a:t>Problem: What is an anomaly?</a:t>
+            </a:r>
+          </a:p>
+          <a:p>
+            <a:pPr algn="ctr"/>
+            <a:r>
+              <a:rPr lang="en-IE" dirty="0" smtClean="0">
+                <a:solidFill>
+                  <a:schemeClr val="accent4"/>
+                </a:solidFill>
+              </a:rPr>
+              <a:t>How do you define it in a simple and unambiguous way?</a:t>
+            </a:r>
+            <a:endParaRPr lang="en-US" dirty="0" err="1">
+              <a:solidFill>
+                <a:schemeClr val="accent4"/>
+              </a:solidFill>
+            </a:endParaRPr>
           </a:p>
         </p:txBody>
       </p:sp>
     </p:spTree>
     <p:extLst>
       <p:ext uri="{BB962C8B-B14F-4D97-AF65-F5344CB8AC3E}">
-        <p14:creationId xmlns:p14="http://schemas.microsoft.com/office/powerpoint/2010/main" val="1386234047"/>
+        <p14:creationId xmlns:p14="http://schemas.microsoft.com/office/powerpoint/2010/main" val="3722955123"/>
       </p:ext>
     </p:extLst>
   </p:cSld>
@@ -18922,6 +20249,16 @@
           <a:bodyPr/>
           <a:lstStyle/>
           <a:p>
+            <a:r>
+              <a:rPr lang="en-IE" dirty="0" smtClean="0"/>
+              <a:t>The ones I can tell you, anyway </a:t>
+            </a:r>
+            <a:r>
+              <a:rPr lang="en-IE" dirty="0" smtClean="0">
+                <a:sym typeface="Wingdings" panose="05000000000000000000" pitchFamily="2" charset="2"/>
+              </a:rPr>
+              <a:t></a:t>
+            </a:r>
             <a:endParaRPr lang="en-US" dirty="0"/>
           </a:p>
         </p:txBody>
@@ -18942,16 +20279,94 @@
           <a:lstStyle/>
           <a:p>
             <a:r>
-              <a:rPr lang="en-IE" dirty="0" smtClean="0"/>
-              <a:t>Q/A</a:t>
+              <a:rPr lang="en-US" dirty="0" smtClean="0"/>
+              <a:t>Some real world examples I worked </a:t>
+            </a:r>
+            <a:r>
+              <a:rPr lang="en-US" dirty="0" smtClean="0"/>
+              <a:t>on - IA</a:t>
             </a:r>
             <a:endParaRPr lang="en-US" dirty="0"/>
+          </a:p>
+        </p:txBody>
+      </p:sp>
+      <p:sp>
+        <p:nvSpPr>
+          <p:cNvPr id="3" name="TextBox 2"/>
+          <p:cNvSpPr txBox="1"/>
+          <p:nvPr/>
+        </p:nvSpPr>
+        <p:spPr>
+          <a:xfrm>
+            <a:off x="2645707" y="1450714"/>
+            <a:ext cx="3839514" cy="369332"/>
+          </a:xfrm>
+          <a:prstGeom prst="rect">
+            <a:avLst/>
+          </a:prstGeom>
+          <a:noFill/>
+        </p:spPr>
+        <p:txBody>
+          <a:bodyPr wrap="none" rtlCol="0">
+            <a:spAutoFit/>
+          </a:bodyPr>
+          <a:lstStyle/>
+          <a:p>
+            <a:pPr algn="ctr"/>
+            <a:r>
+              <a:rPr lang="en-IE" b="1" dirty="0" smtClean="0"/>
+              <a:t>Intelligent agents in Data </a:t>
+            </a:r>
+            <a:r>
+              <a:rPr lang="en-IE" b="1" dirty="0" err="1" smtClean="0"/>
+              <a:t>Centers</a:t>
+            </a:r>
+            <a:endParaRPr lang="en-US" b="1" dirty="0" err="1"/>
+          </a:p>
+        </p:txBody>
+      </p:sp>
+      <p:sp>
+        <p:nvSpPr>
+          <p:cNvPr id="14" name="TextBox 13"/>
+          <p:cNvSpPr txBox="1"/>
+          <p:nvPr/>
+        </p:nvSpPr>
+        <p:spPr>
+          <a:xfrm>
+            <a:off x="1523610" y="6141341"/>
+            <a:ext cx="6083717" cy="369332"/>
+          </a:xfrm>
+          <a:prstGeom prst="rect">
+            <a:avLst/>
+          </a:prstGeom>
+          <a:noFill/>
+        </p:spPr>
+        <p:txBody>
+          <a:bodyPr wrap="none" rtlCol="0">
+            <a:spAutoFit/>
+          </a:bodyPr>
+          <a:lstStyle/>
+          <a:p>
+            <a:pPr algn="ctr"/>
+            <a:r>
+              <a:rPr lang="en-IE" dirty="0" smtClean="0">
+                <a:solidFill>
+                  <a:schemeClr val="accent4"/>
+                </a:solidFill>
+              </a:rPr>
+              <a:t>Automate complex tasks using intelligent cognitive agents</a:t>
+            </a:r>
+            <a:endParaRPr lang="en-US" dirty="0" err="1">
+              <a:solidFill>
+                <a:schemeClr val="accent4"/>
+              </a:solidFill>
+            </a:endParaRPr>
           </a:p>
         </p:txBody>
       </p:sp>
       <p:pic>
         <p:nvPicPr>
-          <p:cNvPr id="3" name="Picture 2"/>
+          <p:cNvPr id="4" name="Picture 3"/>
           <p:cNvPicPr>
             <a:picLocks noChangeAspect="1"/>
           </p:cNvPicPr>
@@ -18971,8 +20386,8 @@
         </p:blipFill>
         <p:spPr>
           <a:xfrm>
-            <a:off x="572876" y="1738828"/>
-            <a:ext cx="8009263" cy="4528744"/>
+            <a:off x="1657773" y="1949782"/>
+            <a:ext cx="5815373" cy="4213643"/>
           </a:xfrm>
           <a:prstGeom prst="rect">
             <a:avLst/>
@@ -18982,7 +20397,7 @@
     </p:spTree>
     <p:extLst>
       <p:ext uri="{BB962C8B-B14F-4D97-AF65-F5344CB8AC3E}">
-        <p14:creationId xmlns:p14="http://schemas.microsoft.com/office/powerpoint/2010/main" val="1002772693"/>
+        <p14:creationId xmlns:p14="http://schemas.microsoft.com/office/powerpoint/2010/main" val="1397368081"/>
       </p:ext>
     </p:extLst>
   </p:cSld>
@@ -19050,11 +20465,7 @@
           <a:p>
             <a:r>
               <a:rPr lang="en-US" sz="2800" dirty="0" smtClean="0"/>
-              <a:t>About </a:t>
-            </a:r>
-            <a:r>
-              <a:rPr lang="en-US" sz="2800" dirty="0" smtClean="0"/>
-              <a:t>me – Who I am</a:t>
+              <a:t>About me – Who I am</a:t>
             </a:r>
             <a:endParaRPr lang="en-US" sz="2800" dirty="0"/>
           </a:p>
@@ -19813,6 +21224,16 @@
           <a:bodyPr/>
           <a:lstStyle/>
           <a:p>
+            <a:r>
+              <a:rPr lang="en-IE" dirty="0" smtClean="0"/>
+              <a:t>The ones I can tell you, anyway </a:t>
+            </a:r>
+            <a:r>
+              <a:rPr lang="en-IE" dirty="0" smtClean="0">
+                <a:sym typeface="Wingdings" panose="05000000000000000000" pitchFamily="2" charset="2"/>
+              </a:rPr>
+              <a:t></a:t>
+            </a:r>
             <a:endParaRPr lang="en-US" dirty="0"/>
           </a:p>
         </p:txBody>
@@ -19834,7 +21255,1057 @@
           <a:p>
             <a:r>
               <a:rPr lang="en-US" dirty="0" smtClean="0"/>
-              <a:t>Thanks</a:t>
+              <a:t>Some real world examples I worked </a:t>
+            </a:r>
+            <a:r>
+              <a:rPr lang="en-US" dirty="0" smtClean="0"/>
+              <a:t>on - Calls</a:t>
+            </a:r>
+            <a:endParaRPr lang="en-US" dirty="0"/>
+          </a:p>
+        </p:txBody>
+      </p:sp>
+      <p:grpSp>
+        <p:nvGrpSpPr>
+          <p:cNvPr id="5" name="Group 4"/>
+          <p:cNvGrpSpPr/>
+          <p:nvPr/>
+        </p:nvGrpSpPr>
+        <p:grpSpPr>
+          <a:xfrm>
+            <a:off x="429248" y="1451769"/>
+            <a:ext cx="8272457" cy="5240589"/>
+            <a:chOff x="429248" y="1451769"/>
+            <a:chExt cx="8272457" cy="5240589"/>
+          </a:xfrm>
+        </p:grpSpPr>
+        <p:pic>
+          <p:nvPicPr>
+            <p:cNvPr id="1026" name="Picture 2"/>
+            <p:cNvPicPr>
+              <a:picLocks noChangeAspect="1" noChangeArrowheads="1"/>
+            </p:cNvPicPr>
+            <p:nvPr/>
+          </p:nvPicPr>
+          <p:blipFill>
+            <a:blip r:embed="rId3">
+              <a:extLst>
+                <a:ext uri="{28A0092B-C50C-407E-A947-70E740481C1C}">
+                  <a14:useLocalDpi xmlns:a14="http://schemas.microsoft.com/office/drawing/2010/main" val="0"/>
+                </a:ext>
+              </a:extLst>
+            </a:blip>
+            <a:srcRect/>
+            <a:stretch>
+              <a:fillRect/>
+            </a:stretch>
+          </p:blipFill>
+          <p:spPr bwMode="auto">
+            <a:xfrm>
+              <a:off x="1271238" y="1792534"/>
+              <a:ext cx="6700799" cy="4586352"/>
+            </a:xfrm>
+            <a:prstGeom prst="rect">
+              <a:avLst/>
+            </a:prstGeom>
+            <a:noFill/>
+            <a:ln>
+              <a:noFill/>
+            </a:ln>
+            <a:extLst>
+              <a:ext uri="{909E8E84-426E-40DD-AFC4-6F175D3DCCD1}">
+                <a14:hiddenFill xmlns:a14="http://schemas.microsoft.com/office/drawing/2010/main">
+                  <a:solidFill>
+                    <a:schemeClr val="accent1"/>
+                  </a:solidFill>
+                </a14:hiddenFill>
+              </a:ext>
+              <a:ext uri="{91240B29-F687-4F45-9708-019B960494DF}">
+                <a14:hiddenLine xmlns:a14="http://schemas.microsoft.com/office/drawing/2010/main" w="9525">
+                  <a:solidFill>
+                    <a:schemeClr val="tx1"/>
+                  </a:solidFill>
+                  <a:miter lim="800000"/>
+                  <a:headEnd/>
+                  <a:tailEnd/>
+                </a14:hiddenLine>
+              </a:ext>
+            </a:extLst>
+          </p:spPr>
+        </p:pic>
+        <p:sp>
+          <p:nvSpPr>
+            <p:cNvPr id="9" name="TextBox 8"/>
+            <p:cNvSpPr txBox="1"/>
+            <p:nvPr/>
+          </p:nvSpPr>
+          <p:spPr>
+            <a:xfrm>
+              <a:off x="3272555" y="1451769"/>
+              <a:ext cx="2698175" cy="369332"/>
+            </a:xfrm>
+            <a:prstGeom prst="rect">
+              <a:avLst/>
+            </a:prstGeom>
+            <a:noFill/>
+          </p:spPr>
+          <p:txBody>
+            <a:bodyPr wrap="none" rtlCol="0">
+              <a:spAutoFit/>
+            </a:bodyPr>
+            <a:lstStyle/>
+            <a:p>
+              <a:pPr algn="ctr"/>
+              <a:r>
+                <a:rPr lang="en-IE" b="1" dirty="0" smtClean="0"/>
+                <a:t>Diagnosis support tool	</a:t>
+              </a:r>
+              <a:endParaRPr lang="en-US" b="1" dirty="0" err="1"/>
+            </a:p>
+          </p:txBody>
+        </p:sp>
+        <p:sp>
+          <p:nvSpPr>
+            <p:cNvPr id="10" name="TextBox 9"/>
+            <p:cNvSpPr txBox="1"/>
+            <p:nvPr/>
+          </p:nvSpPr>
+          <p:spPr>
+            <a:xfrm>
+              <a:off x="429248" y="6323026"/>
+              <a:ext cx="8272457" cy="369332"/>
+            </a:xfrm>
+            <a:prstGeom prst="rect">
+              <a:avLst/>
+            </a:prstGeom>
+            <a:noFill/>
+          </p:spPr>
+          <p:txBody>
+            <a:bodyPr wrap="none" rtlCol="0">
+              <a:spAutoFit/>
+            </a:bodyPr>
+            <a:lstStyle/>
+            <a:p>
+              <a:pPr algn="ctr"/>
+              <a:r>
+                <a:rPr lang="en-IE" dirty="0" smtClean="0">
+                  <a:solidFill>
+                    <a:schemeClr val="accent4"/>
+                  </a:solidFill>
+                </a:rPr>
+                <a:t>Infer possible diagnoses from symptom description using NLP and co-morbidity</a:t>
+              </a:r>
+              <a:endParaRPr lang="en-US" dirty="0" err="1">
+                <a:solidFill>
+                  <a:schemeClr val="accent4"/>
+                </a:solidFill>
+              </a:endParaRPr>
+            </a:p>
+          </p:txBody>
+        </p:sp>
+      </p:grpSp>
+      <p:grpSp>
+        <p:nvGrpSpPr>
+          <p:cNvPr id="7" name="Group 6"/>
+          <p:cNvGrpSpPr/>
+          <p:nvPr/>
+        </p:nvGrpSpPr>
+        <p:grpSpPr>
+          <a:xfrm>
+            <a:off x="0" y="1810377"/>
+            <a:ext cx="9144000" cy="4550666"/>
+            <a:chOff x="4627" y="1658473"/>
+            <a:chExt cx="9144000" cy="4550666"/>
+          </a:xfrm>
+        </p:grpSpPr>
+        <p:pic>
+          <p:nvPicPr>
+            <p:cNvPr id="4" name="Picture 3"/>
+            <p:cNvPicPr>
+              <a:picLocks noChangeAspect="1"/>
+            </p:cNvPicPr>
+            <p:nvPr/>
+          </p:nvPicPr>
+          <p:blipFill>
+            <a:blip r:embed="rId4">
+              <a:extLst>
+                <a:ext uri="{28A0092B-C50C-407E-A947-70E740481C1C}">
+                  <a14:useLocalDpi xmlns:a14="http://schemas.microsoft.com/office/drawing/2010/main" val="0"/>
+                </a:ext>
+              </a:extLst>
+            </a:blip>
+            <a:stretch>
+              <a:fillRect/>
+            </a:stretch>
+          </p:blipFill>
+          <p:spPr>
+            <a:xfrm>
+              <a:off x="4627" y="2099881"/>
+              <a:ext cx="9144000" cy="3585410"/>
+            </a:xfrm>
+            <a:prstGeom prst="rect">
+              <a:avLst/>
+            </a:prstGeom>
+          </p:spPr>
+        </p:pic>
+        <p:sp>
+          <p:nvSpPr>
+            <p:cNvPr id="13" name="TextBox 12"/>
+            <p:cNvSpPr txBox="1"/>
+            <p:nvPr/>
+          </p:nvSpPr>
+          <p:spPr>
+            <a:xfrm>
+              <a:off x="3494191" y="1658473"/>
+              <a:ext cx="2142574" cy="369332"/>
+            </a:xfrm>
+            <a:prstGeom prst="rect">
+              <a:avLst/>
+            </a:prstGeom>
+            <a:noFill/>
+          </p:spPr>
+          <p:txBody>
+            <a:bodyPr wrap="none" rtlCol="0">
+              <a:spAutoFit/>
+            </a:bodyPr>
+            <a:lstStyle/>
+            <a:p>
+              <a:pPr algn="ctr"/>
+              <a:r>
+                <a:rPr lang="en-IE" b="1" dirty="0" smtClean="0"/>
+                <a:t>Virtual assistance</a:t>
+              </a:r>
+              <a:endParaRPr lang="en-US" b="1" dirty="0" err="1"/>
+            </a:p>
+          </p:txBody>
+        </p:sp>
+        <p:sp>
+          <p:nvSpPr>
+            <p:cNvPr id="15" name="TextBox 14"/>
+            <p:cNvSpPr txBox="1"/>
+            <p:nvPr/>
+          </p:nvSpPr>
+          <p:spPr>
+            <a:xfrm>
+              <a:off x="1829857" y="5839807"/>
+              <a:ext cx="5583581" cy="369332"/>
+            </a:xfrm>
+            <a:prstGeom prst="rect">
+              <a:avLst/>
+            </a:prstGeom>
+            <a:noFill/>
+          </p:spPr>
+          <p:txBody>
+            <a:bodyPr wrap="none" rtlCol="0">
+              <a:spAutoFit/>
+            </a:bodyPr>
+            <a:lstStyle/>
+            <a:p>
+              <a:pPr algn="ctr"/>
+              <a:r>
+                <a:rPr lang="en-IE" dirty="0" smtClean="0">
+                  <a:solidFill>
+                    <a:schemeClr val="accent4"/>
+                  </a:solidFill>
+                </a:rPr>
+                <a:t>Assist operations by keeping track of important items</a:t>
+              </a:r>
+              <a:endParaRPr lang="en-US" dirty="0" err="1">
+                <a:solidFill>
+                  <a:schemeClr val="accent4"/>
+                </a:solidFill>
+              </a:endParaRPr>
+            </a:p>
+          </p:txBody>
+        </p:sp>
+      </p:grpSp>
+      <p:grpSp>
+        <p:nvGrpSpPr>
+          <p:cNvPr id="8" name="Group 7"/>
+          <p:cNvGrpSpPr/>
+          <p:nvPr/>
+        </p:nvGrpSpPr>
+        <p:grpSpPr>
+          <a:xfrm>
+            <a:off x="-11149" y="1636435"/>
+            <a:ext cx="9144000" cy="5088189"/>
+            <a:chOff x="-3668751" y="1234837"/>
+            <a:chExt cx="9144000" cy="5088189"/>
+          </a:xfrm>
+        </p:grpSpPr>
+        <p:pic>
+          <p:nvPicPr>
+            <p:cNvPr id="1027" name="Picture 3"/>
+            <p:cNvPicPr>
+              <a:picLocks noChangeAspect="1" noChangeArrowheads="1"/>
+            </p:cNvPicPr>
+            <p:nvPr/>
+          </p:nvPicPr>
+          <p:blipFill>
+            <a:blip r:embed="rId5">
+              <a:extLst>
+                <a:ext uri="{28A0092B-C50C-407E-A947-70E740481C1C}">
+                  <a14:useLocalDpi xmlns:a14="http://schemas.microsoft.com/office/drawing/2010/main" val="0"/>
+                </a:ext>
+              </a:extLst>
+            </a:blip>
+            <a:srcRect/>
+            <a:stretch>
+              <a:fillRect/>
+            </a:stretch>
+          </p:blipFill>
+          <p:spPr bwMode="auto">
+            <a:xfrm>
+              <a:off x="-3668751" y="1636435"/>
+              <a:ext cx="9144000" cy="4260475"/>
+            </a:xfrm>
+            <a:prstGeom prst="rect">
+              <a:avLst/>
+            </a:prstGeom>
+            <a:noFill/>
+            <a:ln>
+              <a:noFill/>
+            </a:ln>
+            <a:extLst>
+              <a:ext uri="{909E8E84-426E-40DD-AFC4-6F175D3DCCD1}">
+                <a14:hiddenFill xmlns:a14="http://schemas.microsoft.com/office/drawing/2010/main">
+                  <a:solidFill>
+                    <a:schemeClr val="accent1"/>
+                  </a:solidFill>
+                </a14:hiddenFill>
+              </a:ext>
+              <a:ext uri="{91240B29-F687-4F45-9708-019B960494DF}">
+                <a14:hiddenLine xmlns:a14="http://schemas.microsoft.com/office/drawing/2010/main" w="9525">
+                  <a:solidFill>
+                    <a:schemeClr val="tx1"/>
+                  </a:solidFill>
+                  <a:miter lim="800000"/>
+                  <a:headEnd/>
+                  <a:tailEnd/>
+                </a14:hiddenLine>
+              </a:ext>
+            </a:extLst>
+          </p:spPr>
+        </p:pic>
+        <p:sp>
+          <p:nvSpPr>
+            <p:cNvPr id="18" name="TextBox 17"/>
+            <p:cNvSpPr txBox="1"/>
+            <p:nvPr/>
+          </p:nvSpPr>
+          <p:spPr>
+            <a:xfrm>
+              <a:off x="-1196037" y="5953694"/>
+              <a:ext cx="4198585" cy="369332"/>
+            </a:xfrm>
+            <a:prstGeom prst="rect">
+              <a:avLst/>
+            </a:prstGeom>
+            <a:noFill/>
+          </p:spPr>
+          <p:txBody>
+            <a:bodyPr wrap="none" rtlCol="0">
+              <a:spAutoFit/>
+            </a:bodyPr>
+            <a:lstStyle/>
+            <a:p>
+              <a:pPr algn="ctr"/>
+              <a:r>
+                <a:rPr lang="en-IE" dirty="0" smtClean="0">
+                  <a:solidFill>
+                    <a:schemeClr val="accent4"/>
+                  </a:solidFill>
+                </a:rPr>
+                <a:t>Determine ways to optimise the system</a:t>
+              </a:r>
+              <a:endParaRPr lang="en-US" dirty="0" err="1">
+                <a:solidFill>
+                  <a:schemeClr val="accent4"/>
+                </a:solidFill>
+              </a:endParaRPr>
+            </a:p>
+          </p:txBody>
+        </p:sp>
+        <p:sp>
+          <p:nvSpPr>
+            <p:cNvPr id="19" name="TextBox 18"/>
+            <p:cNvSpPr txBox="1"/>
+            <p:nvPr/>
+          </p:nvSpPr>
+          <p:spPr>
+            <a:xfrm>
+              <a:off x="-1593574" y="1234837"/>
+              <a:ext cx="4993676" cy="369332"/>
+            </a:xfrm>
+            <a:prstGeom prst="rect">
+              <a:avLst/>
+            </a:prstGeom>
+            <a:noFill/>
+          </p:spPr>
+          <p:txBody>
+            <a:bodyPr wrap="none" rtlCol="0">
+              <a:spAutoFit/>
+            </a:bodyPr>
+            <a:lstStyle/>
+            <a:p>
+              <a:pPr algn="ctr"/>
+              <a:r>
+                <a:rPr lang="en-IE" b="1" dirty="0" smtClean="0"/>
+                <a:t>Repeat calls, </a:t>
+              </a:r>
+              <a:r>
+                <a:rPr lang="en-IE" b="1" dirty="0" err="1" smtClean="0"/>
+                <a:t>auth</a:t>
+              </a:r>
+              <a:r>
+                <a:rPr lang="en-IE" b="1" dirty="0" smtClean="0"/>
+                <a:t> rate, system optimisation</a:t>
+              </a:r>
+              <a:endParaRPr lang="en-US" b="1" dirty="0" err="1"/>
+            </a:p>
+          </p:txBody>
+        </p:sp>
+      </p:grpSp>
+    </p:spTree>
+    <p:extLst>
+      <p:ext uri="{BB962C8B-B14F-4D97-AF65-F5344CB8AC3E}">
+        <p14:creationId xmlns:p14="http://schemas.microsoft.com/office/powerpoint/2010/main" val="2738638181"/>
+      </p:ext>
+    </p:extLst>
+  </p:cSld>
+  <p:clrMapOvr>
+    <a:masterClrMapping/>
+  </p:clrMapOvr>
+  <mc:AlternateContent xmlns:mc="http://schemas.openxmlformats.org/markup-compatibility/2006" xmlns:p14="http://schemas.microsoft.com/office/powerpoint/2010/main">
+    <mc:Choice Requires="p14">
+      <p:transition spd="med" p14:dur="700">
+        <p:fade/>
+      </p:transition>
+    </mc:Choice>
+    <mc:Fallback xmlns="">
+      <p:transition spd="med">
+        <p:fade/>
+      </p:transition>
+    </mc:Fallback>
+  </mc:AlternateContent>
+  <p:timing>
+    <p:tnLst>
+      <p:par>
+        <p:cTn id="1" dur="indefinite" restart="never" nodeType="tmRoot">
+          <p:childTnLst>
+            <p:seq concurrent="1" nextAc="seek">
+              <p:cTn id="2" dur="indefinite" nodeType="mainSeq">
+                <p:childTnLst>
+                  <p:par>
+                    <p:cTn id="3" fill="hold">
+                      <p:stCondLst>
+                        <p:cond delay="indefinite"/>
+                      </p:stCondLst>
+                      <p:childTnLst>
+                        <p:par>
+                          <p:cTn id="4" fill="hold">
+                            <p:stCondLst>
+                              <p:cond delay="0"/>
+                            </p:stCondLst>
+                            <p:childTnLst>
+                              <p:par>
+                                <p:cTn id="5" presetID="1" presetClass="exit" presetSubtype="0" fill="hold" nodeType="clickEffect">
+                                  <p:stCondLst>
+                                    <p:cond delay="0"/>
+                                  </p:stCondLst>
+                                  <p:childTnLst>
+                                    <p:set>
+                                      <p:cBhvr>
+                                        <p:cTn id="6" dur="1" fill="hold">
+                                          <p:stCondLst>
+                                            <p:cond delay="0"/>
+                                          </p:stCondLst>
+                                        </p:cTn>
+                                        <p:tgtEl>
+                                          <p:spTgt spid="7"/>
+                                        </p:tgtEl>
+                                        <p:attrNameLst>
+                                          <p:attrName>style.visibility</p:attrName>
+                                        </p:attrNameLst>
+                                      </p:cBhvr>
+                                      <p:to>
+                                        <p:strVal val="hidden"/>
+                                      </p:to>
+                                    </p:set>
+                                  </p:childTnLst>
+                                </p:cTn>
+                              </p:par>
+                              <p:par>
+                                <p:cTn id="7" presetID="1" presetClass="entr" presetSubtype="0" fill="hold" nodeType="withEffect">
+                                  <p:stCondLst>
+                                    <p:cond delay="0"/>
+                                  </p:stCondLst>
+                                  <p:childTnLst>
+                                    <p:set>
+                                      <p:cBhvr>
+                                        <p:cTn id="8" dur="1" fill="hold">
+                                          <p:stCondLst>
+                                            <p:cond delay="0"/>
+                                          </p:stCondLst>
+                                        </p:cTn>
+                                        <p:tgtEl>
+                                          <p:spTgt spid="5"/>
+                                        </p:tgtEl>
+                                        <p:attrNameLst>
+                                          <p:attrName>style.visibility</p:attrName>
+                                        </p:attrNameLst>
+                                      </p:cBhvr>
+                                      <p:to>
+                                        <p:strVal val="visible"/>
+                                      </p:to>
+                                    </p:set>
+                                  </p:childTnLst>
+                                </p:cTn>
+                              </p:par>
+                            </p:childTnLst>
+                          </p:cTn>
+                        </p:par>
+                      </p:childTnLst>
+                    </p:cTn>
+                  </p:par>
+                  <p:par>
+                    <p:cTn id="9" fill="hold">
+                      <p:stCondLst>
+                        <p:cond delay="indefinite"/>
+                      </p:stCondLst>
+                      <p:childTnLst>
+                        <p:par>
+                          <p:cTn id="10" fill="hold">
+                            <p:stCondLst>
+                              <p:cond delay="0"/>
+                            </p:stCondLst>
+                            <p:childTnLst>
+                              <p:par>
+                                <p:cTn id="11" presetID="1" presetClass="exit" presetSubtype="0" fill="hold" nodeType="clickEffect">
+                                  <p:stCondLst>
+                                    <p:cond delay="0"/>
+                                  </p:stCondLst>
+                                  <p:childTnLst>
+                                    <p:set>
+                                      <p:cBhvr>
+                                        <p:cTn id="12" dur="1" fill="hold">
+                                          <p:stCondLst>
+                                            <p:cond delay="0"/>
+                                          </p:stCondLst>
+                                        </p:cTn>
+                                        <p:tgtEl>
+                                          <p:spTgt spid="5"/>
+                                        </p:tgtEl>
+                                        <p:attrNameLst>
+                                          <p:attrName>style.visibility</p:attrName>
+                                        </p:attrNameLst>
+                                      </p:cBhvr>
+                                      <p:to>
+                                        <p:strVal val="hidden"/>
+                                      </p:to>
+                                    </p:set>
+                                  </p:childTnLst>
+                                </p:cTn>
+                              </p:par>
+                              <p:par>
+                                <p:cTn id="13" presetID="1" presetClass="entr" presetSubtype="0" fill="hold" nodeType="withEffect">
+                                  <p:stCondLst>
+                                    <p:cond delay="0"/>
+                                  </p:stCondLst>
+                                  <p:childTnLst>
+                                    <p:set>
+                                      <p:cBhvr>
+                                        <p:cTn id="14" dur="1" fill="hold">
+                                          <p:stCondLst>
+                                            <p:cond delay="0"/>
+                                          </p:stCondLst>
+                                        </p:cTn>
+                                        <p:tgtEl>
+                                          <p:spTgt spid="8"/>
+                                        </p:tgtEl>
+                                        <p:attrNameLst>
+                                          <p:attrName>style.visibility</p:attrName>
+                                        </p:attrNameLst>
+                                      </p:cBhvr>
+                                      <p:to>
+                                        <p:strVal val="visible"/>
+                                      </p:to>
+                                    </p:set>
+                                  </p:childTnLst>
+                                </p:cTn>
+                              </p:par>
+                            </p:childTnLst>
+                          </p:cTn>
+                        </p:par>
+                      </p:childTnLst>
+                    </p:cTn>
+                  </p:par>
+                </p:childTnLst>
+              </p:cTn>
+              <p:prevCondLst>
+                <p:cond evt="onPrev" delay="0">
+                  <p:tgtEl>
+                    <p:sldTgt/>
+                  </p:tgtEl>
+                </p:cond>
+              </p:prevCondLst>
+              <p:nextCondLst>
+                <p:cond evt="onNext" delay="0">
+                  <p:tgtEl>
+                    <p:sldTgt/>
+                  </p:tgtEl>
+                </p:cond>
+              </p:nextCondLst>
+            </p:seq>
+          </p:childTnLst>
+        </p:cTn>
+      </p:par>
+    </p:tnLst>
+  </p:timing>
+</p:sld>
+</file>
+
+<file path=ppt/slides/slide21.xml><?xml version="1.0" encoding="utf-8"?>
+<p:sld xmlns:a="http://schemas.openxmlformats.org/drawingml/2006/main" xmlns:r="http://schemas.openxmlformats.org/officeDocument/2006/relationships" xmlns:p="http://schemas.openxmlformats.org/presentationml/2006/main">
+  <p:cSld>
+    <p:spTree>
+      <p:nvGrpSpPr>
+        <p:cNvPr id="1" name=""/>
+        <p:cNvGrpSpPr/>
+        <p:nvPr/>
+      </p:nvGrpSpPr>
+      <p:grpSpPr>
+        <a:xfrm>
+          <a:off x="0" y="0"/>
+          <a:ext cx="0" cy="0"/>
+          <a:chOff x="0" y="0"/>
+          <a:chExt cx="0" cy="0"/>
+        </a:xfrm>
+      </p:grpSpPr>
+      <p:sp>
+        <p:nvSpPr>
+          <p:cNvPr id="2" name="Content Placeholder 1"/>
+          <p:cNvSpPr>
+            <a:spLocks noGrp="1"/>
+          </p:cNvSpPr>
+          <p:nvPr>
+            <p:ph idx="1"/>
+          </p:nvPr>
+        </p:nvSpPr>
+        <p:spPr/>
+        <p:txBody>
+          <a:bodyPr/>
+          <a:lstStyle/>
+          <a:p>
+            <a:endParaRPr lang="en-US"/>
+          </a:p>
+        </p:txBody>
+      </p:sp>
+      <p:sp>
+        <p:nvSpPr>
+          <p:cNvPr id="3" name="Text Placeholder 2"/>
+          <p:cNvSpPr>
+            <a:spLocks noGrp="1"/>
+          </p:cNvSpPr>
+          <p:nvPr>
+            <p:ph type="body" sz="quarter" idx="13"/>
+          </p:nvPr>
+        </p:nvSpPr>
+        <p:spPr/>
+        <p:txBody>
+          <a:bodyPr/>
+          <a:lstStyle/>
+          <a:p>
+            <a:endParaRPr lang="en-US"/>
+          </a:p>
+        </p:txBody>
+      </p:sp>
+      <p:sp>
+        <p:nvSpPr>
+          <p:cNvPr id="4" name="Title 3"/>
+          <p:cNvSpPr>
+            <a:spLocks noGrp="1"/>
+          </p:cNvSpPr>
+          <p:nvPr>
+            <p:ph type="title"/>
+          </p:nvPr>
+        </p:nvSpPr>
+        <p:spPr/>
+        <p:txBody>
+          <a:bodyPr/>
+          <a:lstStyle/>
+          <a:p>
+            <a:r>
+              <a:rPr lang="en-IE" dirty="0" smtClean="0"/>
+              <a:t>Some Data Science results in the last 20 years</a:t>
+            </a:r>
+            <a:endParaRPr lang="en-US" dirty="0"/>
+          </a:p>
+        </p:txBody>
+      </p:sp>
+    </p:spTree>
+    <p:extLst>
+      <p:ext uri="{BB962C8B-B14F-4D97-AF65-F5344CB8AC3E}">
+        <p14:creationId xmlns:p14="http://schemas.microsoft.com/office/powerpoint/2010/main" val="1396734122"/>
+      </p:ext>
+    </p:extLst>
+  </p:cSld>
+  <p:clrMapOvr>
+    <a:masterClrMapping/>
+  </p:clrMapOvr>
+  <p:timing>
+    <p:tnLst>
+      <p:par>
+        <p:cTn id="1" dur="indefinite" restart="never" nodeType="tmRoot"/>
+      </p:par>
+    </p:tnLst>
+  </p:timing>
+</p:sld>
+</file>
+
+<file path=ppt/slides/slide22.xml><?xml version="1.0" encoding="utf-8"?>
+<p:sld xmlns:a="http://schemas.openxmlformats.org/drawingml/2006/main" xmlns:r="http://schemas.openxmlformats.org/officeDocument/2006/relationships" xmlns:p="http://schemas.openxmlformats.org/presentationml/2006/main">
+  <p:cSld>
+    <p:spTree>
+      <p:nvGrpSpPr>
+        <p:cNvPr id="1" name=""/>
+        <p:cNvGrpSpPr/>
+        <p:nvPr/>
+      </p:nvGrpSpPr>
+      <p:grpSpPr>
+        <a:xfrm>
+          <a:off x="0" y="0"/>
+          <a:ext cx="0" cy="0"/>
+          <a:chOff x="0" y="0"/>
+          <a:chExt cx="0" cy="0"/>
+        </a:xfrm>
+      </p:grpSpPr>
+      <p:sp>
+        <p:nvSpPr>
+          <p:cNvPr id="2" name="Text Placeholder 1"/>
+          <p:cNvSpPr>
+            <a:spLocks noGrp="1"/>
+          </p:cNvSpPr>
+          <p:nvPr>
+            <p:ph type="body" sz="quarter" idx="13"/>
+          </p:nvPr>
+        </p:nvSpPr>
+        <p:spPr/>
+        <p:txBody>
+          <a:bodyPr/>
+          <a:lstStyle/>
+          <a:p>
+            <a:endParaRPr lang="en-US" dirty="0"/>
+          </a:p>
+        </p:txBody>
+      </p:sp>
+      <p:sp>
+        <p:nvSpPr>
+          <p:cNvPr id="17" name="Title 16"/>
+          <p:cNvSpPr>
+            <a:spLocks noGrp="1"/>
+          </p:cNvSpPr>
+          <p:nvPr>
+            <p:ph type="title"/>
+          </p:nvPr>
+        </p:nvSpPr>
+        <p:spPr/>
+        <p:txBody>
+          <a:bodyPr/>
+          <a:lstStyle/>
+          <a:p>
+            <a:r>
+              <a:rPr lang="en-US" dirty="0" smtClean="0"/>
+              <a:t>Conclusions</a:t>
+            </a:r>
+            <a:endParaRPr lang="en-US" dirty="0"/>
+          </a:p>
+        </p:txBody>
+      </p:sp>
+      <p:pic>
+        <p:nvPicPr>
+          <p:cNvPr id="2050" name="Picture 2" descr="C:\Users\pmascolo\Downloads\5392200475_c71f2d2569_z.jpg"/>
+          <p:cNvPicPr>
+            <a:picLocks noChangeAspect="1" noChangeArrowheads="1"/>
+          </p:cNvPicPr>
+          <p:nvPr/>
+        </p:nvPicPr>
+        <p:blipFill>
+          <a:blip r:embed="rId3">
+            <a:extLst>
+              <a:ext uri="{28A0092B-C50C-407E-A947-70E740481C1C}">
+                <a14:useLocalDpi xmlns:a14="http://schemas.microsoft.com/office/drawing/2010/main" val="0"/>
+              </a:ext>
+            </a:extLst>
+          </a:blip>
+          <a:srcRect/>
+          <a:stretch>
+            <a:fillRect/>
+          </a:stretch>
+        </p:blipFill>
+        <p:spPr bwMode="auto">
+          <a:xfrm>
+            <a:off x="911225" y="2635366"/>
+            <a:ext cx="7366442" cy="3245669"/>
+          </a:xfrm>
+          <a:prstGeom prst="rect">
+            <a:avLst/>
+          </a:prstGeom>
+          <a:noFill/>
+          <a:extLst>
+            <a:ext uri="{909E8E84-426E-40DD-AFC4-6F175D3DCCD1}">
+              <a14:hiddenFill xmlns:a14="http://schemas.microsoft.com/office/drawing/2010/main">
+                <a:solidFill>
+                  <a:srgbClr val="FFFFFF"/>
+                </a:solidFill>
+              </a14:hiddenFill>
+            </a:ext>
+          </a:extLst>
+        </p:spPr>
+      </p:pic>
+      <p:sp>
+        <p:nvSpPr>
+          <p:cNvPr id="3" name="TextBox 2"/>
+          <p:cNvSpPr txBox="1"/>
+          <p:nvPr/>
+        </p:nvSpPr>
+        <p:spPr>
+          <a:xfrm>
+            <a:off x="2515479" y="1867301"/>
+            <a:ext cx="4157933" cy="523220"/>
+          </a:xfrm>
+          <a:prstGeom prst="rect">
+            <a:avLst/>
+          </a:prstGeom>
+          <a:noFill/>
+        </p:spPr>
+        <p:txBody>
+          <a:bodyPr wrap="none" rtlCol="0">
+            <a:spAutoFit/>
+          </a:bodyPr>
+          <a:lstStyle/>
+          <a:p>
+            <a:r>
+              <a:rPr lang="en-IE" sz="2800" b="1" dirty="0" smtClean="0"/>
+              <a:t>It’s a Brave New World!</a:t>
+            </a:r>
+            <a:endParaRPr lang="en-US" sz="2800" b="1" dirty="0" err="1" smtClean="0"/>
+          </a:p>
+        </p:txBody>
+      </p:sp>
+    </p:spTree>
+    <p:extLst>
+      <p:ext uri="{BB962C8B-B14F-4D97-AF65-F5344CB8AC3E}">
+        <p14:creationId xmlns:p14="http://schemas.microsoft.com/office/powerpoint/2010/main" val="1386234047"/>
+      </p:ext>
+    </p:extLst>
+  </p:cSld>
+  <p:clrMapOvr>
+    <a:masterClrMapping/>
+  </p:clrMapOvr>
+  <mc:AlternateContent xmlns:mc="http://schemas.openxmlformats.org/markup-compatibility/2006" xmlns:p14="http://schemas.microsoft.com/office/powerpoint/2010/main">
+    <mc:Choice Requires="p14">
+      <p:transition spd="med" p14:dur="700">
+        <p:fade/>
+      </p:transition>
+    </mc:Choice>
+    <mc:Fallback xmlns="">
+      <p:transition spd="med">
+        <p:fade/>
+      </p:transition>
+    </mc:Fallback>
+  </mc:AlternateContent>
+  <p:timing>
+    <p:tnLst>
+      <p:par>
+        <p:cTn id="1" dur="indefinite" restart="never" nodeType="tmRoot"/>
+      </p:par>
+    </p:tnLst>
+  </p:timing>
+</p:sld>
+</file>
+
+<file path=ppt/slides/slide23.xml><?xml version="1.0" encoding="utf-8"?>
+<p:sld xmlns:a="http://schemas.openxmlformats.org/drawingml/2006/main" xmlns:r="http://schemas.openxmlformats.org/officeDocument/2006/relationships" xmlns:p="http://schemas.openxmlformats.org/presentationml/2006/main">
+  <p:cSld>
+    <p:spTree>
+      <p:nvGrpSpPr>
+        <p:cNvPr id="1" name=""/>
+        <p:cNvGrpSpPr/>
+        <p:nvPr/>
+      </p:nvGrpSpPr>
+      <p:grpSpPr>
+        <a:xfrm>
+          <a:off x="0" y="0"/>
+          <a:ext cx="0" cy="0"/>
+          <a:chOff x="0" y="0"/>
+          <a:chExt cx="0" cy="0"/>
+        </a:xfrm>
+      </p:grpSpPr>
+      <p:sp>
+        <p:nvSpPr>
+          <p:cNvPr id="2" name="Text Placeholder 1"/>
+          <p:cNvSpPr>
+            <a:spLocks noGrp="1"/>
+          </p:cNvSpPr>
+          <p:nvPr>
+            <p:ph type="body" sz="quarter" idx="13"/>
+          </p:nvPr>
+        </p:nvSpPr>
+        <p:spPr/>
+        <p:txBody>
+          <a:bodyPr/>
+          <a:lstStyle/>
+          <a:p>
+            <a:endParaRPr lang="en-US" dirty="0"/>
+          </a:p>
+        </p:txBody>
+      </p:sp>
+      <p:sp>
+        <p:nvSpPr>
+          <p:cNvPr id="17" name="Title 16"/>
+          <p:cNvSpPr>
+            <a:spLocks noGrp="1"/>
+          </p:cNvSpPr>
+          <p:nvPr>
+            <p:ph type="title"/>
+          </p:nvPr>
+        </p:nvSpPr>
+        <p:spPr/>
+        <p:txBody>
+          <a:bodyPr/>
+          <a:lstStyle/>
+          <a:p>
+            <a:r>
+              <a:rPr lang="en-IE" dirty="0" smtClean="0"/>
+              <a:t>Q/A</a:t>
+            </a:r>
+            <a:endParaRPr lang="en-US" dirty="0"/>
+          </a:p>
+        </p:txBody>
+      </p:sp>
+      <p:pic>
+        <p:nvPicPr>
+          <p:cNvPr id="3" name="Picture 2"/>
+          <p:cNvPicPr>
+            <a:picLocks noChangeAspect="1"/>
+          </p:cNvPicPr>
+          <p:nvPr/>
+        </p:nvPicPr>
+        <p:blipFill>
+          <a:blip r:embed="rId3">
+            <a:extLst>
+              <a:ext uri="{28A0092B-C50C-407E-A947-70E740481C1C}">
+                <a14:useLocalDpi xmlns:a14="http://schemas.microsoft.com/office/drawing/2010/main" val="0"/>
+              </a:ext>
+            </a:extLst>
+          </a:blip>
+          <a:stretch>
+            <a:fillRect/>
+          </a:stretch>
+        </p:blipFill>
+        <p:spPr>
+          <a:xfrm>
+            <a:off x="572876" y="1738828"/>
+            <a:ext cx="8009263" cy="4528744"/>
+          </a:xfrm>
+          <a:prstGeom prst="rect">
+            <a:avLst/>
+          </a:prstGeom>
+        </p:spPr>
+      </p:pic>
+    </p:spTree>
+    <p:extLst>
+      <p:ext uri="{BB962C8B-B14F-4D97-AF65-F5344CB8AC3E}">
+        <p14:creationId xmlns:p14="http://schemas.microsoft.com/office/powerpoint/2010/main" val="1002772693"/>
+      </p:ext>
+    </p:extLst>
+  </p:cSld>
+  <p:clrMapOvr>
+    <a:masterClrMapping/>
+  </p:clrMapOvr>
+  <mc:AlternateContent xmlns:mc="http://schemas.openxmlformats.org/markup-compatibility/2006" xmlns:p14="http://schemas.microsoft.com/office/powerpoint/2010/main">
+    <mc:Choice Requires="p14">
+      <p:transition spd="med" p14:dur="700">
+        <p:fade/>
+      </p:transition>
+    </mc:Choice>
+    <mc:Fallback xmlns="">
+      <p:transition spd="med">
+        <p:fade/>
+      </p:transition>
+    </mc:Fallback>
+  </mc:AlternateContent>
+  <p:timing>
+    <p:tnLst>
+      <p:par>
+        <p:cTn id="1" dur="indefinite" restart="never" nodeType="tmRoot"/>
+      </p:par>
+    </p:tnLst>
+  </p:timing>
+</p:sld>
+</file>
+
+<file path=ppt/slides/slide24.xml><?xml version="1.0" encoding="utf-8"?>
+<p:sld xmlns:a="http://schemas.openxmlformats.org/drawingml/2006/main" xmlns:r="http://schemas.openxmlformats.org/officeDocument/2006/relationships" xmlns:p="http://schemas.openxmlformats.org/presentationml/2006/main">
+  <p:cSld>
+    <p:spTree>
+      <p:nvGrpSpPr>
+        <p:cNvPr id="1" name=""/>
+        <p:cNvGrpSpPr/>
+        <p:nvPr/>
+      </p:nvGrpSpPr>
+      <p:grpSpPr>
+        <a:xfrm>
+          <a:off x="0" y="0"/>
+          <a:ext cx="0" cy="0"/>
+          <a:chOff x="0" y="0"/>
+          <a:chExt cx="0" cy="0"/>
+        </a:xfrm>
+      </p:grpSpPr>
+      <p:sp>
+        <p:nvSpPr>
+          <p:cNvPr id="2" name="Text Placeholder 1"/>
+          <p:cNvSpPr>
+            <a:spLocks noGrp="1"/>
+          </p:cNvSpPr>
+          <p:nvPr>
+            <p:ph type="body" sz="quarter" idx="13"/>
+          </p:nvPr>
+        </p:nvSpPr>
+        <p:spPr/>
+        <p:txBody>
+          <a:bodyPr/>
+          <a:lstStyle/>
+          <a:p>
+            <a:endParaRPr lang="en-US" dirty="0"/>
+          </a:p>
+        </p:txBody>
+      </p:sp>
+      <p:sp>
+        <p:nvSpPr>
+          <p:cNvPr id="17" name="Title 16"/>
+          <p:cNvSpPr>
+            <a:spLocks noGrp="1"/>
+          </p:cNvSpPr>
+          <p:nvPr>
+            <p:ph type="title"/>
+          </p:nvPr>
+        </p:nvSpPr>
+        <p:spPr>
+          <a:xfrm>
+            <a:off x="427933" y="3159514"/>
+            <a:ext cx="8396863" cy="620358"/>
+          </a:xfrm>
+        </p:spPr>
+        <p:txBody>
+          <a:bodyPr/>
+          <a:lstStyle/>
+          <a:p>
+            <a:pPr algn="ctr"/>
+            <a:r>
+              <a:rPr lang="en-US" dirty="0" smtClean="0"/>
+              <a:t>Thanks for your attention!</a:t>
             </a:r>
             <a:endParaRPr lang="en-US" dirty="0"/>
           </a:p>
@@ -19911,11 +22382,7 @@
           <a:p>
             <a:r>
               <a:rPr lang="en-US" sz="2800" dirty="0" smtClean="0"/>
-              <a:t>About </a:t>
-            </a:r>
-            <a:r>
-              <a:rPr lang="en-US" sz="2800" dirty="0" smtClean="0"/>
-              <a:t>me – What I do</a:t>
+              <a:t>About me – What I do</a:t>
             </a:r>
             <a:endParaRPr lang="en-US" sz="2800" dirty="0"/>
           </a:p>
@@ -23967,11 +26434,7 @@
 
 <file path=customXml/item1.xml><?xml version="1.0" encoding="utf-8"?>
 <?mso-contentType ?>
-<FormTemplates xmlns="http://schemas.microsoft.com/sharepoint/v3/contenttype/forms">
-  <Display>DocumentLibraryForm</Display>
-  <Edit>DocumentLibraryForm</Edit>
-  <New>DocumentLibraryForm</New>
-</FormTemplates>
+<SharedContentType xmlns="Microsoft.SharePoint.Taxonomy.ContentTypeSync" SourceId="897a53ec-2016-4aee-8be4-ce9632eb08ca" ContentTypeId="0x0101" PreviousValue="false"/>
 </file>
 
 <file path=customXml/item2.xml><?xml version="1.0" encoding="utf-8"?>
@@ -24161,10 +26624,19 @@
 
 <file path=customXml/item3.xml><?xml version="1.0" encoding="utf-8"?>
 <?mso-contentType ?>
-<SharedContentType xmlns="Microsoft.SharePoint.Taxonomy.ContentTypeSync" SourceId="897a53ec-2016-4aee-8be4-ce9632eb08ca" ContentTypeId="0x0101" PreviousValue="false"/>
+<FormTemplates xmlns="http://schemas.microsoft.com/sharepoint/v3/contenttype/forms">
+  <Display>DocumentLibraryForm</Display>
+  <Edit>DocumentLibraryForm</Edit>
+  <New>DocumentLibraryForm</New>
+</FormTemplates>
 </file>
 
 <file path=customXml/item4.xml><?xml version="1.0" encoding="utf-8"?>
+<?mso-contentType ?>
+<spe:Receivers xmlns:spe="http://schemas.microsoft.com/sharepoint/events"/>
+</file>
+
+<file path=customXml/item5.xml><?xml version="1.0" encoding="utf-8"?>
 <p:properties xmlns:p="http://schemas.microsoft.com/office/2006/metadata/properties" xmlns:xsi="http://www.w3.org/2001/XMLSchema-instance" xmlns:pc="http://schemas.microsoft.com/office/infopath/2007/PartnerControls">
   <documentManagement>
     <TaxCatchAll xmlns="d6619361-6733-4889-8a96-470efa1f75f4"/>
@@ -24173,15 +26645,10 @@
 </p:properties>
 </file>
 
-<file path=customXml/item5.xml><?xml version="1.0" encoding="utf-8"?>
-<?mso-contentType ?>
-<spe:Receivers xmlns:spe="http://schemas.microsoft.com/sharepoint/events"/>
-</file>
-
 <file path=customXml/itemProps1.xml><?xml version="1.0" encoding="utf-8"?>
-<ds:datastoreItem xmlns:ds="http://schemas.openxmlformats.org/officeDocument/2006/customXml" ds:itemID="{25ED5C46-2B6C-466C-AFA1-EE63242E5400}">
+<ds:datastoreItem xmlns:ds="http://schemas.openxmlformats.org/officeDocument/2006/customXml" ds:itemID="{047420BB-D876-40A8-8D44-33C265F54C54}">
   <ds:schemaRefs>
-    <ds:schemaRef ds:uri="http://schemas.microsoft.com/sharepoint/v3/contenttype/forms"/>
+    <ds:schemaRef ds:uri="Microsoft.SharePoint.Taxonomy.ContentTypeSync"/>
   </ds:schemaRefs>
 </ds:datastoreItem>
 </file>
@@ -24206,14 +26673,22 @@
 </file>
 
 <file path=customXml/itemProps3.xml><?xml version="1.0" encoding="utf-8"?>
-<ds:datastoreItem xmlns:ds="http://schemas.openxmlformats.org/officeDocument/2006/customXml" ds:itemID="{047420BB-D876-40A8-8D44-33C265F54C54}">
+<ds:datastoreItem xmlns:ds="http://schemas.openxmlformats.org/officeDocument/2006/customXml" ds:itemID="{25ED5C46-2B6C-466C-AFA1-EE63242E5400}">
   <ds:schemaRefs>
-    <ds:schemaRef ds:uri="Microsoft.SharePoint.Taxonomy.ContentTypeSync"/>
+    <ds:schemaRef ds:uri="http://schemas.microsoft.com/sharepoint/v3/contenttype/forms"/>
   </ds:schemaRefs>
 </ds:datastoreItem>
 </file>
 
 <file path=customXml/itemProps4.xml><?xml version="1.0" encoding="utf-8"?>
+<ds:datastoreItem xmlns:ds="http://schemas.openxmlformats.org/officeDocument/2006/customXml" ds:itemID="{E59B90FC-39F4-403E-BEA7-F9A1D83390C7}">
+  <ds:schemaRefs>
+    <ds:schemaRef ds:uri="http://schemas.microsoft.com/sharepoint/events"/>
+  </ds:schemaRefs>
+</ds:datastoreItem>
+</file>
+
+<file path=customXml/itemProps5.xml><?xml version="1.0" encoding="utf-8"?>
 <ds:datastoreItem xmlns:ds="http://schemas.openxmlformats.org/officeDocument/2006/customXml" ds:itemID="{F8082CB4-9A0E-44A4-8772-16826589D3F3}">
   <ds:schemaRefs>
     <ds:schemaRef ds:uri="http://schemas.microsoft.com/office/2006/documentManagement/types"/>
@@ -24228,12 +26703,4 @@
     <ds:schemaRef ds:uri="http://purl.org/dc/terms/"/>
   </ds:schemaRefs>
 </ds:datastoreItem>
-</file>
-
-<file path=customXml/itemProps5.xml><?xml version="1.0" encoding="utf-8"?>
-<ds:datastoreItem xmlns:ds="http://schemas.openxmlformats.org/officeDocument/2006/customXml" ds:itemID="{E59B90FC-39F4-403E-BEA7-F9A1D83390C7}">
-  <ds:schemaRefs>
-    <ds:schemaRef ds:uri="http://schemas.microsoft.com/sharepoint/events"/>
-  </ds:schemaRefs>
-</ds:datastoreItem>
 </file>